--- a/Documents/공모전 ver.1.pptx
+++ b/Documents/공모전 ver.1.pptx
@@ -1,15 +1,15 @@
 
 <file path=ppt/presentation.xml><?xml version="1.0" encoding="utf-8"?>
-<p:presentation xmlns:a="http://schemas.openxmlformats.org/drawingml/2006/main" xmlns:r="http://schemas.openxmlformats.org/officeDocument/2006/relationships" xmlns:p="http://schemas.openxmlformats.org/presentationml/2006/main" saveSubsetFonts="1">
+<p:presentation xmlns:a="http://schemas.openxmlformats.org/drawingml/2006/main" xmlns:r="http://schemas.openxmlformats.org/officeDocument/2006/relationships" xmlns:p="http://schemas.openxmlformats.org/presentationml/2006/main" xmlns:p14="http://schemas.microsoft.com/office/powerpoint/2010/main" saveSubsetFonts="1">
   <p:sldMasterIdLst>
-    <p:sldMasterId id="2147483673" r:id="rId1"/>
+    <p:sldMasterId id="2147483677" r:id="rId13"/>
   </p:sldMasterIdLst>
   <p:sldIdLst>
-    <p:sldId id="258" r:id="rId2"/>
-    <p:sldId id="260" r:id="rId3"/>
-    <p:sldId id="259" r:id="rId4"/>
-    <p:sldId id="256" r:id="rId5"/>
-    <p:sldId id="257" r:id="rId6"/>
+    <p:sldId id="258" r:id="rId15"/>
+    <p:sldId id="260" r:id="rId16"/>
+    <p:sldId id="259" r:id="rId17"/>
+    <p:sldId id="256" r:id="rId18"/>
+    <p:sldId id="257" r:id="rId19"/>
   </p:sldIdLst>
   <p:sldSz cx="12192000" cy="6858000"/>
   <p:notesSz cx="6858000" cy="9144000"/>
@@ -40,11 +40,7 @@
       <a:defRPr lang="ko-KR" smtClean="0"/>
     </a:lvl5pPr>
   </p:defaultTextStyle>
-  <p:extLst>
-    <p:ext uri="{EFAFB233-063F-42B5-8137-9DF3F51BA10A}">
-      <p15:sldGuideLst xmlns:p15="http://schemas.microsoft.com/office/powerpoint/2012/main"/>
-    </p:ext>
-  </p:extLst>
+  <p:extLst/>
 </p:presentation>
 </file>
 
@@ -5124,7 +5120,7 @@
 </file>
 
 <file path=ppt/slides/slide1.xml><?xml version="1.0" encoding="utf-8"?>
-<p:sld xmlns:a="http://schemas.openxmlformats.org/drawingml/2006/main" xmlns:r="http://schemas.openxmlformats.org/officeDocument/2006/relationships" xmlns:p="http://schemas.openxmlformats.org/presentationml/2006/main">
+<p:sld xmlns:a="http://schemas.openxmlformats.org/drawingml/2006/main" xmlns:r="http://schemas.openxmlformats.org/officeDocument/2006/relationships" xmlns:p="http://schemas.openxmlformats.org/presentationml/2006/main" xmlns:p14="http://schemas.microsoft.com/office/powerpoint/2010/main">
   <p:cSld>
     <p:spTree>
       <p:nvGrpSpPr>
@@ -8377,13 +8373,11 @@
           <p:nvPr/>
         </p:nvSpPr>
         <p:spPr>
-          <a:xfrm>
-            <a:off x="3284855" y="1437640"/>
-            <a:ext cx="2110740" cy="433070"/>
-          </a:xfrm>
-          <a:prstGeom prst="roundRect">
-            <a:avLst/>
-          </a:prstGeom>
+          <a:xfrm rot="0">
+            <a:off x="3284855" y="2406015"/>
+            <a:ext cx="2111375" cy="433705"/>
+          </a:xfrm>
+          <a:prstGeom prst="roundRect"/>
           <a:solidFill>
             <a:schemeClr val="bg1"/>
           </a:solidFill>
@@ -8414,12 +8408,15 @@
           </a:fontRef>
         </p:style>
         <p:txBody>
-          <a:bodyPr vert="horz" wrap="square" lIns="91440" tIns="45720" rIns="91440" bIns="45720" anchor="ctr">
+          <a:bodyPr wrap="square" lIns="91440" tIns="45720" rIns="91440" bIns="45720" numCol="1" vert="horz" anchor="ctr">
             <a:noAutofit/>
           </a:bodyPr>
           <a:lstStyle/>
           <a:p>
-            <a:pPr marL="0" indent="0" algn="ctr" defTabSz="508000" hangingPunct="1"/>
+            <a:pPr marL="0" indent="0" algn="ctr" defTabSz="508000" hangingPunct="1">
+              <a:buFontTx/>
+              <a:buNone/>
+            </a:pPr>
             <a:endParaRPr lang="ko-KR" altLang="en-US" sz="1800">
               <a:latin typeface="맑은 고딕" charset="0"/>
               <a:ea typeface="맑은 고딕" charset="0"/>
@@ -8436,13 +8433,11 @@
           <p:nvPr/>
         </p:nvSpPr>
         <p:spPr>
-          <a:xfrm>
-            <a:off x="3397250" y="1541780"/>
-            <a:ext cx="415925" cy="231775"/>
-          </a:xfrm>
-          <a:prstGeom prst="rect">
-            <a:avLst/>
-          </a:prstGeom>
+          <a:xfrm rot="0">
+            <a:off x="3397250" y="2510155"/>
+            <a:ext cx="416560" cy="232410"/>
+          </a:xfrm>
+          <a:prstGeom prst="rect"/>
           <a:noFill/>
           <a:ln w="0" cap="flat" cmpd="sng">
             <a:solidFill>
@@ -8454,12 +8449,15 @@
           </a:ln>
         </p:spPr>
         <p:txBody>
-          <a:bodyPr vert="horz" wrap="square" lIns="89535" tIns="46355" rIns="89535" bIns="46355" anchor="t">
+          <a:bodyPr wrap="square" lIns="89535" tIns="46355" rIns="89535" bIns="46355" numCol="1" vert="horz" anchor="t">
             <a:spAutoFit/>
           </a:bodyPr>
           <a:lstStyle/>
           <a:p>
-            <a:pPr marL="0" indent="0" algn="l" defTabSz="508000" hangingPunct="1"/>
+            <a:pPr marL="0" indent="0" algn="l" defTabSz="508000" hangingPunct="1">
+              <a:buFontTx/>
+              <a:buNone/>
+            </a:pPr>
             <a:r>
               <a:rPr lang="ko-KR" sz="900">
                 <a:latin typeface="맑은 고딕" charset="0"/>
@@ -8483,13 +8481,11 @@
           <p:nvPr/>
         </p:nvSpPr>
         <p:spPr>
-          <a:xfrm>
-            <a:off x="3973830" y="1616710"/>
-            <a:ext cx="580390" cy="216535"/>
-          </a:xfrm>
-          <a:prstGeom prst="rect">
-            <a:avLst/>
-          </a:prstGeom>
+          <a:xfrm rot="0">
+            <a:off x="3973830" y="2585085"/>
+            <a:ext cx="581025" cy="217170"/>
+          </a:xfrm>
+          <a:prstGeom prst="rect"/>
           <a:noFill/>
           <a:ln w="0" cap="flat" cmpd="sng">
             <a:solidFill>
@@ -8501,64 +8497,82 @@
           </a:ln>
         </p:spPr>
         <p:txBody>
-          <a:bodyPr vert="horz" wrap="square" lIns="89535" tIns="46355" rIns="89535" bIns="46355" anchor="t">
+          <a:bodyPr wrap="square" lIns="89535" tIns="46355" rIns="89535" bIns="46355" numCol="1" vert="horz" anchor="t">
             <a:spAutoFit/>
           </a:bodyPr>
           <a:lstStyle/>
           <a:p>
-            <a:pPr marL="0" indent="0" algn="l" defTabSz="508000" hangingPunct="1"/>
+            <a:pPr marL="0" indent="0" algn="l" defTabSz="508000" hangingPunct="1">
+              <a:buFontTx/>
+              <a:buNone/>
+            </a:pPr>
             <a:r>
               <a:rPr lang="ko-KR" sz="800">
                 <a:latin typeface="맑은 고딕" charset="0"/>
                 <a:ea typeface="맑은 고딕" charset="0"/>
               </a:rPr>
-              <a:t>가격 :</a:t>
+              <a:t>가격</a:t>
             </a:r>
-            <a:endParaRPr lang="ko-KR" altLang="en-US" sz="800">
-              <a:latin typeface="맑은 고딕" charset="0"/>
-              <a:ea typeface="맑은 고딕" charset="0"/>
-            </a:endParaRPr>
-          </a:p>
-        </p:txBody>
-      </p:sp>
-      <p:sp>
-        <p:nvSpPr>
-          <p:cNvPr id="68" name="텍스트 상자 67"/>
-          <p:cNvSpPr txBox="1">
-            <a:spLocks/>
-          </p:cNvSpPr>
-          <p:nvPr/>
-        </p:nvSpPr>
-        <p:spPr>
-          <a:xfrm>
-            <a:off x="4556125" y="1619250"/>
-            <a:ext cx="580390" cy="216535"/>
-          </a:xfrm>
-          <a:prstGeom prst="rect">
-            <a:avLst/>
-          </a:prstGeom>
-          <a:noFill/>
-          <a:ln w="0" cap="flat" cmpd="sng">
-            <a:solidFill>
-              <a:schemeClr val="bg1">
-                <a:alpha val="100000"/>
-              </a:schemeClr>
-            </a:solidFill>
-            <a:prstDash val="solid"/>
-          </a:ln>
-        </p:spPr>
-        <p:txBody>
-          <a:bodyPr vert="horz" wrap="square" lIns="89535" tIns="46355" rIns="89535" bIns="46355" anchor="t">
-            <a:spAutoFit/>
-          </a:bodyPr>
-          <a:lstStyle/>
-          <a:p>
-            <a:pPr marL="0" indent="0" algn="l" defTabSz="508000" hangingPunct="1"/>
             <a:r>
               <a:rPr lang="ko-KR" sz="800">
                 <a:latin typeface="맑은 고딕" charset="0"/>
                 <a:ea typeface="맑은 고딕" charset="0"/>
               </a:rPr>
+              <a:t> </a:t>
+            </a:r>
+            <a:r>
+              <a:rPr lang="ko-KR" sz="800">
+                <a:latin typeface="맑은 고딕" charset="0"/>
+                <a:ea typeface="맑은 고딕" charset="0"/>
+              </a:rPr>
+              <a:t>:</a:t>
+            </a:r>
+            <a:endParaRPr lang="ko-KR" altLang="en-US" sz="800">
+              <a:latin typeface="맑은 고딕" charset="0"/>
+              <a:ea typeface="맑은 고딕" charset="0"/>
+            </a:endParaRPr>
+          </a:p>
+        </p:txBody>
+      </p:sp>
+      <p:sp>
+        <p:nvSpPr>
+          <p:cNvPr id="68" name="텍스트 상자 67"/>
+          <p:cNvSpPr txBox="1">
+            <a:spLocks/>
+          </p:cNvSpPr>
+          <p:nvPr/>
+        </p:nvSpPr>
+        <p:spPr>
+          <a:xfrm rot="0">
+            <a:off x="4556125" y="2587625"/>
+            <a:ext cx="581025" cy="217170"/>
+          </a:xfrm>
+          <a:prstGeom prst="rect"/>
+          <a:noFill/>
+          <a:ln w="0" cap="flat" cmpd="sng">
+            <a:solidFill>
+              <a:schemeClr val="bg1">
+                <a:alpha val="100000"/>
+              </a:schemeClr>
+            </a:solidFill>
+            <a:prstDash val="solid"/>
+          </a:ln>
+        </p:spPr>
+        <p:txBody>
+          <a:bodyPr wrap="square" lIns="89535" tIns="46355" rIns="89535" bIns="46355" numCol="1" vert="horz" anchor="t">
+            <a:spAutoFit/>
+          </a:bodyPr>
+          <a:lstStyle/>
+          <a:p>
+            <a:pPr marL="0" indent="0" algn="l" defTabSz="508000" hangingPunct="1">
+              <a:buFontTx/>
+              <a:buNone/>
+            </a:pPr>
+            <a:r>
+              <a:rPr lang="ko-KR" sz="800">
+                <a:latin typeface="맑은 고딕" charset="0"/>
+                <a:ea typeface="맑은 고딕" charset="0"/>
+              </a:rPr>
               <a:t>일자 :</a:t>
             </a:r>
             <a:endParaRPr lang="ko-KR" altLang="en-US" sz="800">
@@ -8577,13 +8591,11 @@
           <p:nvPr/>
         </p:nvSpPr>
         <p:spPr>
-          <a:xfrm>
-            <a:off x="3278505" y="2019935"/>
-            <a:ext cx="2110740" cy="433070"/>
-          </a:xfrm>
-          <a:prstGeom prst="roundRect">
-            <a:avLst/>
-          </a:prstGeom>
+          <a:xfrm rot="0">
+            <a:off x="3278505" y="2988310"/>
+            <a:ext cx="2111375" cy="433705"/>
+          </a:xfrm>
+          <a:prstGeom prst="roundRect"/>
           <a:solidFill>
             <a:schemeClr val="bg1"/>
           </a:solidFill>
@@ -8614,12 +8626,15 @@
           </a:fontRef>
         </p:style>
         <p:txBody>
-          <a:bodyPr vert="horz" wrap="square" lIns="91440" tIns="45720" rIns="91440" bIns="45720" anchor="ctr">
+          <a:bodyPr wrap="square" lIns="91440" tIns="45720" rIns="91440" bIns="45720" numCol="1" vert="horz" anchor="ctr">
             <a:noAutofit/>
           </a:bodyPr>
           <a:lstStyle/>
           <a:p>
-            <a:pPr marL="0" indent="0" algn="ctr" defTabSz="508000" hangingPunct="1"/>
+            <a:pPr marL="0" indent="0" algn="ctr" defTabSz="508000" hangingPunct="1">
+              <a:buFontTx/>
+              <a:buNone/>
+            </a:pPr>
             <a:endParaRPr lang="ko-KR" altLang="en-US" sz="1800">
               <a:latin typeface="맑은 고딕" charset="0"/>
               <a:ea typeface="맑은 고딕" charset="0"/>
@@ -8636,13 +8651,11 @@
           <p:nvPr/>
         </p:nvSpPr>
         <p:spPr>
-          <a:xfrm>
-            <a:off x="3390900" y="2124075"/>
-            <a:ext cx="415925" cy="231775"/>
-          </a:xfrm>
-          <a:prstGeom prst="rect">
-            <a:avLst/>
-          </a:prstGeom>
+          <a:xfrm rot="0">
+            <a:off x="3390900" y="3092450"/>
+            <a:ext cx="416560" cy="232410"/>
+          </a:xfrm>
+          <a:prstGeom prst="rect"/>
           <a:noFill/>
           <a:ln w="0" cap="flat" cmpd="sng">
             <a:solidFill>
@@ -8654,12 +8667,15 @@
           </a:ln>
         </p:spPr>
         <p:txBody>
-          <a:bodyPr vert="horz" wrap="square" lIns="89535" tIns="46355" rIns="89535" bIns="46355" anchor="t">
+          <a:bodyPr wrap="square" lIns="89535" tIns="46355" rIns="89535" bIns="46355" numCol="1" vert="horz" anchor="t">
             <a:spAutoFit/>
           </a:bodyPr>
           <a:lstStyle/>
           <a:p>
-            <a:pPr marL="0" indent="0" algn="l" defTabSz="508000" hangingPunct="1"/>
+            <a:pPr marL="0" indent="0" algn="l" defTabSz="508000" hangingPunct="1">
+              <a:buFontTx/>
+              <a:buNone/>
+            </a:pPr>
             <a:r>
               <a:rPr lang="ko-KR" sz="900">
                 <a:latin typeface="맑은 고딕" charset="0"/>
@@ -8683,13 +8699,11 @@
           <p:nvPr/>
         </p:nvSpPr>
         <p:spPr>
-          <a:xfrm>
-            <a:off x="3967480" y="2199005"/>
-            <a:ext cx="580390" cy="216535"/>
-          </a:xfrm>
-          <a:prstGeom prst="rect">
-            <a:avLst/>
-          </a:prstGeom>
+          <a:xfrm rot="0">
+            <a:off x="3967480" y="3167380"/>
+            <a:ext cx="581025" cy="217170"/>
+          </a:xfrm>
+          <a:prstGeom prst="rect"/>
           <a:noFill/>
           <a:ln w="0" cap="flat" cmpd="sng">
             <a:solidFill>
@@ -8701,12 +8715,15 @@
           </a:ln>
         </p:spPr>
         <p:txBody>
-          <a:bodyPr vert="horz" wrap="square" lIns="89535" tIns="46355" rIns="89535" bIns="46355" anchor="t">
+          <a:bodyPr wrap="square" lIns="89535" tIns="46355" rIns="89535" bIns="46355" numCol="1" vert="horz" anchor="t">
             <a:spAutoFit/>
           </a:bodyPr>
           <a:lstStyle/>
           <a:p>
-            <a:pPr marL="0" indent="0" algn="l" defTabSz="508000" hangingPunct="1"/>
+            <a:pPr marL="0" indent="0" algn="l" defTabSz="508000" hangingPunct="1">
+              <a:buFontTx/>
+              <a:buNone/>
+            </a:pPr>
             <a:r>
               <a:rPr lang="ko-KR" sz="800">
                 <a:latin typeface="맑은 고딕" charset="0"/>
@@ -8730,13 +8747,11 @@
           <p:nvPr/>
         </p:nvSpPr>
         <p:spPr>
-          <a:xfrm>
-            <a:off x="4549775" y="2201545"/>
-            <a:ext cx="580390" cy="216535"/>
-          </a:xfrm>
-          <a:prstGeom prst="rect">
-            <a:avLst/>
-          </a:prstGeom>
+          <a:xfrm rot="0">
+            <a:off x="4549775" y="3169920"/>
+            <a:ext cx="581025" cy="217170"/>
+          </a:xfrm>
+          <a:prstGeom prst="rect"/>
           <a:noFill/>
           <a:ln w="0" cap="flat" cmpd="sng">
             <a:solidFill>
@@ -8748,12 +8763,15 @@
           </a:ln>
         </p:spPr>
         <p:txBody>
-          <a:bodyPr vert="horz" wrap="square" lIns="89535" tIns="46355" rIns="89535" bIns="46355" anchor="t">
+          <a:bodyPr wrap="square" lIns="89535" tIns="46355" rIns="89535" bIns="46355" numCol="1" vert="horz" anchor="t">
             <a:spAutoFit/>
           </a:bodyPr>
           <a:lstStyle/>
           <a:p>
-            <a:pPr marL="0" indent="0" algn="l" defTabSz="508000" hangingPunct="1"/>
+            <a:pPr marL="0" indent="0" algn="l" defTabSz="508000" hangingPunct="1">
+              <a:buFontTx/>
+              <a:buNone/>
+            </a:pPr>
             <a:r>
               <a:rPr lang="ko-KR" sz="800">
                 <a:latin typeface="맑은 고딕" charset="0"/>
@@ -8777,13 +8795,11 @@
           <p:nvPr/>
         </p:nvSpPr>
         <p:spPr>
-          <a:xfrm>
-            <a:off x="3281045" y="2610485"/>
-            <a:ext cx="2110740" cy="433070"/>
-          </a:xfrm>
-          <a:prstGeom prst="roundRect">
-            <a:avLst/>
-          </a:prstGeom>
+          <a:xfrm rot="0">
+            <a:off x="3281045" y="3578860"/>
+            <a:ext cx="2111375" cy="433705"/>
+          </a:xfrm>
+          <a:prstGeom prst="roundRect"/>
           <a:solidFill>
             <a:schemeClr val="bg1"/>
           </a:solidFill>
@@ -8814,12 +8830,15 @@
           </a:fontRef>
         </p:style>
         <p:txBody>
-          <a:bodyPr vert="horz" wrap="square" lIns="91440" tIns="45720" rIns="91440" bIns="45720" anchor="ctr">
+          <a:bodyPr wrap="square" lIns="91440" tIns="45720" rIns="91440" bIns="45720" numCol="1" vert="horz" anchor="ctr">
             <a:noAutofit/>
           </a:bodyPr>
           <a:lstStyle/>
           <a:p>
-            <a:pPr marL="0" indent="0" algn="ctr" defTabSz="508000" hangingPunct="1"/>
+            <a:pPr marL="0" indent="0" algn="ctr" defTabSz="508000" hangingPunct="1">
+              <a:buFontTx/>
+              <a:buNone/>
+            </a:pPr>
             <a:endParaRPr lang="ko-KR" altLang="en-US" sz="1800">
               <a:latin typeface="맑은 고딕" charset="0"/>
               <a:ea typeface="맑은 고딕" charset="0"/>
@@ -8836,13 +8855,11 @@
           <p:nvPr/>
         </p:nvSpPr>
         <p:spPr>
-          <a:xfrm>
-            <a:off x="3393440" y="2714625"/>
-            <a:ext cx="415925" cy="231775"/>
-          </a:xfrm>
-          <a:prstGeom prst="rect">
-            <a:avLst/>
-          </a:prstGeom>
+          <a:xfrm rot="0">
+            <a:off x="3393440" y="3683000"/>
+            <a:ext cx="416560" cy="232410"/>
+          </a:xfrm>
+          <a:prstGeom prst="rect"/>
           <a:noFill/>
           <a:ln w="0" cap="flat" cmpd="sng">
             <a:solidFill>
@@ -8854,12 +8871,15 @@
           </a:ln>
         </p:spPr>
         <p:txBody>
-          <a:bodyPr vert="horz" wrap="square" lIns="89535" tIns="46355" rIns="89535" bIns="46355" anchor="t">
+          <a:bodyPr wrap="square" lIns="89535" tIns="46355" rIns="89535" bIns="46355" numCol="1" vert="horz" anchor="t">
             <a:spAutoFit/>
           </a:bodyPr>
           <a:lstStyle/>
           <a:p>
-            <a:pPr marL="0" indent="0" algn="l" defTabSz="508000" hangingPunct="1"/>
+            <a:pPr marL="0" indent="0" algn="l" defTabSz="508000" hangingPunct="1">
+              <a:buFontTx/>
+              <a:buNone/>
+            </a:pPr>
             <a:r>
               <a:rPr lang="ko-KR" sz="900">
                 <a:latin typeface="맑은 고딕" charset="0"/>
@@ -8883,13 +8903,11 @@
           <p:nvPr/>
         </p:nvSpPr>
         <p:spPr>
-          <a:xfrm>
-            <a:off x="3970020" y="2789555"/>
-            <a:ext cx="580390" cy="216535"/>
-          </a:xfrm>
-          <a:prstGeom prst="rect">
-            <a:avLst/>
-          </a:prstGeom>
+          <a:xfrm rot="0">
+            <a:off x="3970020" y="3757930"/>
+            <a:ext cx="581025" cy="217170"/>
+          </a:xfrm>
+          <a:prstGeom prst="rect"/>
           <a:noFill/>
           <a:ln w="0" cap="flat" cmpd="sng">
             <a:solidFill>
@@ -8901,12 +8919,15 @@
           </a:ln>
         </p:spPr>
         <p:txBody>
-          <a:bodyPr vert="horz" wrap="square" lIns="89535" tIns="46355" rIns="89535" bIns="46355" anchor="t">
+          <a:bodyPr wrap="square" lIns="89535" tIns="46355" rIns="89535" bIns="46355" numCol="1" vert="horz" anchor="t">
             <a:spAutoFit/>
           </a:bodyPr>
           <a:lstStyle/>
           <a:p>
-            <a:pPr marL="0" indent="0" algn="l" defTabSz="508000" hangingPunct="1"/>
+            <a:pPr marL="0" indent="0" algn="l" defTabSz="508000" hangingPunct="1">
+              <a:buFontTx/>
+              <a:buNone/>
+            </a:pPr>
             <a:r>
               <a:rPr lang="ko-KR" sz="800">
                 <a:latin typeface="맑은 고딕" charset="0"/>
@@ -8930,13 +8951,11 @@
           <p:nvPr/>
         </p:nvSpPr>
         <p:spPr>
-          <a:xfrm>
-            <a:off x="4552315" y="2792095"/>
-            <a:ext cx="580390" cy="216535"/>
-          </a:xfrm>
-          <a:prstGeom prst="rect">
-            <a:avLst/>
-          </a:prstGeom>
+          <a:xfrm rot="0">
+            <a:off x="4552315" y="3760470"/>
+            <a:ext cx="581025" cy="217170"/>
+          </a:xfrm>
+          <a:prstGeom prst="rect"/>
           <a:noFill/>
           <a:ln w="0" cap="flat" cmpd="sng">
             <a:solidFill>
@@ -8948,12 +8967,15 @@
           </a:ln>
         </p:spPr>
         <p:txBody>
-          <a:bodyPr vert="horz" wrap="square" lIns="89535" tIns="46355" rIns="89535" bIns="46355" anchor="t">
+          <a:bodyPr wrap="square" lIns="89535" tIns="46355" rIns="89535" bIns="46355" numCol="1" vert="horz" anchor="t">
             <a:spAutoFit/>
           </a:bodyPr>
           <a:lstStyle/>
           <a:p>
-            <a:pPr marL="0" indent="0" algn="l" defTabSz="508000" hangingPunct="1"/>
+            <a:pPr marL="0" indent="0" algn="l" defTabSz="508000" hangingPunct="1">
+              <a:buFontTx/>
+              <a:buNone/>
+            </a:pPr>
             <a:r>
               <a:rPr lang="ko-KR" sz="800">
                 <a:latin typeface="맑은 고딕" charset="0"/>
@@ -9079,7 +9101,7 @@
         <p:spPr>
           <a:xfrm>
             <a:off x="6338570" y="1355090"/>
-            <a:ext cx="798830" cy="247504"/>
+            <a:ext cx="798830" cy="247650"/>
           </a:xfrm>
           <a:prstGeom prst="rect">
             <a:avLst/>
@@ -9122,7 +9144,7 @@
         <p:spPr>
           <a:xfrm>
             <a:off x="7241540" y="1351915"/>
-            <a:ext cx="798830" cy="262892"/>
+            <a:ext cx="798830" cy="262890"/>
           </a:xfrm>
           <a:prstGeom prst="rect">
             <a:avLst/>
@@ -9159,13 +9181,11 @@
           <p:nvPr/>
         </p:nvSpPr>
         <p:spPr>
-          <a:xfrm>
-            <a:off x="6116320" y="1833880"/>
-            <a:ext cx="2110740" cy="433070"/>
-          </a:xfrm>
-          <a:prstGeom prst="roundRect">
-            <a:avLst/>
-          </a:prstGeom>
+          <a:xfrm rot="0">
+            <a:off x="6151245" y="2335530"/>
+            <a:ext cx="2111375" cy="433705"/>
+          </a:xfrm>
+          <a:prstGeom prst="roundRect"/>
           <a:solidFill>
             <a:schemeClr val="bg1"/>
           </a:solidFill>
@@ -9196,12 +9216,15 @@
           </a:fontRef>
         </p:style>
         <p:txBody>
-          <a:bodyPr vert="horz" wrap="square" lIns="91440" tIns="45720" rIns="91440" bIns="45720" anchor="ctr">
+          <a:bodyPr wrap="square" lIns="91440" tIns="45720" rIns="91440" bIns="45720" numCol="1" vert="horz" anchor="ctr">
             <a:noAutofit/>
           </a:bodyPr>
           <a:lstStyle/>
           <a:p>
-            <a:pPr marL="0" indent="0" algn="ctr" defTabSz="508000" hangingPunct="1"/>
+            <a:pPr marL="0" indent="0" algn="ctr" defTabSz="508000" hangingPunct="1">
+              <a:buFontTx/>
+              <a:buNone/>
+            </a:pPr>
             <a:endParaRPr lang="ko-KR" altLang="en-US" sz="1800">
               <a:latin typeface="맑은 고딕" charset="0"/>
               <a:ea typeface="맑은 고딕" charset="0"/>
@@ -9218,13 +9241,11 @@
           <p:nvPr/>
         </p:nvSpPr>
         <p:spPr>
-          <a:xfrm>
-            <a:off x="6236970" y="1945640"/>
-            <a:ext cx="415925" cy="231775"/>
-          </a:xfrm>
-          <a:prstGeom prst="rect">
-            <a:avLst/>
-          </a:prstGeom>
+          <a:xfrm rot="0">
+            <a:off x="6271895" y="2447290"/>
+            <a:ext cx="416560" cy="232410"/>
+          </a:xfrm>
+          <a:prstGeom prst="rect"/>
           <a:noFill/>
           <a:ln w="0" cap="flat" cmpd="sng">
             <a:solidFill>
@@ -9236,12 +9257,15 @@
           </a:ln>
         </p:spPr>
         <p:txBody>
-          <a:bodyPr vert="horz" wrap="square" lIns="89535" tIns="46355" rIns="89535" bIns="46355" anchor="t">
+          <a:bodyPr wrap="square" lIns="89535" tIns="46355" rIns="89535" bIns="46355" numCol="1" vert="horz" anchor="t">
             <a:spAutoFit/>
           </a:bodyPr>
           <a:lstStyle/>
           <a:p>
-            <a:pPr marL="0" indent="0" algn="l" defTabSz="508000" hangingPunct="1"/>
+            <a:pPr marL="0" indent="0" algn="l" defTabSz="508000" hangingPunct="1">
+              <a:buFontTx/>
+              <a:buNone/>
+            </a:pPr>
             <a:r>
               <a:rPr lang="ko-KR" sz="900">
                 <a:latin typeface="맑은 고딕" charset="0"/>
@@ -9265,13 +9289,11 @@
           <p:nvPr/>
         </p:nvSpPr>
         <p:spPr>
-          <a:xfrm>
-            <a:off x="7379335" y="2020570"/>
-            <a:ext cx="580390" cy="216535"/>
-          </a:xfrm>
-          <a:prstGeom prst="rect">
-            <a:avLst/>
-          </a:prstGeom>
+          <a:xfrm rot="0">
+            <a:off x="7414260" y="2522220"/>
+            <a:ext cx="581025" cy="217170"/>
+          </a:xfrm>
+          <a:prstGeom prst="rect"/>
           <a:noFill/>
           <a:ln w="0" cap="flat" cmpd="sng">
             <a:solidFill>
@@ -9283,12 +9305,15 @@
           </a:ln>
         </p:spPr>
         <p:txBody>
-          <a:bodyPr vert="horz" wrap="square" lIns="89535" tIns="46355" rIns="89535" bIns="46355" anchor="t">
+          <a:bodyPr wrap="square" lIns="89535" tIns="46355" rIns="89535" bIns="46355" numCol="1" vert="horz" anchor="t">
             <a:spAutoFit/>
           </a:bodyPr>
           <a:lstStyle/>
           <a:p>
-            <a:pPr marL="0" indent="0" algn="l" defTabSz="508000" hangingPunct="1"/>
+            <a:pPr marL="0" indent="0" algn="l" defTabSz="508000" hangingPunct="1">
+              <a:buFontTx/>
+              <a:buNone/>
+            </a:pPr>
             <a:r>
               <a:rPr lang="ko-KR" sz="800">
                 <a:latin typeface="맑은 고딕" charset="0"/>
@@ -9312,13 +9337,11 @@
           <p:nvPr/>
         </p:nvSpPr>
         <p:spPr>
-          <a:xfrm>
-            <a:off x="6725920" y="1925955"/>
-            <a:ext cx="516255" cy="278130"/>
-          </a:xfrm>
-          <a:prstGeom prst="rect">
-            <a:avLst/>
-          </a:prstGeom>
+          <a:xfrm rot="0">
+            <a:off x="6760845" y="2427605"/>
+            <a:ext cx="516890" cy="278765"/>
+          </a:xfrm>
+          <a:prstGeom prst="rect"/>
           <a:noFill/>
           <a:ln w="0" cap="flat" cmpd="sng">
             <a:solidFill>
@@ -9330,20 +9353,23 @@
           </a:ln>
         </p:spPr>
         <p:txBody>
-          <a:bodyPr vert="horz" wrap="square" lIns="89535" tIns="46355" rIns="89535" bIns="46355" anchor="t">
+          <a:bodyPr wrap="square" lIns="89535" tIns="46355" rIns="89535" bIns="46355" numCol="1" vert="horz" anchor="t">
             <a:spAutoFit/>
           </a:bodyPr>
           <a:lstStyle/>
           <a:p>
-            <a:pPr marL="0" indent="0" algn="l" defTabSz="508000" hangingPunct="1"/>
+            <a:pPr marL="0" indent="0" algn="l" defTabSz="508000" hangingPunct="1">
+              <a:buFontTx/>
+              <a:buNone/>
+            </a:pPr>
             <a:r>
-              <a:rPr lang="ko-KR" sz="1200" dirty="0">
+              <a:rPr lang="ko-KR" sz="1200">
                 <a:latin typeface="맑은 고딕" charset="0"/>
                 <a:ea typeface="맑은 고딕" charset="0"/>
               </a:rPr>
               <a:t>설명</a:t>
             </a:r>
-            <a:endParaRPr lang="ko-KR" altLang="en-US" sz="1200" dirty="0">
+            <a:endParaRPr lang="ko-KR" altLang="en-US" sz="1200">
               <a:latin typeface="맑은 고딕" charset="0"/>
               <a:ea typeface="맑은 고딕" charset="0"/>
             </a:endParaRPr>
@@ -9402,13 +9428,11 @@
           <p:nvPr/>
         </p:nvSpPr>
         <p:spPr>
-          <a:xfrm>
-            <a:off x="6113145" y="2446020"/>
-            <a:ext cx="2110740" cy="433070"/>
-          </a:xfrm>
-          <a:prstGeom prst="roundRect">
-            <a:avLst/>
-          </a:prstGeom>
+          <a:xfrm rot="0">
+            <a:off x="6148070" y="2947670"/>
+            <a:ext cx="2111375" cy="433705"/>
+          </a:xfrm>
+          <a:prstGeom prst="roundRect"/>
           <a:solidFill>
             <a:schemeClr val="bg1"/>
           </a:solidFill>
@@ -9439,12 +9463,15 @@
           </a:fontRef>
         </p:style>
         <p:txBody>
-          <a:bodyPr vert="horz" wrap="square" lIns="91440" tIns="45720" rIns="91440" bIns="45720" anchor="ctr">
+          <a:bodyPr wrap="square" lIns="91440" tIns="45720" rIns="91440" bIns="45720" numCol="1" vert="horz" anchor="ctr">
             <a:noAutofit/>
           </a:bodyPr>
           <a:lstStyle/>
           <a:p>
-            <a:pPr marL="0" indent="0" algn="ctr" defTabSz="508000" hangingPunct="1"/>
+            <a:pPr marL="0" indent="0" algn="ctr" defTabSz="508000" hangingPunct="1">
+              <a:buFontTx/>
+              <a:buNone/>
+            </a:pPr>
             <a:endParaRPr lang="ko-KR" altLang="en-US" sz="1800">
               <a:latin typeface="맑은 고딕" charset="0"/>
               <a:ea typeface="맑은 고딕" charset="0"/>
@@ -9461,13 +9488,11 @@
           <p:nvPr/>
         </p:nvSpPr>
         <p:spPr>
-          <a:xfrm>
-            <a:off x="6233795" y="2557780"/>
-            <a:ext cx="415925" cy="231775"/>
-          </a:xfrm>
-          <a:prstGeom prst="rect">
-            <a:avLst/>
-          </a:prstGeom>
+          <a:xfrm rot="0">
+            <a:off x="6259830" y="3059430"/>
+            <a:ext cx="416560" cy="232410"/>
+          </a:xfrm>
+          <a:prstGeom prst="rect"/>
           <a:noFill/>
           <a:ln w="0" cap="flat" cmpd="sng">
             <a:solidFill>
@@ -9479,12 +9504,15 @@
           </a:ln>
         </p:spPr>
         <p:txBody>
-          <a:bodyPr vert="horz" wrap="square" lIns="89535" tIns="46355" rIns="89535" bIns="46355" anchor="t">
+          <a:bodyPr wrap="square" lIns="89535" tIns="46355" rIns="89535" bIns="46355" numCol="1" vert="horz" anchor="t">
             <a:spAutoFit/>
           </a:bodyPr>
           <a:lstStyle/>
           <a:p>
-            <a:pPr marL="0" indent="0" algn="l" defTabSz="508000" hangingPunct="1"/>
+            <a:pPr marL="0" indent="0" algn="l" defTabSz="508000" hangingPunct="1">
+              <a:buFontTx/>
+              <a:buNone/>
+            </a:pPr>
             <a:r>
               <a:rPr lang="ko-KR" sz="900">
                 <a:latin typeface="맑은 고딕" charset="0"/>
@@ -9508,13 +9536,11 @@
           <p:nvPr/>
         </p:nvSpPr>
         <p:spPr>
-          <a:xfrm>
-            <a:off x="7376160" y="2632710"/>
-            <a:ext cx="580390" cy="216535"/>
-          </a:xfrm>
-          <a:prstGeom prst="rect">
-            <a:avLst/>
-          </a:prstGeom>
+          <a:xfrm rot="0">
+            <a:off x="7402195" y="3134360"/>
+            <a:ext cx="581025" cy="217170"/>
+          </a:xfrm>
+          <a:prstGeom prst="rect"/>
           <a:noFill/>
           <a:ln w="0" cap="flat" cmpd="sng">
             <a:solidFill>
@@ -9526,12 +9552,15 @@
           </a:ln>
         </p:spPr>
         <p:txBody>
-          <a:bodyPr vert="horz" wrap="square" lIns="89535" tIns="46355" rIns="89535" bIns="46355" anchor="t">
+          <a:bodyPr wrap="square" lIns="89535" tIns="46355" rIns="89535" bIns="46355" numCol="1" vert="horz" anchor="t">
             <a:spAutoFit/>
           </a:bodyPr>
           <a:lstStyle/>
           <a:p>
-            <a:pPr marL="0" indent="0" algn="l" defTabSz="508000" hangingPunct="1"/>
+            <a:pPr marL="0" indent="0" algn="l" defTabSz="508000" hangingPunct="1">
+              <a:buFontTx/>
+              <a:buNone/>
+            </a:pPr>
             <a:r>
               <a:rPr lang="ko-KR" sz="800">
                 <a:latin typeface="맑은 고딕" charset="0"/>
@@ -9555,13 +9584,11 @@
           <p:nvPr/>
         </p:nvSpPr>
         <p:spPr>
-          <a:xfrm>
-            <a:off x="6722745" y="2538095"/>
-            <a:ext cx="516255" cy="278130"/>
-          </a:xfrm>
-          <a:prstGeom prst="rect">
-            <a:avLst/>
-          </a:prstGeom>
+          <a:xfrm rot="0">
+            <a:off x="6748780" y="3039745"/>
+            <a:ext cx="516890" cy="278765"/>
+          </a:xfrm>
+          <a:prstGeom prst="rect"/>
           <a:noFill/>
           <a:ln w="0" cap="flat" cmpd="sng">
             <a:solidFill>
@@ -9573,20 +9600,23 @@
           </a:ln>
         </p:spPr>
         <p:txBody>
-          <a:bodyPr vert="horz" wrap="square" lIns="89535" tIns="46355" rIns="89535" bIns="46355" anchor="t">
+          <a:bodyPr wrap="square" lIns="89535" tIns="46355" rIns="89535" bIns="46355" numCol="1" vert="horz" anchor="t">
             <a:spAutoFit/>
           </a:bodyPr>
           <a:lstStyle/>
           <a:p>
-            <a:pPr marL="0" indent="0" algn="l" defTabSz="508000" hangingPunct="1"/>
+            <a:pPr marL="0" indent="0" algn="l" defTabSz="508000" hangingPunct="1">
+              <a:buFontTx/>
+              <a:buNone/>
+            </a:pPr>
             <a:r>
-              <a:rPr lang="ko-KR" sz="1200" dirty="0">
+              <a:rPr lang="ko-KR" sz="1200">
                 <a:latin typeface="맑은 고딕" charset="0"/>
                 <a:ea typeface="맑은 고딕" charset="0"/>
               </a:rPr>
               <a:t>설명</a:t>
             </a:r>
-            <a:endParaRPr lang="ko-KR" altLang="en-US" sz="1200" dirty="0">
+            <a:endParaRPr lang="ko-KR" altLang="en-US" sz="1200">
               <a:latin typeface="맑은 고딕" charset="0"/>
               <a:ea typeface="맑은 고딕" charset="0"/>
             </a:endParaRPr>
@@ -9602,13 +9632,11 @@
           <p:nvPr/>
         </p:nvSpPr>
         <p:spPr>
-          <a:xfrm>
-            <a:off x="6118225" y="3007995"/>
-            <a:ext cx="2110740" cy="433070"/>
-          </a:xfrm>
-          <a:prstGeom prst="roundRect">
-            <a:avLst/>
-          </a:prstGeom>
+          <a:xfrm rot="0">
+            <a:off x="6144260" y="3509645"/>
+            <a:ext cx="2111375" cy="433705"/>
+          </a:xfrm>
+          <a:prstGeom prst="roundRect"/>
           <a:solidFill>
             <a:schemeClr val="bg1"/>
           </a:solidFill>
@@ -9639,12 +9667,15 @@
           </a:fontRef>
         </p:style>
         <p:txBody>
-          <a:bodyPr vert="horz" wrap="square" lIns="91440" tIns="45720" rIns="91440" bIns="45720" anchor="ctr">
+          <a:bodyPr wrap="square" lIns="91440" tIns="45720" rIns="91440" bIns="45720" numCol="1" vert="horz" anchor="ctr">
             <a:noAutofit/>
           </a:bodyPr>
           <a:lstStyle/>
           <a:p>
-            <a:pPr marL="0" indent="0" algn="ctr" defTabSz="508000" hangingPunct="1"/>
+            <a:pPr marL="0" indent="0" algn="ctr" defTabSz="508000" hangingPunct="1">
+              <a:buFontTx/>
+              <a:buNone/>
+            </a:pPr>
             <a:endParaRPr lang="ko-KR" altLang="en-US" sz="1800">
               <a:latin typeface="맑은 고딕" charset="0"/>
               <a:ea typeface="맑은 고딕" charset="0"/>
@@ -9661,13 +9692,11 @@
           <p:nvPr/>
         </p:nvSpPr>
         <p:spPr>
-          <a:xfrm>
-            <a:off x="6238875" y="3119755"/>
-            <a:ext cx="415925" cy="231775"/>
-          </a:xfrm>
-          <a:prstGeom prst="rect">
-            <a:avLst/>
-          </a:prstGeom>
+          <a:xfrm rot="0">
+            <a:off x="6264910" y="3621405"/>
+            <a:ext cx="416560" cy="232410"/>
+          </a:xfrm>
+          <a:prstGeom prst="rect"/>
           <a:noFill/>
           <a:ln w="0" cap="flat" cmpd="sng">
             <a:solidFill>
@@ -9679,12 +9708,15 @@
           </a:ln>
         </p:spPr>
         <p:txBody>
-          <a:bodyPr vert="horz" wrap="square" lIns="89535" tIns="46355" rIns="89535" bIns="46355" anchor="t">
+          <a:bodyPr wrap="square" lIns="89535" tIns="46355" rIns="89535" bIns="46355" numCol="1" vert="horz" anchor="t">
             <a:spAutoFit/>
           </a:bodyPr>
           <a:lstStyle/>
           <a:p>
-            <a:pPr marL="0" indent="0" algn="l" defTabSz="508000" hangingPunct="1"/>
+            <a:pPr marL="0" indent="0" algn="l" defTabSz="508000" hangingPunct="1">
+              <a:buFontTx/>
+              <a:buNone/>
+            </a:pPr>
             <a:r>
               <a:rPr lang="ko-KR" sz="900">
                 <a:latin typeface="맑은 고딕" charset="0"/>
@@ -9708,13 +9740,11 @@
           <p:nvPr/>
         </p:nvSpPr>
         <p:spPr>
-          <a:xfrm>
-            <a:off x="7381240" y="3194685"/>
-            <a:ext cx="580390" cy="216535"/>
-          </a:xfrm>
-          <a:prstGeom prst="rect">
-            <a:avLst/>
-          </a:prstGeom>
+          <a:xfrm rot="0">
+            <a:off x="7407275" y="3696335"/>
+            <a:ext cx="581025" cy="217170"/>
+          </a:xfrm>
+          <a:prstGeom prst="rect"/>
           <a:noFill/>
           <a:ln w="0" cap="flat" cmpd="sng">
             <a:solidFill>
@@ -9726,12 +9756,15 @@
           </a:ln>
         </p:spPr>
         <p:txBody>
-          <a:bodyPr vert="horz" wrap="square" lIns="89535" tIns="46355" rIns="89535" bIns="46355" anchor="t">
+          <a:bodyPr wrap="square" lIns="89535" tIns="46355" rIns="89535" bIns="46355" numCol="1" vert="horz" anchor="t">
             <a:spAutoFit/>
           </a:bodyPr>
           <a:lstStyle/>
           <a:p>
-            <a:pPr marL="0" indent="0" algn="l" defTabSz="508000" hangingPunct="1"/>
+            <a:pPr marL="0" indent="0" algn="l" defTabSz="508000" hangingPunct="1">
+              <a:buFontTx/>
+              <a:buNone/>
+            </a:pPr>
             <a:r>
               <a:rPr lang="ko-KR" sz="800">
                 <a:latin typeface="맑은 고딕" charset="0"/>
@@ -9755,13 +9788,11 @@
           <p:nvPr/>
         </p:nvSpPr>
         <p:spPr>
-          <a:xfrm>
-            <a:off x="6727825" y="3100070"/>
-            <a:ext cx="516255" cy="278130"/>
-          </a:xfrm>
-          <a:prstGeom prst="rect">
-            <a:avLst/>
-          </a:prstGeom>
+          <a:xfrm rot="0">
+            <a:off x="6753860" y="3601720"/>
+            <a:ext cx="516890" cy="278765"/>
+          </a:xfrm>
+          <a:prstGeom prst="rect"/>
           <a:noFill/>
           <a:ln w="0" cap="flat" cmpd="sng">
             <a:solidFill>
@@ -9773,12 +9804,15 @@
           </a:ln>
         </p:spPr>
         <p:txBody>
-          <a:bodyPr vert="horz" wrap="square" lIns="89535" tIns="46355" rIns="89535" bIns="46355" anchor="t">
+          <a:bodyPr wrap="square" lIns="89535" tIns="46355" rIns="89535" bIns="46355" numCol="1" vert="horz" anchor="t">
             <a:spAutoFit/>
           </a:bodyPr>
           <a:lstStyle/>
           <a:p>
-            <a:pPr marL="0" indent="0" algn="l" defTabSz="508000" hangingPunct="1"/>
+            <a:pPr marL="0" indent="0" algn="l" defTabSz="508000" hangingPunct="1">
+              <a:buFontTx/>
+              <a:buNone/>
+            </a:pPr>
             <a:r>
               <a:rPr lang="ko-KR" sz="1200">
                 <a:latin typeface="맑은 고딕" charset="0"/>
@@ -11448,8 +11482,8 @@
         </p:nvSpPr>
         <p:spPr>
           <a:xfrm>
-            <a:off x="3230587" y="4964668"/>
-            <a:ext cx="2305439" cy="369332"/>
+            <a:off x="3230880" y="4964430"/>
+            <a:ext cx="2305685" cy="369570"/>
           </a:xfrm>
           <a:prstGeom prst="rect">
             <a:avLst/>
@@ -11484,8 +11518,8 @@
         </p:nvSpPr>
         <p:spPr>
           <a:xfrm>
-            <a:off x="10636250" y="4248837"/>
-            <a:ext cx="856615" cy="416456"/>
+            <a:off x="10636250" y="4248785"/>
+            <a:ext cx="856615" cy="416560"/>
           </a:xfrm>
           <a:prstGeom prst="rect">
             <a:avLst/>
@@ -11536,8 +11570,8 @@
         </p:nvSpPr>
         <p:spPr>
           <a:xfrm>
-            <a:off x="7006395" y="4268470"/>
-            <a:ext cx="856615" cy="416456"/>
+            <a:off x="7006590" y="4268470"/>
+            <a:ext cx="856615" cy="416560"/>
           </a:xfrm>
           <a:prstGeom prst="rect">
             <a:avLst/>
@@ -11588,8 +11622,8 @@
         </p:nvSpPr>
         <p:spPr>
           <a:xfrm>
-            <a:off x="3520415" y="4252699"/>
-            <a:ext cx="856615" cy="416456"/>
+            <a:off x="3520440" y="4252595"/>
+            <a:ext cx="856615" cy="416560"/>
           </a:xfrm>
           <a:prstGeom prst="rect">
             <a:avLst/>
@@ -11640,8 +11674,8 @@
         </p:nvSpPr>
         <p:spPr>
           <a:xfrm>
-            <a:off x="65797" y="4268470"/>
-            <a:ext cx="856615" cy="416456"/>
+            <a:off x="66040" y="4268470"/>
+            <a:ext cx="856615" cy="416560"/>
           </a:xfrm>
           <a:prstGeom prst="rect">
             <a:avLst/>
@@ -11692,8 +11726,8 @@
         </p:nvSpPr>
         <p:spPr>
           <a:xfrm>
-            <a:off x="2053541" y="3765654"/>
-            <a:ext cx="676592" cy="416456"/>
+            <a:off x="2053590" y="3765550"/>
+            <a:ext cx="676275" cy="416560"/>
           </a:xfrm>
           <a:prstGeom prst="rect">
             <a:avLst/>
@@ -11730,24 +11764,329 @@
           </a:p>
         </p:txBody>
       </p:sp>
+      <p:sp>
+        <p:nvSpPr>
+          <p:cNvPr id="135" name="텍스트 상자 134"/>
+          <p:cNvSpPr txBox="1">
+            <a:spLocks/>
+          </p:cNvSpPr>
+          <p:nvPr/>
+        </p:nvSpPr>
+        <p:spPr>
+          <a:xfrm rot="0">
+            <a:off x="3362960" y="1255395"/>
+            <a:ext cx="699770" cy="216535"/>
+          </a:xfrm>
+          <a:prstGeom prst="rect"/>
+          <a:noFill/>
+          <a:ln w="0">
+            <a:noFill/>
+            <a:prstDash/>
+          </a:ln>
+        </p:spPr>
+        <p:txBody>
+          <a:bodyPr wrap="square" lIns="89535" tIns="46355" rIns="89535" bIns="46355" numCol="1" vert="horz" anchor="t">
+            <a:spAutoFit/>
+          </a:bodyPr>
+          <a:lstStyle/>
+          <a:p>
+            <a:pPr marL="0" indent="0" algn="l" defTabSz="508000" hangingPunct="1">
+              <a:buFontTx/>
+              <a:buNone/>
+            </a:pPr>
+            <a:r>
+              <a:rPr lang="ko-KR" sz="800">
+                <a:latin typeface="맑은 고딕" charset="0"/>
+                <a:ea typeface="맑은 고딕" charset="0"/>
+              </a:rPr>
+              <a:t>카테고리 : </a:t>
+            </a:r>
+            <a:endParaRPr lang="ko-KR" altLang="en-US" sz="800">
+              <a:latin typeface="맑은 고딕" charset="0"/>
+              <a:ea typeface="맑은 고딕" charset="0"/>
+            </a:endParaRPr>
+          </a:p>
+        </p:txBody>
+      </p:sp>
+      <p:sp>
+        <p:nvSpPr>
+          <p:cNvPr id="137" name="텍스트 상자 136"/>
+          <p:cNvSpPr txBox="1">
+            <a:spLocks/>
+          </p:cNvSpPr>
+          <p:nvPr/>
+        </p:nvSpPr>
+        <p:spPr>
+          <a:xfrm rot="0">
+            <a:off x="7282180" y="1622425"/>
+            <a:ext cx="848360" cy="339725"/>
+          </a:xfrm>
+          <a:prstGeom prst="rect"/>
+          <a:noFill/>
+          <a:ln w="0">
+            <a:noFill/>
+            <a:prstDash/>
+          </a:ln>
+        </p:spPr>
+        <p:txBody>
+          <a:bodyPr wrap="square" lIns="89535" tIns="46355" rIns="89535" bIns="46355" numCol="1" vert="horz" anchor="t">
+            <a:spAutoFit/>
+          </a:bodyPr>
+          <a:lstStyle/>
+          <a:p>
+            <a:pPr marL="0" indent="0" algn="l" defTabSz="508000" hangingPunct="1">
+              <a:buFontTx/>
+              <a:buNone/>
+            </a:pPr>
+            <a:r>
+              <a:rPr lang="ko-KR" sz="800">
+                <a:latin typeface="맑은 고딕" charset="0"/>
+                <a:ea typeface="맑은 고딕" charset="0"/>
+              </a:rPr>
+              <a:t>정렬 : </a:t>
+            </a:r>
+            <a:r>
+              <a:rPr lang="ko-KR" sz="800">
+                <a:latin typeface="맑은 고딕" charset="0"/>
+                <a:ea typeface="맑은 고딕" charset="0"/>
+              </a:rPr>
+              <a:t>등록</a:t>
+            </a:r>
+            <a:r>
+              <a:rPr lang="ko-KR" sz="800">
+                <a:latin typeface="맑은 고딕" charset="0"/>
+                <a:ea typeface="맑은 고딕" charset="0"/>
+              </a:rPr>
+              <a:t>순</a:t>
+            </a:r>
+            <a:endParaRPr lang="ko-KR" altLang="en-US" sz="800">
+              <a:latin typeface="맑은 고딕" charset="0"/>
+              <a:ea typeface="맑은 고딕" charset="0"/>
+            </a:endParaRPr>
+          </a:p>
+          <a:p>
+            <a:pPr marL="0" indent="0" algn="l" defTabSz="508000" hangingPunct="1">
+              <a:buFontTx/>
+              <a:buNone/>
+            </a:pPr>
+            <a:r>
+              <a:rPr lang="ko-KR" sz="800">
+                <a:latin typeface="맑은 고딕" charset="0"/>
+                <a:ea typeface="맑은 고딕" charset="0"/>
+              </a:rPr>
+              <a:t>        조회순</a:t>
+            </a:r>
+            <a:endParaRPr lang="ko-KR" altLang="en-US" sz="800">
+              <a:latin typeface="맑은 고딕" charset="0"/>
+              <a:ea typeface="맑은 고딕" charset="0"/>
+            </a:endParaRPr>
+          </a:p>
+        </p:txBody>
+      </p:sp>
+      <p:sp>
+        <p:nvSpPr>
+          <p:cNvPr id="138" name="텍스트 상자 137"/>
+          <p:cNvSpPr txBox="1">
+            <a:spLocks/>
+          </p:cNvSpPr>
+          <p:nvPr/>
+        </p:nvSpPr>
+        <p:spPr>
+          <a:xfrm rot="0">
+            <a:off x="4413250" y="1201420"/>
+            <a:ext cx="802640" cy="339725"/>
+          </a:xfrm>
+          <a:prstGeom prst="rect"/>
+          <a:noFill/>
+          <a:ln w="0">
+            <a:noFill/>
+            <a:prstDash/>
+          </a:ln>
+        </p:spPr>
+        <p:txBody>
+          <a:bodyPr wrap="square" lIns="89535" tIns="46355" rIns="89535" bIns="46355" numCol="1" vert="horz" anchor="t">
+            <a:spAutoFit/>
+          </a:bodyPr>
+          <a:lstStyle/>
+          <a:p>
+            <a:pPr marL="0" indent="0" algn="l" defTabSz="508000" hangingPunct="1">
+              <a:buFontTx/>
+              <a:buNone/>
+            </a:pPr>
+            <a:r>
+              <a:rPr lang="ko-KR" sz="800">
+                <a:latin typeface="맑은 고딕" charset="0"/>
+                <a:ea typeface="맑은 고딕" charset="0"/>
+              </a:rPr>
+              <a:t>정렬 : 마감순</a:t>
+            </a:r>
+            <a:endParaRPr lang="ko-KR" altLang="en-US" sz="800">
+              <a:latin typeface="맑은 고딕" charset="0"/>
+              <a:ea typeface="맑은 고딕" charset="0"/>
+            </a:endParaRPr>
+          </a:p>
+          <a:p>
+            <a:pPr marL="0" indent="0" algn="l" defTabSz="508000" hangingPunct="1">
+              <a:buFontTx/>
+              <a:buNone/>
+            </a:pPr>
+            <a:r>
+              <a:rPr lang="ko-KR" sz="800">
+                <a:latin typeface="맑은 고딕" charset="0"/>
+                <a:ea typeface="맑은 고딕" charset="0"/>
+              </a:rPr>
+              <a:t>        조회순</a:t>
+            </a:r>
+            <a:endParaRPr lang="ko-KR" altLang="en-US" sz="800">
+              <a:latin typeface="맑은 고딕" charset="0"/>
+              <a:ea typeface="맑은 고딕" charset="0"/>
+            </a:endParaRPr>
+          </a:p>
+        </p:txBody>
+      </p:sp>
+      <p:cxnSp>
+        <p:nvCxnSpPr>
+          <p:cNvPr id="139" name="도형 138"/>
+          <p:cNvCxnSpPr/>
+          <p:nvPr/>
+        </p:nvCxnSpPr>
+        <p:spPr>
+          <a:xfrm rot="0">
+            <a:off x="4020185" y="1297305"/>
+            <a:ext cx="2540" cy="170815"/>
+          </a:xfrm>
+          <a:prstGeom prst="straightConnector1"/>
+          <a:ln w="6350" cap="flat" cmpd="sng">
+            <a:solidFill>
+              <a:schemeClr val="tx1">
+                <a:alpha val="100000"/>
+              </a:schemeClr>
+            </a:solidFill>
+            <a:prstDash val="solid"/>
+            <a:tailEnd type="triangle" w="med" len="med"/>
+          </a:ln>
+        </p:spPr>
+        <p:style>
+          <a:lnRef idx="1">
+            <a:schemeClr val="accent1"/>
+          </a:lnRef>
+          <a:fillRef idx="0">
+            <a:schemeClr val="accent1"/>
+          </a:fillRef>
+          <a:effectRef idx="0">
+            <a:schemeClr val="accent1"/>
+          </a:effectRef>
+          <a:fontRef idx="minor">
+            <a:schemeClr val="tx1"/>
+          </a:fontRef>
+        </p:style>
+      </p:cxnSp>
+      <p:sp>
+        <p:nvSpPr>
+          <p:cNvPr id="140" name="텍스트 상자 139"/>
+          <p:cNvSpPr txBox="1">
+            <a:spLocks/>
+          </p:cNvSpPr>
+          <p:nvPr/>
+        </p:nvSpPr>
+        <p:spPr>
+          <a:xfrm rot="0">
+            <a:off x="6315075" y="1647190"/>
+            <a:ext cx="699770" cy="216535"/>
+          </a:xfrm>
+          <a:prstGeom prst="rect"/>
+          <a:noFill/>
+          <a:ln w="0">
+            <a:noFill/>
+            <a:prstDash/>
+          </a:ln>
+        </p:spPr>
+        <p:txBody>
+          <a:bodyPr wrap="square" lIns="89535" tIns="46355" rIns="89535" bIns="46355" numCol="1" vert="horz" anchor="t">
+            <a:spAutoFit/>
+          </a:bodyPr>
+          <a:lstStyle/>
+          <a:p>
+            <a:pPr marL="0" indent="0" algn="l" defTabSz="508000" hangingPunct="1">
+              <a:buFontTx/>
+              <a:buNone/>
+            </a:pPr>
+            <a:r>
+              <a:rPr lang="ko-KR" sz="800">
+                <a:latin typeface="맑은 고딕" charset="0"/>
+                <a:ea typeface="맑은 고딕" charset="0"/>
+              </a:rPr>
+              <a:t>카테고리 : </a:t>
+            </a:r>
+            <a:endParaRPr lang="ko-KR" altLang="en-US" sz="800">
+              <a:latin typeface="맑은 고딕" charset="0"/>
+              <a:ea typeface="맑은 고딕" charset="0"/>
+            </a:endParaRPr>
+          </a:p>
+        </p:txBody>
+      </p:sp>
+      <p:cxnSp>
+        <p:nvCxnSpPr>
+          <p:cNvPr id="141" name="도형 140"/>
+          <p:cNvCxnSpPr/>
+          <p:nvPr/>
+        </p:nvCxnSpPr>
+        <p:spPr>
+          <a:xfrm rot="0">
+            <a:off x="6972300" y="1689100"/>
+            <a:ext cx="2540" cy="170815"/>
+          </a:xfrm>
+          <a:prstGeom prst="straightConnector1"/>
+          <a:ln w="6350" cap="flat" cmpd="sng">
+            <a:solidFill>
+              <a:schemeClr val="tx1">
+                <a:alpha val="100000"/>
+              </a:schemeClr>
+            </a:solidFill>
+            <a:prstDash val="solid"/>
+            <a:tailEnd type="triangle" w="med" len="med"/>
+          </a:ln>
+        </p:spPr>
+        <p:style>
+          <a:lnRef idx="1">
+            <a:schemeClr val="accent1"/>
+          </a:lnRef>
+          <a:fillRef idx="0">
+            <a:schemeClr val="accent1"/>
+          </a:fillRef>
+          <a:effectRef idx="0">
+            <a:schemeClr val="accent1"/>
+          </a:effectRef>
+          <a:fontRef idx="minor">
+            <a:schemeClr val="tx1"/>
+          </a:fontRef>
+        </p:style>
+      </p:cxnSp>
     </p:spTree>
   </p:cSld>
   <p:clrMapOvr>
     <a:masterClrMapping/>
   </p:clrMapOvr>
-  <mc:AlternateContent xmlns:mc="http://schemas.openxmlformats.org/markup-compatibility/2006" xmlns:p14="http://schemas.microsoft.com/office/powerpoint/2010/main">
-    <mc:Choice Requires="p14">
-      <p:transition/>
+  <mc:AlternateContent xmlns:mc="http://schemas.openxmlformats.org/markup-compatibility/2006">
+    <mc:Choice xmlns:p14="http://schemas.microsoft.com/office/powerpoint/2010/main" Requires="p14">
+      <p:transition spd="slow" p14:dur="500"/>
     </mc:Choice>
-    <mc:Fallback xmlns="">
+    <mc:Fallback>
       <p:transition spd="slow"/>
     </mc:Fallback>
   </mc:AlternateContent>
+  <p:timing>
+    <p:tnLst>
+      <p:par>
+        <p:cTn id="1" dur="indefinite" restart="never" nodeType="tmRoot"/>
+      </p:par>
+    </p:tnLst>
+  </p:timing>
 </p:sld>
 </file>
 
 <file path=ppt/slides/slide2.xml><?xml version="1.0" encoding="utf-8"?>
-<p:sld xmlns:a="http://schemas.openxmlformats.org/drawingml/2006/main" xmlns:r="http://schemas.openxmlformats.org/officeDocument/2006/relationships" xmlns:p="http://schemas.openxmlformats.org/presentationml/2006/main">
+<p:sld xmlns:a="http://schemas.openxmlformats.org/drawingml/2006/main" xmlns:r="http://schemas.openxmlformats.org/officeDocument/2006/relationships" xmlns:p="http://schemas.openxmlformats.org/presentationml/2006/main" xmlns:p14="http://schemas.microsoft.com/office/powerpoint/2010/main">
   <p:cSld>
     <p:spTree>
       <p:nvGrpSpPr>
@@ -11765,20 +12104,61 @@
       </p:grpSpPr>
       <p:sp>
         <p:nvSpPr>
-          <p:cNvPr id="2" name="도형 1"/>
+          <p:cNvPr id="31" name="텍스트 상자 30"/>
+          <p:cNvSpPr txBox="1">
+            <a:spLocks/>
+          </p:cNvSpPr>
+          <p:nvPr/>
+        </p:nvSpPr>
+        <p:spPr>
+          <a:xfrm>
+            <a:off x="278130" y="207010"/>
+            <a:ext cx="4952365" cy="370205"/>
+          </a:xfrm>
+          <a:prstGeom prst="rect">
+            <a:avLst/>
+          </a:prstGeom>
+          <a:noFill/>
+          <a:ln w="28575" cap="flat" cmpd="sng">
+            <a:prstDash val="solid"/>
+            <a:round/>
+          </a:ln>
+        </p:spPr>
+        <p:txBody>
+          <a:bodyPr vert="horz" wrap="square" lIns="89535" tIns="46355" rIns="89535" bIns="46355" anchor="t">
+            <a:spAutoFit/>
+          </a:bodyPr>
+          <a:lstStyle/>
+          <a:p>
+            <a:pPr marL="0" indent="0" algn="l" defTabSz="508000" hangingPunct="1"/>
+            <a:r>
+              <a:rPr lang="ko-KR" sz="1800">
+                <a:latin typeface="맑은 고딕" charset="0"/>
+                <a:ea typeface="맑은 고딕" charset="0"/>
+              </a:rPr>
+              <a:t>판매자 화면(상품 추가)</a:t>
+            </a:r>
+            <a:endParaRPr lang="ko-KR" altLang="en-US" sz="1800">
+              <a:latin typeface="맑은 고딕" charset="0"/>
+              <a:ea typeface="맑은 고딕" charset="0"/>
+            </a:endParaRPr>
+          </a:p>
+        </p:txBody>
+      </p:sp>
+      <p:sp>
+        <p:nvSpPr>
+          <p:cNvPr id="56" name="도형 55"/>
           <p:cNvSpPr>
             <a:spLocks/>
           </p:cNvSpPr>
           <p:nvPr/>
         </p:nvSpPr>
         <p:spPr>
-          <a:xfrm>
-            <a:off x="180340" y="825500"/>
-            <a:ext cx="2664460" cy="3823335"/>
-          </a:xfrm>
-          <a:prstGeom prst="rect">
-            <a:avLst/>
-          </a:prstGeom>
+          <a:xfrm rot="0">
+            <a:off x="393700" y="822325"/>
+            <a:ext cx="2665095" cy="3823970"/>
+          </a:xfrm>
+          <a:prstGeom prst="rect"/>
           <a:solidFill>
             <a:schemeClr val="bg1"/>
           </a:solidFill>
@@ -11809,12 +12189,15 @@
           </a:fontRef>
         </p:style>
         <p:txBody>
-          <a:bodyPr vert="horz" wrap="square" lIns="91440" tIns="45720" rIns="91440" bIns="45720" anchor="ctr">
+          <a:bodyPr wrap="square" lIns="91440" tIns="45720" rIns="91440" bIns="45720" numCol="1" vert="horz" anchor="ctr">
             <a:noAutofit/>
           </a:bodyPr>
           <a:lstStyle/>
           <a:p>
-            <a:pPr marL="0" indent="0" algn="l" defTabSz="508000" hangingPunct="1"/>
+            <a:pPr marL="0" indent="0" algn="l" defTabSz="508000" hangingPunct="1">
+              <a:buFontTx/>
+              <a:buNone/>
+            </a:pPr>
             <a:endParaRPr lang="ko-KR" altLang="en-US" sz="1800">
               <a:latin typeface="맑은 고딕" charset="0"/>
               <a:ea typeface="맑은 고딕" charset="0"/>
@@ -11824,20 +12207,18 @@
       </p:sp>
       <p:sp>
         <p:nvSpPr>
-          <p:cNvPr id="3" name="텍스트 상자 2"/>
+          <p:cNvPr id="57" name="텍스트 상자 56"/>
           <p:cNvSpPr txBox="1">
             <a:spLocks/>
           </p:cNvSpPr>
           <p:nvPr/>
         </p:nvSpPr>
         <p:spPr>
-          <a:xfrm>
-            <a:off x="186055" y="831850"/>
-            <a:ext cx="2664460" cy="370205"/>
-          </a:xfrm>
-          <a:prstGeom prst="rect">
-            <a:avLst/>
-          </a:prstGeom>
+          <a:xfrm rot="0">
+            <a:off x="391160" y="803910"/>
+            <a:ext cx="2665095" cy="370840"/>
+          </a:xfrm>
+          <a:prstGeom prst="rect"/>
           <a:noFill/>
           <a:ln w="28575" cap="flat" cmpd="sng">
             <a:solidFill>
@@ -11850,12 +12231,15 @@
           </a:ln>
         </p:spPr>
         <p:txBody>
-          <a:bodyPr vert="horz" wrap="square" lIns="89535" tIns="46355" rIns="89535" bIns="46355" anchor="t">
+          <a:bodyPr wrap="square" lIns="89535" tIns="46355" rIns="89535" bIns="46355" numCol="1" vert="horz" anchor="t">
             <a:spAutoFit/>
           </a:bodyPr>
           <a:lstStyle/>
           <a:p>
-            <a:pPr marL="0" indent="0" algn="ctr" defTabSz="508000" hangingPunct="1"/>
+            <a:pPr marL="0" indent="0" algn="ctr" defTabSz="508000" hangingPunct="1">
+              <a:buFontTx/>
+              <a:buNone/>
+            </a:pPr>
             <a:r>
               <a:rPr lang="ko-KR" sz="1800">
                 <a:latin typeface="맑은 고딕" charset="0"/>
@@ -11872,20 +12256,18 @@
       </p:sp>
       <p:sp>
         <p:nvSpPr>
-          <p:cNvPr id="4" name="도형 3"/>
+          <p:cNvPr id="58" name="도형 57"/>
           <p:cNvSpPr>
             <a:spLocks/>
           </p:cNvSpPr>
           <p:nvPr/>
         </p:nvSpPr>
         <p:spPr>
-          <a:xfrm>
-            <a:off x="175260" y="4288790"/>
-            <a:ext cx="2664460" cy="372745"/>
-          </a:xfrm>
-          <a:prstGeom prst="rect">
-            <a:avLst/>
-          </a:prstGeom>
+          <a:xfrm rot="0">
+            <a:off x="380365" y="4260850"/>
+            <a:ext cx="2665095" cy="373380"/>
+          </a:xfrm>
+          <a:prstGeom prst="rect"/>
           <a:solidFill>
             <a:schemeClr val="bg1"/>
           </a:solidFill>
@@ -11916,12 +12298,15 @@
           </a:fontRef>
         </p:style>
         <p:txBody>
-          <a:bodyPr vert="horz" wrap="square" lIns="91440" tIns="45720" rIns="91440" bIns="45720" anchor="ctr">
+          <a:bodyPr wrap="square" lIns="91440" tIns="45720" rIns="91440" bIns="45720" numCol="1" vert="horz" anchor="ctr">
             <a:noAutofit/>
           </a:bodyPr>
           <a:lstStyle/>
           <a:p>
-            <a:pPr marL="0" indent="0" algn="ctr" defTabSz="508000" hangingPunct="1"/>
+            <a:pPr marL="0" indent="0" algn="ctr" defTabSz="508000" hangingPunct="1">
+              <a:buFontTx/>
+              <a:buNone/>
+            </a:pPr>
             <a:endParaRPr lang="ko-KR" altLang="en-US" sz="1800">
               <a:latin typeface="맑은 고딕" charset="0"/>
               <a:ea typeface="맑은 고딕" charset="0"/>
@@ -11931,18 +12316,16 @@
       </p:sp>
       <p:cxnSp>
         <p:nvCxnSpPr>
-          <p:cNvPr id="5" name="도형 4"/>
+          <p:cNvPr id="59" name="도형 58"/>
           <p:cNvCxnSpPr/>
           <p:nvPr/>
         </p:nvCxnSpPr>
         <p:spPr>
-          <a:xfrm>
-            <a:off x="807085" y="4271645"/>
-            <a:ext cx="635" cy="398780"/>
-          </a:xfrm>
-          <a:prstGeom prst="line">
-            <a:avLst/>
-          </a:prstGeom>
+          <a:xfrm rot="0">
+            <a:off x="1012190" y="4243705"/>
+            <a:ext cx="1270" cy="399415"/>
+          </a:xfrm>
+          <a:prstGeom prst="line"/>
           <a:ln w="28575" cap="flat" cmpd="sng">
             <a:solidFill>
               <a:schemeClr val="tx1">
@@ -11970,18 +12353,16 @@
       </p:cxnSp>
       <p:cxnSp>
         <p:nvCxnSpPr>
-          <p:cNvPr id="6" name="도형 5"/>
+          <p:cNvPr id="60" name="도형 59"/>
           <p:cNvCxnSpPr/>
           <p:nvPr/>
         </p:nvCxnSpPr>
         <p:spPr>
-          <a:xfrm>
-            <a:off x="2123440" y="4274185"/>
-            <a:ext cx="635" cy="398780"/>
-          </a:xfrm>
-          <a:prstGeom prst="line">
-            <a:avLst/>
-          </a:prstGeom>
+          <a:xfrm rot="0">
+            <a:off x="2328545" y="4246245"/>
+            <a:ext cx="1270" cy="399415"/>
+          </a:xfrm>
+          <a:prstGeom prst="line"/>
           <a:ln w="28575" cap="flat" cmpd="sng">
             <a:solidFill>
               <a:schemeClr val="tx1">
@@ -12009,18 +12390,16 @@
       </p:cxnSp>
       <p:cxnSp>
         <p:nvCxnSpPr>
-          <p:cNvPr id="7" name="도형 6"/>
+          <p:cNvPr id="61" name="도형 60"/>
           <p:cNvCxnSpPr/>
           <p:nvPr/>
         </p:nvCxnSpPr>
         <p:spPr>
-          <a:xfrm>
-            <a:off x="1433830" y="4267835"/>
-            <a:ext cx="635" cy="398780"/>
-          </a:xfrm>
-          <a:prstGeom prst="line">
-            <a:avLst/>
-          </a:prstGeom>
+          <a:xfrm rot="0">
+            <a:off x="1638935" y="4239895"/>
+            <a:ext cx="1270" cy="399415"/>
+          </a:xfrm>
+          <a:prstGeom prst="line"/>
           <a:ln w="28575" cap="flat" cmpd="sng">
             <a:solidFill>
               <a:schemeClr val="tx1">
@@ -12048,20 +12427,18 @@
       </p:cxnSp>
       <p:sp>
         <p:nvSpPr>
-          <p:cNvPr id="8" name="도형 7"/>
+          <p:cNvPr id="62" name="도형 61"/>
           <p:cNvSpPr>
             <a:spLocks/>
           </p:cNvSpPr>
           <p:nvPr/>
         </p:nvSpPr>
         <p:spPr>
-          <a:xfrm>
-            <a:off x="278765" y="4323715"/>
-            <a:ext cx="389890" cy="139065"/>
-          </a:xfrm>
-          <a:prstGeom prst="triangle">
-            <a:avLst/>
-          </a:prstGeom>
+          <a:xfrm rot="0">
+            <a:off x="483870" y="4295775"/>
+            <a:ext cx="390525" cy="139700"/>
+          </a:xfrm>
+          <a:prstGeom prst="triangle"/>
           <a:solidFill>
             <a:schemeClr val="bg1"/>
           </a:solidFill>
@@ -12092,12 +12469,15 @@
           </a:fontRef>
         </p:style>
         <p:txBody>
-          <a:bodyPr vert="horz" wrap="square" lIns="91440" tIns="45720" rIns="91440" bIns="45720" anchor="ctr">
+          <a:bodyPr wrap="square" lIns="91440" tIns="45720" rIns="91440" bIns="45720" numCol="1" vert="horz" anchor="ctr">
             <a:noAutofit/>
           </a:bodyPr>
           <a:lstStyle/>
           <a:p>
-            <a:pPr marL="0" indent="0" algn="ctr" defTabSz="508000" hangingPunct="1"/>
+            <a:pPr marL="0" indent="0" algn="ctr" defTabSz="508000" hangingPunct="1">
+              <a:buFontTx/>
+              <a:buNone/>
+            </a:pPr>
             <a:endParaRPr lang="ko-KR" altLang="en-US" sz="1800">
               <a:latin typeface="맑은 고딕" charset="0"/>
               <a:ea typeface="맑은 고딕" charset="0"/>
@@ -12107,20 +12487,18 @@
       </p:sp>
       <p:sp>
         <p:nvSpPr>
-          <p:cNvPr id="9" name="도형 8"/>
+          <p:cNvPr id="63" name="도형 62"/>
           <p:cNvSpPr>
             <a:spLocks/>
           </p:cNvSpPr>
           <p:nvPr/>
         </p:nvSpPr>
         <p:spPr>
-          <a:xfrm>
-            <a:off x="382270" y="4462780"/>
-            <a:ext cx="190500" cy="190500"/>
-          </a:xfrm>
-          <a:prstGeom prst="rect">
-            <a:avLst/>
-          </a:prstGeom>
+          <a:xfrm rot="0">
+            <a:off x="587375" y="4434840"/>
+            <a:ext cx="191135" cy="191135"/>
+          </a:xfrm>
+          <a:prstGeom prst="rect"/>
           <a:solidFill>
             <a:schemeClr val="bg1"/>
           </a:solidFill>
@@ -12151,12 +12529,15 @@
           </a:fontRef>
         </p:style>
         <p:txBody>
-          <a:bodyPr vert="horz" wrap="square" lIns="91440" tIns="45720" rIns="91440" bIns="45720" anchor="ctr">
+          <a:bodyPr wrap="square" lIns="91440" tIns="45720" rIns="91440" bIns="45720" numCol="1" vert="horz" anchor="ctr">
             <a:noAutofit/>
           </a:bodyPr>
           <a:lstStyle/>
           <a:p>
-            <a:pPr marL="0" indent="0" algn="ctr" defTabSz="508000" hangingPunct="1"/>
+            <a:pPr marL="0" indent="0" algn="ctr" defTabSz="508000" hangingPunct="1">
+              <a:buFontTx/>
+              <a:buNone/>
+            </a:pPr>
             <a:endParaRPr lang="ko-KR" altLang="en-US" sz="1800">
               <a:latin typeface="맑은 고딕" charset="0"/>
               <a:ea typeface="맑은 고딕" charset="0"/>
@@ -12166,18 +12547,16 @@
       </p:sp>
       <p:cxnSp>
         <p:nvCxnSpPr>
-          <p:cNvPr id="10" name="도형 9"/>
+          <p:cNvPr id="64" name="도형 63"/>
           <p:cNvCxnSpPr/>
           <p:nvPr/>
         </p:nvCxnSpPr>
         <p:spPr>
-          <a:xfrm>
-            <a:off x="962025" y="4366895"/>
-            <a:ext cx="303530" cy="635"/>
-          </a:xfrm>
-          <a:prstGeom prst="line">
-            <a:avLst/>
-          </a:prstGeom>
+          <a:xfrm rot="0">
+            <a:off x="1167130" y="4338955"/>
+            <a:ext cx="304165" cy="1270"/>
+          </a:xfrm>
+          <a:prstGeom prst="line"/>
           <a:ln w="28575" cap="flat" cmpd="sng">
             <a:solidFill>
               <a:schemeClr val="tx1">
@@ -12205,18 +12584,16 @@
       </p:cxnSp>
       <p:cxnSp>
         <p:nvCxnSpPr>
-          <p:cNvPr id="11" name="도형 10"/>
+          <p:cNvPr id="65" name="도형 64"/>
           <p:cNvCxnSpPr/>
           <p:nvPr/>
         </p:nvCxnSpPr>
         <p:spPr>
-          <a:xfrm>
-            <a:off x="965200" y="4438650"/>
-            <a:ext cx="303530" cy="635"/>
-          </a:xfrm>
-          <a:prstGeom prst="line">
-            <a:avLst/>
-          </a:prstGeom>
+          <a:xfrm rot="0">
+            <a:off x="1170305" y="4410710"/>
+            <a:ext cx="304165" cy="1270"/>
+          </a:xfrm>
+          <a:prstGeom prst="line"/>
           <a:ln w="28575" cap="flat" cmpd="sng">
             <a:solidFill>
               <a:schemeClr val="tx1">
@@ -12244,18 +12621,16 @@
       </p:cxnSp>
       <p:cxnSp>
         <p:nvCxnSpPr>
-          <p:cNvPr id="12" name="도형 11"/>
+          <p:cNvPr id="66" name="도형 65"/>
           <p:cNvCxnSpPr/>
           <p:nvPr/>
         </p:nvCxnSpPr>
         <p:spPr>
-          <a:xfrm>
-            <a:off x="968375" y="4493260"/>
-            <a:ext cx="303530" cy="635"/>
-          </a:xfrm>
-          <a:prstGeom prst="line">
-            <a:avLst/>
-          </a:prstGeom>
+          <a:xfrm rot="0">
+            <a:off x="1173480" y="4465320"/>
+            <a:ext cx="304165" cy="1270"/>
+          </a:xfrm>
+          <a:prstGeom prst="line"/>
           <a:ln w="28575" cap="flat" cmpd="sng">
             <a:solidFill>
               <a:schemeClr val="tx1">
@@ -12283,18 +12658,16 @@
       </p:cxnSp>
       <p:cxnSp>
         <p:nvCxnSpPr>
-          <p:cNvPr id="13" name="도형 12"/>
+          <p:cNvPr id="67" name="도형 66"/>
           <p:cNvCxnSpPr/>
           <p:nvPr/>
         </p:nvCxnSpPr>
         <p:spPr>
-          <a:xfrm>
-            <a:off x="971550" y="4565015"/>
-            <a:ext cx="303530" cy="635"/>
-          </a:xfrm>
-          <a:prstGeom prst="line">
-            <a:avLst/>
-          </a:prstGeom>
+          <a:xfrm rot="0">
+            <a:off x="1176655" y="4537075"/>
+            <a:ext cx="304165" cy="1270"/>
+          </a:xfrm>
+          <a:prstGeom prst="line"/>
           <a:ln w="28575" cap="flat" cmpd="sng">
             <a:solidFill>
               <a:schemeClr val="tx1">
@@ -12322,20 +12695,18 @@
       </p:cxnSp>
       <p:sp>
         <p:nvSpPr>
-          <p:cNvPr id="14" name="도형 13"/>
+          <p:cNvPr id="68" name="도형 67"/>
           <p:cNvSpPr>
             <a:spLocks/>
           </p:cNvSpPr>
           <p:nvPr/>
         </p:nvSpPr>
         <p:spPr>
-          <a:xfrm>
-            <a:off x="1628140" y="4332605"/>
-            <a:ext cx="199390" cy="182245"/>
-          </a:xfrm>
-          <a:prstGeom prst="ellipse">
-            <a:avLst/>
-          </a:prstGeom>
+          <a:xfrm rot="0">
+            <a:off x="1833245" y="4304665"/>
+            <a:ext cx="200025" cy="182880"/>
+          </a:xfrm>
+          <a:prstGeom prst="ellipse"/>
           <a:solidFill>
             <a:schemeClr val="bg1"/>
           </a:solidFill>
@@ -12366,12 +12737,15 @@
           </a:fontRef>
         </p:style>
         <p:txBody>
-          <a:bodyPr vert="horz" wrap="square" lIns="91440" tIns="45720" rIns="91440" bIns="45720" anchor="ctr">
+          <a:bodyPr wrap="square" lIns="91440" tIns="45720" rIns="91440" bIns="45720" numCol="1" vert="horz" anchor="ctr">
             <a:noAutofit/>
           </a:bodyPr>
           <a:lstStyle/>
           <a:p>
-            <a:pPr marL="0" indent="0" algn="ctr" defTabSz="508000" hangingPunct="1"/>
+            <a:pPr marL="0" indent="0" algn="ctr" defTabSz="508000" hangingPunct="1">
+              <a:buFontTx/>
+              <a:buNone/>
+            </a:pPr>
             <a:endParaRPr lang="ko-KR" altLang="en-US" sz="1800">
               <a:latin typeface="맑은 고딕" charset="0"/>
               <a:ea typeface="맑은 고딕" charset="0"/>
@@ -12381,18 +12755,16 @@
       </p:sp>
       <p:cxnSp>
         <p:nvCxnSpPr>
-          <p:cNvPr id="15" name="도형 14"/>
+          <p:cNvPr id="69" name="도형 68"/>
           <p:cNvCxnSpPr/>
           <p:nvPr/>
         </p:nvCxnSpPr>
         <p:spPr>
-          <a:xfrm>
-            <a:off x="1797685" y="4487545"/>
-            <a:ext cx="151130" cy="122555"/>
-          </a:xfrm>
-          <a:prstGeom prst="line">
-            <a:avLst/>
-          </a:prstGeom>
+          <a:xfrm rot="0">
+            <a:off x="2002790" y="4459605"/>
+            <a:ext cx="151765" cy="123190"/>
+          </a:xfrm>
+          <a:prstGeom prst="line"/>
           <a:ln w="28575" cap="flat" cmpd="sng">
             <a:solidFill>
               <a:schemeClr val="tx1">
@@ -12420,20 +12792,18 @@
       </p:cxnSp>
       <p:sp>
         <p:nvSpPr>
-          <p:cNvPr id="16" name="도형 15"/>
+          <p:cNvPr id="70" name="도형 69"/>
           <p:cNvSpPr>
             <a:spLocks/>
           </p:cNvSpPr>
           <p:nvPr/>
         </p:nvSpPr>
         <p:spPr>
-          <a:xfrm>
-            <a:off x="2423795" y="4297680"/>
-            <a:ext cx="182880" cy="182245"/>
-          </a:xfrm>
-          <a:prstGeom prst="ellipse">
-            <a:avLst/>
-          </a:prstGeom>
+          <a:xfrm rot="0">
+            <a:off x="2628900" y="4269740"/>
+            <a:ext cx="183515" cy="182880"/>
+          </a:xfrm>
+          <a:prstGeom prst="ellipse"/>
           <a:solidFill>
             <a:schemeClr val="bg1"/>
           </a:solidFill>
@@ -12464,12 +12834,15 @@
           </a:fontRef>
         </p:style>
         <p:txBody>
-          <a:bodyPr vert="horz" wrap="square" lIns="91440" tIns="45720" rIns="91440" bIns="45720" anchor="ctr">
+          <a:bodyPr wrap="square" lIns="91440" tIns="45720" rIns="91440" bIns="45720" numCol="1" vert="horz" anchor="ctr">
             <a:noAutofit/>
           </a:bodyPr>
           <a:lstStyle/>
           <a:p>
-            <a:pPr marL="0" indent="0" algn="ctr" defTabSz="508000" hangingPunct="1"/>
+            <a:pPr marL="0" indent="0" algn="ctr" defTabSz="508000" hangingPunct="1">
+              <a:buFontTx/>
+              <a:buNone/>
+            </a:pPr>
             <a:endParaRPr lang="ko-KR" altLang="en-US" sz="1800">
               <a:latin typeface="맑은 고딕" charset="0"/>
               <a:ea typeface="맑은 고딕" charset="0"/>
@@ -12479,20 +12852,18 @@
       </p:sp>
       <p:sp>
         <p:nvSpPr>
-          <p:cNvPr id="17" name="도형 16"/>
+          <p:cNvPr id="71" name="도형 70"/>
           <p:cNvSpPr>
             <a:spLocks/>
           </p:cNvSpPr>
           <p:nvPr/>
         </p:nvSpPr>
         <p:spPr>
-          <a:xfrm>
-            <a:off x="2372360" y="4479290"/>
-            <a:ext cx="276860" cy="173990"/>
-          </a:xfrm>
-          <a:prstGeom prst="round2SameRect">
-            <a:avLst/>
-          </a:prstGeom>
+          <a:xfrm rot="0">
+            <a:off x="2577465" y="4451350"/>
+            <a:ext cx="277495" cy="174625"/>
+          </a:xfrm>
+          <a:prstGeom prst="round2SameRect"/>
           <a:solidFill>
             <a:schemeClr val="bg1"/>
           </a:solidFill>
@@ -12523,12 +12894,15 @@
           </a:fontRef>
         </p:style>
         <p:txBody>
-          <a:bodyPr vert="horz" wrap="square" lIns="91440" tIns="45720" rIns="91440" bIns="45720" anchor="ctr">
+          <a:bodyPr wrap="square" lIns="91440" tIns="45720" rIns="91440" bIns="45720" numCol="1" vert="horz" anchor="ctr">
             <a:noAutofit/>
           </a:bodyPr>
           <a:lstStyle/>
           <a:p>
-            <a:pPr marL="0" indent="0" algn="ctr" defTabSz="508000" hangingPunct="1"/>
+            <a:pPr marL="0" indent="0" algn="ctr" defTabSz="508000" hangingPunct="1">
+              <a:buFontTx/>
+              <a:buNone/>
+            </a:pPr>
             <a:endParaRPr lang="ko-KR" altLang="en-US" sz="1800">
               <a:latin typeface="맑은 고딕" charset="0"/>
               <a:ea typeface="맑은 고딕" charset="0"/>
@@ -12538,63 +12912,18 @@
       </p:sp>
       <p:sp>
         <p:nvSpPr>
-          <p:cNvPr id="31" name="텍스트 상자 30"/>
-          <p:cNvSpPr txBox="1">
-            <a:spLocks/>
-          </p:cNvSpPr>
-          <p:nvPr/>
-        </p:nvSpPr>
-        <p:spPr>
-          <a:xfrm>
-            <a:off x="278130" y="207010"/>
-            <a:ext cx="4952365" cy="370205"/>
-          </a:xfrm>
-          <a:prstGeom prst="rect">
-            <a:avLst/>
-          </a:prstGeom>
-          <a:noFill/>
-          <a:ln w="28575" cap="flat" cmpd="sng">
-            <a:prstDash val="solid"/>
-            <a:round/>
-          </a:ln>
-        </p:spPr>
-        <p:txBody>
-          <a:bodyPr vert="horz" wrap="square" lIns="89535" tIns="46355" rIns="89535" bIns="46355" anchor="t">
-            <a:spAutoFit/>
-          </a:bodyPr>
-          <a:lstStyle/>
-          <a:p>
-            <a:pPr marL="0" indent="0" algn="l" defTabSz="508000" hangingPunct="1"/>
-            <a:r>
-              <a:rPr lang="ko-KR" sz="1800">
-                <a:latin typeface="맑은 고딕" charset="0"/>
-                <a:ea typeface="맑은 고딕" charset="0"/>
-              </a:rPr>
-              <a:t>판매자 화면(상품 추가)</a:t>
-            </a:r>
-            <a:endParaRPr lang="ko-KR" altLang="en-US" sz="1800">
-              <a:latin typeface="맑은 고딕" charset="0"/>
-              <a:ea typeface="맑은 고딕" charset="0"/>
-            </a:endParaRPr>
-          </a:p>
-        </p:txBody>
-      </p:sp>
-      <p:sp>
-        <p:nvSpPr>
-          <p:cNvPr id="32" name="도형 31"/>
+          <p:cNvPr id="72" name="도형 71"/>
           <p:cNvSpPr>
             <a:spLocks/>
           </p:cNvSpPr>
           <p:nvPr/>
         </p:nvSpPr>
         <p:spPr>
-          <a:xfrm>
-            <a:off x="363855" y="1420495"/>
-            <a:ext cx="915035" cy="915035"/>
-          </a:xfrm>
-          <a:prstGeom prst="rect">
-            <a:avLst/>
-          </a:prstGeom>
+          <a:xfrm rot="0">
+            <a:off x="2358390" y="3180715"/>
+            <a:ext cx="581025" cy="657225"/>
+          </a:xfrm>
+          <a:prstGeom prst="rect"/>
           <a:solidFill>
             <a:schemeClr val="bg1"/>
           </a:solidFill>
@@ -12625,12 +12954,15 @@
           </a:fontRef>
         </p:style>
         <p:txBody>
-          <a:bodyPr vert="horz" wrap="square" lIns="91440" tIns="45720" rIns="91440" bIns="45720" anchor="ctr">
+          <a:bodyPr wrap="square" lIns="91440" tIns="45720" rIns="91440" bIns="45720" numCol="1" vert="horz" anchor="ctr">
             <a:noAutofit/>
           </a:bodyPr>
           <a:lstStyle/>
           <a:p>
-            <a:pPr marL="0" indent="0" algn="ctr" defTabSz="508000" hangingPunct="1"/>
+            <a:pPr marL="0" indent="0" algn="ctr" defTabSz="508000" hangingPunct="1">
+              <a:buFontTx/>
+              <a:buNone/>
+            </a:pPr>
             <a:r>
               <a:rPr lang="ko-KR" sz="1800">
                 <a:solidFill>
@@ -12653,31 +12985,137 @@
       </p:sp>
       <p:sp>
         <p:nvSpPr>
-          <p:cNvPr id="33" name="도형 32"/>
+          <p:cNvPr id="79" name="텍스트 상자 78"/>
+          <p:cNvSpPr txBox="1">
+            <a:spLocks/>
+          </p:cNvSpPr>
+          <p:nvPr/>
+        </p:nvSpPr>
+        <p:spPr>
+          <a:xfrm rot="0">
+            <a:off x="655320" y="3912235"/>
+            <a:ext cx="832485" cy="262890"/>
+          </a:xfrm>
+          <a:prstGeom prst="rect"/>
+          <a:noFill/>
+          <a:ln w="0">
+            <a:noFill/>
+            <a:prstDash/>
+          </a:ln>
+        </p:spPr>
+        <p:txBody>
+          <a:bodyPr wrap="square" lIns="89535" tIns="46355" rIns="89535" bIns="46355" numCol="1" vert="horz" anchor="t">
+            <a:spAutoFit/>
+          </a:bodyPr>
+          <a:lstStyle/>
+          <a:p>
+            <a:pPr marL="0" indent="0" algn="l" defTabSz="508000" hangingPunct="1">
+              <a:buFontTx/>
+              <a:buNone/>
+            </a:pPr>
+            <a:r>
+              <a:rPr lang="ko-KR" sz="1100">
+                <a:latin typeface="맑은 고딕" charset="0"/>
+                <a:ea typeface="맑은 고딕" charset="0"/>
+              </a:rPr>
+              <a:t>가격</a:t>
+            </a:r>
+            <a:r>
+              <a:rPr lang="ko-KR" sz="1100">
+                <a:latin typeface="맑은 고딕" charset="0"/>
+                <a:ea typeface="맑은 고딕" charset="0"/>
+              </a:rPr>
+              <a:t> </a:t>
+            </a:r>
+            <a:r>
+              <a:rPr lang="ko-KR" sz="1100">
+                <a:latin typeface="맑은 고딕" charset="0"/>
+                <a:ea typeface="맑은 고딕" charset="0"/>
+              </a:rPr>
+              <a:t>:</a:t>
+            </a:r>
+            <a:r>
+              <a:rPr lang="ko-KR" sz="1100">
+                <a:latin typeface="맑은 고딕" charset="0"/>
+                <a:ea typeface="맑은 고딕" charset="0"/>
+              </a:rPr>
+              <a:t> </a:t>
+            </a:r>
+            <a:endParaRPr lang="ko-KR" altLang="en-US" sz="1100">
+              <a:latin typeface="맑은 고딕" charset="0"/>
+              <a:ea typeface="맑은 고딕" charset="0"/>
+            </a:endParaRPr>
+          </a:p>
+        </p:txBody>
+      </p:sp>
+      <p:sp>
+        <p:nvSpPr>
+          <p:cNvPr id="80" name="텍스트 상자 79"/>
+          <p:cNvSpPr txBox="1">
+            <a:spLocks/>
+          </p:cNvSpPr>
+          <p:nvPr/>
+        </p:nvSpPr>
+        <p:spPr>
+          <a:xfrm rot="0">
+            <a:off x="1419860" y="3914775"/>
+            <a:ext cx="832485" cy="262890"/>
+          </a:xfrm>
+          <a:prstGeom prst="rect"/>
+          <a:noFill/>
+          <a:ln w="0">
+            <a:noFill/>
+            <a:prstDash/>
+          </a:ln>
+        </p:spPr>
+        <p:txBody>
+          <a:bodyPr wrap="square" lIns="89535" tIns="46355" rIns="89535" bIns="46355" numCol="1" vert="horz" anchor="t">
+            <a:spAutoFit/>
+          </a:bodyPr>
+          <a:lstStyle/>
+          <a:p>
+            <a:pPr marL="0" indent="0" algn="l" defTabSz="508000" hangingPunct="1">
+              <a:buFontTx/>
+              <a:buNone/>
+            </a:pPr>
+            <a:r>
+              <a:rPr lang="ko-KR" sz="1100">
+                <a:latin typeface="맑은 고딕" charset="0"/>
+                <a:ea typeface="맑은 고딕" charset="0"/>
+              </a:rPr>
+              <a:t>시간 : </a:t>
+            </a:r>
+            <a:endParaRPr lang="ko-KR" altLang="en-US" sz="1100">
+              <a:latin typeface="맑은 고딕" charset="0"/>
+              <a:ea typeface="맑은 고딕" charset="0"/>
+            </a:endParaRPr>
+          </a:p>
+        </p:txBody>
+      </p:sp>
+      <p:sp>
+        <p:nvSpPr>
+          <p:cNvPr id="81" name="도형 80"/>
           <p:cNvSpPr>
             <a:spLocks/>
           </p:cNvSpPr>
           <p:nvPr/>
         </p:nvSpPr>
         <p:spPr>
-          <a:xfrm>
-            <a:off x="1472565" y="1428750"/>
-            <a:ext cx="1134745" cy="901065"/>
-          </a:xfrm>
-          <a:prstGeom prst="rect">
-            <a:avLst/>
-          </a:prstGeom>
+          <a:xfrm rot="0">
+            <a:off x="2317115" y="3959225"/>
+            <a:ext cx="633730" cy="208915"/>
+          </a:xfrm>
+          <a:prstGeom prst="rect"/>
           <a:solidFill>
             <a:schemeClr val="bg1"/>
           </a:solidFill>
-          <a:ln w="28575" cap="flat" cmpd="sng">
+          <a:ln w="12700" cap="flat" cmpd="sng">
             <a:solidFill>
               <a:schemeClr val="tx1">
                 <a:alpha val="100000"/>
               </a:schemeClr>
             </a:solidFill>
             <a:prstDash val="solid"/>
-            <a:miter lim="800000"/>
           </a:ln>
         </p:spPr>
         <p:style>
@@ -12697,23 +13135,26 @@
           </a:fontRef>
         </p:style>
         <p:txBody>
-          <a:bodyPr vert="horz" wrap="square" lIns="91440" tIns="45720" rIns="91440" bIns="45720" anchor="ctr">
+          <a:bodyPr wrap="square" lIns="91440" tIns="45720" rIns="91440" bIns="45720" numCol="1" vert="horz" anchor="ctr">
             <a:noAutofit/>
           </a:bodyPr>
           <a:lstStyle/>
           <a:p>
-            <a:pPr marL="0" indent="0" algn="ctr" defTabSz="508000" hangingPunct="1"/>
+            <a:pPr marL="0" indent="0" algn="ctr" defTabSz="508000" hangingPunct="1">
+              <a:buFontTx/>
+              <a:buNone/>
+            </a:pPr>
             <a:r>
-              <a:rPr lang="ko-KR" sz="1800">
+              <a:rPr lang="ko-KR" sz="800">
                 <a:solidFill>
                   <a:schemeClr val="tx1"/>
                 </a:solidFill>
                 <a:latin typeface="맑은 고딕" charset="0"/>
                 <a:ea typeface="맑은 고딕" charset="0"/>
               </a:rPr>
-              <a:t>설명</a:t>
+              <a:t>추가하기</a:t>
             </a:r>
-            <a:endParaRPr lang="ko-KR" altLang="en-US" sz="1800">
+            <a:endParaRPr lang="ko-KR" altLang="en-US" sz="800">
               <a:solidFill>
                 <a:schemeClr val="tx1"/>
               </a:solidFill>
@@ -12723,22 +13164,146 @@
           </a:p>
         </p:txBody>
       </p:sp>
-      <p:sp>
-        <p:nvSpPr>
-          <p:cNvPr id="34" name="도형 33"/>
+      <p:cxnSp>
+        <p:nvCxnSpPr>
+          <p:cNvPr id="84" name="도형 83"/>
+          <p:cNvCxnSpPr/>
+          <p:nvPr/>
+        </p:nvCxnSpPr>
+        <p:spPr>
+          <a:xfrm rot="0">
+            <a:off x="384810" y="1972310"/>
+            <a:ext cx="2669540" cy="17145"/>
+          </a:xfrm>
+          <a:prstGeom prst="line"/>
+          <a:ln w="6350" cap="flat" cmpd="sng">
+            <a:solidFill>
+              <a:srgbClr val="000000">
+                <a:alpha val="100000"/>
+              </a:srgbClr>
+            </a:solidFill>
+            <a:prstDash val="solid"/>
+            <a:headEnd type="none" w="med" len="med"/>
+            <a:tailEnd type="none" w="med" len="med"/>
+          </a:ln>
+        </p:spPr>
+        <p:style>
+          <a:lnRef idx="1">
+            <a:schemeClr val="accent1"/>
+          </a:lnRef>
+          <a:fillRef idx="0">
+            <a:schemeClr val="accent1"/>
+          </a:fillRef>
+          <a:effectRef idx="0">
+            <a:schemeClr val="accent1"/>
+          </a:effectRef>
+          <a:fontRef idx="minor">
+            <a:schemeClr val="tx1"/>
+          </a:fontRef>
+        </p:style>
+      </p:cxnSp>
+      <p:sp>
+        <p:nvSpPr>
+          <p:cNvPr id="85" name="텍스트 상자 84"/>
+          <p:cNvSpPr txBox="1">
+            <a:spLocks/>
+          </p:cNvSpPr>
+          <p:nvPr/>
+        </p:nvSpPr>
+        <p:spPr>
+          <a:xfrm rot="0">
+            <a:off x="520065" y="2195195"/>
+            <a:ext cx="1279525" cy="339725"/>
+          </a:xfrm>
+          <a:prstGeom prst="rect"/>
+          <a:noFill/>
+          <a:ln w="0">
+            <a:noFill/>
+            <a:prstDash/>
+          </a:ln>
+        </p:spPr>
+        <p:txBody>
+          <a:bodyPr wrap="square" lIns="89535" tIns="46355" rIns="89535" bIns="46355" numCol="1" vert="horz" anchor="t">
+            <a:spAutoFit/>
+          </a:bodyPr>
+          <a:lstStyle/>
+          <a:p>
+            <a:pPr marL="0" indent="0" algn="l" defTabSz="508000" hangingPunct="1">
+              <a:buFontTx/>
+              <a:buNone/>
+            </a:pPr>
+            <a:r>
+              <a:rPr lang="ko-KR" sz="800">
+                <a:latin typeface="맑은 고딕" charset="0"/>
+                <a:ea typeface="맑은 고딕" charset="0"/>
+              </a:rPr>
+              <a:t>용도 카테고리(국, 찌개, 무침,</a:t>
+            </a:r>
+            <a:endParaRPr lang="ko-KR" altLang="en-US" sz="800">
+              <a:latin typeface="맑은 고딕" charset="0"/>
+              <a:ea typeface="맑은 고딕" charset="0"/>
+            </a:endParaRPr>
+          </a:p>
+        </p:txBody>
+      </p:sp>
+      <p:sp>
+        <p:nvSpPr>
+          <p:cNvPr id="86" name="텍스트 상자 85"/>
+          <p:cNvSpPr txBox="1">
+            <a:spLocks/>
+          </p:cNvSpPr>
+          <p:nvPr/>
+        </p:nvSpPr>
+        <p:spPr>
+          <a:xfrm rot="0">
+            <a:off x="519430" y="1280795"/>
+            <a:ext cx="1279525" cy="216535"/>
+          </a:xfrm>
+          <a:prstGeom prst="rect"/>
+          <a:noFill/>
+          <a:ln w="0">
+            <a:noFill/>
+            <a:prstDash/>
+          </a:ln>
+        </p:spPr>
+        <p:txBody>
+          <a:bodyPr wrap="square" lIns="89535" tIns="46355" rIns="89535" bIns="46355" numCol="1" vert="horz" anchor="t">
+            <a:spAutoFit/>
+          </a:bodyPr>
+          <a:lstStyle/>
+          <a:p>
+            <a:pPr marL="0" indent="0" algn="l" defTabSz="508000" hangingPunct="1">
+              <a:buFontTx/>
+              <a:buNone/>
+            </a:pPr>
+            <a:r>
+              <a:rPr lang="ko-KR" sz="800">
+                <a:latin typeface="맑은 고딕" charset="0"/>
+                <a:ea typeface="맑은 고딕" charset="0"/>
+              </a:rPr>
+              <a:t>종류 , 이름</a:t>
+            </a:r>
+            <a:endParaRPr lang="ko-KR" altLang="en-US" sz="800">
+              <a:latin typeface="맑은 고딕" charset="0"/>
+              <a:ea typeface="맑은 고딕" charset="0"/>
+            </a:endParaRPr>
+          </a:p>
+        </p:txBody>
+      </p:sp>
+      <p:sp>
+        <p:nvSpPr>
+          <p:cNvPr id="87" name="도형 86"/>
           <p:cNvSpPr>
             <a:spLocks/>
           </p:cNvSpPr>
           <p:nvPr/>
         </p:nvSpPr>
         <p:spPr>
-          <a:xfrm>
-            <a:off x="484505" y="2418080"/>
-            <a:ext cx="139065" cy="165100"/>
-          </a:xfrm>
-          <a:prstGeom prst="rect">
-            <a:avLst/>
-          </a:prstGeom>
+          <a:xfrm rot="0">
+            <a:off x="6539865" y="3514725"/>
+            <a:ext cx="139700" cy="148590"/>
+          </a:xfrm>
+          <a:prstGeom prst="rect"/>
           <a:solidFill>
             <a:schemeClr val="bg1"/>
           </a:solidFill>
@@ -12749,6 +13314,7 @@
               </a:schemeClr>
             </a:solidFill>
             <a:prstDash val="solid"/>
+            <a:tailEnd type="triangle" w="med" len="med"/>
           </a:ln>
         </p:spPr>
         <p:style>
@@ -12768,819 +13334,16 @@
           </a:fontRef>
         </p:style>
         <p:txBody>
-          <a:bodyPr vert="horz" wrap="square" lIns="91440" tIns="45720" rIns="91440" bIns="45720" anchor="ctr">
+          <a:bodyPr wrap="square" lIns="91440" tIns="45720" rIns="91440" bIns="45720" numCol="1" vert="horz" anchor="ctr">
             <a:noAutofit/>
           </a:bodyPr>
           <a:lstStyle/>
           <a:p>
-            <a:pPr marL="0" indent="0" algn="ctr" defTabSz="508000" hangingPunct="1"/>
+            <a:pPr marL="0" indent="0" algn="ctr" defTabSz="508000" hangingPunct="1">
+              <a:buFontTx/>
+              <a:buNone/>
+            </a:pPr>
             <a:endParaRPr lang="ko-KR" altLang="en-US" sz="1800">
-              <a:latin typeface="맑은 고딕" charset="0"/>
-              <a:ea typeface="맑은 고딕" charset="0"/>
-            </a:endParaRPr>
-          </a:p>
-        </p:txBody>
-      </p:sp>
-      <p:sp>
-        <p:nvSpPr>
-          <p:cNvPr id="35" name="텍스트 상자 34"/>
-          <p:cNvSpPr txBox="1">
-            <a:spLocks/>
-          </p:cNvSpPr>
-          <p:nvPr/>
-        </p:nvSpPr>
-        <p:spPr>
-          <a:xfrm>
-            <a:off x="692150" y="2366645"/>
-            <a:ext cx="502285" cy="216535"/>
-          </a:xfrm>
-          <a:prstGeom prst="rect">
-            <a:avLst/>
-          </a:prstGeom>
-          <a:noFill/>
-          <a:ln w="0">
-            <a:noFill/>
-            <a:prstDash/>
-          </a:ln>
-        </p:spPr>
-        <p:txBody>
-          <a:bodyPr vert="horz" wrap="square" lIns="89535" tIns="46355" rIns="89535" bIns="46355" anchor="t">
-            <a:spAutoFit/>
-          </a:bodyPr>
-          <a:lstStyle/>
-          <a:p>
-            <a:pPr marL="0" indent="0" algn="l" defTabSz="508000" hangingPunct="1"/>
-            <a:r>
-              <a:rPr lang="ko-KR" sz="800">
-                <a:latin typeface="맑은 고딕" charset="0"/>
-                <a:ea typeface="맑은 고딕" charset="0"/>
-              </a:rPr>
-              <a:t>소고기</a:t>
-            </a:r>
-            <a:endParaRPr lang="ko-KR" altLang="en-US" sz="800">
-              <a:latin typeface="맑은 고딕" charset="0"/>
-              <a:ea typeface="맑은 고딕" charset="0"/>
-            </a:endParaRPr>
-          </a:p>
-        </p:txBody>
-      </p:sp>
-      <p:sp>
-        <p:nvSpPr>
-          <p:cNvPr id="36" name="도형 35"/>
-          <p:cNvSpPr>
-            <a:spLocks/>
-          </p:cNvSpPr>
-          <p:nvPr/>
-        </p:nvSpPr>
-        <p:spPr>
-          <a:xfrm>
-            <a:off x="487045" y="2892425"/>
-            <a:ext cx="139065" cy="165100"/>
-          </a:xfrm>
-          <a:prstGeom prst="rect">
-            <a:avLst/>
-          </a:prstGeom>
-          <a:solidFill>
-            <a:schemeClr val="bg1"/>
-          </a:solidFill>
-          <a:ln w="12700" cap="flat" cmpd="sng">
-            <a:solidFill>
-              <a:schemeClr val="tx1">
-                <a:alpha val="100000"/>
-              </a:schemeClr>
-            </a:solidFill>
-            <a:prstDash val="solid"/>
-          </a:ln>
-        </p:spPr>
-        <p:style>
-          <a:lnRef idx="2">
-            <a:schemeClr val="accent1">
-              <a:shade val="50000"/>
-            </a:schemeClr>
-          </a:lnRef>
-          <a:fillRef idx="1">
-            <a:schemeClr val="accent1"/>
-          </a:fillRef>
-          <a:effectRef idx="0">
-            <a:schemeClr val="accent1"/>
-          </a:effectRef>
-          <a:fontRef idx="minor">
-            <a:schemeClr val="lt1"/>
-          </a:fontRef>
-        </p:style>
-        <p:txBody>
-          <a:bodyPr vert="horz" wrap="square" lIns="91440" tIns="45720" rIns="91440" bIns="45720" anchor="ctr">
-            <a:noAutofit/>
-          </a:bodyPr>
-          <a:lstStyle/>
-          <a:p>
-            <a:pPr marL="0" indent="0" algn="ctr" defTabSz="508000" hangingPunct="1"/>
-            <a:endParaRPr lang="ko-KR" altLang="en-US" sz="1800">
-              <a:latin typeface="맑은 고딕" charset="0"/>
-              <a:ea typeface="맑은 고딕" charset="0"/>
-            </a:endParaRPr>
-          </a:p>
-        </p:txBody>
-      </p:sp>
-      <p:sp>
-        <p:nvSpPr>
-          <p:cNvPr id="37" name="텍스트 상자 36"/>
-          <p:cNvSpPr txBox="1">
-            <a:spLocks/>
-          </p:cNvSpPr>
-          <p:nvPr/>
-        </p:nvSpPr>
-        <p:spPr>
-          <a:xfrm>
-            <a:off x="694690" y="2840990"/>
-            <a:ext cx="491490" cy="216535"/>
-          </a:xfrm>
-          <a:prstGeom prst="rect">
-            <a:avLst/>
-          </a:prstGeom>
-          <a:noFill/>
-          <a:ln w="0">
-            <a:noFill/>
-            <a:prstDash/>
-          </a:ln>
-        </p:spPr>
-        <p:txBody>
-          <a:bodyPr vert="horz" wrap="square" lIns="89535" tIns="46355" rIns="89535" bIns="46355" anchor="t">
-            <a:spAutoFit/>
-          </a:bodyPr>
-          <a:lstStyle/>
-          <a:p>
-            <a:pPr marL="0" indent="0" algn="l" defTabSz="508000" hangingPunct="1"/>
-            <a:r>
-              <a:rPr lang="ko-KR" sz="800">
-                <a:latin typeface="맑은 고딕" charset="0"/>
-                <a:ea typeface="맑은 고딕" charset="0"/>
-              </a:rPr>
-              <a:t>닭</a:t>
-            </a:r>
-            <a:endParaRPr lang="ko-KR" altLang="en-US" sz="800">
-              <a:latin typeface="맑은 고딕" charset="0"/>
-              <a:ea typeface="맑은 고딕" charset="0"/>
-            </a:endParaRPr>
-          </a:p>
-        </p:txBody>
-      </p:sp>
-      <p:sp>
-        <p:nvSpPr>
-          <p:cNvPr id="38" name="도형 37"/>
-          <p:cNvSpPr>
-            <a:spLocks/>
-          </p:cNvSpPr>
-          <p:nvPr/>
-        </p:nvSpPr>
-        <p:spPr>
-          <a:xfrm>
-            <a:off x="480695" y="3302000"/>
-            <a:ext cx="139065" cy="165100"/>
-          </a:xfrm>
-          <a:prstGeom prst="rect">
-            <a:avLst/>
-          </a:prstGeom>
-          <a:solidFill>
-            <a:schemeClr val="bg1"/>
-          </a:solidFill>
-          <a:ln w="12700" cap="flat" cmpd="sng">
-            <a:solidFill>
-              <a:schemeClr val="tx1">
-                <a:alpha val="100000"/>
-              </a:schemeClr>
-            </a:solidFill>
-            <a:prstDash val="solid"/>
-          </a:ln>
-        </p:spPr>
-        <p:style>
-          <a:lnRef idx="2">
-            <a:schemeClr val="accent1">
-              <a:shade val="50000"/>
-            </a:schemeClr>
-          </a:lnRef>
-          <a:fillRef idx="1">
-            <a:schemeClr val="accent1"/>
-          </a:fillRef>
-          <a:effectRef idx="0">
-            <a:schemeClr val="accent1"/>
-          </a:effectRef>
-          <a:fontRef idx="minor">
-            <a:schemeClr val="lt1"/>
-          </a:fontRef>
-        </p:style>
-        <p:txBody>
-          <a:bodyPr vert="horz" wrap="square" lIns="91440" tIns="45720" rIns="91440" bIns="45720" anchor="ctr">
-            <a:noAutofit/>
-          </a:bodyPr>
-          <a:lstStyle/>
-          <a:p>
-            <a:pPr marL="0" indent="0" algn="ctr" defTabSz="508000" hangingPunct="1"/>
-            <a:endParaRPr lang="ko-KR" altLang="en-US" sz="1800">
-              <a:latin typeface="맑은 고딕" charset="0"/>
-              <a:ea typeface="맑은 고딕" charset="0"/>
-            </a:endParaRPr>
-          </a:p>
-        </p:txBody>
-      </p:sp>
-      <p:sp>
-        <p:nvSpPr>
-          <p:cNvPr id="39" name="텍스트 상자 38"/>
-          <p:cNvSpPr txBox="1">
-            <a:spLocks/>
-          </p:cNvSpPr>
-          <p:nvPr/>
-        </p:nvSpPr>
-        <p:spPr>
-          <a:xfrm>
-            <a:off x="688340" y="3258820"/>
-            <a:ext cx="398145" cy="216535"/>
-          </a:xfrm>
-          <a:prstGeom prst="rect">
-            <a:avLst/>
-          </a:prstGeom>
-          <a:noFill/>
-          <a:ln w="0">
-            <a:noFill/>
-            <a:prstDash/>
-          </a:ln>
-        </p:spPr>
-        <p:txBody>
-          <a:bodyPr vert="horz" wrap="square" lIns="89535" tIns="46355" rIns="89535" bIns="46355" anchor="t">
-            <a:spAutoFit/>
-          </a:bodyPr>
-          <a:lstStyle/>
-          <a:p>
-            <a:pPr marL="0" indent="0" algn="l" defTabSz="508000" hangingPunct="1"/>
-            <a:r>
-              <a:rPr lang="ko-KR" sz="800">
-                <a:latin typeface="맑은 고딕" charset="0"/>
-                <a:ea typeface="맑은 고딕" charset="0"/>
-              </a:rPr>
-              <a:t>어류</a:t>
-            </a:r>
-            <a:endParaRPr lang="ko-KR" altLang="en-US" sz="800">
-              <a:latin typeface="맑은 고딕" charset="0"/>
-              <a:ea typeface="맑은 고딕" charset="0"/>
-            </a:endParaRPr>
-          </a:p>
-        </p:txBody>
-      </p:sp>
-      <p:sp>
-        <p:nvSpPr>
-          <p:cNvPr id="40" name="도형 39"/>
-          <p:cNvSpPr>
-            <a:spLocks/>
-          </p:cNvSpPr>
-          <p:nvPr/>
-        </p:nvSpPr>
-        <p:spPr>
-          <a:xfrm>
-            <a:off x="1651000" y="2421890"/>
-            <a:ext cx="139065" cy="165100"/>
-          </a:xfrm>
-          <a:prstGeom prst="rect">
-            <a:avLst/>
-          </a:prstGeom>
-          <a:solidFill>
-            <a:schemeClr val="bg1"/>
-          </a:solidFill>
-          <a:ln w="12700" cap="flat" cmpd="sng">
-            <a:solidFill>
-              <a:schemeClr val="tx1">
-                <a:alpha val="100000"/>
-              </a:schemeClr>
-            </a:solidFill>
-            <a:prstDash val="solid"/>
-          </a:ln>
-        </p:spPr>
-        <p:style>
-          <a:lnRef idx="2">
-            <a:schemeClr val="accent1">
-              <a:shade val="50000"/>
-            </a:schemeClr>
-          </a:lnRef>
-          <a:fillRef idx="1">
-            <a:schemeClr val="accent1"/>
-          </a:fillRef>
-          <a:effectRef idx="0">
-            <a:schemeClr val="accent1"/>
-          </a:effectRef>
-          <a:fontRef idx="minor">
-            <a:schemeClr val="lt1"/>
-          </a:fontRef>
-        </p:style>
-        <p:txBody>
-          <a:bodyPr vert="horz" wrap="square" lIns="91440" tIns="45720" rIns="91440" bIns="45720" anchor="ctr">
-            <a:noAutofit/>
-          </a:bodyPr>
-          <a:lstStyle/>
-          <a:p>
-            <a:pPr marL="0" indent="0" algn="ctr" defTabSz="508000" hangingPunct="1"/>
-            <a:endParaRPr lang="ko-KR" altLang="en-US" sz="1800">
-              <a:latin typeface="맑은 고딕" charset="0"/>
-              <a:ea typeface="맑은 고딕" charset="0"/>
-            </a:endParaRPr>
-          </a:p>
-        </p:txBody>
-      </p:sp>
-      <p:sp>
-        <p:nvSpPr>
-          <p:cNvPr id="41" name="텍스트 상자 40"/>
-          <p:cNvSpPr txBox="1">
-            <a:spLocks/>
-          </p:cNvSpPr>
-          <p:nvPr/>
-        </p:nvSpPr>
-        <p:spPr>
-          <a:xfrm>
-            <a:off x="1858645" y="2370455"/>
-            <a:ext cx="589915" cy="216535"/>
-          </a:xfrm>
-          <a:prstGeom prst="rect">
-            <a:avLst/>
-          </a:prstGeom>
-          <a:noFill/>
-          <a:ln w="0">
-            <a:noFill/>
-            <a:prstDash/>
-          </a:ln>
-        </p:spPr>
-        <p:txBody>
-          <a:bodyPr vert="horz" wrap="square" lIns="89535" tIns="46355" rIns="89535" bIns="46355" anchor="t">
-            <a:spAutoFit/>
-          </a:bodyPr>
-          <a:lstStyle/>
-          <a:p>
-            <a:pPr marL="0" indent="0" algn="l" defTabSz="508000" hangingPunct="1"/>
-            <a:r>
-              <a:rPr lang="ko-KR" sz="800">
-                <a:latin typeface="맑은 고딕" charset="0"/>
-                <a:ea typeface="맑은 고딕" charset="0"/>
-              </a:rPr>
-              <a:t>돼지고기</a:t>
-            </a:r>
-            <a:endParaRPr lang="ko-KR" altLang="en-US" sz="800">
-              <a:latin typeface="맑은 고딕" charset="0"/>
-              <a:ea typeface="맑은 고딕" charset="0"/>
-            </a:endParaRPr>
-          </a:p>
-        </p:txBody>
-      </p:sp>
-      <p:sp>
-        <p:nvSpPr>
-          <p:cNvPr id="42" name="도형 41"/>
-          <p:cNvSpPr>
-            <a:spLocks/>
-          </p:cNvSpPr>
-          <p:nvPr/>
-        </p:nvSpPr>
-        <p:spPr>
-          <a:xfrm>
-            <a:off x="1662430" y="2891790"/>
-            <a:ext cx="139065" cy="165100"/>
-          </a:xfrm>
-          <a:prstGeom prst="rect">
-            <a:avLst/>
-          </a:prstGeom>
-          <a:solidFill>
-            <a:schemeClr val="bg1"/>
-          </a:solidFill>
-          <a:ln w="12700" cap="flat" cmpd="sng">
-            <a:solidFill>
-              <a:schemeClr val="tx1">
-                <a:alpha val="100000"/>
-              </a:schemeClr>
-            </a:solidFill>
-            <a:prstDash val="solid"/>
-          </a:ln>
-        </p:spPr>
-        <p:style>
-          <a:lnRef idx="2">
-            <a:schemeClr val="accent1">
-              <a:shade val="50000"/>
-            </a:schemeClr>
-          </a:lnRef>
-          <a:fillRef idx="1">
-            <a:schemeClr val="accent1"/>
-          </a:fillRef>
-          <a:effectRef idx="0">
-            <a:schemeClr val="accent1"/>
-          </a:effectRef>
-          <a:fontRef idx="minor">
-            <a:schemeClr val="lt1"/>
-          </a:fontRef>
-        </p:style>
-        <p:txBody>
-          <a:bodyPr vert="horz" wrap="square" lIns="91440" tIns="45720" rIns="91440" bIns="45720" anchor="ctr">
-            <a:noAutofit/>
-          </a:bodyPr>
-          <a:lstStyle/>
-          <a:p>
-            <a:pPr marL="0" indent="0" algn="ctr" defTabSz="508000" hangingPunct="1"/>
-            <a:endParaRPr lang="ko-KR" altLang="en-US" sz="1800">
-              <a:latin typeface="맑은 고딕" charset="0"/>
-              <a:ea typeface="맑은 고딕" charset="0"/>
-            </a:endParaRPr>
-          </a:p>
-        </p:txBody>
-      </p:sp>
-      <p:sp>
-        <p:nvSpPr>
-          <p:cNvPr id="43" name="텍스트 상자 42"/>
-          <p:cNvSpPr txBox="1">
-            <a:spLocks/>
-          </p:cNvSpPr>
-          <p:nvPr/>
-        </p:nvSpPr>
-        <p:spPr>
-          <a:xfrm>
-            <a:off x="1870075" y="2840355"/>
-            <a:ext cx="518160" cy="216535"/>
-          </a:xfrm>
-          <a:prstGeom prst="rect">
-            <a:avLst/>
-          </a:prstGeom>
-          <a:noFill/>
-          <a:ln w="0">
-            <a:noFill/>
-            <a:prstDash/>
-          </a:ln>
-        </p:spPr>
-        <p:txBody>
-          <a:bodyPr vert="horz" wrap="square" lIns="89535" tIns="46355" rIns="89535" bIns="46355" anchor="t">
-            <a:spAutoFit/>
-          </a:bodyPr>
-          <a:lstStyle/>
-          <a:p>
-            <a:pPr marL="0" indent="0" algn="l" defTabSz="508000" hangingPunct="1"/>
-            <a:r>
-              <a:rPr lang="ko-KR" sz="800">
-                <a:latin typeface="맑은 고딕" charset="0"/>
-                <a:ea typeface="맑은 고딕" charset="0"/>
-              </a:rPr>
-              <a:t>해조류</a:t>
-            </a:r>
-            <a:endParaRPr lang="ko-KR" altLang="en-US" sz="800">
-              <a:latin typeface="맑은 고딕" charset="0"/>
-              <a:ea typeface="맑은 고딕" charset="0"/>
-            </a:endParaRPr>
-          </a:p>
-        </p:txBody>
-      </p:sp>
-      <p:sp>
-        <p:nvSpPr>
-          <p:cNvPr id="44" name="도형 43"/>
-          <p:cNvSpPr>
-            <a:spLocks/>
-          </p:cNvSpPr>
-          <p:nvPr/>
-        </p:nvSpPr>
-        <p:spPr>
-          <a:xfrm>
-            <a:off x="1656080" y="3309620"/>
-            <a:ext cx="139065" cy="165100"/>
-          </a:xfrm>
-          <a:prstGeom prst="rect">
-            <a:avLst/>
-          </a:prstGeom>
-          <a:solidFill>
-            <a:schemeClr val="bg1"/>
-          </a:solidFill>
-          <a:ln w="12700" cap="flat" cmpd="sng">
-            <a:solidFill>
-              <a:schemeClr val="tx1">
-                <a:alpha val="100000"/>
-              </a:schemeClr>
-            </a:solidFill>
-            <a:prstDash val="solid"/>
-          </a:ln>
-        </p:spPr>
-        <p:style>
-          <a:lnRef idx="2">
-            <a:schemeClr val="accent1">
-              <a:shade val="50000"/>
-            </a:schemeClr>
-          </a:lnRef>
-          <a:fillRef idx="1">
-            <a:schemeClr val="accent1"/>
-          </a:fillRef>
-          <a:effectRef idx="0">
-            <a:schemeClr val="accent1"/>
-          </a:effectRef>
-          <a:fontRef idx="minor">
-            <a:schemeClr val="lt1"/>
-          </a:fontRef>
-        </p:style>
-        <p:txBody>
-          <a:bodyPr vert="horz" wrap="square" lIns="91440" tIns="45720" rIns="91440" bIns="45720" anchor="ctr">
-            <a:noAutofit/>
-          </a:bodyPr>
-          <a:lstStyle/>
-          <a:p>
-            <a:pPr marL="0" indent="0" algn="ctr" defTabSz="508000" hangingPunct="1"/>
-            <a:endParaRPr lang="ko-KR" altLang="en-US" sz="1800">
-              <a:latin typeface="맑은 고딕" charset="0"/>
-              <a:ea typeface="맑은 고딕" charset="0"/>
-            </a:endParaRPr>
-          </a:p>
-        </p:txBody>
-      </p:sp>
-      <p:sp>
-        <p:nvSpPr>
-          <p:cNvPr id="45" name="텍스트 상자 44"/>
-          <p:cNvSpPr txBox="1">
-            <a:spLocks/>
-          </p:cNvSpPr>
-          <p:nvPr/>
-        </p:nvSpPr>
-        <p:spPr>
-          <a:xfrm>
-            <a:off x="1863725" y="3258185"/>
-            <a:ext cx="524510" cy="216535"/>
-          </a:xfrm>
-          <a:prstGeom prst="rect">
-            <a:avLst/>
-          </a:prstGeom>
-          <a:noFill/>
-          <a:ln w="0">
-            <a:noFill/>
-            <a:prstDash/>
-          </a:ln>
-        </p:spPr>
-        <p:txBody>
-          <a:bodyPr vert="horz" wrap="square" lIns="89535" tIns="46355" rIns="89535" bIns="46355" anchor="t">
-            <a:spAutoFit/>
-          </a:bodyPr>
-          <a:lstStyle/>
-          <a:p>
-            <a:pPr marL="0" indent="0" algn="l" defTabSz="508000" hangingPunct="1"/>
-            <a:r>
-              <a:rPr lang="ko-KR" sz="800">
-                <a:latin typeface="맑은 고딕" charset="0"/>
-                <a:ea typeface="맑은 고딕" charset="0"/>
-              </a:rPr>
-              <a:t>갑각류</a:t>
-            </a:r>
-            <a:endParaRPr lang="ko-KR" altLang="en-US" sz="800">
-              <a:latin typeface="맑은 고딕" charset="0"/>
-              <a:ea typeface="맑은 고딕" charset="0"/>
-            </a:endParaRPr>
-          </a:p>
-        </p:txBody>
-      </p:sp>
-      <p:sp>
-        <p:nvSpPr>
-          <p:cNvPr id="46" name="도형 45"/>
-          <p:cNvSpPr>
-            <a:spLocks/>
-          </p:cNvSpPr>
-          <p:nvPr/>
-        </p:nvSpPr>
-        <p:spPr>
-          <a:xfrm>
-            <a:off x="469265" y="3698240"/>
-            <a:ext cx="139065" cy="165100"/>
-          </a:xfrm>
-          <a:prstGeom prst="rect">
-            <a:avLst/>
-          </a:prstGeom>
-          <a:solidFill>
-            <a:schemeClr val="bg1"/>
-          </a:solidFill>
-          <a:ln w="12700" cap="flat" cmpd="sng">
-            <a:solidFill>
-              <a:schemeClr val="tx1">
-                <a:alpha val="100000"/>
-              </a:schemeClr>
-            </a:solidFill>
-            <a:prstDash val="solid"/>
-          </a:ln>
-        </p:spPr>
-        <p:style>
-          <a:lnRef idx="2">
-            <a:schemeClr val="accent1">
-              <a:shade val="50000"/>
-            </a:schemeClr>
-          </a:lnRef>
-          <a:fillRef idx="1">
-            <a:schemeClr val="accent1"/>
-          </a:fillRef>
-          <a:effectRef idx="0">
-            <a:schemeClr val="accent1"/>
-          </a:effectRef>
-          <a:fontRef idx="minor">
-            <a:schemeClr val="lt1"/>
-          </a:fontRef>
-        </p:style>
-        <p:txBody>
-          <a:bodyPr vert="horz" wrap="square" lIns="91440" tIns="45720" rIns="91440" bIns="45720" anchor="ctr">
-            <a:noAutofit/>
-          </a:bodyPr>
-          <a:lstStyle/>
-          <a:p>
-            <a:pPr marL="0" indent="0" algn="ctr" defTabSz="508000" hangingPunct="1"/>
-            <a:endParaRPr lang="ko-KR" altLang="en-US" sz="1800">
-              <a:latin typeface="맑은 고딕" charset="0"/>
-              <a:ea typeface="맑은 고딕" charset="0"/>
-            </a:endParaRPr>
-          </a:p>
-        </p:txBody>
-      </p:sp>
-      <p:sp>
-        <p:nvSpPr>
-          <p:cNvPr id="47" name="텍스트 상자 46"/>
-          <p:cNvSpPr txBox="1">
-            <a:spLocks/>
-          </p:cNvSpPr>
-          <p:nvPr/>
-        </p:nvSpPr>
-        <p:spPr>
-          <a:xfrm>
-            <a:off x="676910" y="3655060"/>
-            <a:ext cx="501015" cy="216535"/>
-          </a:xfrm>
-          <a:prstGeom prst="rect">
-            <a:avLst/>
-          </a:prstGeom>
-          <a:noFill/>
-          <a:ln w="0">
-            <a:noFill/>
-            <a:prstDash/>
-          </a:ln>
-        </p:spPr>
-        <p:txBody>
-          <a:bodyPr vert="horz" wrap="square" lIns="89535" tIns="46355" rIns="89535" bIns="46355" anchor="t">
-            <a:spAutoFit/>
-          </a:bodyPr>
-          <a:lstStyle/>
-          <a:p>
-            <a:pPr marL="0" indent="0" algn="l" defTabSz="508000" hangingPunct="1"/>
-            <a:r>
-              <a:rPr lang="ko-KR" sz="800">
-                <a:latin typeface="맑은 고딕" charset="0"/>
-                <a:ea typeface="맑은 고딕" charset="0"/>
-              </a:rPr>
-              <a:t>채소류</a:t>
-            </a:r>
-            <a:endParaRPr lang="ko-KR" altLang="en-US" sz="800">
-              <a:latin typeface="맑은 고딕" charset="0"/>
-              <a:ea typeface="맑은 고딕" charset="0"/>
-            </a:endParaRPr>
-          </a:p>
-        </p:txBody>
-      </p:sp>
-      <p:sp>
-        <p:nvSpPr>
-          <p:cNvPr id="48" name="텍스트 상자 47"/>
-          <p:cNvSpPr txBox="1">
-            <a:spLocks/>
-          </p:cNvSpPr>
-          <p:nvPr/>
-        </p:nvSpPr>
-        <p:spPr>
-          <a:xfrm>
-            <a:off x="450215" y="3940175"/>
-            <a:ext cx="831850" cy="262255"/>
-          </a:xfrm>
-          <a:prstGeom prst="rect">
-            <a:avLst/>
-          </a:prstGeom>
-          <a:noFill/>
-          <a:ln w="0">
-            <a:noFill/>
-            <a:prstDash/>
-          </a:ln>
-        </p:spPr>
-        <p:txBody>
-          <a:bodyPr vert="horz" wrap="square" lIns="89535" tIns="46355" rIns="89535" bIns="46355" anchor="t">
-            <a:spAutoFit/>
-          </a:bodyPr>
-          <a:lstStyle/>
-          <a:p>
-            <a:pPr marL="0" indent="0" algn="l" defTabSz="508000" hangingPunct="1"/>
-            <a:r>
-              <a:rPr lang="ko-KR" sz="1100">
-                <a:latin typeface="맑은 고딕" charset="0"/>
-                <a:ea typeface="맑은 고딕" charset="0"/>
-              </a:rPr>
-              <a:t>가격 : </a:t>
-            </a:r>
-            <a:endParaRPr lang="ko-KR" altLang="en-US" sz="1100">
-              <a:latin typeface="맑은 고딕" charset="0"/>
-              <a:ea typeface="맑은 고딕" charset="0"/>
-            </a:endParaRPr>
-          </a:p>
-        </p:txBody>
-      </p:sp>
-      <p:sp>
-        <p:nvSpPr>
-          <p:cNvPr id="49" name="텍스트 상자 48"/>
-          <p:cNvSpPr txBox="1">
-            <a:spLocks/>
-          </p:cNvSpPr>
-          <p:nvPr/>
-        </p:nvSpPr>
-        <p:spPr>
-          <a:xfrm>
-            <a:off x="1214755" y="3942715"/>
-            <a:ext cx="831850" cy="262255"/>
-          </a:xfrm>
-          <a:prstGeom prst="rect">
-            <a:avLst/>
-          </a:prstGeom>
-          <a:noFill/>
-          <a:ln w="0">
-            <a:noFill/>
-            <a:prstDash/>
-          </a:ln>
-        </p:spPr>
-        <p:txBody>
-          <a:bodyPr vert="horz" wrap="square" lIns="89535" tIns="46355" rIns="89535" bIns="46355" anchor="t">
-            <a:spAutoFit/>
-          </a:bodyPr>
-          <a:lstStyle/>
-          <a:p>
-            <a:pPr marL="0" indent="0" algn="l" defTabSz="508000" hangingPunct="1"/>
-            <a:r>
-              <a:rPr lang="ko-KR" sz="1100">
-                <a:latin typeface="맑은 고딕" charset="0"/>
-                <a:ea typeface="맑은 고딕" charset="0"/>
-              </a:rPr>
-              <a:t>시간 : </a:t>
-            </a:r>
-            <a:endParaRPr lang="ko-KR" altLang="en-US" sz="1100">
-              <a:latin typeface="맑은 고딕" charset="0"/>
-              <a:ea typeface="맑은 고딕" charset="0"/>
-            </a:endParaRPr>
-          </a:p>
-        </p:txBody>
-      </p:sp>
-      <p:sp>
-        <p:nvSpPr>
-          <p:cNvPr id="50" name="도형 49"/>
-          <p:cNvSpPr>
-            <a:spLocks/>
-          </p:cNvSpPr>
-          <p:nvPr/>
-        </p:nvSpPr>
-        <p:spPr>
-          <a:xfrm>
-            <a:off x="2103755" y="3978910"/>
-            <a:ext cx="633095" cy="208280"/>
-          </a:xfrm>
-          <a:prstGeom prst="rect">
-            <a:avLst/>
-          </a:prstGeom>
-          <a:solidFill>
-            <a:schemeClr val="bg1"/>
-          </a:solidFill>
-          <a:ln w="12700" cap="flat" cmpd="sng">
-            <a:solidFill>
-              <a:schemeClr val="tx1">
-                <a:alpha val="100000"/>
-              </a:schemeClr>
-            </a:solidFill>
-            <a:prstDash val="solid"/>
-          </a:ln>
-        </p:spPr>
-        <p:style>
-          <a:lnRef idx="2">
-            <a:schemeClr val="accent1">
-              <a:shade val="50000"/>
-            </a:schemeClr>
-          </a:lnRef>
-          <a:fillRef idx="1">
-            <a:schemeClr val="accent1"/>
-          </a:fillRef>
-          <a:effectRef idx="0">
-            <a:schemeClr val="accent1"/>
-          </a:effectRef>
-          <a:fontRef idx="minor">
-            <a:schemeClr val="lt1"/>
-          </a:fontRef>
-        </p:style>
-        <p:txBody>
-          <a:bodyPr vert="horz" wrap="square" lIns="91440" tIns="45720" rIns="91440" bIns="45720" anchor="ctr">
-            <a:noAutofit/>
-          </a:bodyPr>
-          <a:lstStyle/>
-          <a:p>
-            <a:pPr marL="0" indent="0" algn="ctr" defTabSz="508000" hangingPunct="1"/>
-            <a:r>
-              <a:rPr lang="ko-KR" sz="800">
-                <a:solidFill>
-                  <a:schemeClr val="tx1"/>
-                </a:solidFill>
-                <a:latin typeface="맑은 고딕" charset="0"/>
-                <a:ea typeface="맑은 고딕" charset="0"/>
-              </a:rPr>
-              <a:t>추가하기</a:t>
-            </a:r>
-            <a:endParaRPr lang="ko-KR" altLang="en-US" sz="800">
-              <a:solidFill>
-                <a:schemeClr val="tx1"/>
-              </a:solidFill>
               <a:latin typeface="맑은 고딕" charset="0"/>
               <a:ea typeface="맑은 고딕" charset="0"/>
             </a:endParaRPr>
@@ -13592,19 +13355,26 @@
   <p:clrMapOvr>
     <a:masterClrMapping/>
   </p:clrMapOvr>
-  <mc:AlternateContent xmlns:mc="http://schemas.openxmlformats.org/markup-compatibility/2006" xmlns:p14="http://schemas.microsoft.com/office/powerpoint/2010/main">
-    <mc:Choice Requires="p14">
-      <p:transition/>
+  <mc:AlternateContent xmlns:mc="http://schemas.openxmlformats.org/markup-compatibility/2006">
+    <mc:Choice xmlns:p14="http://schemas.microsoft.com/office/powerpoint/2010/main" Requires="p14">
+      <p:transition spd="slow" p14:dur="500"/>
     </mc:Choice>
-    <mc:Fallback xmlns="">
+    <mc:Fallback>
       <p:transition spd="slow"/>
     </mc:Fallback>
   </mc:AlternateContent>
+  <p:timing>
+    <p:tnLst>
+      <p:par>
+        <p:cTn id="1" dur="indefinite" restart="never" nodeType="tmRoot"/>
+      </p:par>
+    </p:tnLst>
+  </p:timing>
 </p:sld>
 </file>
 
 <file path=ppt/slides/slide3.xml><?xml version="1.0" encoding="utf-8"?>
-<p:sld xmlns:a="http://schemas.openxmlformats.org/drawingml/2006/main" xmlns:r="http://schemas.openxmlformats.org/officeDocument/2006/relationships" xmlns:p="http://schemas.openxmlformats.org/presentationml/2006/main">
+<p:sld xmlns:a="http://schemas.openxmlformats.org/drawingml/2006/main" xmlns:r="http://schemas.openxmlformats.org/officeDocument/2006/relationships" xmlns:p="http://schemas.openxmlformats.org/presentationml/2006/main" xmlns:p14="http://schemas.microsoft.com/office/powerpoint/2010/main">
   <p:cSld>
     <p:spTree>
       <p:nvGrpSpPr>
@@ -16074,13 +15844,11 @@
           <p:nvPr/>
         </p:nvCxnSpPr>
         <p:spPr>
-          <a:xfrm>
-            <a:off x="4106545" y="1288415"/>
-            <a:ext cx="1905" cy="170180"/>
-          </a:xfrm>
-          <a:prstGeom prst="straightConnector1">
-            <a:avLst/>
-          </a:prstGeom>
+          <a:xfrm rot="0">
+            <a:off x="4115435" y="1288415"/>
+            <a:ext cx="2540" cy="170815"/>
+          </a:xfrm>
+          <a:prstGeom prst="straightConnector1"/>
           <a:ln w="6350" cap="flat" cmpd="sng">
             <a:solidFill>
               <a:schemeClr val="tx1">
@@ -16088,7 +15856,6 @@
               </a:schemeClr>
             </a:solidFill>
             <a:prstDash val="solid"/>
-            <a:headEnd type="none" w="med" len="med"/>
             <a:tailEnd type="triangle" w="med" len="med"/>
           </a:ln>
         </p:spPr>
@@ -18848,8 +18615,8 @@
         </p:nvSpPr>
         <p:spPr>
           <a:xfrm>
-            <a:off x="197119" y="1835149"/>
-            <a:ext cx="2655936" cy="266063"/>
+            <a:off x="196850" y="1835150"/>
+            <a:ext cx="2656205" cy="266065"/>
           </a:xfrm>
           <a:prstGeom prst="rect">
             <a:avLst/>
@@ -18907,8 +18674,8 @@
         </p:nvSpPr>
         <p:spPr>
           <a:xfrm>
-            <a:off x="250703" y="2699382"/>
-            <a:ext cx="2535164" cy="306708"/>
+            <a:off x="250825" y="2699385"/>
+            <a:ext cx="2534920" cy="306705"/>
           </a:xfrm>
           <a:prstGeom prst="rect">
             <a:avLst/>
@@ -18959,8 +18726,8 @@
         </p:nvSpPr>
         <p:spPr>
           <a:xfrm>
-            <a:off x="250703" y="3066412"/>
-            <a:ext cx="2535164" cy="306708"/>
+            <a:off x="250825" y="3066415"/>
+            <a:ext cx="2534920" cy="306705"/>
           </a:xfrm>
           <a:prstGeom prst="rect">
             <a:avLst/>
@@ -19011,8 +18778,8 @@
         </p:nvSpPr>
         <p:spPr>
           <a:xfrm>
-            <a:off x="144462" y="4159592"/>
-            <a:ext cx="961073" cy="597197"/>
+            <a:off x="144145" y="4159885"/>
+            <a:ext cx="961390" cy="596900"/>
           </a:xfrm>
           <a:prstGeom prst="rect">
             <a:avLst/>
@@ -19063,8 +18830,8 @@
         </p:nvSpPr>
         <p:spPr>
           <a:xfrm>
-            <a:off x="4055268" y="4155926"/>
-            <a:ext cx="961073" cy="597197"/>
+            <a:off x="4055110" y="4156075"/>
+            <a:ext cx="961390" cy="596900"/>
           </a:xfrm>
           <a:prstGeom prst="rect">
             <a:avLst/>
@@ -19115,8 +18882,8 @@
         </p:nvSpPr>
         <p:spPr>
           <a:xfrm>
-            <a:off x="8144228" y="4164473"/>
-            <a:ext cx="961073" cy="597197"/>
+            <a:off x="8144510" y="4164330"/>
+            <a:ext cx="961390" cy="596900"/>
           </a:xfrm>
           <a:prstGeom prst="rect">
             <a:avLst/>
@@ -19167,8 +18934,8 @@
         </p:nvSpPr>
         <p:spPr>
           <a:xfrm>
-            <a:off x="10962921" y="4186406"/>
-            <a:ext cx="961073" cy="597197"/>
+            <a:off x="10962640" y="4186555"/>
+            <a:ext cx="961390" cy="596900"/>
           </a:xfrm>
           <a:prstGeom prst="rect">
             <a:avLst/>
@@ -19219,8 +18986,8 @@
         </p:nvSpPr>
         <p:spPr>
           <a:xfrm>
-            <a:off x="250703" y="2310424"/>
-            <a:ext cx="2535164" cy="306708"/>
+            <a:off x="250825" y="2310130"/>
+            <a:ext cx="2534920" cy="306705"/>
           </a:xfrm>
           <a:prstGeom prst="rect">
             <a:avLst/>
@@ -19271,8 +19038,8 @@
         </p:nvSpPr>
         <p:spPr>
           <a:xfrm>
-            <a:off x="144462" y="5404800"/>
-            <a:ext cx="11640170" cy="683727"/>
+            <a:off x="144145" y="5404485"/>
+            <a:ext cx="11640185" cy="683895"/>
           </a:xfrm>
           <a:prstGeom prst="rect">
             <a:avLst/>
@@ -19409,14 +19176,21 @@
   <p:clrMapOvr>
     <a:masterClrMapping/>
   </p:clrMapOvr>
-  <mc:AlternateContent xmlns:mc="http://schemas.openxmlformats.org/markup-compatibility/2006" xmlns:p14="http://schemas.microsoft.com/office/powerpoint/2010/main">
-    <mc:Choice Requires="p14">
-      <p:transition/>
+  <mc:AlternateContent xmlns:mc="http://schemas.openxmlformats.org/markup-compatibility/2006">
+    <mc:Choice xmlns:p14="http://schemas.microsoft.com/office/powerpoint/2010/main" Requires="p14">
+      <p:transition spd="slow" p14:dur="500"/>
     </mc:Choice>
-    <mc:Fallback xmlns="">
+    <mc:Fallback>
       <p:transition spd="slow"/>
     </mc:Fallback>
   </mc:AlternateContent>
+  <p:timing>
+    <p:tnLst>
+      <p:par>
+        <p:cTn id="1" dur="indefinite" restart="never" nodeType="tmRoot"/>
+      </p:par>
+    </p:tnLst>
+  </p:timing>
 </p:sld>
 </file>
 
@@ -23967,7 +23741,7 @@
 </file>
 
 <file path=ppt/slides/slide5.xml><?xml version="1.0" encoding="utf-8"?>
-<p:sld xmlns:a="http://schemas.openxmlformats.org/drawingml/2006/main" xmlns:r="http://schemas.openxmlformats.org/officeDocument/2006/relationships" xmlns:p="http://schemas.openxmlformats.org/presentationml/2006/main">
+<p:sld xmlns:a="http://schemas.openxmlformats.org/drawingml/2006/main" xmlns:r="http://schemas.openxmlformats.org/officeDocument/2006/relationships" xmlns:p="http://schemas.openxmlformats.org/presentationml/2006/main" xmlns:p14="http://schemas.microsoft.com/office/powerpoint/2010/main">
   <p:cSld>
     <p:spTree>
       <p:nvGrpSpPr>
@@ -25170,7 +24944,7 @@
         </p:nvSpPr>
         <p:spPr>
           <a:xfrm>
-            <a:off x="5135245" y="2718972"/>
+            <a:off x="5135245" y="2719070"/>
             <a:ext cx="969645" cy="268605"/>
           </a:xfrm>
           <a:prstGeom prst="roundRect">
@@ -25418,26 +25192,18 @@
       </p:sp>
       <p:sp>
         <p:nvSpPr>
-          <p:cNvPr id="31" name="도형 4">
-            <a:extLst>
-              <a:ext uri="{FF2B5EF4-FFF2-40B4-BE49-F238E27FC236}">
-                <a16:creationId xmlns:a16="http://schemas.microsoft.com/office/drawing/2014/main" id="{47A87CF4-B060-4589-9825-588727B8C9DB}"/>
-              </a:ext>
-            </a:extLst>
-          </p:cNvPr>
+          <p:cNvPr id="31" name="도형 4"/>
           <p:cNvSpPr>
             <a:spLocks/>
           </p:cNvSpPr>
           <p:nvPr/>
         </p:nvSpPr>
         <p:spPr>
-          <a:xfrm>
-            <a:off x="9269095" y="888365"/>
-            <a:ext cx="2664460" cy="3823335"/>
-          </a:xfrm>
-          <a:prstGeom prst="rect">
-            <a:avLst/>
-          </a:prstGeom>
+          <a:xfrm rot="0">
+            <a:off x="7366635" y="637540"/>
+            <a:ext cx="2665095" cy="3823970"/>
+          </a:xfrm>
+          <a:prstGeom prst="rect"/>
           <a:solidFill>
             <a:schemeClr val="bg1"/>
           </a:solidFill>
@@ -25449,7 +25215,6 @@
             </a:solidFill>
             <a:prstDash val="solid"/>
             <a:miter lim="800000"/>
-            <a:headEnd type="none" w="med" len="med"/>
             <a:tailEnd type="triangle" w="med" len="med"/>
           </a:ln>
         </p:spPr>
@@ -25470,12 +25235,15 @@
           </a:fontRef>
         </p:style>
         <p:txBody>
-          <a:bodyPr vert="horz" wrap="square" lIns="91440" tIns="45720" rIns="91440" bIns="45720" anchor="ctr">
+          <a:bodyPr wrap="square" lIns="91440" tIns="45720" rIns="91440" bIns="45720" numCol="1" vert="horz" anchor="ctr">
             <a:noAutofit/>
           </a:bodyPr>
           <a:lstStyle/>
           <a:p>
-            <a:pPr marL="0" indent="0" algn="ctr" defTabSz="508000" hangingPunct="1"/>
+            <a:pPr marL="0" indent="0" algn="ctr" defTabSz="508000" hangingPunct="1">
+              <a:buFontTx/>
+              <a:buNone/>
+            </a:pPr>
             <a:endParaRPr lang="ko-KR" altLang="en-US" sz="1800">
               <a:latin typeface="맑은 고딕" charset="0"/>
               <a:ea typeface="맑은 고딕" charset="0"/>
@@ -25485,26 +25253,18 @@
       </p:sp>
       <p:sp>
         <p:nvSpPr>
-          <p:cNvPr id="32" name="도형 36">
-            <a:extLst>
-              <a:ext uri="{FF2B5EF4-FFF2-40B4-BE49-F238E27FC236}">
-                <a16:creationId xmlns:a16="http://schemas.microsoft.com/office/drawing/2014/main" id="{955677FE-F19C-4873-ACAA-646C5A0F3E78}"/>
-              </a:ext>
-            </a:extLst>
-          </p:cNvPr>
+          <p:cNvPr id="32" name="도형 36"/>
           <p:cNvSpPr>
             <a:spLocks/>
           </p:cNvSpPr>
           <p:nvPr/>
         </p:nvSpPr>
         <p:spPr>
-          <a:xfrm>
-            <a:off x="9266555" y="892810"/>
-            <a:ext cx="2664460" cy="3823335"/>
-          </a:xfrm>
-          <a:prstGeom prst="rect">
-            <a:avLst/>
-          </a:prstGeom>
+          <a:xfrm rot="0">
+            <a:off x="7364095" y="641985"/>
+            <a:ext cx="2665095" cy="3823970"/>
+          </a:xfrm>
+          <a:prstGeom prst="rect"/>
           <a:solidFill>
             <a:schemeClr val="bg1"/>
           </a:solidFill>
@@ -25516,7 +25276,6 @@
             </a:solidFill>
             <a:prstDash val="solid"/>
             <a:miter lim="800000"/>
-            <a:headEnd type="none" w="med" len="med"/>
             <a:tailEnd type="triangle" w="med" len="med"/>
           </a:ln>
         </p:spPr>
@@ -25537,12 +25296,15 @@
           </a:fontRef>
         </p:style>
         <p:txBody>
-          <a:bodyPr vert="horz" wrap="square" lIns="91440" tIns="45720" rIns="91440" bIns="45720" anchor="ctr">
+          <a:bodyPr wrap="square" lIns="91440" tIns="45720" rIns="91440" bIns="45720" numCol="1" vert="horz" anchor="ctr">
             <a:noAutofit/>
           </a:bodyPr>
           <a:lstStyle/>
           <a:p>
-            <a:pPr marL="0" indent="0" algn="l" defTabSz="508000" hangingPunct="1"/>
+            <a:pPr marL="0" indent="0" algn="l" defTabSz="508000" hangingPunct="1">
+              <a:buFontTx/>
+              <a:buNone/>
+            </a:pPr>
             <a:r>
               <a:rPr lang="ko-KR" sz="1800">
                 <a:solidFill>
@@ -25562,7 +25324,10 @@
             </a:endParaRPr>
           </a:p>
           <a:p>
-            <a:pPr marL="0" indent="0" algn="l" defTabSz="508000" hangingPunct="1"/>
+            <a:pPr marL="0" indent="0" algn="l" defTabSz="508000" hangingPunct="1">
+              <a:buFontTx/>
+              <a:buNone/>
+            </a:pPr>
             <a:endParaRPr lang="ko-KR" altLang="en-US" sz="1800">
               <a:solidFill>
                 <a:schemeClr val="tx1"/>
@@ -25572,7 +25337,10 @@
             </a:endParaRPr>
           </a:p>
           <a:p>
-            <a:pPr marL="0" indent="0" algn="l" defTabSz="508000" hangingPunct="1"/>
+            <a:pPr marL="0" indent="0" algn="l" defTabSz="508000" hangingPunct="1">
+              <a:buFontTx/>
+              <a:buNone/>
+            </a:pPr>
             <a:r>
               <a:rPr lang="ko-KR" sz="1800">
                 <a:solidFill>
@@ -25592,7 +25360,10 @@
             </a:endParaRPr>
           </a:p>
           <a:p>
-            <a:pPr marL="0" indent="0" algn="l" defTabSz="508000" hangingPunct="1"/>
+            <a:pPr marL="0" indent="0" algn="l" defTabSz="508000" hangingPunct="1">
+              <a:buFontTx/>
+              <a:buNone/>
+            </a:pPr>
             <a:endParaRPr lang="ko-KR" altLang="en-US" sz="1800">
               <a:solidFill>
                 <a:schemeClr val="tx1"/>
@@ -25602,7 +25373,10 @@
             </a:endParaRPr>
           </a:p>
           <a:p>
-            <a:pPr marL="0" indent="0" algn="l" defTabSz="508000" hangingPunct="1"/>
+            <a:pPr marL="0" indent="0" algn="l" defTabSz="508000" hangingPunct="1">
+              <a:buFontTx/>
+              <a:buNone/>
+            </a:pPr>
             <a:r>
               <a:rPr lang="ko-KR" sz="1800">
                 <a:solidFill>
@@ -25622,7 +25396,10 @@
             </a:endParaRPr>
           </a:p>
           <a:p>
-            <a:pPr marL="0" indent="0" algn="l" defTabSz="508000" hangingPunct="1"/>
+            <a:pPr marL="0" indent="0" algn="l" defTabSz="508000" hangingPunct="1">
+              <a:buFontTx/>
+              <a:buNone/>
+            </a:pPr>
             <a:endParaRPr lang="ko-KR" altLang="en-US" sz="1800">
               <a:solidFill>
                 <a:schemeClr val="tx1"/>
@@ -25632,7 +25409,10 @@
             </a:endParaRPr>
           </a:p>
           <a:p>
-            <a:pPr marL="0" indent="0" algn="l" defTabSz="508000" hangingPunct="1"/>
+            <a:pPr marL="0" indent="0" algn="l" defTabSz="508000" hangingPunct="1">
+              <a:buFontTx/>
+              <a:buNone/>
+            </a:pPr>
             <a:r>
               <a:rPr lang="ko-KR" sz="1800">
                 <a:solidFill>
@@ -25652,7 +25432,10 @@
             </a:endParaRPr>
           </a:p>
           <a:p>
-            <a:pPr marL="0" indent="0" algn="l" defTabSz="508000" hangingPunct="1"/>
+            <a:pPr marL="0" indent="0" algn="l" defTabSz="508000" hangingPunct="1">
+              <a:buFontTx/>
+              <a:buNone/>
+            </a:pPr>
             <a:endParaRPr lang="ko-KR" altLang="en-US" sz="1800">
               <a:solidFill>
                 <a:schemeClr val="tx1"/>
@@ -25662,7 +25445,10 @@
             </a:endParaRPr>
           </a:p>
           <a:p>
-            <a:pPr marL="0" indent="0" algn="l" defTabSz="508000" hangingPunct="1"/>
+            <a:pPr marL="0" indent="0" algn="l" defTabSz="508000" hangingPunct="1">
+              <a:buFontTx/>
+              <a:buNone/>
+            </a:pPr>
             <a:r>
               <a:rPr lang="ko-KR" sz="1800">
                 <a:solidFill>
@@ -25682,7 +25468,10 @@
             </a:endParaRPr>
           </a:p>
           <a:p>
-            <a:pPr marL="0" indent="0" algn="l" defTabSz="508000" hangingPunct="1"/>
+            <a:pPr marL="0" indent="0" algn="l" defTabSz="508000" hangingPunct="1">
+              <a:buFontTx/>
+              <a:buNone/>
+            </a:pPr>
             <a:endParaRPr lang="ko-KR" altLang="en-US" sz="1800">
               <a:solidFill>
                 <a:schemeClr val="tx1"/>
@@ -25692,7 +25481,10 @@
             </a:endParaRPr>
           </a:p>
           <a:p>
-            <a:pPr marL="0" indent="0" algn="l" defTabSz="508000" hangingPunct="1"/>
+            <a:pPr marL="0" indent="0" algn="l" defTabSz="508000" hangingPunct="1">
+              <a:buFontTx/>
+              <a:buNone/>
+            </a:pPr>
             <a:r>
               <a:rPr lang="ko-KR" sz="1800">
                 <a:solidFill>
@@ -25704,34 +25496,29 @@
               <a:t>전화번호</a:t>
             </a:r>
             <a:endParaRPr lang="ko-KR" altLang="en-US" sz="1800">
-              <a:latin typeface="맑은 고딕" charset="0"/>
-              <a:ea typeface="맑은 고딕" charset="0"/>
-            </a:endParaRPr>
-          </a:p>
-        </p:txBody>
-      </p:sp>
-      <p:sp>
-        <p:nvSpPr>
-          <p:cNvPr id="33" name="텍스트 상자 37">
-            <a:extLst>
-              <a:ext uri="{FF2B5EF4-FFF2-40B4-BE49-F238E27FC236}">
-                <a16:creationId xmlns:a16="http://schemas.microsoft.com/office/drawing/2014/main" id="{DAAB8F33-FC91-4D71-88A4-2B34F3CDEC5E}"/>
-              </a:ext>
-            </a:extLst>
-          </p:cNvPr>
+              <a:solidFill>
+                <a:schemeClr val="tx1"/>
+              </a:solidFill>
+              <a:latin typeface="맑은 고딕" charset="0"/>
+              <a:ea typeface="맑은 고딕" charset="0"/>
+            </a:endParaRPr>
+          </a:p>
+        </p:txBody>
+      </p:sp>
+      <p:sp>
+        <p:nvSpPr>
+          <p:cNvPr id="33" name="텍스트 상자 37"/>
           <p:cNvSpPr txBox="1">
             <a:spLocks/>
           </p:cNvSpPr>
           <p:nvPr/>
         </p:nvSpPr>
         <p:spPr>
-          <a:xfrm>
-            <a:off x="9264015" y="890270"/>
-            <a:ext cx="2664460" cy="370205"/>
-          </a:xfrm>
-          <a:prstGeom prst="rect">
-            <a:avLst/>
-          </a:prstGeom>
+          <a:xfrm rot="0">
+            <a:off x="7361555" y="639445"/>
+            <a:ext cx="2665095" cy="370840"/>
+          </a:xfrm>
+          <a:prstGeom prst="rect"/>
           <a:noFill/>
           <a:ln w="38100" cap="flat" cmpd="sng">
             <a:solidFill>
@@ -25744,12 +25531,15 @@
           </a:ln>
         </p:spPr>
         <p:txBody>
-          <a:bodyPr vert="horz" wrap="square" lIns="89535" tIns="46355" rIns="89535" bIns="46355" anchor="t">
+          <a:bodyPr wrap="square" lIns="89535" tIns="46355" rIns="89535" bIns="46355" numCol="1" vert="horz" anchor="t">
             <a:spAutoFit/>
           </a:bodyPr>
           <a:lstStyle/>
           <a:p>
-            <a:pPr marL="0" indent="0" algn="ctr" defTabSz="508000" hangingPunct="1"/>
+            <a:pPr marL="0" indent="0" algn="ctr" defTabSz="508000" hangingPunct="1">
+              <a:buFontTx/>
+              <a:buNone/>
+            </a:pPr>
             <a:r>
               <a:rPr lang="ko-KR" sz="1800">
                 <a:latin typeface="맑은 고딕" charset="0"/>
@@ -25766,24 +25556,16 @@
       </p:sp>
       <p:cxnSp>
         <p:nvCxnSpPr>
-          <p:cNvPr id="34" name="도형 38">
-            <a:extLst>
-              <a:ext uri="{FF2B5EF4-FFF2-40B4-BE49-F238E27FC236}">
-                <a16:creationId xmlns:a16="http://schemas.microsoft.com/office/drawing/2014/main" id="{90913CB2-0660-416A-9F95-B548FCCF4F63}"/>
-              </a:ext>
-            </a:extLst>
-          </p:cNvPr>
+          <p:cNvPr id="34" name="도형 38"/>
           <p:cNvCxnSpPr/>
           <p:nvPr/>
         </p:nvCxnSpPr>
         <p:spPr>
-          <a:xfrm flipH="1">
-            <a:off x="9376410" y="1080135"/>
-            <a:ext cx="277495" cy="9525"/>
-          </a:xfrm>
-          <a:prstGeom prst="straightConnector1">
-            <a:avLst/>
-          </a:prstGeom>
+          <a:xfrm rot="0" flipH="1">
+            <a:off x="7473950" y="829310"/>
+            <a:ext cx="278130" cy="10160"/>
+          </a:xfrm>
+          <a:prstGeom prst="straightConnector1"/>
           <a:ln w="6350" cap="flat" cmpd="sng">
             <a:solidFill>
               <a:srgbClr val="000000">
@@ -25791,7 +25573,6 @@
               </a:srgbClr>
             </a:solidFill>
             <a:prstDash val="solid"/>
-            <a:headEnd type="none" w="med" len="med"/>
             <a:tailEnd type="triangle" w="med" len="med"/>
           </a:ln>
         </p:spPr>
@@ -25812,26 +25593,18 @@
       </p:cxnSp>
       <p:sp>
         <p:nvSpPr>
-          <p:cNvPr id="35" name="도형 39">
-            <a:extLst>
-              <a:ext uri="{FF2B5EF4-FFF2-40B4-BE49-F238E27FC236}">
-                <a16:creationId xmlns:a16="http://schemas.microsoft.com/office/drawing/2014/main" id="{0D692075-BA9E-4A40-A99D-07D9FA6779CB}"/>
-              </a:ext>
-            </a:extLst>
-          </p:cNvPr>
+          <p:cNvPr id="35" name="도형 39"/>
           <p:cNvSpPr>
             <a:spLocks/>
           </p:cNvSpPr>
           <p:nvPr/>
         </p:nvSpPr>
         <p:spPr>
-          <a:xfrm>
-            <a:off x="10172065" y="1339850"/>
-            <a:ext cx="1211580" cy="208280"/>
-          </a:xfrm>
-          <a:prstGeom prst="rect">
-            <a:avLst/>
-          </a:prstGeom>
+          <a:xfrm rot="0">
+            <a:off x="8269605" y="1089025"/>
+            <a:ext cx="1212215" cy="208915"/>
+          </a:xfrm>
+          <a:prstGeom prst="rect"/>
           <a:solidFill>
             <a:schemeClr val="bg1"/>
           </a:solidFill>
@@ -25861,12 +25634,15 @@
           </a:fontRef>
         </p:style>
         <p:txBody>
-          <a:bodyPr vert="horz" wrap="square" lIns="91440" tIns="45720" rIns="91440" bIns="45720" anchor="ctr">
+          <a:bodyPr wrap="square" lIns="91440" tIns="45720" rIns="91440" bIns="45720" numCol="1" vert="horz" anchor="ctr">
             <a:noAutofit/>
           </a:bodyPr>
           <a:lstStyle/>
           <a:p>
-            <a:pPr marL="0" indent="0" algn="ctr" defTabSz="508000" hangingPunct="1"/>
+            <a:pPr marL="0" indent="0" algn="ctr" defTabSz="508000" hangingPunct="1">
+              <a:buFontTx/>
+              <a:buNone/>
+            </a:pPr>
             <a:endParaRPr lang="ko-KR" altLang="en-US" sz="1800">
               <a:latin typeface="맑은 고딕" charset="0"/>
               <a:ea typeface="맑은 고딕" charset="0"/>
@@ -25876,26 +25652,18 @@
       </p:sp>
       <p:sp>
         <p:nvSpPr>
-          <p:cNvPr id="36" name="도형 40">
-            <a:extLst>
-              <a:ext uri="{FF2B5EF4-FFF2-40B4-BE49-F238E27FC236}">
-                <a16:creationId xmlns:a16="http://schemas.microsoft.com/office/drawing/2014/main" id="{DA4A0C65-41D3-4329-B98A-08E0AFC0D177}"/>
-              </a:ext>
-            </a:extLst>
-          </p:cNvPr>
+          <p:cNvPr id="36" name="도형 40"/>
           <p:cNvSpPr>
             <a:spLocks/>
           </p:cNvSpPr>
           <p:nvPr/>
         </p:nvSpPr>
         <p:spPr>
-          <a:xfrm>
-            <a:off x="10174605" y="1878330"/>
-            <a:ext cx="1211580" cy="208280"/>
-          </a:xfrm>
-          <a:prstGeom prst="rect">
-            <a:avLst/>
-          </a:prstGeom>
+          <a:xfrm rot="0">
+            <a:off x="8272145" y="1627505"/>
+            <a:ext cx="1212215" cy="208915"/>
+          </a:xfrm>
+          <a:prstGeom prst="rect"/>
           <a:solidFill>
             <a:schemeClr val="bg1"/>
           </a:solidFill>
@@ -25925,12 +25693,15 @@
           </a:fontRef>
         </p:style>
         <p:txBody>
-          <a:bodyPr vert="horz" wrap="square" lIns="91440" tIns="45720" rIns="91440" bIns="45720" anchor="ctr">
+          <a:bodyPr wrap="square" lIns="91440" tIns="45720" rIns="91440" bIns="45720" numCol="1" vert="horz" anchor="ctr">
             <a:noAutofit/>
           </a:bodyPr>
           <a:lstStyle/>
           <a:p>
-            <a:pPr marL="0" indent="0" algn="ctr" defTabSz="508000" hangingPunct="1"/>
+            <a:pPr marL="0" indent="0" algn="ctr" defTabSz="508000" hangingPunct="1">
+              <a:buFontTx/>
+              <a:buNone/>
+            </a:pPr>
             <a:endParaRPr lang="ko-KR" altLang="en-US" sz="1800">
               <a:latin typeface="맑은 고딕" charset="0"/>
               <a:ea typeface="맑은 고딕" charset="0"/>
@@ -25940,26 +25711,18 @@
       </p:sp>
       <p:sp>
         <p:nvSpPr>
-          <p:cNvPr id="37" name="도형 41">
-            <a:extLst>
-              <a:ext uri="{FF2B5EF4-FFF2-40B4-BE49-F238E27FC236}">
-                <a16:creationId xmlns:a16="http://schemas.microsoft.com/office/drawing/2014/main" id="{93C77C26-5A7C-47F5-8C69-8ED42576DF1B}"/>
-              </a:ext>
-            </a:extLst>
-          </p:cNvPr>
+          <p:cNvPr id="37" name="도형 41"/>
           <p:cNvSpPr>
             <a:spLocks/>
           </p:cNvSpPr>
           <p:nvPr/>
         </p:nvSpPr>
         <p:spPr>
-          <a:xfrm>
-            <a:off x="10168255" y="2416810"/>
-            <a:ext cx="1211580" cy="208280"/>
-          </a:xfrm>
-          <a:prstGeom prst="rect">
-            <a:avLst/>
-          </a:prstGeom>
+          <a:xfrm rot="0">
+            <a:off x="8265795" y="2165985"/>
+            <a:ext cx="1212215" cy="208915"/>
+          </a:xfrm>
+          <a:prstGeom prst="rect"/>
           <a:solidFill>
             <a:schemeClr val="bg1"/>
           </a:solidFill>
@@ -25989,12 +25752,15 @@
           </a:fontRef>
         </p:style>
         <p:txBody>
-          <a:bodyPr vert="horz" wrap="square" lIns="91440" tIns="45720" rIns="91440" bIns="45720" anchor="ctr">
+          <a:bodyPr wrap="square" lIns="91440" tIns="45720" rIns="91440" bIns="45720" numCol="1" vert="horz" anchor="ctr">
             <a:noAutofit/>
           </a:bodyPr>
           <a:lstStyle/>
           <a:p>
-            <a:pPr marL="0" indent="0" algn="ctr" defTabSz="508000" hangingPunct="1"/>
+            <a:pPr marL="0" indent="0" algn="ctr" defTabSz="508000" hangingPunct="1">
+              <a:buFontTx/>
+              <a:buNone/>
+            </a:pPr>
             <a:endParaRPr lang="ko-KR" altLang="en-US" sz="1800">
               <a:latin typeface="맑은 고딕" charset="0"/>
               <a:ea typeface="맑은 고딕" charset="0"/>
@@ -26004,26 +25770,18 @@
       </p:sp>
       <p:sp>
         <p:nvSpPr>
-          <p:cNvPr id="38" name="도형 42">
-            <a:extLst>
-              <a:ext uri="{FF2B5EF4-FFF2-40B4-BE49-F238E27FC236}">
-                <a16:creationId xmlns:a16="http://schemas.microsoft.com/office/drawing/2014/main" id="{ED25B138-8A99-4479-9E7E-502C022EFC9E}"/>
-              </a:ext>
-            </a:extLst>
-          </p:cNvPr>
+          <p:cNvPr id="38" name="도형 42"/>
           <p:cNvSpPr>
             <a:spLocks/>
           </p:cNvSpPr>
           <p:nvPr/>
         </p:nvSpPr>
         <p:spPr>
-          <a:xfrm>
-            <a:off x="10447655" y="2981325"/>
-            <a:ext cx="1211580" cy="208280"/>
-          </a:xfrm>
-          <a:prstGeom prst="rect">
-            <a:avLst/>
-          </a:prstGeom>
+          <a:xfrm rot="0">
+            <a:off x="8545195" y="2730500"/>
+            <a:ext cx="1212215" cy="208915"/>
+          </a:xfrm>
+          <a:prstGeom prst="rect"/>
           <a:solidFill>
             <a:schemeClr val="bg1"/>
           </a:solidFill>
@@ -26053,12 +25811,15 @@
           </a:fontRef>
         </p:style>
         <p:txBody>
-          <a:bodyPr vert="horz" wrap="square" lIns="91440" tIns="45720" rIns="91440" bIns="45720" anchor="ctr">
+          <a:bodyPr wrap="square" lIns="91440" tIns="45720" rIns="91440" bIns="45720" numCol="1" vert="horz" anchor="ctr">
             <a:noAutofit/>
           </a:bodyPr>
           <a:lstStyle/>
           <a:p>
-            <a:pPr marL="0" indent="0" algn="ctr" defTabSz="508000" hangingPunct="1"/>
+            <a:pPr marL="0" indent="0" algn="ctr" defTabSz="508000" hangingPunct="1">
+              <a:buFontTx/>
+              <a:buNone/>
+            </a:pPr>
             <a:endParaRPr lang="ko-KR" altLang="en-US" sz="1800">
               <a:latin typeface="맑은 고딕" charset="0"/>
               <a:ea typeface="맑은 고딕" charset="0"/>
@@ -26068,26 +25829,18 @@
       </p:sp>
       <p:sp>
         <p:nvSpPr>
-          <p:cNvPr id="39" name="도형 43">
-            <a:extLst>
-              <a:ext uri="{FF2B5EF4-FFF2-40B4-BE49-F238E27FC236}">
-                <a16:creationId xmlns:a16="http://schemas.microsoft.com/office/drawing/2014/main" id="{0A0D4810-ACEB-49ED-BD1D-90AB61F8A224}"/>
-              </a:ext>
-            </a:extLst>
-          </p:cNvPr>
+          <p:cNvPr id="39" name="도형 43"/>
           <p:cNvSpPr>
             <a:spLocks/>
           </p:cNvSpPr>
           <p:nvPr/>
         </p:nvSpPr>
         <p:spPr>
-          <a:xfrm>
-            <a:off x="10718165" y="3511550"/>
-            <a:ext cx="1211580" cy="208280"/>
-          </a:xfrm>
-          <a:prstGeom prst="rect">
-            <a:avLst/>
-          </a:prstGeom>
+          <a:xfrm rot="0">
+            <a:off x="8815705" y="3260725"/>
+            <a:ext cx="1212215" cy="208915"/>
+          </a:xfrm>
+          <a:prstGeom prst="rect"/>
           <a:solidFill>
             <a:schemeClr val="bg1"/>
           </a:solidFill>
@@ -26117,12 +25870,15 @@
           </a:fontRef>
         </p:style>
         <p:txBody>
-          <a:bodyPr vert="horz" wrap="square" lIns="91440" tIns="45720" rIns="91440" bIns="45720" anchor="ctr">
+          <a:bodyPr wrap="square" lIns="91440" tIns="45720" rIns="91440" bIns="45720" numCol="1" vert="horz" anchor="ctr">
             <a:noAutofit/>
           </a:bodyPr>
           <a:lstStyle/>
           <a:p>
-            <a:pPr marL="0" indent="0" algn="ctr" defTabSz="508000" hangingPunct="1"/>
+            <a:pPr marL="0" indent="0" algn="ctr" defTabSz="508000" hangingPunct="1">
+              <a:buFontTx/>
+              <a:buNone/>
+            </a:pPr>
             <a:endParaRPr lang="ko-KR" altLang="en-US" sz="1800">
               <a:latin typeface="맑은 고딕" charset="0"/>
               <a:ea typeface="맑은 고딕" charset="0"/>
@@ -26132,26 +25888,18 @@
       </p:sp>
       <p:sp>
         <p:nvSpPr>
-          <p:cNvPr id="40" name="도형 44">
-            <a:extLst>
-              <a:ext uri="{FF2B5EF4-FFF2-40B4-BE49-F238E27FC236}">
-                <a16:creationId xmlns:a16="http://schemas.microsoft.com/office/drawing/2014/main" id="{14D734AF-A299-4604-AB93-C62AFC071198}"/>
-              </a:ext>
-            </a:extLst>
-          </p:cNvPr>
+          <p:cNvPr id="40" name="도형 44"/>
           <p:cNvSpPr>
             <a:spLocks/>
           </p:cNvSpPr>
           <p:nvPr/>
         </p:nvSpPr>
         <p:spPr>
-          <a:xfrm>
-            <a:off x="10409555" y="4084955"/>
-            <a:ext cx="1211580" cy="208280"/>
-          </a:xfrm>
-          <a:prstGeom prst="rect">
-            <a:avLst/>
-          </a:prstGeom>
+          <a:xfrm rot="0">
+            <a:off x="8507095" y="3834130"/>
+            <a:ext cx="1212215" cy="208915"/>
+          </a:xfrm>
+          <a:prstGeom prst="rect"/>
           <a:solidFill>
             <a:schemeClr val="bg1"/>
           </a:solidFill>
@@ -26181,12 +25929,15 @@
           </a:fontRef>
         </p:style>
         <p:txBody>
-          <a:bodyPr vert="horz" wrap="square" lIns="91440" tIns="45720" rIns="91440" bIns="45720" anchor="ctr">
+          <a:bodyPr wrap="square" lIns="91440" tIns="45720" rIns="91440" bIns="45720" numCol="1" vert="horz" anchor="ctr">
             <a:noAutofit/>
           </a:bodyPr>
           <a:lstStyle/>
           <a:p>
-            <a:pPr marL="0" indent="0" algn="ctr" defTabSz="508000" hangingPunct="1"/>
+            <a:pPr marL="0" indent="0" algn="ctr" defTabSz="508000" hangingPunct="1">
+              <a:buFontTx/>
+              <a:buNone/>
+            </a:pPr>
             <a:endParaRPr lang="ko-KR" altLang="en-US" sz="1800">
               <a:latin typeface="맑은 고딕" charset="0"/>
               <a:ea typeface="맑은 고딕" charset="0"/>
@@ -26196,26 +25947,18 @@
       </p:sp>
       <p:sp>
         <p:nvSpPr>
-          <p:cNvPr id="41" name="도형 45">
-            <a:extLst>
-              <a:ext uri="{FF2B5EF4-FFF2-40B4-BE49-F238E27FC236}">
-                <a16:creationId xmlns:a16="http://schemas.microsoft.com/office/drawing/2014/main" id="{2CC7FB4C-D173-4951-97FF-B7E72CE9668E}"/>
-              </a:ext>
-            </a:extLst>
-          </p:cNvPr>
+          <p:cNvPr id="41" name="도형 45"/>
           <p:cNvSpPr>
             <a:spLocks/>
           </p:cNvSpPr>
           <p:nvPr/>
         </p:nvSpPr>
         <p:spPr>
-          <a:xfrm>
-            <a:off x="11452225" y="1341755"/>
-            <a:ext cx="407035" cy="208280"/>
-          </a:xfrm>
-          <a:prstGeom prst="rect">
-            <a:avLst/>
-          </a:prstGeom>
+          <a:xfrm rot="0">
+            <a:off x="9549765" y="1090930"/>
+            <a:ext cx="407670" cy="208915"/>
+          </a:xfrm>
+          <a:prstGeom prst="rect"/>
           <a:solidFill>
             <a:schemeClr val="bg1"/>
           </a:solidFill>
@@ -26245,12 +25988,15 @@
           </a:fontRef>
         </p:style>
         <p:txBody>
-          <a:bodyPr vert="horz" wrap="square" lIns="91440" tIns="45720" rIns="91440" bIns="45720" anchor="ctr">
+          <a:bodyPr wrap="square" lIns="91440" tIns="45720" rIns="91440" bIns="45720" numCol="1" vert="horz" anchor="ctr">
             <a:noAutofit/>
           </a:bodyPr>
           <a:lstStyle/>
           <a:p>
-            <a:pPr marL="0" indent="0" algn="ctr" defTabSz="508000" hangingPunct="1"/>
+            <a:pPr marL="0" indent="0" algn="ctr" defTabSz="508000" hangingPunct="1">
+              <a:buFontTx/>
+              <a:buNone/>
+            </a:pPr>
             <a:r>
               <a:rPr lang="ko-KR" sz="800">
                 <a:solidFill>
@@ -26273,26 +26019,18 @@
       </p:sp>
       <p:sp>
         <p:nvSpPr>
-          <p:cNvPr id="42" name="도형 46">
-            <a:extLst>
-              <a:ext uri="{FF2B5EF4-FFF2-40B4-BE49-F238E27FC236}">
-                <a16:creationId xmlns:a16="http://schemas.microsoft.com/office/drawing/2014/main" id="{F1E7C857-F959-4C57-8D91-CFE917E41102}"/>
-              </a:ext>
-            </a:extLst>
-          </p:cNvPr>
+          <p:cNvPr id="42" name="도형 46"/>
           <p:cNvSpPr>
             <a:spLocks/>
           </p:cNvSpPr>
           <p:nvPr/>
         </p:nvSpPr>
         <p:spPr>
-          <a:xfrm>
-            <a:off x="11454765" y="2416810"/>
-            <a:ext cx="407035" cy="208280"/>
-          </a:xfrm>
-          <a:prstGeom prst="rect">
-            <a:avLst/>
-          </a:prstGeom>
+          <a:xfrm rot="0">
+            <a:off x="9552305" y="2165985"/>
+            <a:ext cx="407670" cy="208915"/>
+          </a:xfrm>
+          <a:prstGeom prst="rect"/>
           <a:solidFill>
             <a:schemeClr val="bg1"/>
           </a:solidFill>
@@ -26322,12 +26060,15 @@
           </a:fontRef>
         </p:style>
         <p:txBody>
-          <a:bodyPr vert="horz" wrap="square" lIns="91440" tIns="45720" rIns="91440" bIns="45720" anchor="ctr">
+          <a:bodyPr wrap="square" lIns="91440" tIns="45720" rIns="91440" bIns="45720" numCol="1" vert="horz" anchor="ctr">
             <a:noAutofit/>
           </a:bodyPr>
           <a:lstStyle/>
           <a:p>
-            <a:pPr marL="0" indent="0" algn="ctr" defTabSz="508000" hangingPunct="1"/>
+            <a:pPr marL="0" indent="0" algn="ctr" defTabSz="508000" hangingPunct="1">
+              <a:buFontTx/>
+              <a:buNone/>
+            </a:pPr>
             <a:r>
               <a:rPr lang="ko-KR" sz="800">
                 <a:solidFill>
@@ -26350,26 +26091,18 @@
       </p:sp>
       <p:sp>
         <p:nvSpPr>
-          <p:cNvPr id="43" name="텍스트 상자 49">
-            <a:extLst>
-              <a:ext uri="{FF2B5EF4-FFF2-40B4-BE49-F238E27FC236}">
-                <a16:creationId xmlns:a16="http://schemas.microsoft.com/office/drawing/2014/main" id="{AADFF2E7-C52F-418F-84AB-19CE2F65064F}"/>
-              </a:ext>
-            </a:extLst>
-          </p:cNvPr>
+          <p:cNvPr id="43" name="텍스트 상자 49"/>
           <p:cNvSpPr txBox="1">
             <a:spLocks/>
           </p:cNvSpPr>
           <p:nvPr/>
         </p:nvSpPr>
         <p:spPr>
-          <a:xfrm>
-            <a:off x="9932670" y="363855"/>
-            <a:ext cx="1578610" cy="370205"/>
-          </a:xfrm>
-          <a:prstGeom prst="rect">
-            <a:avLst/>
-          </a:prstGeom>
+          <a:xfrm rot="0">
+            <a:off x="8030210" y="113030"/>
+            <a:ext cx="1579245" cy="370840"/>
+          </a:xfrm>
+          <a:prstGeom prst="rect"/>
           <a:noFill/>
           <a:ln w="0">
             <a:noFill/>
@@ -26377,20 +26110,23 @@
           </a:ln>
         </p:spPr>
         <p:txBody>
-          <a:bodyPr vert="horz" wrap="square" lIns="89535" tIns="46355" rIns="89535" bIns="46355" anchor="t">
+          <a:bodyPr wrap="square" lIns="89535" tIns="46355" rIns="89535" bIns="46355" numCol="1" vert="horz" anchor="t">
             <a:spAutoFit/>
           </a:bodyPr>
           <a:lstStyle/>
           <a:p>
-            <a:pPr marL="0" indent="0" algn="l" defTabSz="508000" hangingPunct="1"/>
+            <a:pPr marL="0" indent="0" algn="l" defTabSz="508000" hangingPunct="1">
+              <a:buFontTx/>
+              <a:buNone/>
+            </a:pPr>
             <a:r>
-              <a:rPr lang="ko-KR" sz="1800" dirty="0">
+              <a:rPr lang="ko-KR" sz="1800">
                 <a:latin typeface="맑은 고딕" charset="0"/>
                 <a:ea typeface="맑은 고딕" charset="0"/>
               </a:rPr>
               <a:t>회원가입(구)</a:t>
             </a:r>
-            <a:endParaRPr lang="ko-KR" altLang="en-US" sz="1800" dirty="0">
+            <a:endParaRPr lang="ko-KR" altLang="en-US" sz="1800">
               <a:latin typeface="맑은 고딕" charset="0"/>
               <a:ea typeface="맑은 고딕" charset="0"/>
             </a:endParaRPr>
@@ -26402,14 +26138,21 @@
   <p:clrMapOvr>
     <a:masterClrMapping/>
   </p:clrMapOvr>
-  <mc:AlternateContent xmlns:mc="http://schemas.openxmlformats.org/markup-compatibility/2006" xmlns:p14="http://schemas.microsoft.com/office/powerpoint/2010/main">
-    <mc:Choice Requires="p14">
-      <p:transition/>
+  <mc:AlternateContent xmlns:mc="http://schemas.openxmlformats.org/markup-compatibility/2006">
+    <mc:Choice xmlns:p14="http://schemas.microsoft.com/office/powerpoint/2010/main" Requires="p14">
+      <p:transition spd="slow" p14:dur="500"/>
     </mc:Choice>
-    <mc:Fallback xmlns="">
+    <mc:Fallback>
       <p:transition spd="slow"/>
     </mc:Fallback>
   </mc:AlternateContent>
+  <p:timing>
+    <p:tnLst>
+      <p:par>
+        <p:cTn id="1" dur="indefinite" restart="never" nodeType="tmRoot"/>
+      </p:par>
+    </p:tnLst>
+  </p:timing>
 </p:sld>
 </file>
 

--- a/Documents/공모전 ver.1.pptx
+++ b/Documents/공모전 ver.1.pptx
@@ -1,15 +1,15 @@
 
 <file path=ppt/presentation.xml><?xml version="1.0" encoding="utf-8"?>
-<p:presentation xmlns:a="http://schemas.openxmlformats.org/drawingml/2006/main" xmlns:r="http://schemas.openxmlformats.org/officeDocument/2006/relationships" xmlns:p="http://schemas.openxmlformats.org/presentationml/2006/main" xmlns:p14="http://schemas.microsoft.com/office/powerpoint/2010/main" saveSubsetFonts="1">
+<p:presentation xmlns:a="http://schemas.openxmlformats.org/drawingml/2006/main" xmlns:r="http://schemas.openxmlformats.org/officeDocument/2006/relationships" xmlns:p="http://schemas.openxmlformats.org/presentationml/2006/main" saveSubsetFonts="1">
   <p:sldMasterIdLst>
-    <p:sldMasterId id="2147483677" r:id="rId13"/>
+    <p:sldMasterId id="2147483677" r:id="rId1"/>
   </p:sldMasterIdLst>
   <p:sldIdLst>
-    <p:sldId id="258" r:id="rId15"/>
-    <p:sldId id="260" r:id="rId16"/>
-    <p:sldId id="259" r:id="rId17"/>
-    <p:sldId id="256" r:id="rId18"/>
-    <p:sldId id="257" r:id="rId19"/>
+    <p:sldId id="258" r:id="rId2"/>
+    <p:sldId id="260" r:id="rId3"/>
+    <p:sldId id="259" r:id="rId4"/>
+    <p:sldId id="256" r:id="rId5"/>
+    <p:sldId id="257" r:id="rId6"/>
   </p:sldIdLst>
   <p:sldSz cx="12192000" cy="6858000"/>
   <p:notesSz cx="6858000" cy="9144000"/>
@@ -40,7 +40,11 @@
       <a:defRPr lang="ko-KR" smtClean="0"/>
     </a:lvl5pPr>
   </p:defaultTextStyle>
-  <p:extLst/>
+  <p:extLst>
+    <p:ext uri="{EFAFB233-063F-42B5-8137-9DF3F51BA10A}">
+      <p15:sldGuideLst xmlns:p15="http://schemas.microsoft.com/office/powerpoint/2012/main"/>
+    </p:ext>
+  </p:extLst>
 </p:presentation>
 </file>
 
@@ -281,7 +285,7 @@
                 <a:latin typeface="맑은 고딕" charset="0"/>
                 <a:ea typeface="맑은 고딕" charset="0"/>
               </a:rPr>
-              <a:t>2020-07-10</a:t>
+              <a:t>2020-07-13</a:t>
             </a:fld>
             <a:endParaRPr lang="ko-KR" altLang="en-US" sz="1200" b="0" cap="none" dirty="0">
               <a:solidFill>
@@ -714,7 +718,7 @@
                 <a:latin typeface="맑은 고딕" charset="0"/>
                 <a:ea typeface="맑은 고딕" charset="0"/>
               </a:rPr>
-              <a:t>2020-07-10</a:t>
+              <a:t>2020-07-13</a:t>
             </a:fld>
             <a:endParaRPr lang="ko-KR" altLang="en-US" sz="1200" b="0" cap="none" dirty="0">
               <a:solidFill>
@@ -1147,7 +1151,7 @@
                 <a:latin typeface="맑은 고딕" charset="0"/>
                 <a:ea typeface="맑은 고딕" charset="0"/>
               </a:rPr>
-              <a:t>2020-07-10</a:t>
+              <a:t>2020-07-13</a:t>
             </a:fld>
             <a:endParaRPr lang="ko-KR" altLang="en-US" sz="1200" b="0" cap="none" dirty="0">
               <a:solidFill>
@@ -1580,7 +1584,7 @@
                 <a:latin typeface="맑은 고딕" charset="0"/>
                 <a:ea typeface="맑은 고딕" charset="0"/>
               </a:rPr>
-              <a:t>2020-07-10</a:t>
+              <a:t>2020-07-13</a:t>
             </a:fld>
             <a:endParaRPr lang="ko-KR" altLang="en-US" sz="1200" b="0" cap="none" dirty="0">
               <a:solidFill>
@@ -1885,7 +1889,7 @@
                 <a:latin typeface="맑은 고딕" charset="0"/>
                 <a:ea typeface="맑은 고딕" charset="0"/>
               </a:rPr>
-              <a:t>2020-07-10</a:t>
+              <a:t>2020-07-13</a:t>
             </a:fld>
             <a:endParaRPr lang="ko-KR" altLang="en-US" sz="1200" b="0" cap="none" dirty="0">
               <a:solidFill>
@@ -2504,7 +2508,7 @@
                 <a:latin typeface="맑은 고딕" charset="0"/>
                 <a:ea typeface="맑은 고딕" charset="0"/>
               </a:rPr>
-              <a:t>2020-07-10</a:t>
+              <a:t>2020-07-13</a:t>
             </a:fld>
             <a:endParaRPr lang="ko-KR" altLang="en-US" sz="1200" b="0" cap="none" dirty="0">
               <a:solidFill>
@@ -3239,7 +3243,7 @@
                 <a:latin typeface="맑은 고딕" charset="0"/>
                 <a:ea typeface="맑은 고딕" charset="0"/>
               </a:rPr>
-              <a:t>2020-07-10</a:t>
+              <a:t>2020-07-13</a:t>
             </a:fld>
             <a:endParaRPr lang="ko-KR" altLang="en-US" sz="1200" b="0" cap="none" dirty="0">
               <a:solidFill>
@@ -3486,7 +3490,7 @@
                 <a:latin typeface="맑은 고딕" charset="0"/>
                 <a:ea typeface="맑은 고딕" charset="0"/>
               </a:rPr>
-              <a:t>2020-07-10</a:t>
+              <a:t>2020-07-13</a:t>
             </a:fld>
             <a:endParaRPr lang="ko-KR" altLang="en-US" sz="1200" b="0" cap="none" dirty="0">
               <a:solidFill>
@@ -3675,7 +3679,7 @@
                 <a:latin typeface="맑은 고딕" charset="0"/>
                 <a:ea typeface="맑은 고딕" charset="0"/>
               </a:rPr>
-              <a:t>2020-07-10</a:t>
+              <a:t>2020-07-13</a:t>
             </a:fld>
             <a:endParaRPr lang="ko-KR" altLang="en-US" sz="1200" b="0" cap="none" dirty="0">
               <a:solidFill>
@@ -4166,7 +4170,7 @@
                 <a:latin typeface="맑은 고딕" charset="0"/>
                 <a:ea typeface="맑은 고딕" charset="0"/>
               </a:rPr>
-              <a:t>2020-07-10</a:t>
+              <a:t>2020-07-13</a:t>
             </a:fld>
             <a:endParaRPr lang="ko-KR" altLang="en-US" sz="1200" b="0" cap="none" dirty="0">
               <a:solidFill>
@@ -4529,7 +4533,7 @@
                 <a:latin typeface="맑은 고딕" charset="0"/>
                 <a:ea typeface="맑은 고딕" charset="0"/>
               </a:rPr>
-              <a:t>2020-07-10</a:t>
+              <a:t>2020-07-13</a:t>
             </a:fld>
             <a:endParaRPr lang="ko-KR" altLang="en-US" sz="1200" b="0" cap="none" dirty="0">
               <a:solidFill>
@@ -4970,7 +4974,7 @@
                 <a:latin typeface="맑은 고딕" charset="0"/>
                 <a:ea typeface="맑은 고딕" charset="0"/>
               </a:rPr>
-              <a:t>2020-07-10</a:t>
+              <a:t>2020-07-13</a:t>
             </a:fld>
             <a:endParaRPr lang="ko-KR" altLang="en-US" sz="1800" b="0" cap="none" dirty="0">
               <a:solidFill>
@@ -5120,7 +5124,7 @@
 </file>
 
 <file path=ppt/slides/slide1.xml><?xml version="1.0" encoding="utf-8"?>
-<p:sld xmlns:a="http://schemas.openxmlformats.org/drawingml/2006/main" xmlns:r="http://schemas.openxmlformats.org/officeDocument/2006/relationships" xmlns:p="http://schemas.openxmlformats.org/presentationml/2006/main" xmlns:p14="http://schemas.microsoft.com/office/powerpoint/2010/main">
+<p:sld xmlns:a="http://schemas.openxmlformats.org/drawingml/2006/main" xmlns:r="http://schemas.openxmlformats.org/officeDocument/2006/relationships" xmlns:p="http://schemas.openxmlformats.org/presentationml/2006/main">
   <p:cSld>
     <p:spTree>
       <p:nvGrpSpPr>
@@ -8373,11 +8377,13 @@
           <p:nvPr/>
         </p:nvSpPr>
         <p:spPr>
-          <a:xfrm rot="0">
+          <a:xfrm>
             <a:off x="3284855" y="2406015"/>
             <a:ext cx="2111375" cy="433705"/>
           </a:xfrm>
-          <a:prstGeom prst="roundRect"/>
+          <a:prstGeom prst="roundRect">
+            <a:avLst/>
+          </a:prstGeom>
           <a:solidFill>
             <a:schemeClr val="bg1"/>
           </a:solidFill>
@@ -8408,7 +8414,7 @@
           </a:fontRef>
         </p:style>
         <p:txBody>
-          <a:bodyPr wrap="square" lIns="91440" tIns="45720" rIns="91440" bIns="45720" numCol="1" vert="horz" anchor="ctr">
+          <a:bodyPr vert="horz" wrap="square" lIns="91440" tIns="45720" rIns="91440" bIns="45720" numCol="1" anchor="ctr">
             <a:noAutofit/>
           </a:bodyPr>
           <a:lstStyle/>
@@ -8433,11 +8439,13 @@
           <p:nvPr/>
         </p:nvSpPr>
         <p:spPr>
-          <a:xfrm rot="0">
+          <a:xfrm>
             <a:off x="3397250" y="2510155"/>
             <a:ext cx="416560" cy="232410"/>
           </a:xfrm>
-          <a:prstGeom prst="rect"/>
+          <a:prstGeom prst="rect">
+            <a:avLst/>
+          </a:prstGeom>
           <a:noFill/>
           <a:ln w="0" cap="flat" cmpd="sng">
             <a:solidFill>
@@ -8449,7 +8457,7 @@
           </a:ln>
         </p:spPr>
         <p:txBody>
-          <a:bodyPr wrap="square" lIns="89535" tIns="46355" rIns="89535" bIns="46355" numCol="1" vert="horz" anchor="t">
+          <a:bodyPr vert="horz" wrap="square" lIns="89535" tIns="46355" rIns="89535" bIns="46355" numCol="1" anchor="t">
             <a:spAutoFit/>
           </a:bodyPr>
           <a:lstStyle/>
@@ -8481,11 +8489,13 @@
           <p:nvPr/>
         </p:nvSpPr>
         <p:spPr>
-          <a:xfrm rot="0">
+          <a:xfrm>
             <a:off x="3973830" y="2585085"/>
             <a:ext cx="581025" cy="217170"/>
           </a:xfrm>
-          <a:prstGeom prst="rect"/>
+          <a:prstGeom prst="rect">
+            <a:avLst/>
+          </a:prstGeom>
           <a:noFill/>
           <a:ln w="0" cap="flat" cmpd="sng">
             <a:solidFill>
@@ -8497,7 +8507,7 @@
           </a:ln>
         </p:spPr>
         <p:txBody>
-          <a:bodyPr wrap="square" lIns="89535" tIns="46355" rIns="89535" bIns="46355" numCol="1" vert="horz" anchor="t">
+          <a:bodyPr vert="horz" wrap="square" lIns="89535" tIns="46355" rIns="89535" bIns="46355" numCol="1" anchor="t">
             <a:spAutoFit/>
           </a:bodyPr>
           <a:lstStyle/>
@@ -8511,21 +8521,7 @@
                 <a:latin typeface="맑은 고딕" charset="0"/>
                 <a:ea typeface="맑은 고딕" charset="0"/>
               </a:rPr>
-              <a:t>가격</a:t>
-            </a:r>
-            <a:r>
-              <a:rPr lang="ko-KR" sz="800">
-                <a:latin typeface="맑은 고딕" charset="0"/>
-                <a:ea typeface="맑은 고딕" charset="0"/>
-              </a:rPr>
-              <a:t> </a:t>
-            </a:r>
-            <a:r>
-              <a:rPr lang="ko-KR" sz="800">
-                <a:latin typeface="맑은 고딕" charset="0"/>
-                <a:ea typeface="맑은 고딕" charset="0"/>
-              </a:rPr>
-              <a:t>:</a:t>
+              <a:t>가격 :</a:t>
             </a:r>
             <a:endParaRPr lang="ko-KR" altLang="en-US" sz="800">
               <a:latin typeface="맑은 고딕" charset="0"/>
@@ -8543,11 +8539,13 @@
           <p:nvPr/>
         </p:nvSpPr>
         <p:spPr>
-          <a:xfrm rot="0">
+          <a:xfrm>
             <a:off x="4556125" y="2587625"/>
             <a:ext cx="581025" cy="217170"/>
           </a:xfrm>
-          <a:prstGeom prst="rect"/>
+          <a:prstGeom prst="rect">
+            <a:avLst/>
+          </a:prstGeom>
           <a:noFill/>
           <a:ln w="0" cap="flat" cmpd="sng">
             <a:solidFill>
@@ -8559,7 +8557,7 @@
           </a:ln>
         </p:spPr>
         <p:txBody>
-          <a:bodyPr wrap="square" lIns="89535" tIns="46355" rIns="89535" bIns="46355" numCol="1" vert="horz" anchor="t">
+          <a:bodyPr vert="horz" wrap="square" lIns="89535" tIns="46355" rIns="89535" bIns="46355" numCol="1" anchor="t">
             <a:spAutoFit/>
           </a:bodyPr>
           <a:lstStyle/>
@@ -8591,11 +8589,13 @@
           <p:nvPr/>
         </p:nvSpPr>
         <p:spPr>
-          <a:xfrm rot="0">
+          <a:xfrm>
             <a:off x="3278505" y="2988310"/>
             <a:ext cx="2111375" cy="433705"/>
           </a:xfrm>
-          <a:prstGeom prst="roundRect"/>
+          <a:prstGeom prst="roundRect">
+            <a:avLst/>
+          </a:prstGeom>
           <a:solidFill>
             <a:schemeClr val="bg1"/>
           </a:solidFill>
@@ -8626,7 +8626,7 @@
           </a:fontRef>
         </p:style>
         <p:txBody>
-          <a:bodyPr wrap="square" lIns="91440" tIns="45720" rIns="91440" bIns="45720" numCol="1" vert="horz" anchor="ctr">
+          <a:bodyPr vert="horz" wrap="square" lIns="91440" tIns="45720" rIns="91440" bIns="45720" numCol="1" anchor="ctr">
             <a:noAutofit/>
           </a:bodyPr>
           <a:lstStyle/>
@@ -8651,11 +8651,13 @@
           <p:nvPr/>
         </p:nvSpPr>
         <p:spPr>
-          <a:xfrm rot="0">
+          <a:xfrm>
             <a:off x="3390900" y="3092450"/>
             <a:ext cx="416560" cy="232410"/>
           </a:xfrm>
-          <a:prstGeom prst="rect"/>
+          <a:prstGeom prst="rect">
+            <a:avLst/>
+          </a:prstGeom>
           <a:noFill/>
           <a:ln w="0" cap="flat" cmpd="sng">
             <a:solidFill>
@@ -8667,7 +8669,7 @@
           </a:ln>
         </p:spPr>
         <p:txBody>
-          <a:bodyPr wrap="square" lIns="89535" tIns="46355" rIns="89535" bIns="46355" numCol="1" vert="horz" anchor="t">
+          <a:bodyPr vert="horz" wrap="square" lIns="89535" tIns="46355" rIns="89535" bIns="46355" numCol="1" anchor="t">
             <a:spAutoFit/>
           </a:bodyPr>
           <a:lstStyle/>
@@ -8699,11 +8701,13 @@
           <p:nvPr/>
         </p:nvSpPr>
         <p:spPr>
-          <a:xfrm rot="0">
+          <a:xfrm>
             <a:off x="3967480" y="3167380"/>
             <a:ext cx="581025" cy="217170"/>
           </a:xfrm>
-          <a:prstGeom prst="rect"/>
+          <a:prstGeom prst="rect">
+            <a:avLst/>
+          </a:prstGeom>
           <a:noFill/>
           <a:ln w="0" cap="flat" cmpd="sng">
             <a:solidFill>
@@ -8715,7 +8719,7 @@
           </a:ln>
         </p:spPr>
         <p:txBody>
-          <a:bodyPr wrap="square" lIns="89535" tIns="46355" rIns="89535" bIns="46355" numCol="1" vert="horz" anchor="t">
+          <a:bodyPr vert="horz" wrap="square" lIns="89535" tIns="46355" rIns="89535" bIns="46355" numCol="1" anchor="t">
             <a:spAutoFit/>
           </a:bodyPr>
           <a:lstStyle/>
@@ -8747,11 +8751,13 @@
           <p:nvPr/>
         </p:nvSpPr>
         <p:spPr>
-          <a:xfrm rot="0">
+          <a:xfrm>
             <a:off x="4549775" y="3169920"/>
             <a:ext cx="581025" cy="217170"/>
           </a:xfrm>
-          <a:prstGeom prst="rect"/>
+          <a:prstGeom prst="rect">
+            <a:avLst/>
+          </a:prstGeom>
           <a:noFill/>
           <a:ln w="0" cap="flat" cmpd="sng">
             <a:solidFill>
@@ -8763,7 +8769,7 @@
           </a:ln>
         </p:spPr>
         <p:txBody>
-          <a:bodyPr wrap="square" lIns="89535" tIns="46355" rIns="89535" bIns="46355" numCol="1" vert="horz" anchor="t">
+          <a:bodyPr vert="horz" wrap="square" lIns="89535" tIns="46355" rIns="89535" bIns="46355" numCol="1" anchor="t">
             <a:spAutoFit/>
           </a:bodyPr>
           <a:lstStyle/>
@@ -8795,11 +8801,13 @@
           <p:nvPr/>
         </p:nvSpPr>
         <p:spPr>
-          <a:xfrm rot="0">
+          <a:xfrm>
             <a:off x="3281045" y="3578860"/>
             <a:ext cx="2111375" cy="433705"/>
           </a:xfrm>
-          <a:prstGeom prst="roundRect"/>
+          <a:prstGeom prst="roundRect">
+            <a:avLst/>
+          </a:prstGeom>
           <a:solidFill>
             <a:schemeClr val="bg1"/>
           </a:solidFill>
@@ -8830,7 +8838,7 @@
           </a:fontRef>
         </p:style>
         <p:txBody>
-          <a:bodyPr wrap="square" lIns="91440" tIns="45720" rIns="91440" bIns="45720" numCol="1" vert="horz" anchor="ctr">
+          <a:bodyPr vert="horz" wrap="square" lIns="91440" tIns="45720" rIns="91440" bIns="45720" numCol="1" anchor="ctr">
             <a:noAutofit/>
           </a:bodyPr>
           <a:lstStyle/>
@@ -8855,11 +8863,13 @@
           <p:nvPr/>
         </p:nvSpPr>
         <p:spPr>
-          <a:xfrm rot="0">
+          <a:xfrm>
             <a:off x="3393440" y="3683000"/>
             <a:ext cx="416560" cy="232410"/>
           </a:xfrm>
-          <a:prstGeom prst="rect"/>
+          <a:prstGeom prst="rect">
+            <a:avLst/>
+          </a:prstGeom>
           <a:noFill/>
           <a:ln w="0" cap="flat" cmpd="sng">
             <a:solidFill>
@@ -8871,7 +8881,7 @@
           </a:ln>
         </p:spPr>
         <p:txBody>
-          <a:bodyPr wrap="square" lIns="89535" tIns="46355" rIns="89535" bIns="46355" numCol="1" vert="horz" anchor="t">
+          <a:bodyPr vert="horz" wrap="square" lIns="89535" tIns="46355" rIns="89535" bIns="46355" numCol="1" anchor="t">
             <a:spAutoFit/>
           </a:bodyPr>
           <a:lstStyle/>
@@ -8903,11 +8913,13 @@
           <p:nvPr/>
         </p:nvSpPr>
         <p:spPr>
-          <a:xfrm rot="0">
+          <a:xfrm>
             <a:off x="3970020" y="3757930"/>
             <a:ext cx="581025" cy="217170"/>
           </a:xfrm>
-          <a:prstGeom prst="rect"/>
+          <a:prstGeom prst="rect">
+            <a:avLst/>
+          </a:prstGeom>
           <a:noFill/>
           <a:ln w="0" cap="flat" cmpd="sng">
             <a:solidFill>
@@ -8919,7 +8931,7 @@
           </a:ln>
         </p:spPr>
         <p:txBody>
-          <a:bodyPr wrap="square" lIns="89535" tIns="46355" rIns="89535" bIns="46355" numCol="1" vert="horz" anchor="t">
+          <a:bodyPr vert="horz" wrap="square" lIns="89535" tIns="46355" rIns="89535" bIns="46355" numCol="1" anchor="t">
             <a:spAutoFit/>
           </a:bodyPr>
           <a:lstStyle/>
@@ -8951,11 +8963,13 @@
           <p:nvPr/>
         </p:nvSpPr>
         <p:spPr>
-          <a:xfrm rot="0">
+          <a:xfrm>
             <a:off x="4552315" y="3760470"/>
             <a:ext cx="581025" cy="217170"/>
           </a:xfrm>
-          <a:prstGeom prst="rect"/>
+          <a:prstGeom prst="rect">
+            <a:avLst/>
+          </a:prstGeom>
           <a:noFill/>
           <a:ln w="0" cap="flat" cmpd="sng">
             <a:solidFill>
@@ -8967,7 +8981,7 @@
           </a:ln>
         </p:spPr>
         <p:txBody>
-          <a:bodyPr wrap="square" lIns="89535" tIns="46355" rIns="89535" bIns="46355" numCol="1" vert="horz" anchor="t">
+          <a:bodyPr vert="horz" wrap="square" lIns="89535" tIns="46355" rIns="89535" bIns="46355" numCol="1" anchor="t">
             <a:spAutoFit/>
           </a:bodyPr>
           <a:lstStyle/>
@@ -9181,11 +9195,13 @@
           <p:nvPr/>
         </p:nvSpPr>
         <p:spPr>
-          <a:xfrm rot="0">
+          <a:xfrm>
             <a:off x="6151245" y="2335530"/>
             <a:ext cx="2111375" cy="433705"/>
           </a:xfrm>
-          <a:prstGeom prst="roundRect"/>
+          <a:prstGeom prst="roundRect">
+            <a:avLst/>
+          </a:prstGeom>
           <a:solidFill>
             <a:schemeClr val="bg1"/>
           </a:solidFill>
@@ -9216,7 +9232,7 @@
           </a:fontRef>
         </p:style>
         <p:txBody>
-          <a:bodyPr wrap="square" lIns="91440" tIns="45720" rIns="91440" bIns="45720" numCol="1" vert="horz" anchor="ctr">
+          <a:bodyPr vert="horz" wrap="square" lIns="91440" tIns="45720" rIns="91440" bIns="45720" numCol="1" anchor="ctr">
             <a:noAutofit/>
           </a:bodyPr>
           <a:lstStyle/>
@@ -9241,11 +9257,13 @@
           <p:nvPr/>
         </p:nvSpPr>
         <p:spPr>
-          <a:xfrm rot="0">
+          <a:xfrm>
             <a:off x="6271895" y="2447290"/>
             <a:ext cx="416560" cy="232410"/>
           </a:xfrm>
-          <a:prstGeom prst="rect"/>
+          <a:prstGeom prst="rect">
+            <a:avLst/>
+          </a:prstGeom>
           <a:noFill/>
           <a:ln w="0" cap="flat" cmpd="sng">
             <a:solidFill>
@@ -9257,7 +9275,7 @@
           </a:ln>
         </p:spPr>
         <p:txBody>
-          <a:bodyPr wrap="square" lIns="89535" tIns="46355" rIns="89535" bIns="46355" numCol="1" vert="horz" anchor="t">
+          <a:bodyPr vert="horz" wrap="square" lIns="89535" tIns="46355" rIns="89535" bIns="46355" numCol="1" anchor="t">
             <a:spAutoFit/>
           </a:bodyPr>
           <a:lstStyle/>
@@ -9289,11 +9307,13 @@
           <p:nvPr/>
         </p:nvSpPr>
         <p:spPr>
-          <a:xfrm rot="0">
+          <a:xfrm>
             <a:off x="7414260" y="2522220"/>
             <a:ext cx="581025" cy="217170"/>
           </a:xfrm>
-          <a:prstGeom prst="rect"/>
+          <a:prstGeom prst="rect">
+            <a:avLst/>
+          </a:prstGeom>
           <a:noFill/>
           <a:ln w="0" cap="flat" cmpd="sng">
             <a:solidFill>
@@ -9305,7 +9325,7 @@
           </a:ln>
         </p:spPr>
         <p:txBody>
-          <a:bodyPr wrap="square" lIns="89535" tIns="46355" rIns="89535" bIns="46355" numCol="1" vert="horz" anchor="t">
+          <a:bodyPr vert="horz" wrap="square" lIns="89535" tIns="46355" rIns="89535" bIns="46355" numCol="1" anchor="t">
             <a:spAutoFit/>
           </a:bodyPr>
           <a:lstStyle/>
@@ -9337,11 +9357,13 @@
           <p:nvPr/>
         </p:nvSpPr>
         <p:spPr>
-          <a:xfrm rot="0">
+          <a:xfrm>
             <a:off x="6760845" y="2427605"/>
             <a:ext cx="516890" cy="278765"/>
           </a:xfrm>
-          <a:prstGeom prst="rect"/>
+          <a:prstGeom prst="rect">
+            <a:avLst/>
+          </a:prstGeom>
           <a:noFill/>
           <a:ln w="0" cap="flat" cmpd="sng">
             <a:solidFill>
@@ -9353,7 +9375,7 @@
           </a:ln>
         </p:spPr>
         <p:txBody>
-          <a:bodyPr wrap="square" lIns="89535" tIns="46355" rIns="89535" bIns="46355" numCol="1" vert="horz" anchor="t">
+          <a:bodyPr vert="horz" wrap="square" lIns="89535" tIns="46355" rIns="89535" bIns="46355" numCol="1" anchor="t">
             <a:spAutoFit/>
           </a:bodyPr>
           <a:lstStyle/>
@@ -9428,11 +9450,13 @@
           <p:nvPr/>
         </p:nvSpPr>
         <p:spPr>
-          <a:xfrm rot="0">
+          <a:xfrm>
             <a:off x="6148070" y="2947670"/>
             <a:ext cx="2111375" cy="433705"/>
           </a:xfrm>
-          <a:prstGeom prst="roundRect"/>
+          <a:prstGeom prst="roundRect">
+            <a:avLst/>
+          </a:prstGeom>
           <a:solidFill>
             <a:schemeClr val="bg1"/>
           </a:solidFill>
@@ -9463,7 +9487,7 @@
           </a:fontRef>
         </p:style>
         <p:txBody>
-          <a:bodyPr wrap="square" lIns="91440" tIns="45720" rIns="91440" bIns="45720" numCol="1" vert="horz" anchor="ctr">
+          <a:bodyPr vert="horz" wrap="square" lIns="91440" tIns="45720" rIns="91440" bIns="45720" numCol="1" anchor="ctr">
             <a:noAutofit/>
           </a:bodyPr>
           <a:lstStyle/>
@@ -9488,11 +9512,13 @@
           <p:nvPr/>
         </p:nvSpPr>
         <p:spPr>
-          <a:xfrm rot="0">
+          <a:xfrm>
             <a:off x="6259830" y="3059430"/>
             <a:ext cx="416560" cy="232410"/>
           </a:xfrm>
-          <a:prstGeom prst="rect"/>
+          <a:prstGeom prst="rect">
+            <a:avLst/>
+          </a:prstGeom>
           <a:noFill/>
           <a:ln w="0" cap="flat" cmpd="sng">
             <a:solidFill>
@@ -9504,7 +9530,7 @@
           </a:ln>
         </p:spPr>
         <p:txBody>
-          <a:bodyPr wrap="square" lIns="89535" tIns="46355" rIns="89535" bIns="46355" numCol="1" vert="horz" anchor="t">
+          <a:bodyPr vert="horz" wrap="square" lIns="89535" tIns="46355" rIns="89535" bIns="46355" numCol="1" anchor="t">
             <a:spAutoFit/>
           </a:bodyPr>
           <a:lstStyle/>
@@ -9536,11 +9562,13 @@
           <p:nvPr/>
         </p:nvSpPr>
         <p:spPr>
-          <a:xfrm rot="0">
+          <a:xfrm>
             <a:off x="7402195" y="3134360"/>
             <a:ext cx="581025" cy="217170"/>
           </a:xfrm>
-          <a:prstGeom prst="rect"/>
+          <a:prstGeom prst="rect">
+            <a:avLst/>
+          </a:prstGeom>
           <a:noFill/>
           <a:ln w="0" cap="flat" cmpd="sng">
             <a:solidFill>
@@ -9552,7 +9580,7 @@
           </a:ln>
         </p:spPr>
         <p:txBody>
-          <a:bodyPr wrap="square" lIns="89535" tIns="46355" rIns="89535" bIns="46355" numCol="1" vert="horz" anchor="t">
+          <a:bodyPr vert="horz" wrap="square" lIns="89535" tIns="46355" rIns="89535" bIns="46355" numCol="1" anchor="t">
             <a:spAutoFit/>
           </a:bodyPr>
           <a:lstStyle/>
@@ -9584,11 +9612,13 @@
           <p:nvPr/>
         </p:nvSpPr>
         <p:spPr>
-          <a:xfrm rot="0">
+          <a:xfrm>
             <a:off x="6748780" y="3039745"/>
             <a:ext cx="516890" cy="278765"/>
           </a:xfrm>
-          <a:prstGeom prst="rect"/>
+          <a:prstGeom prst="rect">
+            <a:avLst/>
+          </a:prstGeom>
           <a:noFill/>
           <a:ln w="0" cap="flat" cmpd="sng">
             <a:solidFill>
@@ -9600,7 +9630,7 @@
           </a:ln>
         </p:spPr>
         <p:txBody>
-          <a:bodyPr wrap="square" lIns="89535" tIns="46355" rIns="89535" bIns="46355" numCol="1" vert="horz" anchor="t">
+          <a:bodyPr vert="horz" wrap="square" lIns="89535" tIns="46355" rIns="89535" bIns="46355" numCol="1" anchor="t">
             <a:spAutoFit/>
           </a:bodyPr>
           <a:lstStyle/>
@@ -9632,11 +9662,13 @@
           <p:nvPr/>
         </p:nvSpPr>
         <p:spPr>
-          <a:xfrm rot="0">
+          <a:xfrm>
             <a:off x="6144260" y="3509645"/>
             <a:ext cx="2111375" cy="433705"/>
           </a:xfrm>
-          <a:prstGeom prst="roundRect"/>
+          <a:prstGeom prst="roundRect">
+            <a:avLst/>
+          </a:prstGeom>
           <a:solidFill>
             <a:schemeClr val="bg1"/>
           </a:solidFill>
@@ -9667,7 +9699,7 @@
           </a:fontRef>
         </p:style>
         <p:txBody>
-          <a:bodyPr wrap="square" lIns="91440" tIns="45720" rIns="91440" bIns="45720" numCol="1" vert="horz" anchor="ctr">
+          <a:bodyPr vert="horz" wrap="square" lIns="91440" tIns="45720" rIns="91440" bIns="45720" numCol="1" anchor="ctr">
             <a:noAutofit/>
           </a:bodyPr>
           <a:lstStyle/>
@@ -9692,11 +9724,13 @@
           <p:nvPr/>
         </p:nvSpPr>
         <p:spPr>
-          <a:xfrm rot="0">
+          <a:xfrm>
             <a:off x="6264910" y="3621405"/>
             <a:ext cx="416560" cy="232410"/>
           </a:xfrm>
-          <a:prstGeom prst="rect"/>
+          <a:prstGeom prst="rect">
+            <a:avLst/>
+          </a:prstGeom>
           <a:noFill/>
           <a:ln w="0" cap="flat" cmpd="sng">
             <a:solidFill>
@@ -9708,7 +9742,7 @@
           </a:ln>
         </p:spPr>
         <p:txBody>
-          <a:bodyPr wrap="square" lIns="89535" tIns="46355" rIns="89535" bIns="46355" numCol="1" vert="horz" anchor="t">
+          <a:bodyPr vert="horz" wrap="square" lIns="89535" tIns="46355" rIns="89535" bIns="46355" numCol="1" anchor="t">
             <a:spAutoFit/>
           </a:bodyPr>
           <a:lstStyle/>
@@ -9740,11 +9774,13 @@
           <p:nvPr/>
         </p:nvSpPr>
         <p:spPr>
-          <a:xfrm rot="0">
+          <a:xfrm>
             <a:off x="7407275" y="3696335"/>
             <a:ext cx="581025" cy="217170"/>
           </a:xfrm>
-          <a:prstGeom prst="rect"/>
+          <a:prstGeom prst="rect">
+            <a:avLst/>
+          </a:prstGeom>
           <a:noFill/>
           <a:ln w="0" cap="flat" cmpd="sng">
             <a:solidFill>
@@ -9756,7 +9792,7 @@
           </a:ln>
         </p:spPr>
         <p:txBody>
-          <a:bodyPr wrap="square" lIns="89535" tIns="46355" rIns="89535" bIns="46355" numCol="1" vert="horz" anchor="t">
+          <a:bodyPr vert="horz" wrap="square" lIns="89535" tIns="46355" rIns="89535" bIns="46355" numCol="1" anchor="t">
             <a:spAutoFit/>
           </a:bodyPr>
           <a:lstStyle/>
@@ -9788,11 +9824,13 @@
           <p:nvPr/>
         </p:nvSpPr>
         <p:spPr>
-          <a:xfrm rot="0">
+          <a:xfrm>
             <a:off x="6753860" y="3601720"/>
             <a:ext cx="516890" cy="278765"/>
           </a:xfrm>
-          <a:prstGeom prst="rect"/>
+          <a:prstGeom prst="rect">
+            <a:avLst/>
+          </a:prstGeom>
           <a:noFill/>
           <a:ln w="0" cap="flat" cmpd="sng">
             <a:solidFill>
@@ -9804,7 +9842,7 @@
           </a:ln>
         </p:spPr>
         <p:txBody>
-          <a:bodyPr wrap="square" lIns="89535" tIns="46355" rIns="89535" bIns="46355" numCol="1" vert="horz" anchor="t">
+          <a:bodyPr vert="horz" wrap="square" lIns="89535" tIns="46355" rIns="89535" bIns="46355" numCol="1" anchor="t">
             <a:spAutoFit/>
           </a:bodyPr>
           <a:lstStyle/>
@@ -11662,58 +11700,6 @@
       </p:sp>
       <p:sp>
         <p:nvSpPr>
-          <p:cNvPr id="133" name="직사각형 132">
-            <a:extLst>
-              <a:ext uri="{FF2B5EF4-FFF2-40B4-BE49-F238E27FC236}">
-                <a16:creationId xmlns:a16="http://schemas.microsoft.com/office/drawing/2014/main" id="{146BF68A-58E9-4887-A31C-67BAC78BD155}"/>
-              </a:ext>
-            </a:extLst>
-          </p:cNvPr>
-          <p:cNvSpPr/>
-          <p:nvPr/>
-        </p:nvSpPr>
-        <p:spPr>
-          <a:xfrm>
-            <a:off x="66040" y="4268470"/>
-            <a:ext cx="856615" cy="416560"/>
-          </a:xfrm>
-          <a:prstGeom prst="rect">
-            <a:avLst/>
-          </a:prstGeom>
-          <a:noFill/>
-          <a:ln>
-            <a:solidFill>
-              <a:srgbClr val="FF0000"/>
-            </a:solidFill>
-          </a:ln>
-        </p:spPr>
-        <p:style>
-          <a:lnRef idx="2">
-            <a:schemeClr val="accent1">
-              <a:shade val="50000"/>
-            </a:schemeClr>
-          </a:lnRef>
-          <a:fillRef idx="1">
-            <a:schemeClr val="accent1"/>
-          </a:fillRef>
-          <a:effectRef idx="0">
-            <a:schemeClr val="accent1"/>
-          </a:effectRef>
-          <a:fontRef idx="minor">
-            <a:schemeClr val="lt1"/>
-          </a:fontRef>
-        </p:style>
-        <p:txBody>
-          <a:bodyPr rtlCol="0" anchor="ctr"/>
-          <a:lstStyle/>
-          <a:p>
-            <a:pPr algn="ctr"/>
-            <a:endParaRPr lang="ko-KR" altLang="en-US"/>
-          </a:p>
-        </p:txBody>
-      </p:sp>
-      <p:sp>
-        <p:nvSpPr>
           <p:cNvPr id="134" name="직사각형 133">
             <a:extLst>
               <a:ext uri="{FF2B5EF4-FFF2-40B4-BE49-F238E27FC236}">
@@ -11773,11 +11759,13 @@
           <p:nvPr/>
         </p:nvSpPr>
         <p:spPr>
-          <a:xfrm rot="0">
+          <a:xfrm>
             <a:off x="3362960" y="1255395"/>
             <a:ext cx="699770" cy="216535"/>
           </a:xfrm>
-          <a:prstGeom prst="rect"/>
+          <a:prstGeom prst="rect">
+            <a:avLst/>
+          </a:prstGeom>
           <a:noFill/>
           <a:ln w="0">
             <a:noFill/>
@@ -11785,7 +11773,7 @@
           </a:ln>
         </p:spPr>
         <p:txBody>
-          <a:bodyPr wrap="square" lIns="89535" tIns="46355" rIns="89535" bIns="46355" numCol="1" vert="horz" anchor="t">
+          <a:bodyPr vert="horz" wrap="square" lIns="89535" tIns="46355" rIns="89535" bIns="46355" numCol="1" anchor="t">
             <a:spAutoFit/>
           </a:bodyPr>
           <a:lstStyle/>
@@ -11817,11 +11805,13 @@
           <p:nvPr/>
         </p:nvSpPr>
         <p:spPr>
-          <a:xfrm rot="0">
+          <a:xfrm>
             <a:off x="7282180" y="1622425"/>
             <a:ext cx="848360" cy="339725"/>
           </a:xfrm>
-          <a:prstGeom prst="rect"/>
+          <a:prstGeom prst="rect">
+            <a:avLst/>
+          </a:prstGeom>
           <a:noFill/>
           <a:ln w="0">
             <a:noFill/>
@@ -11829,7 +11819,7 @@
           </a:ln>
         </p:spPr>
         <p:txBody>
-          <a:bodyPr wrap="square" lIns="89535" tIns="46355" rIns="89535" bIns="46355" numCol="1" vert="horz" anchor="t">
+          <a:bodyPr vert="horz" wrap="square" lIns="89535" tIns="46355" rIns="89535" bIns="46355" numCol="1" anchor="t">
             <a:spAutoFit/>
           </a:bodyPr>
           <a:lstStyle/>
@@ -11843,21 +11833,7 @@
                 <a:latin typeface="맑은 고딕" charset="0"/>
                 <a:ea typeface="맑은 고딕" charset="0"/>
               </a:rPr>
-              <a:t>정렬 : </a:t>
-            </a:r>
-            <a:r>
-              <a:rPr lang="ko-KR" sz="800">
-                <a:latin typeface="맑은 고딕" charset="0"/>
-                <a:ea typeface="맑은 고딕" charset="0"/>
-              </a:rPr>
-              <a:t>등록</a:t>
-            </a:r>
-            <a:r>
-              <a:rPr lang="ko-KR" sz="800">
-                <a:latin typeface="맑은 고딕" charset="0"/>
-                <a:ea typeface="맑은 고딕" charset="0"/>
-              </a:rPr>
-              <a:t>순</a:t>
+              <a:t>정렬 : 등록순</a:t>
             </a:r>
             <a:endParaRPr lang="ko-KR" altLang="en-US" sz="800">
               <a:latin typeface="맑은 고딕" charset="0"/>
@@ -11892,11 +11868,13 @@
           <p:nvPr/>
         </p:nvSpPr>
         <p:spPr>
-          <a:xfrm rot="0">
+          <a:xfrm>
             <a:off x="4413250" y="1201420"/>
             <a:ext cx="802640" cy="339725"/>
           </a:xfrm>
-          <a:prstGeom prst="rect"/>
+          <a:prstGeom prst="rect">
+            <a:avLst/>
+          </a:prstGeom>
           <a:noFill/>
           <a:ln w="0">
             <a:noFill/>
@@ -11904,7 +11882,7 @@
           </a:ln>
         </p:spPr>
         <p:txBody>
-          <a:bodyPr wrap="square" lIns="89535" tIns="46355" rIns="89535" bIns="46355" numCol="1" vert="horz" anchor="t">
+          <a:bodyPr vert="horz" wrap="square" lIns="89535" tIns="46355" rIns="89535" bIns="46355" numCol="1" anchor="t">
             <a:spAutoFit/>
           </a:bodyPr>
           <a:lstStyle/>
@@ -11951,11 +11929,13 @@
           <p:nvPr/>
         </p:nvCxnSpPr>
         <p:spPr>
-          <a:xfrm rot="0">
+          <a:xfrm>
             <a:off x="4020185" y="1297305"/>
             <a:ext cx="2540" cy="170815"/>
           </a:xfrm>
-          <a:prstGeom prst="straightConnector1"/>
+          <a:prstGeom prst="straightConnector1">
+            <a:avLst/>
+          </a:prstGeom>
           <a:ln w="6350" cap="flat" cmpd="sng">
             <a:solidFill>
               <a:schemeClr val="tx1">
@@ -11990,11 +11970,13 @@
           <p:nvPr/>
         </p:nvSpPr>
         <p:spPr>
-          <a:xfrm rot="0">
+          <a:xfrm>
             <a:off x="6315075" y="1647190"/>
             <a:ext cx="699770" cy="216535"/>
           </a:xfrm>
-          <a:prstGeom prst="rect"/>
+          <a:prstGeom prst="rect">
+            <a:avLst/>
+          </a:prstGeom>
           <a:noFill/>
           <a:ln w="0">
             <a:noFill/>
@@ -12002,7 +11984,7 @@
           </a:ln>
         </p:spPr>
         <p:txBody>
-          <a:bodyPr wrap="square" lIns="89535" tIns="46355" rIns="89535" bIns="46355" numCol="1" vert="horz" anchor="t">
+          <a:bodyPr vert="horz" wrap="square" lIns="89535" tIns="46355" rIns="89535" bIns="46355" numCol="1" anchor="t">
             <a:spAutoFit/>
           </a:bodyPr>
           <a:lstStyle/>
@@ -12032,11 +12014,13 @@
           <p:nvPr/>
         </p:nvCxnSpPr>
         <p:spPr>
-          <a:xfrm rot="0">
+          <a:xfrm>
             <a:off x="6972300" y="1689100"/>
             <a:ext cx="2540" cy="170815"/>
           </a:xfrm>
-          <a:prstGeom prst="straightConnector1"/>
+          <a:prstGeom prst="straightConnector1">
+            <a:avLst/>
+          </a:prstGeom>
           <a:ln w="6350" cap="flat" cmpd="sng">
             <a:solidFill>
               <a:schemeClr val="tx1">
@@ -12062,31 +12046,76 @@
           </a:fontRef>
         </p:style>
       </p:cxnSp>
+      <p:sp>
+        <p:nvSpPr>
+          <p:cNvPr id="136" name="직사각형 135">
+            <a:extLst>
+              <a:ext uri="{FF2B5EF4-FFF2-40B4-BE49-F238E27FC236}">
+                <a16:creationId xmlns:a16="http://schemas.microsoft.com/office/drawing/2014/main" id="{30C17E55-4B64-4ECC-8807-2ABE3C740025}"/>
+              </a:ext>
+            </a:extLst>
+          </p:cNvPr>
+          <p:cNvSpPr/>
+          <p:nvPr/>
+        </p:nvSpPr>
+        <p:spPr>
+          <a:xfrm>
+            <a:off x="66040" y="4268470"/>
+            <a:ext cx="856615" cy="416560"/>
+          </a:xfrm>
+          <a:prstGeom prst="rect">
+            <a:avLst/>
+          </a:prstGeom>
+          <a:noFill/>
+          <a:ln>
+            <a:solidFill>
+              <a:srgbClr val="FF0000"/>
+            </a:solidFill>
+          </a:ln>
+        </p:spPr>
+        <p:style>
+          <a:lnRef idx="2">
+            <a:schemeClr val="accent1">
+              <a:shade val="50000"/>
+            </a:schemeClr>
+          </a:lnRef>
+          <a:fillRef idx="1">
+            <a:schemeClr val="accent1"/>
+          </a:fillRef>
+          <a:effectRef idx="0">
+            <a:schemeClr val="accent1"/>
+          </a:effectRef>
+          <a:fontRef idx="minor">
+            <a:schemeClr val="lt1"/>
+          </a:fontRef>
+        </p:style>
+        <p:txBody>
+          <a:bodyPr rtlCol="0" anchor="ctr"/>
+          <a:lstStyle/>
+          <a:p>
+            <a:pPr algn="ctr"/>
+            <a:endParaRPr lang="ko-KR" altLang="en-US"/>
+          </a:p>
+        </p:txBody>
+      </p:sp>
     </p:spTree>
   </p:cSld>
   <p:clrMapOvr>
     <a:masterClrMapping/>
   </p:clrMapOvr>
-  <mc:AlternateContent xmlns:mc="http://schemas.openxmlformats.org/markup-compatibility/2006">
-    <mc:Choice xmlns:p14="http://schemas.microsoft.com/office/powerpoint/2010/main" Requires="p14">
-      <p:transition spd="slow" p14:dur="500"/>
+  <mc:AlternateContent xmlns:mc="http://schemas.openxmlformats.org/markup-compatibility/2006" xmlns:p14="http://schemas.microsoft.com/office/powerpoint/2010/main">
+    <mc:Choice Requires="p14">
+      <p:transition/>
     </mc:Choice>
-    <mc:Fallback>
+    <mc:Fallback xmlns="">
       <p:transition spd="slow"/>
     </mc:Fallback>
   </mc:AlternateContent>
-  <p:timing>
-    <p:tnLst>
-      <p:par>
-        <p:cTn id="1" dur="indefinite" restart="never" nodeType="tmRoot"/>
-      </p:par>
-    </p:tnLst>
-  </p:timing>
 </p:sld>
 </file>
 
 <file path=ppt/slides/slide2.xml><?xml version="1.0" encoding="utf-8"?>
-<p:sld xmlns:a="http://schemas.openxmlformats.org/drawingml/2006/main" xmlns:r="http://schemas.openxmlformats.org/officeDocument/2006/relationships" xmlns:p="http://schemas.openxmlformats.org/presentationml/2006/main" xmlns:p14="http://schemas.microsoft.com/office/powerpoint/2010/main">
+<p:sld xmlns:a="http://schemas.openxmlformats.org/drawingml/2006/main" xmlns:r="http://schemas.openxmlformats.org/officeDocument/2006/relationships" xmlns:p="http://schemas.openxmlformats.org/presentationml/2006/main">
   <p:cSld>
     <p:spTree>
       <p:nvGrpSpPr>
@@ -12112,7 +12141,7 @@
         </p:nvSpPr>
         <p:spPr>
           <a:xfrm>
-            <a:off x="278130" y="207010"/>
+            <a:off x="486498" y="186055"/>
             <a:ext cx="4952365" cy="370205"/>
           </a:xfrm>
           <a:prstGeom prst="rect">
@@ -12154,11 +12183,13 @@
           <p:nvPr/>
         </p:nvSpPr>
         <p:spPr>
-          <a:xfrm rot="0">
+          <a:xfrm>
             <a:off x="393700" y="822325"/>
             <a:ext cx="2665095" cy="3823970"/>
           </a:xfrm>
-          <a:prstGeom prst="rect"/>
+          <a:prstGeom prst="rect">
+            <a:avLst/>
+          </a:prstGeom>
           <a:solidFill>
             <a:schemeClr val="bg1"/>
           </a:solidFill>
@@ -12189,7 +12220,7 @@
           </a:fontRef>
         </p:style>
         <p:txBody>
-          <a:bodyPr wrap="square" lIns="91440" tIns="45720" rIns="91440" bIns="45720" numCol="1" vert="horz" anchor="ctr">
+          <a:bodyPr vert="horz" wrap="square" lIns="91440" tIns="45720" rIns="91440" bIns="45720" numCol="1" anchor="ctr">
             <a:noAutofit/>
           </a:bodyPr>
           <a:lstStyle/>
@@ -12214,11 +12245,13 @@
           <p:nvPr/>
         </p:nvSpPr>
         <p:spPr>
-          <a:xfrm rot="0">
+          <a:xfrm>
             <a:off x="391160" y="803910"/>
             <a:ext cx="2665095" cy="370840"/>
           </a:xfrm>
-          <a:prstGeom prst="rect"/>
+          <a:prstGeom prst="rect">
+            <a:avLst/>
+          </a:prstGeom>
           <a:noFill/>
           <a:ln w="28575" cap="flat" cmpd="sng">
             <a:solidFill>
@@ -12231,7 +12264,7 @@
           </a:ln>
         </p:spPr>
         <p:txBody>
-          <a:bodyPr wrap="square" lIns="89535" tIns="46355" rIns="89535" bIns="46355" numCol="1" vert="horz" anchor="t">
+          <a:bodyPr vert="horz" wrap="square" lIns="89535" tIns="46355" rIns="89535" bIns="46355" numCol="1" anchor="t">
             <a:spAutoFit/>
           </a:bodyPr>
           <a:lstStyle/>
@@ -12263,11 +12296,13 @@
           <p:nvPr/>
         </p:nvSpPr>
         <p:spPr>
-          <a:xfrm rot="0">
+          <a:xfrm>
             <a:off x="380365" y="4260850"/>
             <a:ext cx="2665095" cy="373380"/>
           </a:xfrm>
-          <a:prstGeom prst="rect"/>
+          <a:prstGeom prst="rect">
+            <a:avLst/>
+          </a:prstGeom>
           <a:solidFill>
             <a:schemeClr val="bg1"/>
           </a:solidFill>
@@ -12298,7 +12333,7 @@
           </a:fontRef>
         </p:style>
         <p:txBody>
-          <a:bodyPr wrap="square" lIns="91440" tIns="45720" rIns="91440" bIns="45720" numCol="1" vert="horz" anchor="ctr">
+          <a:bodyPr vert="horz" wrap="square" lIns="91440" tIns="45720" rIns="91440" bIns="45720" numCol="1" anchor="ctr">
             <a:noAutofit/>
           </a:bodyPr>
           <a:lstStyle/>
@@ -12321,11 +12356,13 @@
           <p:nvPr/>
         </p:nvCxnSpPr>
         <p:spPr>
-          <a:xfrm rot="0">
+          <a:xfrm>
             <a:off x="1012190" y="4243705"/>
             <a:ext cx="1270" cy="399415"/>
           </a:xfrm>
-          <a:prstGeom prst="line"/>
+          <a:prstGeom prst="line">
+            <a:avLst/>
+          </a:prstGeom>
           <a:ln w="28575" cap="flat" cmpd="sng">
             <a:solidFill>
               <a:schemeClr val="tx1">
@@ -12358,11 +12395,13 @@
           <p:nvPr/>
         </p:nvCxnSpPr>
         <p:spPr>
-          <a:xfrm rot="0">
+          <a:xfrm>
             <a:off x="2328545" y="4246245"/>
             <a:ext cx="1270" cy="399415"/>
           </a:xfrm>
-          <a:prstGeom prst="line"/>
+          <a:prstGeom prst="line">
+            <a:avLst/>
+          </a:prstGeom>
           <a:ln w="28575" cap="flat" cmpd="sng">
             <a:solidFill>
               <a:schemeClr val="tx1">
@@ -12395,11 +12434,13 @@
           <p:nvPr/>
         </p:nvCxnSpPr>
         <p:spPr>
-          <a:xfrm rot="0">
+          <a:xfrm>
             <a:off x="1638935" y="4239895"/>
             <a:ext cx="1270" cy="399415"/>
           </a:xfrm>
-          <a:prstGeom prst="line"/>
+          <a:prstGeom prst="line">
+            <a:avLst/>
+          </a:prstGeom>
           <a:ln w="28575" cap="flat" cmpd="sng">
             <a:solidFill>
               <a:schemeClr val="tx1">
@@ -12434,11 +12475,13 @@
           <p:nvPr/>
         </p:nvSpPr>
         <p:spPr>
-          <a:xfrm rot="0">
+          <a:xfrm>
             <a:off x="483870" y="4295775"/>
             <a:ext cx="390525" cy="139700"/>
           </a:xfrm>
-          <a:prstGeom prst="triangle"/>
+          <a:prstGeom prst="triangle">
+            <a:avLst/>
+          </a:prstGeom>
           <a:solidFill>
             <a:schemeClr val="bg1"/>
           </a:solidFill>
@@ -12469,7 +12512,7 @@
           </a:fontRef>
         </p:style>
         <p:txBody>
-          <a:bodyPr wrap="square" lIns="91440" tIns="45720" rIns="91440" bIns="45720" numCol="1" vert="horz" anchor="ctr">
+          <a:bodyPr vert="horz" wrap="square" lIns="91440" tIns="45720" rIns="91440" bIns="45720" numCol="1" anchor="ctr">
             <a:noAutofit/>
           </a:bodyPr>
           <a:lstStyle/>
@@ -12494,11 +12537,13 @@
           <p:nvPr/>
         </p:nvSpPr>
         <p:spPr>
-          <a:xfrm rot="0">
+          <a:xfrm>
             <a:off x="587375" y="4434840"/>
             <a:ext cx="191135" cy="191135"/>
           </a:xfrm>
-          <a:prstGeom prst="rect"/>
+          <a:prstGeom prst="rect">
+            <a:avLst/>
+          </a:prstGeom>
           <a:solidFill>
             <a:schemeClr val="bg1"/>
           </a:solidFill>
@@ -12529,7 +12574,7 @@
           </a:fontRef>
         </p:style>
         <p:txBody>
-          <a:bodyPr wrap="square" lIns="91440" tIns="45720" rIns="91440" bIns="45720" numCol="1" vert="horz" anchor="ctr">
+          <a:bodyPr vert="horz" wrap="square" lIns="91440" tIns="45720" rIns="91440" bIns="45720" numCol="1" anchor="ctr">
             <a:noAutofit/>
           </a:bodyPr>
           <a:lstStyle/>
@@ -12552,11 +12597,13 @@
           <p:nvPr/>
         </p:nvCxnSpPr>
         <p:spPr>
-          <a:xfrm rot="0">
+          <a:xfrm>
             <a:off x="1167130" y="4338955"/>
             <a:ext cx="304165" cy="1270"/>
           </a:xfrm>
-          <a:prstGeom prst="line"/>
+          <a:prstGeom prst="line">
+            <a:avLst/>
+          </a:prstGeom>
           <a:ln w="28575" cap="flat" cmpd="sng">
             <a:solidFill>
               <a:schemeClr val="tx1">
@@ -12589,11 +12636,13 @@
           <p:nvPr/>
         </p:nvCxnSpPr>
         <p:spPr>
-          <a:xfrm rot="0">
+          <a:xfrm>
             <a:off x="1170305" y="4410710"/>
             <a:ext cx="304165" cy="1270"/>
           </a:xfrm>
-          <a:prstGeom prst="line"/>
+          <a:prstGeom prst="line">
+            <a:avLst/>
+          </a:prstGeom>
           <a:ln w="28575" cap="flat" cmpd="sng">
             <a:solidFill>
               <a:schemeClr val="tx1">
@@ -12626,11 +12675,13 @@
           <p:nvPr/>
         </p:nvCxnSpPr>
         <p:spPr>
-          <a:xfrm rot="0">
+          <a:xfrm>
             <a:off x="1173480" y="4465320"/>
             <a:ext cx="304165" cy="1270"/>
           </a:xfrm>
-          <a:prstGeom prst="line"/>
+          <a:prstGeom prst="line">
+            <a:avLst/>
+          </a:prstGeom>
           <a:ln w="28575" cap="flat" cmpd="sng">
             <a:solidFill>
               <a:schemeClr val="tx1">
@@ -12663,11 +12714,13 @@
           <p:nvPr/>
         </p:nvCxnSpPr>
         <p:spPr>
-          <a:xfrm rot="0">
+          <a:xfrm>
             <a:off x="1176655" y="4537075"/>
             <a:ext cx="304165" cy="1270"/>
           </a:xfrm>
-          <a:prstGeom prst="line"/>
+          <a:prstGeom prst="line">
+            <a:avLst/>
+          </a:prstGeom>
           <a:ln w="28575" cap="flat" cmpd="sng">
             <a:solidFill>
               <a:schemeClr val="tx1">
@@ -12702,11 +12755,13 @@
           <p:nvPr/>
         </p:nvSpPr>
         <p:spPr>
-          <a:xfrm rot="0">
+          <a:xfrm>
             <a:off x="1833245" y="4304665"/>
             <a:ext cx="200025" cy="182880"/>
           </a:xfrm>
-          <a:prstGeom prst="ellipse"/>
+          <a:prstGeom prst="ellipse">
+            <a:avLst/>
+          </a:prstGeom>
           <a:solidFill>
             <a:schemeClr val="bg1"/>
           </a:solidFill>
@@ -12737,7 +12792,7 @@
           </a:fontRef>
         </p:style>
         <p:txBody>
-          <a:bodyPr wrap="square" lIns="91440" tIns="45720" rIns="91440" bIns="45720" numCol="1" vert="horz" anchor="ctr">
+          <a:bodyPr vert="horz" wrap="square" lIns="91440" tIns="45720" rIns="91440" bIns="45720" numCol="1" anchor="ctr">
             <a:noAutofit/>
           </a:bodyPr>
           <a:lstStyle/>
@@ -12760,11 +12815,13 @@
           <p:nvPr/>
         </p:nvCxnSpPr>
         <p:spPr>
-          <a:xfrm rot="0">
+          <a:xfrm>
             <a:off x="2002790" y="4459605"/>
             <a:ext cx="151765" cy="123190"/>
           </a:xfrm>
-          <a:prstGeom prst="line"/>
+          <a:prstGeom prst="line">
+            <a:avLst/>
+          </a:prstGeom>
           <a:ln w="28575" cap="flat" cmpd="sng">
             <a:solidFill>
               <a:schemeClr val="tx1">
@@ -12799,11 +12856,13 @@
           <p:nvPr/>
         </p:nvSpPr>
         <p:spPr>
-          <a:xfrm rot="0">
+          <a:xfrm>
             <a:off x="2628900" y="4269740"/>
             <a:ext cx="183515" cy="182880"/>
           </a:xfrm>
-          <a:prstGeom prst="ellipse"/>
+          <a:prstGeom prst="ellipse">
+            <a:avLst/>
+          </a:prstGeom>
           <a:solidFill>
             <a:schemeClr val="bg1"/>
           </a:solidFill>
@@ -12834,7 +12893,7 @@
           </a:fontRef>
         </p:style>
         <p:txBody>
-          <a:bodyPr wrap="square" lIns="91440" tIns="45720" rIns="91440" bIns="45720" numCol="1" vert="horz" anchor="ctr">
+          <a:bodyPr vert="horz" wrap="square" lIns="91440" tIns="45720" rIns="91440" bIns="45720" numCol="1" anchor="ctr">
             <a:noAutofit/>
           </a:bodyPr>
           <a:lstStyle/>
@@ -12859,11 +12918,13 @@
           <p:nvPr/>
         </p:nvSpPr>
         <p:spPr>
-          <a:xfrm rot="0">
+          <a:xfrm>
             <a:off x="2577465" y="4451350"/>
             <a:ext cx="277495" cy="174625"/>
           </a:xfrm>
-          <a:prstGeom prst="round2SameRect"/>
+          <a:prstGeom prst="round2SameRect">
+            <a:avLst/>
+          </a:prstGeom>
           <a:solidFill>
             <a:schemeClr val="bg1"/>
           </a:solidFill>
@@ -12894,7 +12955,7 @@
           </a:fontRef>
         </p:style>
         <p:txBody>
-          <a:bodyPr wrap="square" lIns="91440" tIns="45720" rIns="91440" bIns="45720" numCol="1" vert="horz" anchor="ctr">
+          <a:bodyPr vert="horz" wrap="square" lIns="91440" tIns="45720" rIns="91440" bIns="45720" numCol="1" anchor="ctr">
             <a:noAutofit/>
           </a:bodyPr>
           <a:lstStyle/>
@@ -12919,11 +12980,13 @@
           <p:nvPr/>
         </p:nvSpPr>
         <p:spPr>
-          <a:xfrm rot="0">
+          <a:xfrm>
             <a:off x="2358390" y="3180715"/>
             <a:ext cx="581025" cy="657225"/>
           </a:xfrm>
-          <a:prstGeom prst="rect"/>
+          <a:prstGeom prst="rect">
+            <a:avLst/>
+          </a:prstGeom>
           <a:solidFill>
             <a:schemeClr val="bg1"/>
           </a:solidFill>
@@ -12954,7 +13017,7 @@
           </a:fontRef>
         </p:style>
         <p:txBody>
-          <a:bodyPr wrap="square" lIns="91440" tIns="45720" rIns="91440" bIns="45720" numCol="1" vert="horz" anchor="ctr">
+          <a:bodyPr vert="horz" wrap="square" lIns="91440" tIns="45720" rIns="91440" bIns="45720" numCol="1" anchor="ctr">
             <a:noAutofit/>
           </a:bodyPr>
           <a:lstStyle/>
@@ -12992,11 +13055,13 @@
           <p:nvPr/>
         </p:nvSpPr>
         <p:spPr>
-          <a:xfrm rot="0">
+          <a:xfrm>
             <a:off x="655320" y="3912235"/>
             <a:ext cx="832485" cy="262890"/>
           </a:xfrm>
-          <a:prstGeom prst="rect"/>
+          <a:prstGeom prst="rect">
+            <a:avLst/>
+          </a:prstGeom>
           <a:noFill/>
           <a:ln w="0">
             <a:noFill/>
@@ -13004,7 +13069,7 @@
           </a:ln>
         </p:spPr>
         <p:txBody>
-          <a:bodyPr wrap="square" lIns="89535" tIns="46355" rIns="89535" bIns="46355" numCol="1" vert="horz" anchor="t">
+          <a:bodyPr vert="horz" wrap="square" lIns="89535" tIns="46355" rIns="89535" bIns="46355" numCol="1" anchor="t">
             <a:spAutoFit/>
           </a:bodyPr>
           <a:lstStyle/>
@@ -13018,28 +13083,7 @@
                 <a:latin typeface="맑은 고딕" charset="0"/>
                 <a:ea typeface="맑은 고딕" charset="0"/>
               </a:rPr>
-              <a:t>가격</a:t>
-            </a:r>
-            <a:r>
-              <a:rPr lang="ko-KR" sz="1100">
-                <a:latin typeface="맑은 고딕" charset="0"/>
-                <a:ea typeface="맑은 고딕" charset="0"/>
-              </a:rPr>
-              <a:t> </a:t>
-            </a:r>
-            <a:r>
-              <a:rPr lang="ko-KR" sz="1100">
-                <a:latin typeface="맑은 고딕" charset="0"/>
-                <a:ea typeface="맑은 고딕" charset="0"/>
-              </a:rPr>
-              <a:t>:</a:t>
-            </a:r>
-            <a:r>
-              <a:rPr lang="ko-KR" sz="1100">
-                <a:latin typeface="맑은 고딕" charset="0"/>
-                <a:ea typeface="맑은 고딕" charset="0"/>
-              </a:rPr>
-              <a:t> </a:t>
+              <a:t>가격 : </a:t>
             </a:r>
             <a:endParaRPr lang="ko-KR" altLang="en-US" sz="1100">
               <a:latin typeface="맑은 고딕" charset="0"/>
@@ -13057,11 +13101,13 @@
           <p:nvPr/>
         </p:nvSpPr>
         <p:spPr>
-          <a:xfrm rot="0">
+          <a:xfrm>
             <a:off x="1419860" y="3914775"/>
             <a:ext cx="832485" cy="262890"/>
           </a:xfrm>
-          <a:prstGeom prst="rect"/>
+          <a:prstGeom prst="rect">
+            <a:avLst/>
+          </a:prstGeom>
           <a:noFill/>
           <a:ln w="0">
             <a:noFill/>
@@ -13069,7 +13115,7 @@
           </a:ln>
         </p:spPr>
         <p:txBody>
-          <a:bodyPr wrap="square" lIns="89535" tIns="46355" rIns="89535" bIns="46355" numCol="1" vert="horz" anchor="t">
+          <a:bodyPr vert="horz" wrap="square" lIns="89535" tIns="46355" rIns="89535" bIns="46355" numCol="1" anchor="t">
             <a:spAutoFit/>
           </a:bodyPr>
           <a:lstStyle/>
@@ -13101,11 +13147,13 @@
           <p:nvPr/>
         </p:nvSpPr>
         <p:spPr>
-          <a:xfrm rot="0">
+          <a:xfrm>
             <a:off x="2317115" y="3959225"/>
             <a:ext cx="633730" cy="208915"/>
           </a:xfrm>
-          <a:prstGeom prst="rect"/>
+          <a:prstGeom prst="rect">
+            <a:avLst/>
+          </a:prstGeom>
           <a:solidFill>
             <a:schemeClr val="bg1"/>
           </a:solidFill>
@@ -13135,7 +13183,7 @@
           </a:fontRef>
         </p:style>
         <p:txBody>
-          <a:bodyPr wrap="square" lIns="91440" tIns="45720" rIns="91440" bIns="45720" numCol="1" vert="horz" anchor="ctr">
+          <a:bodyPr vert="horz" wrap="square" lIns="91440" tIns="45720" rIns="91440" bIns="45720" numCol="1" anchor="ctr">
             <a:noAutofit/>
           </a:bodyPr>
           <a:lstStyle/>
@@ -13145,7 +13193,7 @@
               <a:buNone/>
             </a:pPr>
             <a:r>
-              <a:rPr lang="ko-KR" sz="800">
+              <a:rPr lang="ko-KR" sz="800" dirty="0">
                 <a:solidFill>
                   <a:schemeClr val="tx1"/>
                 </a:solidFill>
@@ -13154,7 +13202,7 @@
               </a:rPr>
               <a:t>추가하기</a:t>
             </a:r>
-            <a:endParaRPr lang="ko-KR" altLang="en-US" sz="800">
+            <a:endParaRPr lang="ko-KR" altLang="en-US" sz="800" dirty="0">
               <a:solidFill>
                 <a:schemeClr val="tx1"/>
               </a:solidFill>
@@ -13171,11 +13219,13 @@
           <p:nvPr/>
         </p:nvCxnSpPr>
         <p:spPr>
-          <a:xfrm rot="0">
+          <a:xfrm>
             <a:off x="384810" y="1972310"/>
             <a:ext cx="2669540" cy="17145"/>
           </a:xfrm>
-          <a:prstGeom prst="line"/>
+          <a:prstGeom prst="line">
+            <a:avLst/>
+          </a:prstGeom>
           <a:ln w="6350" cap="flat" cmpd="sng">
             <a:solidFill>
               <a:srgbClr val="000000">
@@ -13211,11 +13261,13 @@
           <p:nvPr/>
         </p:nvSpPr>
         <p:spPr>
-          <a:xfrm rot="0">
+          <a:xfrm>
             <a:off x="520065" y="2195195"/>
             <a:ext cx="1279525" cy="339725"/>
           </a:xfrm>
-          <a:prstGeom prst="rect"/>
+          <a:prstGeom prst="rect">
+            <a:avLst/>
+          </a:prstGeom>
           <a:noFill/>
           <a:ln w="0">
             <a:noFill/>
@@ -13223,7 +13275,7 @@
           </a:ln>
         </p:spPr>
         <p:txBody>
-          <a:bodyPr wrap="square" lIns="89535" tIns="46355" rIns="89535" bIns="46355" numCol="1" vert="horz" anchor="t">
+          <a:bodyPr vert="horz" wrap="square" lIns="89535" tIns="46355" rIns="89535" bIns="46355" numCol="1" anchor="t">
             <a:spAutoFit/>
           </a:bodyPr>
           <a:lstStyle/>
@@ -13255,11 +13307,13 @@
           <p:nvPr/>
         </p:nvSpPr>
         <p:spPr>
-          <a:xfrm rot="0">
+          <a:xfrm>
             <a:off x="519430" y="1280795"/>
             <a:ext cx="1279525" cy="216535"/>
           </a:xfrm>
-          <a:prstGeom prst="rect"/>
+          <a:prstGeom prst="rect">
+            <a:avLst/>
+          </a:prstGeom>
           <a:noFill/>
           <a:ln w="0">
             <a:noFill/>
@@ -13267,7 +13321,7 @@
           </a:ln>
         </p:spPr>
         <p:txBody>
-          <a:bodyPr wrap="square" lIns="89535" tIns="46355" rIns="89535" bIns="46355" numCol="1" vert="horz" anchor="t">
+          <a:bodyPr vert="horz" wrap="square" lIns="89535" tIns="46355" rIns="89535" bIns="46355" numCol="1" anchor="t">
             <a:spAutoFit/>
           </a:bodyPr>
           <a:lstStyle/>
@@ -13277,13 +13331,13 @@
               <a:buNone/>
             </a:pPr>
             <a:r>
-              <a:rPr lang="ko-KR" sz="800">
+              <a:rPr lang="ko-KR" sz="800" dirty="0">
                 <a:latin typeface="맑은 고딕" charset="0"/>
                 <a:ea typeface="맑은 고딕" charset="0"/>
               </a:rPr>
               <a:t>종류 , 이름</a:t>
             </a:r>
-            <a:endParaRPr lang="ko-KR" altLang="en-US" sz="800">
+            <a:endParaRPr lang="ko-KR" altLang="en-US" sz="800" dirty="0">
               <a:latin typeface="맑은 고딕" charset="0"/>
               <a:ea typeface="맑은 고딕" charset="0"/>
             </a:endParaRPr>
@@ -13299,11 +13353,13 @@
           <p:nvPr/>
         </p:nvSpPr>
         <p:spPr>
-          <a:xfrm rot="0">
+          <a:xfrm>
             <a:off x="6539865" y="3514725"/>
             <a:ext cx="139700" cy="148590"/>
           </a:xfrm>
-          <a:prstGeom prst="rect"/>
+          <a:prstGeom prst="rect">
+            <a:avLst/>
+          </a:prstGeom>
           <a:solidFill>
             <a:schemeClr val="bg1"/>
           </a:solidFill>
@@ -13334,7 +13390,7 @@
           </a:fontRef>
         </p:style>
         <p:txBody>
-          <a:bodyPr wrap="square" lIns="91440" tIns="45720" rIns="91440" bIns="45720" numCol="1" vert="horz" anchor="ctr">
+          <a:bodyPr vert="horz" wrap="square" lIns="91440" tIns="45720" rIns="91440" bIns="45720" numCol="1" anchor="ctr">
             <a:noAutofit/>
           </a:bodyPr>
           <a:lstStyle/>
@@ -13350,31 +13406,76 @@
           </a:p>
         </p:txBody>
       </p:sp>
+      <p:sp>
+        <p:nvSpPr>
+          <p:cNvPr id="27" name="직사각형 26">
+            <a:extLst>
+              <a:ext uri="{FF2B5EF4-FFF2-40B4-BE49-F238E27FC236}">
+                <a16:creationId xmlns:a16="http://schemas.microsoft.com/office/drawing/2014/main" id="{CB974C47-6A6E-4CF3-9527-C1A74330B025}"/>
+              </a:ext>
+            </a:extLst>
+          </p:cNvPr>
+          <p:cNvSpPr/>
+          <p:nvPr/>
+        </p:nvSpPr>
+        <p:spPr>
+          <a:xfrm>
+            <a:off x="6023992" y="1989455"/>
+            <a:ext cx="2395537" cy="710681"/>
+          </a:xfrm>
+          <a:prstGeom prst="rect">
+            <a:avLst/>
+          </a:prstGeom>
+          <a:noFill/>
+          <a:ln w="28575">
+            <a:solidFill>
+              <a:srgbClr val="FF0000"/>
+            </a:solidFill>
+          </a:ln>
+        </p:spPr>
+        <p:style>
+          <a:lnRef idx="2">
+            <a:schemeClr val="accent1">
+              <a:shade val="50000"/>
+            </a:schemeClr>
+          </a:lnRef>
+          <a:fillRef idx="1">
+            <a:schemeClr val="accent1"/>
+          </a:fillRef>
+          <a:effectRef idx="0">
+            <a:schemeClr val="accent1"/>
+          </a:effectRef>
+          <a:fontRef idx="minor">
+            <a:schemeClr val="lt1"/>
+          </a:fontRef>
+        </p:style>
+        <p:txBody>
+          <a:bodyPr rtlCol="0" anchor="ctr"/>
+          <a:lstStyle/>
+          <a:p>
+            <a:pPr algn="ctr"/>
+            <a:endParaRPr lang="ko-KR" altLang="en-US"/>
+          </a:p>
+        </p:txBody>
+      </p:sp>
     </p:spTree>
   </p:cSld>
   <p:clrMapOvr>
     <a:masterClrMapping/>
   </p:clrMapOvr>
-  <mc:AlternateContent xmlns:mc="http://schemas.openxmlformats.org/markup-compatibility/2006">
-    <mc:Choice xmlns:p14="http://schemas.microsoft.com/office/powerpoint/2010/main" Requires="p14">
-      <p:transition spd="slow" p14:dur="500"/>
+  <mc:AlternateContent xmlns:mc="http://schemas.openxmlformats.org/markup-compatibility/2006" xmlns:p14="http://schemas.microsoft.com/office/powerpoint/2010/main">
+    <mc:Choice Requires="p14">
+      <p:transition/>
     </mc:Choice>
-    <mc:Fallback>
+    <mc:Fallback xmlns="">
       <p:transition spd="slow"/>
     </mc:Fallback>
   </mc:AlternateContent>
-  <p:timing>
-    <p:tnLst>
-      <p:par>
-        <p:cTn id="1" dur="indefinite" restart="never" nodeType="tmRoot"/>
-      </p:par>
-    </p:tnLst>
-  </p:timing>
 </p:sld>
 </file>
 
 <file path=ppt/slides/slide3.xml><?xml version="1.0" encoding="utf-8"?>
-<p:sld xmlns:a="http://schemas.openxmlformats.org/drawingml/2006/main" xmlns:r="http://schemas.openxmlformats.org/officeDocument/2006/relationships" xmlns:p="http://schemas.openxmlformats.org/presentationml/2006/main" xmlns:p14="http://schemas.microsoft.com/office/powerpoint/2010/main">
+<p:sld xmlns:a="http://schemas.openxmlformats.org/drawingml/2006/main" xmlns:r="http://schemas.openxmlformats.org/officeDocument/2006/relationships" xmlns:p="http://schemas.openxmlformats.org/presentationml/2006/main">
   <p:cSld>
     <p:spTree>
       <p:nvGrpSpPr>
@@ -15844,11 +15945,13 @@
           <p:nvPr/>
         </p:nvCxnSpPr>
         <p:spPr>
-          <a:xfrm rot="0">
+          <a:xfrm>
             <a:off x="4115435" y="1288415"/>
             <a:ext cx="2540" cy="170815"/>
           </a:xfrm>
-          <a:prstGeom prst="straightConnector1"/>
+          <a:prstGeom prst="straightConnector1">
+            <a:avLst/>
+          </a:prstGeom>
           <a:ln w="6350" cap="flat" cmpd="sng">
             <a:solidFill>
               <a:schemeClr val="tx1">
@@ -19176,21 +19279,14 @@
   <p:clrMapOvr>
     <a:masterClrMapping/>
   </p:clrMapOvr>
-  <mc:AlternateContent xmlns:mc="http://schemas.openxmlformats.org/markup-compatibility/2006">
-    <mc:Choice xmlns:p14="http://schemas.microsoft.com/office/powerpoint/2010/main" Requires="p14">
-      <p:transition spd="slow" p14:dur="500"/>
+  <mc:AlternateContent xmlns:mc="http://schemas.openxmlformats.org/markup-compatibility/2006" xmlns:p14="http://schemas.microsoft.com/office/powerpoint/2010/main">
+    <mc:Choice Requires="p14">
+      <p:transition/>
     </mc:Choice>
-    <mc:Fallback>
+    <mc:Fallback xmlns="">
       <p:transition spd="slow"/>
     </mc:Fallback>
   </mc:AlternateContent>
-  <p:timing>
-    <p:tnLst>
-      <p:par>
-        <p:cTn id="1" dur="indefinite" restart="never" nodeType="tmRoot"/>
-      </p:par>
-    </p:tnLst>
-  </p:timing>
 </p:sld>
 </file>
 
@@ -23741,7 +23837,7 @@
 </file>
 
 <file path=ppt/slides/slide5.xml><?xml version="1.0" encoding="utf-8"?>
-<p:sld xmlns:a="http://schemas.openxmlformats.org/drawingml/2006/main" xmlns:r="http://schemas.openxmlformats.org/officeDocument/2006/relationships" xmlns:p="http://schemas.openxmlformats.org/presentationml/2006/main" xmlns:p14="http://schemas.microsoft.com/office/powerpoint/2010/main">
+<p:sld xmlns:a="http://schemas.openxmlformats.org/drawingml/2006/main" xmlns:r="http://schemas.openxmlformats.org/officeDocument/2006/relationships" xmlns:p="http://schemas.openxmlformats.org/presentationml/2006/main">
   <p:cSld>
     <p:spTree>
       <p:nvGrpSpPr>
@@ -25199,11 +25295,13 @@
           <p:nvPr/>
         </p:nvSpPr>
         <p:spPr>
-          <a:xfrm rot="0">
+          <a:xfrm>
             <a:off x="7366635" y="637540"/>
             <a:ext cx="2665095" cy="3823970"/>
           </a:xfrm>
-          <a:prstGeom prst="rect"/>
+          <a:prstGeom prst="rect">
+            <a:avLst/>
+          </a:prstGeom>
           <a:solidFill>
             <a:schemeClr val="bg1"/>
           </a:solidFill>
@@ -25235,7 +25333,7 @@
           </a:fontRef>
         </p:style>
         <p:txBody>
-          <a:bodyPr wrap="square" lIns="91440" tIns="45720" rIns="91440" bIns="45720" numCol="1" vert="horz" anchor="ctr">
+          <a:bodyPr vert="horz" wrap="square" lIns="91440" tIns="45720" rIns="91440" bIns="45720" numCol="1" anchor="ctr">
             <a:noAutofit/>
           </a:bodyPr>
           <a:lstStyle/>
@@ -25260,11 +25358,13 @@
           <p:nvPr/>
         </p:nvSpPr>
         <p:spPr>
-          <a:xfrm rot="0">
+          <a:xfrm>
             <a:off x="7364095" y="641985"/>
             <a:ext cx="2665095" cy="3823970"/>
           </a:xfrm>
-          <a:prstGeom prst="rect"/>
+          <a:prstGeom prst="rect">
+            <a:avLst/>
+          </a:prstGeom>
           <a:solidFill>
             <a:schemeClr val="bg1"/>
           </a:solidFill>
@@ -25296,7 +25396,7 @@
           </a:fontRef>
         </p:style>
         <p:txBody>
-          <a:bodyPr wrap="square" lIns="91440" tIns="45720" rIns="91440" bIns="45720" numCol="1" vert="horz" anchor="ctr">
+          <a:bodyPr vert="horz" wrap="square" lIns="91440" tIns="45720" rIns="91440" bIns="45720" numCol="1" anchor="ctr">
             <a:noAutofit/>
           </a:bodyPr>
           <a:lstStyle/>
@@ -25514,11 +25614,13 @@
           <p:nvPr/>
         </p:nvSpPr>
         <p:spPr>
-          <a:xfrm rot="0">
+          <a:xfrm>
             <a:off x="7361555" y="639445"/>
             <a:ext cx="2665095" cy="370840"/>
           </a:xfrm>
-          <a:prstGeom prst="rect"/>
+          <a:prstGeom prst="rect">
+            <a:avLst/>
+          </a:prstGeom>
           <a:noFill/>
           <a:ln w="38100" cap="flat" cmpd="sng">
             <a:solidFill>
@@ -25531,7 +25633,7 @@
           </a:ln>
         </p:spPr>
         <p:txBody>
-          <a:bodyPr wrap="square" lIns="89535" tIns="46355" rIns="89535" bIns="46355" numCol="1" vert="horz" anchor="t">
+          <a:bodyPr vert="horz" wrap="square" lIns="89535" tIns="46355" rIns="89535" bIns="46355" numCol="1" anchor="t">
             <a:spAutoFit/>
           </a:bodyPr>
           <a:lstStyle/>
@@ -25561,11 +25663,13 @@
           <p:nvPr/>
         </p:nvCxnSpPr>
         <p:spPr>
-          <a:xfrm rot="0" flipH="1">
+          <a:xfrm flipH="1">
             <a:off x="7473950" y="829310"/>
             <a:ext cx="278130" cy="10160"/>
           </a:xfrm>
-          <a:prstGeom prst="straightConnector1"/>
+          <a:prstGeom prst="straightConnector1">
+            <a:avLst/>
+          </a:prstGeom>
           <a:ln w="6350" cap="flat" cmpd="sng">
             <a:solidFill>
               <a:srgbClr val="000000">
@@ -25600,11 +25704,13 @@
           <p:nvPr/>
         </p:nvSpPr>
         <p:spPr>
-          <a:xfrm rot="0">
+          <a:xfrm>
             <a:off x="8269605" y="1089025"/>
             <a:ext cx="1212215" cy="208915"/>
           </a:xfrm>
-          <a:prstGeom prst="rect"/>
+          <a:prstGeom prst="rect">
+            <a:avLst/>
+          </a:prstGeom>
           <a:solidFill>
             <a:schemeClr val="bg1"/>
           </a:solidFill>
@@ -25634,7 +25740,7 @@
           </a:fontRef>
         </p:style>
         <p:txBody>
-          <a:bodyPr wrap="square" lIns="91440" tIns="45720" rIns="91440" bIns="45720" numCol="1" vert="horz" anchor="ctr">
+          <a:bodyPr vert="horz" wrap="square" lIns="91440" tIns="45720" rIns="91440" bIns="45720" numCol="1" anchor="ctr">
             <a:noAutofit/>
           </a:bodyPr>
           <a:lstStyle/>
@@ -25659,11 +25765,13 @@
           <p:nvPr/>
         </p:nvSpPr>
         <p:spPr>
-          <a:xfrm rot="0">
+          <a:xfrm>
             <a:off x="8272145" y="1627505"/>
             <a:ext cx="1212215" cy="208915"/>
           </a:xfrm>
-          <a:prstGeom prst="rect"/>
+          <a:prstGeom prst="rect">
+            <a:avLst/>
+          </a:prstGeom>
           <a:solidFill>
             <a:schemeClr val="bg1"/>
           </a:solidFill>
@@ -25693,7 +25801,7 @@
           </a:fontRef>
         </p:style>
         <p:txBody>
-          <a:bodyPr wrap="square" lIns="91440" tIns="45720" rIns="91440" bIns="45720" numCol="1" vert="horz" anchor="ctr">
+          <a:bodyPr vert="horz" wrap="square" lIns="91440" tIns="45720" rIns="91440" bIns="45720" numCol="1" anchor="ctr">
             <a:noAutofit/>
           </a:bodyPr>
           <a:lstStyle/>
@@ -25718,11 +25826,13 @@
           <p:nvPr/>
         </p:nvSpPr>
         <p:spPr>
-          <a:xfrm rot="0">
+          <a:xfrm>
             <a:off x="8265795" y="2165985"/>
             <a:ext cx="1212215" cy="208915"/>
           </a:xfrm>
-          <a:prstGeom prst="rect"/>
+          <a:prstGeom prst="rect">
+            <a:avLst/>
+          </a:prstGeom>
           <a:solidFill>
             <a:schemeClr val="bg1"/>
           </a:solidFill>
@@ -25752,7 +25862,7 @@
           </a:fontRef>
         </p:style>
         <p:txBody>
-          <a:bodyPr wrap="square" lIns="91440" tIns="45720" rIns="91440" bIns="45720" numCol="1" vert="horz" anchor="ctr">
+          <a:bodyPr vert="horz" wrap="square" lIns="91440" tIns="45720" rIns="91440" bIns="45720" numCol="1" anchor="ctr">
             <a:noAutofit/>
           </a:bodyPr>
           <a:lstStyle/>
@@ -25777,11 +25887,13 @@
           <p:nvPr/>
         </p:nvSpPr>
         <p:spPr>
-          <a:xfrm rot="0">
+          <a:xfrm>
             <a:off x="8545195" y="2730500"/>
             <a:ext cx="1212215" cy="208915"/>
           </a:xfrm>
-          <a:prstGeom prst="rect"/>
+          <a:prstGeom prst="rect">
+            <a:avLst/>
+          </a:prstGeom>
           <a:solidFill>
             <a:schemeClr val="bg1"/>
           </a:solidFill>
@@ -25811,7 +25923,7 @@
           </a:fontRef>
         </p:style>
         <p:txBody>
-          <a:bodyPr wrap="square" lIns="91440" tIns="45720" rIns="91440" bIns="45720" numCol="1" vert="horz" anchor="ctr">
+          <a:bodyPr vert="horz" wrap="square" lIns="91440" tIns="45720" rIns="91440" bIns="45720" numCol="1" anchor="ctr">
             <a:noAutofit/>
           </a:bodyPr>
           <a:lstStyle/>
@@ -25836,11 +25948,13 @@
           <p:nvPr/>
         </p:nvSpPr>
         <p:spPr>
-          <a:xfrm rot="0">
+          <a:xfrm>
             <a:off x="8815705" y="3260725"/>
             <a:ext cx="1212215" cy="208915"/>
           </a:xfrm>
-          <a:prstGeom prst="rect"/>
+          <a:prstGeom prst="rect">
+            <a:avLst/>
+          </a:prstGeom>
           <a:solidFill>
             <a:schemeClr val="bg1"/>
           </a:solidFill>
@@ -25870,7 +25984,7 @@
           </a:fontRef>
         </p:style>
         <p:txBody>
-          <a:bodyPr wrap="square" lIns="91440" tIns="45720" rIns="91440" bIns="45720" numCol="1" vert="horz" anchor="ctr">
+          <a:bodyPr vert="horz" wrap="square" lIns="91440" tIns="45720" rIns="91440" bIns="45720" numCol="1" anchor="ctr">
             <a:noAutofit/>
           </a:bodyPr>
           <a:lstStyle/>
@@ -25895,11 +26009,13 @@
           <p:nvPr/>
         </p:nvSpPr>
         <p:spPr>
-          <a:xfrm rot="0">
+          <a:xfrm>
             <a:off x="8507095" y="3834130"/>
             <a:ext cx="1212215" cy="208915"/>
           </a:xfrm>
-          <a:prstGeom prst="rect"/>
+          <a:prstGeom prst="rect">
+            <a:avLst/>
+          </a:prstGeom>
           <a:solidFill>
             <a:schemeClr val="bg1"/>
           </a:solidFill>
@@ -25929,7 +26045,7 @@
           </a:fontRef>
         </p:style>
         <p:txBody>
-          <a:bodyPr wrap="square" lIns="91440" tIns="45720" rIns="91440" bIns="45720" numCol="1" vert="horz" anchor="ctr">
+          <a:bodyPr vert="horz" wrap="square" lIns="91440" tIns="45720" rIns="91440" bIns="45720" numCol="1" anchor="ctr">
             <a:noAutofit/>
           </a:bodyPr>
           <a:lstStyle/>
@@ -25954,11 +26070,13 @@
           <p:nvPr/>
         </p:nvSpPr>
         <p:spPr>
-          <a:xfrm rot="0">
+          <a:xfrm>
             <a:off x="9549765" y="1090930"/>
             <a:ext cx="407670" cy="208915"/>
           </a:xfrm>
-          <a:prstGeom prst="rect"/>
+          <a:prstGeom prst="rect">
+            <a:avLst/>
+          </a:prstGeom>
           <a:solidFill>
             <a:schemeClr val="bg1"/>
           </a:solidFill>
@@ -25988,7 +26106,7 @@
           </a:fontRef>
         </p:style>
         <p:txBody>
-          <a:bodyPr wrap="square" lIns="91440" tIns="45720" rIns="91440" bIns="45720" numCol="1" vert="horz" anchor="ctr">
+          <a:bodyPr vert="horz" wrap="square" lIns="91440" tIns="45720" rIns="91440" bIns="45720" numCol="1" anchor="ctr">
             <a:noAutofit/>
           </a:bodyPr>
           <a:lstStyle/>
@@ -26026,11 +26144,13 @@
           <p:nvPr/>
         </p:nvSpPr>
         <p:spPr>
-          <a:xfrm rot="0">
+          <a:xfrm>
             <a:off x="9552305" y="2165985"/>
             <a:ext cx="407670" cy="208915"/>
           </a:xfrm>
-          <a:prstGeom prst="rect"/>
+          <a:prstGeom prst="rect">
+            <a:avLst/>
+          </a:prstGeom>
           <a:solidFill>
             <a:schemeClr val="bg1"/>
           </a:solidFill>
@@ -26060,7 +26180,7 @@
           </a:fontRef>
         </p:style>
         <p:txBody>
-          <a:bodyPr wrap="square" lIns="91440" tIns="45720" rIns="91440" bIns="45720" numCol="1" vert="horz" anchor="ctr">
+          <a:bodyPr vert="horz" wrap="square" lIns="91440" tIns="45720" rIns="91440" bIns="45720" numCol="1" anchor="ctr">
             <a:noAutofit/>
           </a:bodyPr>
           <a:lstStyle/>
@@ -26098,11 +26218,13 @@
           <p:nvPr/>
         </p:nvSpPr>
         <p:spPr>
-          <a:xfrm rot="0">
+          <a:xfrm>
             <a:off x="8030210" y="113030"/>
             <a:ext cx="1579245" cy="370840"/>
           </a:xfrm>
-          <a:prstGeom prst="rect"/>
+          <a:prstGeom prst="rect">
+            <a:avLst/>
+          </a:prstGeom>
           <a:noFill/>
           <a:ln w="0">
             <a:noFill/>
@@ -26110,7 +26232,7 @@
           </a:ln>
         </p:spPr>
         <p:txBody>
-          <a:bodyPr wrap="square" lIns="89535" tIns="46355" rIns="89535" bIns="46355" numCol="1" vert="horz" anchor="t">
+          <a:bodyPr vert="horz" wrap="square" lIns="89535" tIns="46355" rIns="89535" bIns="46355" numCol="1" anchor="t">
             <a:spAutoFit/>
           </a:bodyPr>
           <a:lstStyle/>
@@ -26138,21 +26260,14 @@
   <p:clrMapOvr>
     <a:masterClrMapping/>
   </p:clrMapOvr>
-  <mc:AlternateContent xmlns:mc="http://schemas.openxmlformats.org/markup-compatibility/2006">
-    <mc:Choice xmlns:p14="http://schemas.microsoft.com/office/powerpoint/2010/main" Requires="p14">
-      <p:transition spd="slow" p14:dur="500"/>
+  <mc:AlternateContent xmlns:mc="http://schemas.openxmlformats.org/markup-compatibility/2006" xmlns:p14="http://schemas.microsoft.com/office/powerpoint/2010/main">
+    <mc:Choice Requires="p14">
+      <p:transition/>
     </mc:Choice>
-    <mc:Fallback>
+    <mc:Fallback xmlns="">
       <p:transition spd="slow"/>
     </mc:Fallback>
   </mc:AlternateContent>
-  <p:timing>
-    <p:tnLst>
-      <p:par>
-        <p:cTn id="1" dur="indefinite" restart="never" nodeType="tmRoot"/>
-      </p:par>
-    </p:tnLst>
-  </p:timing>
 </p:sld>
 </file>
 

--- a/Documents/공모전 ver.1.pptx
+++ b/Documents/공모전 ver.1.pptx
@@ -7,9 +7,10 @@
   <p:sldIdLst>
     <p:sldId id="258" r:id="rId2"/>
     <p:sldId id="260" r:id="rId3"/>
-    <p:sldId id="259" r:id="rId4"/>
-    <p:sldId id="256" r:id="rId5"/>
-    <p:sldId id="257" r:id="rId6"/>
+    <p:sldId id="261" r:id="rId4"/>
+    <p:sldId id="259" r:id="rId5"/>
+    <p:sldId id="256" r:id="rId6"/>
+    <p:sldId id="257" r:id="rId7"/>
   </p:sldIdLst>
   <p:sldSz cx="12192000" cy="6858000"/>
   <p:notesSz cx="6858000" cy="9144000"/>
@@ -13493,6 +13494,3218 @@
       </p:grpSpPr>
       <p:sp>
         <p:nvSpPr>
+          <p:cNvPr id="2" name="도형 55">
+            <a:extLst>
+              <a:ext uri="{FF2B5EF4-FFF2-40B4-BE49-F238E27FC236}">
+                <a16:creationId xmlns:a16="http://schemas.microsoft.com/office/drawing/2014/main" id="{61FC5E09-6D19-46BF-89FF-2C47D48B83B5}"/>
+              </a:ext>
+            </a:extLst>
+          </p:cNvPr>
+          <p:cNvSpPr>
+            <a:spLocks/>
+          </p:cNvSpPr>
+          <p:nvPr/>
+        </p:nvSpPr>
+        <p:spPr>
+          <a:xfrm>
+            <a:off x="393700" y="822325"/>
+            <a:ext cx="2665095" cy="3823970"/>
+          </a:xfrm>
+          <a:prstGeom prst="rect">
+            <a:avLst/>
+          </a:prstGeom>
+          <a:solidFill>
+            <a:schemeClr val="bg1"/>
+          </a:solidFill>
+          <a:ln w="28575" cap="flat" cmpd="sng">
+            <a:solidFill>
+              <a:schemeClr val="tx1">
+                <a:alpha val="100000"/>
+              </a:schemeClr>
+            </a:solidFill>
+            <a:prstDash val="solid"/>
+            <a:round/>
+          </a:ln>
+        </p:spPr>
+        <p:style>
+          <a:lnRef idx="2">
+            <a:schemeClr val="accent1">
+              <a:shade val="50000"/>
+            </a:schemeClr>
+          </a:lnRef>
+          <a:fillRef idx="1">
+            <a:schemeClr val="accent1"/>
+          </a:fillRef>
+          <a:effectRef idx="0">
+            <a:schemeClr val="accent1"/>
+          </a:effectRef>
+          <a:fontRef idx="minor">
+            <a:schemeClr val="lt1"/>
+          </a:fontRef>
+        </p:style>
+        <p:txBody>
+          <a:bodyPr vert="horz" wrap="square" lIns="91440" tIns="45720" rIns="91440" bIns="45720" numCol="1" anchor="ctr">
+            <a:noAutofit/>
+          </a:bodyPr>
+          <a:lstStyle/>
+          <a:p>
+            <a:pPr marL="0" indent="0" algn="l" defTabSz="508000" hangingPunct="1">
+              <a:buFontTx/>
+              <a:buNone/>
+            </a:pPr>
+            <a:endParaRPr lang="ko-KR" altLang="en-US" sz="1800">
+              <a:latin typeface="맑은 고딕" charset="0"/>
+              <a:ea typeface="맑은 고딕" charset="0"/>
+            </a:endParaRPr>
+          </a:p>
+        </p:txBody>
+      </p:sp>
+      <p:sp>
+        <p:nvSpPr>
+          <p:cNvPr id="3" name="텍스트 상자 56">
+            <a:extLst>
+              <a:ext uri="{FF2B5EF4-FFF2-40B4-BE49-F238E27FC236}">
+                <a16:creationId xmlns:a16="http://schemas.microsoft.com/office/drawing/2014/main" id="{54121005-66B8-499E-9895-6FDF5BDAB3BB}"/>
+              </a:ext>
+            </a:extLst>
+          </p:cNvPr>
+          <p:cNvSpPr txBox="1">
+            <a:spLocks/>
+          </p:cNvSpPr>
+          <p:nvPr/>
+        </p:nvSpPr>
+        <p:spPr>
+          <a:xfrm>
+            <a:off x="391160" y="803910"/>
+            <a:ext cx="2665095" cy="370840"/>
+          </a:xfrm>
+          <a:prstGeom prst="rect">
+            <a:avLst/>
+          </a:prstGeom>
+          <a:noFill/>
+          <a:ln w="28575" cap="flat" cmpd="sng">
+            <a:solidFill>
+              <a:srgbClr val="000000">
+                <a:alpha val="100000"/>
+              </a:srgbClr>
+            </a:solidFill>
+            <a:prstDash val="solid"/>
+            <a:round/>
+          </a:ln>
+        </p:spPr>
+        <p:txBody>
+          <a:bodyPr vert="horz" wrap="square" lIns="89535" tIns="46355" rIns="89535" bIns="46355" numCol="1" anchor="t">
+            <a:spAutoFit/>
+          </a:bodyPr>
+          <a:lstStyle/>
+          <a:p>
+            <a:pPr marL="0" indent="0" algn="ctr" defTabSz="508000" hangingPunct="1">
+              <a:buFontTx/>
+              <a:buNone/>
+            </a:pPr>
+            <a:r>
+              <a:rPr lang="ko-KR" sz="1800">
+                <a:latin typeface="맑은 고딕" charset="0"/>
+                <a:ea typeface="맑은 고딕" charset="0"/>
+              </a:rPr>
+              <a:t>T - XX : XX : XX</a:t>
+            </a:r>
+            <a:endParaRPr lang="ko-KR" altLang="en-US" sz="1800">
+              <a:latin typeface="맑은 고딕" charset="0"/>
+              <a:ea typeface="맑은 고딕" charset="0"/>
+            </a:endParaRPr>
+          </a:p>
+        </p:txBody>
+      </p:sp>
+      <p:sp>
+        <p:nvSpPr>
+          <p:cNvPr id="4" name="도형 57">
+            <a:extLst>
+              <a:ext uri="{FF2B5EF4-FFF2-40B4-BE49-F238E27FC236}">
+                <a16:creationId xmlns:a16="http://schemas.microsoft.com/office/drawing/2014/main" id="{974446E0-C90D-43C9-8281-51F34B99821C}"/>
+              </a:ext>
+            </a:extLst>
+          </p:cNvPr>
+          <p:cNvSpPr>
+            <a:spLocks/>
+          </p:cNvSpPr>
+          <p:nvPr/>
+        </p:nvSpPr>
+        <p:spPr>
+          <a:xfrm>
+            <a:off x="380365" y="4260850"/>
+            <a:ext cx="2665095" cy="373380"/>
+          </a:xfrm>
+          <a:prstGeom prst="rect">
+            <a:avLst/>
+          </a:prstGeom>
+          <a:solidFill>
+            <a:schemeClr val="bg1"/>
+          </a:solidFill>
+          <a:ln w="28575" cap="flat" cmpd="sng">
+            <a:solidFill>
+              <a:schemeClr val="tx1">
+                <a:alpha val="100000"/>
+              </a:schemeClr>
+            </a:solidFill>
+            <a:prstDash val="solid"/>
+            <a:round/>
+          </a:ln>
+        </p:spPr>
+        <p:style>
+          <a:lnRef idx="2">
+            <a:schemeClr val="accent1">
+              <a:shade val="50000"/>
+            </a:schemeClr>
+          </a:lnRef>
+          <a:fillRef idx="1">
+            <a:schemeClr val="accent1"/>
+          </a:fillRef>
+          <a:effectRef idx="0">
+            <a:schemeClr val="accent1"/>
+          </a:effectRef>
+          <a:fontRef idx="minor">
+            <a:schemeClr val="lt1"/>
+          </a:fontRef>
+        </p:style>
+        <p:txBody>
+          <a:bodyPr vert="horz" wrap="square" lIns="91440" tIns="45720" rIns="91440" bIns="45720" numCol="1" anchor="ctr">
+            <a:noAutofit/>
+          </a:bodyPr>
+          <a:lstStyle/>
+          <a:p>
+            <a:pPr marL="0" indent="0" algn="ctr" defTabSz="508000" hangingPunct="1">
+              <a:buFontTx/>
+              <a:buNone/>
+            </a:pPr>
+            <a:endParaRPr lang="ko-KR" altLang="en-US" sz="1800">
+              <a:latin typeface="맑은 고딕" charset="0"/>
+              <a:ea typeface="맑은 고딕" charset="0"/>
+            </a:endParaRPr>
+          </a:p>
+        </p:txBody>
+      </p:sp>
+      <p:cxnSp>
+        <p:nvCxnSpPr>
+          <p:cNvPr id="5" name="도형 58">
+            <a:extLst>
+              <a:ext uri="{FF2B5EF4-FFF2-40B4-BE49-F238E27FC236}">
+                <a16:creationId xmlns:a16="http://schemas.microsoft.com/office/drawing/2014/main" id="{02F2DAD7-1055-405E-BE37-289105F62494}"/>
+              </a:ext>
+            </a:extLst>
+          </p:cNvPr>
+          <p:cNvCxnSpPr/>
+          <p:nvPr/>
+        </p:nvCxnSpPr>
+        <p:spPr>
+          <a:xfrm>
+            <a:off x="1012190" y="4243705"/>
+            <a:ext cx="1270" cy="399415"/>
+          </a:xfrm>
+          <a:prstGeom prst="line">
+            <a:avLst/>
+          </a:prstGeom>
+          <a:ln w="28575" cap="flat" cmpd="sng">
+            <a:solidFill>
+              <a:schemeClr val="tx1">
+                <a:alpha val="100000"/>
+              </a:schemeClr>
+            </a:solidFill>
+            <a:prstDash val="solid"/>
+            <a:round/>
+          </a:ln>
+        </p:spPr>
+        <p:style>
+          <a:lnRef idx="1">
+            <a:schemeClr val="accent1"/>
+          </a:lnRef>
+          <a:fillRef idx="0">
+            <a:schemeClr val="accent1"/>
+          </a:fillRef>
+          <a:effectRef idx="0">
+            <a:schemeClr val="accent1"/>
+          </a:effectRef>
+          <a:fontRef idx="minor">
+            <a:schemeClr val="tx1"/>
+          </a:fontRef>
+        </p:style>
+      </p:cxnSp>
+      <p:cxnSp>
+        <p:nvCxnSpPr>
+          <p:cNvPr id="6" name="도형 59">
+            <a:extLst>
+              <a:ext uri="{FF2B5EF4-FFF2-40B4-BE49-F238E27FC236}">
+                <a16:creationId xmlns:a16="http://schemas.microsoft.com/office/drawing/2014/main" id="{5844B17E-5627-4FCD-A0DE-A5FF5CDD3A99}"/>
+              </a:ext>
+            </a:extLst>
+          </p:cNvPr>
+          <p:cNvCxnSpPr/>
+          <p:nvPr/>
+        </p:nvCxnSpPr>
+        <p:spPr>
+          <a:xfrm>
+            <a:off x="2328545" y="4246245"/>
+            <a:ext cx="1270" cy="399415"/>
+          </a:xfrm>
+          <a:prstGeom prst="line">
+            <a:avLst/>
+          </a:prstGeom>
+          <a:ln w="28575" cap="flat" cmpd="sng">
+            <a:solidFill>
+              <a:schemeClr val="tx1">
+                <a:alpha val="100000"/>
+              </a:schemeClr>
+            </a:solidFill>
+            <a:prstDash val="solid"/>
+            <a:round/>
+          </a:ln>
+        </p:spPr>
+        <p:style>
+          <a:lnRef idx="1">
+            <a:schemeClr val="accent1"/>
+          </a:lnRef>
+          <a:fillRef idx="0">
+            <a:schemeClr val="accent1"/>
+          </a:fillRef>
+          <a:effectRef idx="0">
+            <a:schemeClr val="accent1"/>
+          </a:effectRef>
+          <a:fontRef idx="minor">
+            <a:schemeClr val="tx1"/>
+          </a:fontRef>
+        </p:style>
+      </p:cxnSp>
+      <p:cxnSp>
+        <p:nvCxnSpPr>
+          <p:cNvPr id="7" name="도형 60">
+            <a:extLst>
+              <a:ext uri="{FF2B5EF4-FFF2-40B4-BE49-F238E27FC236}">
+                <a16:creationId xmlns:a16="http://schemas.microsoft.com/office/drawing/2014/main" id="{A5E751D6-4F38-4838-8E63-F58548965CA2}"/>
+              </a:ext>
+            </a:extLst>
+          </p:cNvPr>
+          <p:cNvCxnSpPr/>
+          <p:nvPr/>
+        </p:nvCxnSpPr>
+        <p:spPr>
+          <a:xfrm>
+            <a:off x="1638935" y="4239895"/>
+            <a:ext cx="1270" cy="399415"/>
+          </a:xfrm>
+          <a:prstGeom prst="line">
+            <a:avLst/>
+          </a:prstGeom>
+          <a:ln w="28575" cap="flat" cmpd="sng">
+            <a:solidFill>
+              <a:schemeClr val="tx1">
+                <a:alpha val="100000"/>
+              </a:schemeClr>
+            </a:solidFill>
+            <a:prstDash val="solid"/>
+            <a:round/>
+          </a:ln>
+        </p:spPr>
+        <p:style>
+          <a:lnRef idx="1">
+            <a:schemeClr val="accent1"/>
+          </a:lnRef>
+          <a:fillRef idx="0">
+            <a:schemeClr val="accent1"/>
+          </a:fillRef>
+          <a:effectRef idx="0">
+            <a:schemeClr val="accent1"/>
+          </a:effectRef>
+          <a:fontRef idx="minor">
+            <a:schemeClr val="tx1"/>
+          </a:fontRef>
+        </p:style>
+      </p:cxnSp>
+      <p:sp>
+        <p:nvSpPr>
+          <p:cNvPr id="8" name="도형 61">
+            <a:extLst>
+              <a:ext uri="{FF2B5EF4-FFF2-40B4-BE49-F238E27FC236}">
+                <a16:creationId xmlns:a16="http://schemas.microsoft.com/office/drawing/2014/main" id="{759BD9EE-916D-47AD-A286-7D9B0F6D13A6}"/>
+              </a:ext>
+            </a:extLst>
+          </p:cNvPr>
+          <p:cNvSpPr>
+            <a:spLocks/>
+          </p:cNvSpPr>
+          <p:nvPr/>
+        </p:nvSpPr>
+        <p:spPr>
+          <a:xfrm>
+            <a:off x="483870" y="4295775"/>
+            <a:ext cx="390525" cy="139700"/>
+          </a:xfrm>
+          <a:prstGeom prst="triangle">
+            <a:avLst/>
+          </a:prstGeom>
+          <a:solidFill>
+            <a:schemeClr val="bg1"/>
+          </a:solidFill>
+          <a:ln w="28575" cap="flat" cmpd="sng">
+            <a:solidFill>
+              <a:schemeClr val="tx1">
+                <a:alpha val="100000"/>
+              </a:schemeClr>
+            </a:solidFill>
+            <a:prstDash val="solid"/>
+            <a:round/>
+          </a:ln>
+        </p:spPr>
+        <p:style>
+          <a:lnRef idx="2">
+            <a:schemeClr val="accent1">
+              <a:shade val="50000"/>
+            </a:schemeClr>
+          </a:lnRef>
+          <a:fillRef idx="1">
+            <a:schemeClr val="accent1"/>
+          </a:fillRef>
+          <a:effectRef idx="0">
+            <a:schemeClr val="accent1"/>
+          </a:effectRef>
+          <a:fontRef idx="minor">
+            <a:schemeClr val="lt1"/>
+          </a:fontRef>
+        </p:style>
+        <p:txBody>
+          <a:bodyPr vert="horz" wrap="square" lIns="91440" tIns="45720" rIns="91440" bIns="45720" numCol="1" anchor="ctr">
+            <a:noAutofit/>
+          </a:bodyPr>
+          <a:lstStyle/>
+          <a:p>
+            <a:pPr marL="0" indent="0" algn="ctr" defTabSz="508000" hangingPunct="1">
+              <a:buFontTx/>
+              <a:buNone/>
+            </a:pPr>
+            <a:endParaRPr lang="ko-KR" altLang="en-US" sz="1800">
+              <a:latin typeface="맑은 고딕" charset="0"/>
+              <a:ea typeface="맑은 고딕" charset="0"/>
+            </a:endParaRPr>
+          </a:p>
+        </p:txBody>
+      </p:sp>
+      <p:sp>
+        <p:nvSpPr>
+          <p:cNvPr id="9" name="도형 62">
+            <a:extLst>
+              <a:ext uri="{FF2B5EF4-FFF2-40B4-BE49-F238E27FC236}">
+                <a16:creationId xmlns:a16="http://schemas.microsoft.com/office/drawing/2014/main" id="{9D33D92C-06C7-41C1-B2B9-9E88F34317F1}"/>
+              </a:ext>
+            </a:extLst>
+          </p:cNvPr>
+          <p:cNvSpPr>
+            <a:spLocks/>
+          </p:cNvSpPr>
+          <p:nvPr/>
+        </p:nvSpPr>
+        <p:spPr>
+          <a:xfrm>
+            <a:off x="587375" y="4434840"/>
+            <a:ext cx="191135" cy="191135"/>
+          </a:xfrm>
+          <a:prstGeom prst="rect">
+            <a:avLst/>
+          </a:prstGeom>
+          <a:solidFill>
+            <a:schemeClr val="bg1"/>
+          </a:solidFill>
+          <a:ln w="28575" cap="flat" cmpd="sng">
+            <a:solidFill>
+              <a:schemeClr val="tx1">
+                <a:alpha val="100000"/>
+              </a:schemeClr>
+            </a:solidFill>
+            <a:prstDash val="solid"/>
+            <a:round/>
+          </a:ln>
+        </p:spPr>
+        <p:style>
+          <a:lnRef idx="2">
+            <a:schemeClr val="accent1">
+              <a:shade val="50000"/>
+            </a:schemeClr>
+          </a:lnRef>
+          <a:fillRef idx="1">
+            <a:schemeClr val="accent1"/>
+          </a:fillRef>
+          <a:effectRef idx="0">
+            <a:schemeClr val="accent1"/>
+          </a:effectRef>
+          <a:fontRef idx="minor">
+            <a:schemeClr val="lt1"/>
+          </a:fontRef>
+        </p:style>
+        <p:txBody>
+          <a:bodyPr vert="horz" wrap="square" lIns="91440" tIns="45720" rIns="91440" bIns="45720" numCol="1" anchor="ctr">
+            <a:noAutofit/>
+          </a:bodyPr>
+          <a:lstStyle/>
+          <a:p>
+            <a:pPr marL="0" indent="0" algn="ctr" defTabSz="508000" hangingPunct="1">
+              <a:buFontTx/>
+              <a:buNone/>
+            </a:pPr>
+            <a:endParaRPr lang="ko-KR" altLang="en-US" sz="1800">
+              <a:latin typeface="맑은 고딕" charset="0"/>
+              <a:ea typeface="맑은 고딕" charset="0"/>
+            </a:endParaRPr>
+          </a:p>
+        </p:txBody>
+      </p:sp>
+      <p:cxnSp>
+        <p:nvCxnSpPr>
+          <p:cNvPr id="10" name="도형 63">
+            <a:extLst>
+              <a:ext uri="{FF2B5EF4-FFF2-40B4-BE49-F238E27FC236}">
+                <a16:creationId xmlns:a16="http://schemas.microsoft.com/office/drawing/2014/main" id="{429E751D-6443-458A-8009-8A0E9F1DFF10}"/>
+              </a:ext>
+            </a:extLst>
+          </p:cNvPr>
+          <p:cNvCxnSpPr/>
+          <p:nvPr/>
+        </p:nvCxnSpPr>
+        <p:spPr>
+          <a:xfrm>
+            <a:off x="1167130" y="4338955"/>
+            <a:ext cx="304165" cy="1270"/>
+          </a:xfrm>
+          <a:prstGeom prst="line">
+            <a:avLst/>
+          </a:prstGeom>
+          <a:ln w="28575" cap="flat" cmpd="sng">
+            <a:solidFill>
+              <a:schemeClr val="tx1">
+                <a:alpha val="100000"/>
+              </a:schemeClr>
+            </a:solidFill>
+            <a:prstDash val="solid"/>
+            <a:round/>
+          </a:ln>
+        </p:spPr>
+        <p:style>
+          <a:lnRef idx="1">
+            <a:schemeClr val="accent1"/>
+          </a:lnRef>
+          <a:fillRef idx="0">
+            <a:schemeClr val="accent1"/>
+          </a:fillRef>
+          <a:effectRef idx="0">
+            <a:schemeClr val="accent1"/>
+          </a:effectRef>
+          <a:fontRef idx="minor">
+            <a:schemeClr val="tx1"/>
+          </a:fontRef>
+        </p:style>
+      </p:cxnSp>
+      <p:cxnSp>
+        <p:nvCxnSpPr>
+          <p:cNvPr id="11" name="도형 64">
+            <a:extLst>
+              <a:ext uri="{FF2B5EF4-FFF2-40B4-BE49-F238E27FC236}">
+                <a16:creationId xmlns:a16="http://schemas.microsoft.com/office/drawing/2014/main" id="{12E0478D-A60D-4F17-9E69-A984DC7E7FD7}"/>
+              </a:ext>
+            </a:extLst>
+          </p:cNvPr>
+          <p:cNvCxnSpPr/>
+          <p:nvPr/>
+        </p:nvCxnSpPr>
+        <p:spPr>
+          <a:xfrm>
+            <a:off x="1170305" y="4410710"/>
+            <a:ext cx="304165" cy="1270"/>
+          </a:xfrm>
+          <a:prstGeom prst="line">
+            <a:avLst/>
+          </a:prstGeom>
+          <a:ln w="28575" cap="flat" cmpd="sng">
+            <a:solidFill>
+              <a:schemeClr val="tx1">
+                <a:alpha val="100000"/>
+              </a:schemeClr>
+            </a:solidFill>
+            <a:prstDash val="solid"/>
+            <a:round/>
+          </a:ln>
+        </p:spPr>
+        <p:style>
+          <a:lnRef idx="1">
+            <a:schemeClr val="accent1"/>
+          </a:lnRef>
+          <a:fillRef idx="0">
+            <a:schemeClr val="accent1"/>
+          </a:fillRef>
+          <a:effectRef idx="0">
+            <a:schemeClr val="accent1"/>
+          </a:effectRef>
+          <a:fontRef idx="minor">
+            <a:schemeClr val="tx1"/>
+          </a:fontRef>
+        </p:style>
+      </p:cxnSp>
+      <p:cxnSp>
+        <p:nvCxnSpPr>
+          <p:cNvPr id="12" name="도형 65">
+            <a:extLst>
+              <a:ext uri="{FF2B5EF4-FFF2-40B4-BE49-F238E27FC236}">
+                <a16:creationId xmlns:a16="http://schemas.microsoft.com/office/drawing/2014/main" id="{569C5F72-DF42-4DDF-8901-358ACD64ECC5}"/>
+              </a:ext>
+            </a:extLst>
+          </p:cNvPr>
+          <p:cNvCxnSpPr/>
+          <p:nvPr/>
+        </p:nvCxnSpPr>
+        <p:spPr>
+          <a:xfrm>
+            <a:off x="1173480" y="4465320"/>
+            <a:ext cx="304165" cy="1270"/>
+          </a:xfrm>
+          <a:prstGeom prst="line">
+            <a:avLst/>
+          </a:prstGeom>
+          <a:ln w="28575" cap="flat" cmpd="sng">
+            <a:solidFill>
+              <a:schemeClr val="tx1">
+                <a:alpha val="100000"/>
+              </a:schemeClr>
+            </a:solidFill>
+            <a:prstDash val="solid"/>
+            <a:round/>
+          </a:ln>
+        </p:spPr>
+        <p:style>
+          <a:lnRef idx="1">
+            <a:schemeClr val="accent1"/>
+          </a:lnRef>
+          <a:fillRef idx="0">
+            <a:schemeClr val="accent1"/>
+          </a:fillRef>
+          <a:effectRef idx="0">
+            <a:schemeClr val="accent1"/>
+          </a:effectRef>
+          <a:fontRef idx="minor">
+            <a:schemeClr val="tx1"/>
+          </a:fontRef>
+        </p:style>
+      </p:cxnSp>
+      <p:cxnSp>
+        <p:nvCxnSpPr>
+          <p:cNvPr id="13" name="도형 66">
+            <a:extLst>
+              <a:ext uri="{FF2B5EF4-FFF2-40B4-BE49-F238E27FC236}">
+                <a16:creationId xmlns:a16="http://schemas.microsoft.com/office/drawing/2014/main" id="{C4F2868F-4161-424A-983D-6D45CAF39DCF}"/>
+              </a:ext>
+            </a:extLst>
+          </p:cNvPr>
+          <p:cNvCxnSpPr/>
+          <p:nvPr/>
+        </p:nvCxnSpPr>
+        <p:spPr>
+          <a:xfrm>
+            <a:off x="1176655" y="4537075"/>
+            <a:ext cx="304165" cy="1270"/>
+          </a:xfrm>
+          <a:prstGeom prst="line">
+            <a:avLst/>
+          </a:prstGeom>
+          <a:ln w="28575" cap="flat" cmpd="sng">
+            <a:solidFill>
+              <a:schemeClr val="tx1">
+                <a:alpha val="100000"/>
+              </a:schemeClr>
+            </a:solidFill>
+            <a:prstDash val="solid"/>
+            <a:round/>
+          </a:ln>
+        </p:spPr>
+        <p:style>
+          <a:lnRef idx="1">
+            <a:schemeClr val="accent1"/>
+          </a:lnRef>
+          <a:fillRef idx="0">
+            <a:schemeClr val="accent1"/>
+          </a:fillRef>
+          <a:effectRef idx="0">
+            <a:schemeClr val="accent1"/>
+          </a:effectRef>
+          <a:fontRef idx="minor">
+            <a:schemeClr val="tx1"/>
+          </a:fontRef>
+        </p:style>
+      </p:cxnSp>
+      <p:sp>
+        <p:nvSpPr>
+          <p:cNvPr id="14" name="도형 67">
+            <a:extLst>
+              <a:ext uri="{FF2B5EF4-FFF2-40B4-BE49-F238E27FC236}">
+                <a16:creationId xmlns:a16="http://schemas.microsoft.com/office/drawing/2014/main" id="{22E01914-0EC8-4A1B-A142-FA635E924D34}"/>
+              </a:ext>
+            </a:extLst>
+          </p:cNvPr>
+          <p:cNvSpPr>
+            <a:spLocks/>
+          </p:cNvSpPr>
+          <p:nvPr/>
+        </p:nvSpPr>
+        <p:spPr>
+          <a:xfrm>
+            <a:off x="1833245" y="4304665"/>
+            <a:ext cx="200025" cy="182880"/>
+          </a:xfrm>
+          <a:prstGeom prst="ellipse">
+            <a:avLst/>
+          </a:prstGeom>
+          <a:solidFill>
+            <a:schemeClr val="bg1"/>
+          </a:solidFill>
+          <a:ln w="28575" cap="flat" cmpd="sng">
+            <a:solidFill>
+              <a:schemeClr val="tx1">
+                <a:alpha val="100000"/>
+              </a:schemeClr>
+            </a:solidFill>
+            <a:prstDash val="solid"/>
+            <a:miter lim="800000"/>
+          </a:ln>
+        </p:spPr>
+        <p:style>
+          <a:lnRef idx="2">
+            <a:schemeClr val="accent1">
+              <a:shade val="50000"/>
+            </a:schemeClr>
+          </a:lnRef>
+          <a:fillRef idx="1">
+            <a:schemeClr val="accent1"/>
+          </a:fillRef>
+          <a:effectRef idx="0">
+            <a:schemeClr val="accent1"/>
+          </a:effectRef>
+          <a:fontRef idx="minor">
+            <a:schemeClr val="lt1"/>
+          </a:fontRef>
+        </p:style>
+        <p:txBody>
+          <a:bodyPr vert="horz" wrap="square" lIns="91440" tIns="45720" rIns="91440" bIns="45720" numCol="1" anchor="ctr">
+            <a:noAutofit/>
+          </a:bodyPr>
+          <a:lstStyle/>
+          <a:p>
+            <a:pPr marL="0" indent="0" algn="ctr" defTabSz="508000" hangingPunct="1">
+              <a:buFontTx/>
+              <a:buNone/>
+            </a:pPr>
+            <a:endParaRPr lang="ko-KR" altLang="en-US" sz="1800">
+              <a:latin typeface="맑은 고딕" charset="0"/>
+              <a:ea typeface="맑은 고딕" charset="0"/>
+            </a:endParaRPr>
+          </a:p>
+        </p:txBody>
+      </p:sp>
+      <p:cxnSp>
+        <p:nvCxnSpPr>
+          <p:cNvPr id="15" name="도형 68">
+            <a:extLst>
+              <a:ext uri="{FF2B5EF4-FFF2-40B4-BE49-F238E27FC236}">
+                <a16:creationId xmlns:a16="http://schemas.microsoft.com/office/drawing/2014/main" id="{69446231-0675-4F4D-BDED-0FE05297CCEB}"/>
+              </a:ext>
+            </a:extLst>
+          </p:cNvPr>
+          <p:cNvCxnSpPr/>
+          <p:nvPr/>
+        </p:nvCxnSpPr>
+        <p:spPr>
+          <a:xfrm>
+            <a:off x="2002790" y="4459605"/>
+            <a:ext cx="151765" cy="123190"/>
+          </a:xfrm>
+          <a:prstGeom prst="line">
+            <a:avLst/>
+          </a:prstGeom>
+          <a:ln w="28575" cap="flat" cmpd="sng">
+            <a:solidFill>
+              <a:schemeClr val="tx1">
+                <a:alpha val="100000"/>
+              </a:schemeClr>
+            </a:solidFill>
+            <a:prstDash val="solid"/>
+            <a:miter lim="800000"/>
+          </a:ln>
+        </p:spPr>
+        <p:style>
+          <a:lnRef idx="1">
+            <a:schemeClr val="accent1"/>
+          </a:lnRef>
+          <a:fillRef idx="0">
+            <a:schemeClr val="accent1"/>
+          </a:fillRef>
+          <a:effectRef idx="0">
+            <a:schemeClr val="accent1"/>
+          </a:effectRef>
+          <a:fontRef idx="minor">
+            <a:schemeClr val="tx1"/>
+          </a:fontRef>
+        </p:style>
+      </p:cxnSp>
+      <p:sp>
+        <p:nvSpPr>
+          <p:cNvPr id="16" name="도형 69">
+            <a:extLst>
+              <a:ext uri="{FF2B5EF4-FFF2-40B4-BE49-F238E27FC236}">
+                <a16:creationId xmlns:a16="http://schemas.microsoft.com/office/drawing/2014/main" id="{F91CD7AE-605E-42A2-98B3-3D0842116678}"/>
+              </a:ext>
+            </a:extLst>
+          </p:cNvPr>
+          <p:cNvSpPr>
+            <a:spLocks/>
+          </p:cNvSpPr>
+          <p:nvPr/>
+        </p:nvSpPr>
+        <p:spPr>
+          <a:xfrm>
+            <a:off x="2628900" y="4269740"/>
+            <a:ext cx="183515" cy="182880"/>
+          </a:xfrm>
+          <a:prstGeom prst="ellipse">
+            <a:avLst/>
+          </a:prstGeom>
+          <a:solidFill>
+            <a:schemeClr val="bg1"/>
+          </a:solidFill>
+          <a:ln w="28575" cap="flat" cmpd="sng">
+            <a:solidFill>
+              <a:srgbClr val="000000">
+                <a:alpha val="100000"/>
+              </a:srgbClr>
+            </a:solidFill>
+            <a:prstDash val="solid"/>
+            <a:miter lim="800000"/>
+          </a:ln>
+        </p:spPr>
+        <p:style>
+          <a:lnRef idx="2">
+            <a:schemeClr val="accent1">
+              <a:shade val="50000"/>
+            </a:schemeClr>
+          </a:lnRef>
+          <a:fillRef idx="1">
+            <a:schemeClr val="accent1"/>
+          </a:fillRef>
+          <a:effectRef idx="0">
+            <a:schemeClr val="accent1"/>
+          </a:effectRef>
+          <a:fontRef idx="minor">
+            <a:schemeClr val="lt1"/>
+          </a:fontRef>
+        </p:style>
+        <p:txBody>
+          <a:bodyPr vert="horz" wrap="square" lIns="91440" tIns="45720" rIns="91440" bIns="45720" numCol="1" anchor="ctr">
+            <a:noAutofit/>
+          </a:bodyPr>
+          <a:lstStyle/>
+          <a:p>
+            <a:pPr marL="0" indent="0" algn="ctr" defTabSz="508000" hangingPunct="1">
+              <a:buFontTx/>
+              <a:buNone/>
+            </a:pPr>
+            <a:endParaRPr lang="ko-KR" altLang="en-US" sz="1800">
+              <a:latin typeface="맑은 고딕" charset="0"/>
+              <a:ea typeface="맑은 고딕" charset="0"/>
+            </a:endParaRPr>
+          </a:p>
+        </p:txBody>
+      </p:sp>
+      <p:sp>
+        <p:nvSpPr>
+          <p:cNvPr id="17" name="도형 70">
+            <a:extLst>
+              <a:ext uri="{FF2B5EF4-FFF2-40B4-BE49-F238E27FC236}">
+                <a16:creationId xmlns:a16="http://schemas.microsoft.com/office/drawing/2014/main" id="{EF80078F-4491-42D3-9612-48BF5438A93F}"/>
+              </a:ext>
+            </a:extLst>
+          </p:cNvPr>
+          <p:cNvSpPr>
+            <a:spLocks/>
+          </p:cNvSpPr>
+          <p:nvPr/>
+        </p:nvSpPr>
+        <p:spPr>
+          <a:xfrm>
+            <a:off x="2577465" y="4451350"/>
+            <a:ext cx="277495" cy="174625"/>
+          </a:xfrm>
+          <a:prstGeom prst="round2SameRect">
+            <a:avLst/>
+          </a:prstGeom>
+          <a:solidFill>
+            <a:schemeClr val="bg1"/>
+          </a:solidFill>
+          <a:ln w="28575" cap="flat" cmpd="sng">
+            <a:solidFill>
+              <a:srgbClr val="000000">
+                <a:alpha val="100000"/>
+              </a:srgbClr>
+            </a:solidFill>
+            <a:prstDash val="solid"/>
+            <a:miter lim="800000"/>
+          </a:ln>
+        </p:spPr>
+        <p:style>
+          <a:lnRef idx="2">
+            <a:schemeClr val="accent1">
+              <a:shade val="50000"/>
+            </a:schemeClr>
+          </a:lnRef>
+          <a:fillRef idx="1">
+            <a:schemeClr val="accent1"/>
+          </a:fillRef>
+          <a:effectRef idx="0">
+            <a:schemeClr val="accent1"/>
+          </a:effectRef>
+          <a:fontRef idx="minor">
+            <a:schemeClr val="lt1"/>
+          </a:fontRef>
+        </p:style>
+        <p:txBody>
+          <a:bodyPr vert="horz" wrap="square" lIns="91440" tIns="45720" rIns="91440" bIns="45720" numCol="1" anchor="ctr">
+            <a:noAutofit/>
+          </a:bodyPr>
+          <a:lstStyle/>
+          <a:p>
+            <a:pPr marL="0" indent="0" algn="ctr" defTabSz="508000" hangingPunct="1">
+              <a:buFontTx/>
+              <a:buNone/>
+            </a:pPr>
+            <a:endParaRPr lang="ko-KR" altLang="en-US" sz="1800">
+              <a:latin typeface="맑은 고딕" charset="0"/>
+              <a:ea typeface="맑은 고딕" charset="0"/>
+            </a:endParaRPr>
+          </a:p>
+        </p:txBody>
+      </p:sp>
+      <p:sp>
+        <p:nvSpPr>
+          <p:cNvPr id="18" name="도형 71">
+            <a:extLst>
+              <a:ext uri="{FF2B5EF4-FFF2-40B4-BE49-F238E27FC236}">
+                <a16:creationId xmlns:a16="http://schemas.microsoft.com/office/drawing/2014/main" id="{2A54544A-744D-4EA8-8ED1-910534BE123D}"/>
+              </a:ext>
+            </a:extLst>
+          </p:cNvPr>
+          <p:cNvSpPr>
+            <a:spLocks/>
+          </p:cNvSpPr>
+          <p:nvPr/>
+        </p:nvSpPr>
+        <p:spPr>
+          <a:xfrm>
+            <a:off x="2358390" y="3180715"/>
+            <a:ext cx="581025" cy="657225"/>
+          </a:xfrm>
+          <a:prstGeom prst="rect">
+            <a:avLst/>
+          </a:prstGeom>
+          <a:solidFill>
+            <a:schemeClr val="bg1"/>
+          </a:solidFill>
+          <a:ln w="28575" cap="flat" cmpd="sng">
+            <a:solidFill>
+              <a:schemeClr val="tx1">
+                <a:alpha val="100000"/>
+              </a:schemeClr>
+            </a:solidFill>
+            <a:prstDash val="solid"/>
+            <a:miter lim="800000"/>
+          </a:ln>
+        </p:spPr>
+        <p:style>
+          <a:lnRef idx="2">
+            <a:schemeClr val="accent1">
+              <a:shade val="50000"/>
+            </a:schemeClr>
+          </a:lnRef>
+          <a:fillRef idx="1">
+            <a:schemeClr val="accent1"/>
+          </a:fillRef>
+          <a:effectRef idx="0">
+            <a:schemeClr val="accent1"/>
+          </a:effectRef>
+          <a:fontRef idx="minor">
+            <a:schemeClr val="lt1"/>
+          </a:fontRef>
+        </p:style>
+        <p:txBody>
+          <a:bodyPr vert="horz" wrap="square" lIns="91440" tIns="45720" rIns="91440" bIns="45720" numCol="1" anchor="ctr">
+            <a:noAutofit/>
+          </a:bodyPr>
+          <a:lstStyle/>
+          <a:p>
+            <a:pPr marL="0" indent="0" algn="ctr" defTabSz="508000" hangingPunct="1">
+              <a:buFontTx/>
+              <a:buNone/>
+            </a:pPr>
+            <a:r>
+              <a:rPr lang="ko-KR" sz="1800">
+                <a:solidFill>
+                  <a:schemeClr val="tx1"/>
+                </a:solidFill>
+                <a:latin typeface="맑은 고딕" charset="0"/>
+                <a:ea typeface="맑은 고딕" charset="0"/>
+              </a:rPr>
+              <a:t>사진</a:t>
+            </a:r>
+            <a:endParaRPr lang="ko-KR" altLang="en-US" sz="1800">
+              <a:solidFill>
+                <a:schemeClr val="tx1"/>
+              </a:solidFill>
+              <a:latin typeface="맑은 고딕" charset="0"/>
+              <a:ea typeface="맑은 고딕" charset="0"/>
+            </a:endParaRPr>
+          </a:p>
+        </p:txBody>
+      </p:sp>
+      <p:sp>
+        <p:nvSpPr>
+          <p:cNvPr id="19" name="텍스트 상자 78">
+            <a:extLst>
+              <a:ext uri="{FF2B5EF4-FFF2-40B4-BE49-F238E27FC236}">
+                <a16:creationId xmlns:a16="http://schemas.microsoft.com/office/drawing/2014/main" id="{B385C2B3-D0E4-4628-8F0E-B20EF94217A0}"/>
+              </a:ext>
+            </a:extLst>
+          </p:cNvPr>
+          <p:cNvSpPr txBox="1">
+            <a:spLocks/>
+          </p:cNvSpPr>
+          <p:nvPr/>
+        </p:nvSpPr>
+        <p:spPr>
+          <a:xfrm>
+            <a:off x="655320" y="3912235"/>
+            <a:ext cx="832485" cy="262890"/>
+          </a:xfrm>
+          <a:prstGeom prst="rect">
+            <a:avLst/>
+          </a:prstGeom>
+          <a:noFill/>
+          <a:ln w="0">
+            <a:noFill/>
+            <a:prstDash/>
+          </a:ln>
+        </p:spPr>
+        <p:txBody>
+          <a:bodyPr vert="horz" wrap="square" lIns="89535" tIns="46355" rIns="89535" bIns="46355" numCol="1" anchor="t">
+            <a:spAutoFit/>
+          </a:bodyPr>
+          <a:lstStyle/>
+          <a:p>
+            <a:pPr marL="0" indent="0" algn="l" defTabSz="508000" hangingPunct="1">
+              <a:buFontTx/>
+              <a:buNone/>
+            </a:pPr>
+            <a:r>
+              <a:rPr lang="ko-KR" sz="1100">
+                <a:latin typeface="맑은 고딕" charset="0"/>
+                <a:ea typeface="맑은 고딕" charset="0"/>
+              </a:rPr>
+              <a:t>가격 : </a:t>
+            </a:r>
+            <a:endParaRPr lang="ko-KR" altLang="en-US" sz="1100">
+              <a:latin typeface="맑은 고딕" charset="0"/>
+              <a:ea typeface="맑은 고딕" charset="0"/>
+            </a:endParaRPr>
+          </a:p>
+        </p:txBody>
+      </p:sp>
+      <p:sp>
+        <p:nvSpPr>
+          <p:cNvPr id="20" name="텍스트 상자 79">
+            <a:extLst>
+              <a:ext uri="{FF2B5EF4-FFF2-40B4-BE49-F238E27FC236}">
+                <a16:creationId xmlns:a16="http://schemas.microsoft.com/office/drawing/2014/main" id="{39AC9D86-0BB6-4605-943B-2F1C4C19D62D}"/>
+              </a:ext>
+            </a:extLst>
+          </p:cNvPr>
+          <p:cNvSpPr txBox="1">
+            <a:spLocks/>
+          </p:cNvSpPr>
+          <p:nvPr/>
+        </p:nvSpPr>
+        <p:spPr>
+          <a:xfrm>
+            <a:off x="1419860" y="3914775"/>
+            <a:ext cx="832485" cy="262890"/>
+          </a:xfrm>
+          <a:prstGeom prst="rect">
+            <a:avLst/>
+          </a:prstGeom>
+          <a:noFill/>
+          <a:ln w="0">
+            <a:noFill/>
+            <a:prstDash/>
+          </a:ln>
+        </p:spPr>
+        <p:txBody>
+          <a:bodyPr vert="horz" wrap="square" lIns="89535" tIns="46355" rIns="89535" bIns="46355" numCol="1" anchor="t">
+            <a:spAutoFit/>
+          </a:bodyPr>
+          <a:lstStyle/>
+          <a:p>
+            <a:pPr marL="0" indent="0" algn="l" defTabSz="508000" hangingPunct="1">
+              <a:buFontTx/>
+              <a:buNone/>
+            </a:pPr>
+            <a:r>
+              <a:rPr lang="ko-KR" sz="1100">
+                <a:latin typeface="맑은 고딕" charset="0"/>
+                <a:ea typeface="맑은 고딕" charset="0"/>
+              </a:rPr>
+              <a:t>시간 : </a:t>
+            </a:r>
+            <a:endParaRPr lang="ko-KR" altLang="en-US" sz="1100">
+              <a:latin typeface="맑은 고딕" charset="0"/>
+              <a:ea typeface="맑은 고딕" charset="0"/>
+            </a:endParaRPr>
+          </a:p>
+        </p:txBody>
+      </p:sp>
+      <p:sp>
+        <p:nvSpPr>
+          <p:cNvPr id="21" name="도형 80">
+            <a:extLst>
+              <a:ext uri="{FF2B5EF4-FFF2-40B4-BE49-F238E27FC236}">
+                <a16:creationId xmlns:a16="http://schemas.microsoft.com/office/drawing/2014/main" id="{56332EF7-7F85-4875-B2A5-534F94792024}"/>
+              </a:ext>
+            </a:extLst>
+          </p:cNvPr>
+          <p:cNvSpPr>
+            <a:spLocks/>
+          </p:cNvSpPr>
+          <p:nvPr/>
+        </p:nvSpPr>
+        <p:spPr>
+          <a:xfrm>
+            <a:off x="2317115" y="3959225"/>
+            <a:ext cx="633730" cy="208915"/>
+          </a:xfrm>
+          <a:prstGeom prst="rect">
+            <a:avLst/>
+          </a:prstGeom>
+          <a:solidFill>
+            <a:schemeClr val="bg1"/>
+          </a:solidFill>
+          <a:ln w="12700" cap="flat" cmpd="sng">
+            <a:solidFill>
+              <a:schemeClr val="tx1">
+                <a:alpha val="100000"/>
+              </a:schemeClr>
+            </a:solidFill>
+            <a:prstDash val="solid"/>
+          </a:ln>
+        </p:spPr>
+        <p:style>
+          <a:lnRef idx="2">
+            <a:schemeClr val="accent1">
+              <a:shade val="50000"/>
+            </a:schemeClr>
+          </a:lnRef>
+          <a:fillRef idx="1">
+            <a:schemeClr val="accent1"/>
+          </a:fillRef>
+          <a:effectRef idx="0">
+            <a:schemeClr val="accent1"/>
+          </a:effectRef>
+          <a:fontRef idx="minor">
+            <a:schemeClr val="lt1"/>
+          </a:fontRef>
+        </p:style>
+        <p:txBody>
+          <a:bodyPr vert="horz" wrap="square" lIns="91440" tIns="45720" rIns="91440" bIns="45720" numCol="1" anchor="ctr">
+            <a:noAutofit/>
+          </a:bodyPr>
+          <a:lstStyle/>
+          <a:p>
+            <a:pPr marL="0" indent="0" algn="ctr" defTabSz="508000" hangingPunct="1">
+              <a:buFontTx/>
+              <a:buNone/>
+            </a:pPr>
+            <a:r>
+              <a:rPr lang="ko-KR" sz="800" dirty="0">
+                <a:solidFill>
+                  <a:schemeClr val="tx1"/>
+                </a:solidFill>
+                <a:latin typeface="맑은 고딕" charset="0"/>
+                <a:ea typeface="맑은 고딕" charset="0"/>
+              </a:rPr>
+              <a:t>추가하기</a:t>
+            </a:r>
+            <a:endParaRPr lang="ko-KR" altLang="en-US" sz="800" dirty="0">
+              <a:solidFill>
+                <a:schemeClr val="tx1"/>
+              </a:solidFill>
+              <a:latin typeface="맑은 고딕" charset="0"/>
+              <a:ea typeface="맑은 고딕" charset="0"/>
+            </a:endParaRPr>
+          </a:p>
+        </p:txBody>
+      </p:sp>
+      <p:cxnSp>
+        <p:nvCxnSpPr>
+          <p:cNvPr id="22" name="도형 83">
+            <a:extLst>
+              <a:ext uri="{FF2B5EF4-FFF2-40B4-BE49-F238E27FC236}">
+                <a16:creationId xmlns:a16="http://schemas.microsoft.com/office/drawing/2014/main" id="{43D029C1-6ACE-4403-84A7-A3E5F5004B88}"/>
+              </a:ext>
+            </a:extLst>
+          </p:cNvPr>
+          <p:cNvCxnSpPr/>
+          <p:nvPr/>
+        </p:nvCxnSpPr>
+        <p:spPr>
+          <a:xfrm>
+            <a:off x="384810" y="1972310"/>
+            <a:ext cx="2669540" cy="17145"/>
+          </a:xfrm>
+          <a:prstGeom prst="line">
+            <a:avLst/>
+          </a:prstGeom>
+          <a:ln w="6350" cap="flat" cmpd="sng">
+            <a:solidFill>
+              <a:srgbClr val="000000">
+                <a:alpha val="100000"/>
+              </a:srgbClr>
+            </a:solidFill>
+            <a:prstDash val="solid"/>
+            <a:headEnd type="none" w="med" len="med"/>
+            <a:tailEnd type="none" w="med" len="med"/>
+          </a:ln>
+        </p:spPr>
+        <p:style>
+          <a:lnRef idx="1">
+            <a:schemeClr val="accent1"/>
+          </a:lnRef>
+          <a:fillRef idx="0">
+            <a:schemeClr val="accent1"/>
+          </a:fillRef>
+          <a:effectRef idx="0">
+            <a:schemeClr val="accent1"/>
+          </a:effectRef>
+          <a:fontRef idx="minor">
+            <a:schemeClr val="tx1"/>
+          </a:fontRef>
+        </p:style>
+      </p:cxnSp>
+      <p:sp>
+        <p:nvSpPr>
+          <p:cNvPr id="23" name="텍스트 상자 84">
+            <a:extLst>
+              <a:ext uri="{FF2B5EF4-FFF2-40B4-BE49-F238E27FC236}">
+                <a16:creationId xmlns:a16="http://schemas.microsoft.com/office/drawing/2014/main" id="{FA5EEBD5-46D1-46F4-BC93-5474D6E76FE6}"/>
+              </a:ext>
+            </a:extLst>
+          </p:cNvPr>
+          <p:cNvSpPr txBox="1">
+            <a:spLocks/>
+          </p:cNvSpPr>
+          <p:nvPr/>
+        </p:nvSpPr>
+        <p:spPr>
+          <a:xfrm>
+            <a:off x="520065" y="2195195"/>
+            <a:ext cx="1279525" cy="339725"/>
+          </a:xfrm>
+          <a:prstGeom prst="rect">
+            <a:avLst/>
+          </a:prstGeom>
+          <a:noFill/>
+          <a:ln w="0">
+            <a:noFill/>
+            <a:prstDash/>
+          </a:ln>
+        </p:spPr>
+        <p:txBody>
+          <a:bodyPr vert="horz" wrap="square" lIns="89535" tIns="46355" rIns="89535" bIns="46355" numCol="1" anchor="t">
+            <a:spAutoFit/>
+          </a:bodyPr>
+          <a:lstStyle/>
+          <a:p>
+            <a:pPr marL="0" indent="0" algn="l" defTabSz="508000" hangingPunct="1">
+              <a:buFontTx/>
+              <a:buNone/>
+            </a:pPr>
+            <a:r>
+              <a:rPr lang="ko-KR" sz="800">
+                <a:latin typeface="맑은 고딕" charset="0"/>
+                <a:ea typeface="맑은 고딕" charset="0"/>
+              </a:rPr>
+              <a:t>용도 카테고리(국, 찌개, 무침,</a:t>
+            </a:r>
+            <a:endParaRPr lang="ko-KR" altLang="en-US" sz="800">
+              <a:latin typeface="맑은 고딕" charset="0"/>
+              <a:ea typeface="맑은 고딕" charset="0"/>
+            </a:endParaRPr>
+          </a:p>
+        </p:txBody>
+      </p:sp>
+      <p:sp>
+        <p:nvSpPr>
+          <p:cNvPr id="24" name="텍스트 상자 85">
+            <a:extLst>
+              <a:ext uri="{FF2B5EF4-FFF2-40B4-BE49-F238E27FC236}">
+                <a16:creationId xmlns:a16="http://schemas.microsoft.com/office/drawing/2014/main" id="{AE546F63-27B1-4441-B84C-02D392B6D45B}"/>
+              </a:ext>
+            </a:extLst>
+          </p:cNvPr>
+          <p:cNvSpPr txBox="1">
+            <a:spLocks/>
+          </p:cNvSpPr>
+          <p:nvPr/>
+        </p:nvSpPr>
+        <p:spPr>
+          <a:xfrm>
+            <a:off x="519430" y="1280795"/>
+            <a:ext cx="1279525" cy="216535"/>
+          </a:xfrm>
+          <a:prstGeom prst="rect">
+            <a:avLst/>
+          </a:prstGeom>
+          <a:noFill/>
+          <a:ln w="0">
+            <a:noFill/>
+            <a:prstDash/>
+          </a:ln>
+        </p:spPr>
+        <p:txBody>
+          <a:bodyPr vert="horz" wrap="square" lIns="89535" tIns="46355" rIns="89535" bIns="46355" numCol="1" anchor="t">
+            <a:spAutoFit/>
+          </a:bodyPr>
+          <a:lstStyle/>
+          <a:p>
+            <a:pPr marL="0" indent="0" algn="l" defTabSz="508000" hangingPunct="1">
+              <a:buFontTx/>
+              <a:buNone/>
+            </a:pPr>
+            <a:r>
+              <a:rPr lang="ko-KR" sz="800" dirty="0">
+                <a:latin typeface="맑은 고딕" charset="0"/>
+                <a:ea typeface="맑은 고딕" charset="0"/>
+              </a:rPr>
+              <a:t>종류 , 이름</a:t>
+            </a:r>
+            <a:endParaRPr lang="ko-KR" altLang="en-US" sz="800" dirty="0">
+              <a:latin typeface="맑은 고딕" charset="0"/>
+              <a:ea typeface="맑은 고딕" charset="0"/>
+            </a:endParaRPr>
+          </a:p>
+        </p:txBody>
+      </p:sp>
+      <p:sp>
+        <p:nvSpPr>
+          <p:cNvPr id="25" name="도형 2">
+            <a:extLst>
+              <a:ext uri="{FF2B5EF4-FFF2-40B4-BE49-F238E27FC236}">
+                <a16:creationId xmlns:a16="http://schemas.microsoft.com/office/drawing/2014/main" id="{5DC88484-14D1-4A4D-8204-18AC6E681727}"/>
+              </a:ext>
+            </a:extLst>
+          </p:cNvPr>
+          <p:cNvSpPr>
+            <a:spLocks/>
+          </p:cNvSpPr>
+          <p:nvPr/>
+        </p:nvSpPr>
+        <p:spPr>
+          <a:xfrm>
+            <a:off x="5946269" y="1010602"/>
+            <a:ext cx="2664460" cy="3823335"/>
+          </a:xfrm>
+          <a:prstGeom prst="rect">
+            <a:avLst/>
+          </a:prstGeom>
+          <a:solidFill>
+            <a:schemeClr val="bg1"/>
+          </a:solidFill>
+          <a:ln w="28575" cap="flat" cmpd="sng">
+            <a:solidFill>
+              <a:schemeClr val="tx1">
+                <a:alpha val="100000"/>
+              </a:schemeClr>
+            </a:solidFill>
+            <a:prstDash val="solid"/>
+            <a:round/>
+          </a:ln>
+        </p:spPr>
+        <p:style>
+          <a:lnRef idx="2">
+            <a:schemeClr val="accent1">
+              <a:shade val="50000"/>
+            </a:schemeClr>
+          </a:lnRef>
+          <a:fillRef idx="1">
+            <a:schemeClr val="accent1"/>
+          </a:fillRef>
+          <a:effectRef idx="0">
+            <a:schemeClr val="accent1"/>
+          </a:effectRef>
+          <a:fontRef idx="minor">
+            <a:schemeClr val="lt1"/>
+          </a:fontRef>
+        </p:style>
+        <p:txBody>
+          <a:bodyPr vert="horz" wrap="square" lIns="91440" tIns="45720" rIns="91440" bIns="45720" anchor="ctr">
+            <a:noAutofit/>
+          </a:bodyPr>
+          <a:lstStyle/>
+          <a:p>
+            <a:pPr marL="0" indent="0" algn="l" defTabSz="508000" hangingPunct="1"/>
+            <a:endParaRPr lang="ko-KR" altLang="en-US" sz="1800">
+              <a:latin typeface="맑은 고딕" charset="0"/>
+              <a:ea typeface="맑은 고딕" charset="0"/>
+            </a:endParaRPr>
+          </a:p>
+        </p:txBody>
+      </p:sp>
+      <p:sp>
+        <p:nvSpPr>
+          <p:cNvPr id="26" name="텍스트 상자 3">
+            <a:extLst>
+              <a:ext uri="{FF2B5EF4-FFF2-40B4-BE49-F238E27FC236}">
+                <a16:creationId xmlns:a16="http://schemas.microsoft.com/office/drawing/2014/main" id="{C7FE2DB2-4925-48EA-A8E0-BA6A4EB80887}"/>
+              </a:ext>
+            </a:extLst>
+          </p:cNvPr>
+          <p:cNvSpPr txBox="1">
+            <a:spLocks/>
+          </p:cNvSpPr>
+          <p:nvPr/>
+        </p:nvSpPr>
+        <p:spPr>
+          <a:xfrm>
+            <a:off x="5951984" y="1016952"/>
+            <a:ext cx="2664460" cy="370205"/>
+          </a:xfrm>
+          <a:prstGeom prst="rect">
+            <a:avLst/>
+          </a:prstGeom>
+          <a:noFill/>
+          <a:ln w="28575" cap="flat" cmpd="sng">
+            <a:solidFill>
+              <a:srgbClr val="000000">
+                <a:alpha val="100000"/>
+              </a:srgbClr>
+            </a:solidFill>
+            <a:prstDash val="solid"/>
+            <a:round/>
+          </a:ln>
+        </p:spPr>
+        <p:txBody>
+          <a:bodyPr vert="horz" wrap="square" lIns="89535" tIns="46355" rIns="89535" bIns="46355" anchor="t">
+            <a:spAutoFit/>
+          </a:bodyPr>
+          <a:lstStyle/>
+          <a:p>
+            <a:pPr marL="0" indent="0" algn="ctr" defTabSz="508000" hangingPunct="1"/>
+            <a:r>
+              <a:rPr lang="ko-KR" sz="1800" dirty="0" err="1">
+                <a:latin typeface="맑은 고딕" charset="0"/>
+                <a:ea typeface="맑은 고딕" charset="0"/>
+              </a:rPr>
+              <a:t>T</a:t>
+            </a:r>
+            <a:r>
+              <a:rPr lang="ko-KR" sz="1800" dirty="0">
+                <a:latin typeface="맑은 고딕" charset="0"/>
+                <a:ea typeface="맑은 고딕" charset="0"/>
+              </a:rPr>
+              <a:t> - XX : XX : XX</a:t>
+            </a:r>
+            <a:endParaRPr lang="ko-KR" altLang="en-US" sz="1800" dirty="0">
+              <a:latin typeface="맑은 고딕" charset="0"/>
+              <a:ea typeface="맑은 고딕" charset="0"/>
+            </a:endParaRPr>
+          </a:p>
+        </p:txBody>
+      </p:sp>
+      <p:sp>
+        <p:nvSpPr>
+          <p:cNvPr id="27" name="도형 4">
+            <a:extLst>
+              <a:ext uri="{FF2B5EF4-FFF2-40B4-BE49-F238E27FC236}">
+                <a16:creationId xmlns:a16="http://schemas.microsoft.com/office/drawing/2014/main" id="{0D2E24EF-FBA6-48B2-9B84-0C1FBF218331}"/>
+              </a:ext>
+            </a:extLst>
+          </p:cNvPr>
+          <p:cNvSpPr>
+            <a:spLocks/>
+          </p:cNvSpPr>
+          <p:nvPr/>
+        </p:nvSpPr>
+        <p:spPr>
+          <a:xfrm>
+            <a:off x="5941189" y="4473892"/>
+            <a:ext cx="2664460" cy="372745"/>
+          </a:xfrm>
+          <a:prstGeom prst="rect">
+            <a:avLst/>
+          </a:prstGeom>
+          <a:solidFill>
+            <a:schemeClr val="bg1"/>
+          </a:solidFill>
+          <a:ln w="28575" cap="flat" cmpd="sng">
+            <a:solidFill>
+              <a:schemeClr val="tx1">
+                <a:alpha val="100000"/>
+              </a:schemeClr>
+            </a:solidFill>
+            <a:prstDash val="solid"/>
+            <a:round/>
+          </a:ln>
+        </p:spPr>
+        <p:style>
+          <a:lnRef idx="2">
+            <a:schemeClr val="accent1">
+              <a:shade val="50000"/>
+            </a:schemeClr>
+          </a:lnRef>
+          <a:fillRef idx="1">
+            <a:schemeClr val="accent1"/>
+          </a:fillRef>
+          <a:effectRef idx="0">
+            <a:schemeClr val="accent1"/>
+          </a:effectRef>
+          <a:fontRef idx="minor">
+            <a:schemeClr val="lt1"/>
+          </a:fontRef>
+        </p:style>
+        <p:txBody>
+          <a:bodyPr vert="horz" wrap="square" lIns="91440" tIns="45720" rIns="91440" bIns="45720" anchor="ctr">
+            <a:noAutofit/>
+          </a:bodyPr>
+          <a:lstStyle/>
+          <a:p>
+            <a:pPr marL="0" indent="0" algn="ctr" defTabSz="508000" hangingPunct="1"/>
+            <a:endParaRPr lang="ko-KR" altLang="en-US" sz="1800">
+              <a:latin typeface="맑은 고딕" charset="0"/>
+              <a:ea typeface="맑은 고딕" charset="0"/>
+            </a:endParaRPr>
+          </a:p>
+        </p:txBody>
+      </p:sp>
+      <p:cxnSp>
+        <p:nvCxnSpPr>
+          <p:cNvPr id="28" name="도형 5">
+            <a:extLst>
+              <a:ext uri="{FF2B5EF4-FFF2-40B4-BE49-F238E27FC236}">
+                <a16:creationId xmlns:a16="http://schemas.microsoft.com/office/drawing/2014/main" id="{173547BF-EF5D-47A7-AC22-310FA156C9CC}"/>
+              </a:ext>
+            </a:extLst>
+          </p:cNvPr>
+          <p:cNvCxnSpPr/>
+          <p:nvPr/>
+        </p:nvCxnSpPr>
+        <p:spPr>
+          <a:xfrm>
+            <a:off x="6573014" y="4456747"/>
+            <a:ext cx="635" cy="398780"/>
+          </a:xfrm>
+          <a:prstGeom prst="line">
+            <a:avLst/>
+          </a:prstGeom>
+          <a:ln w="28575" cap="flat" cmpd="sng">
+            <a:solidFill>
+              <a:schemeClr val="tx1">
+                <a:alpha val="100000"/>
+              </a:schemeClr>
+            </a:solidFill>
+            <a:prstDash val="solid"/>
+            <a:round/>
+          </a:ln>
+        </p:spPr>
+        <p:style>
+          <a:lnRef idx="1">
+            <a:schemeClr val="accent1"/>
+          </a:lnRef>
+          <a:fillRef idx="0">
+            <a:schemeClr val="accent1"/>
+          </a:fillRef>
+          <a:effectRef idx="0">
+            <a:schemeClr val="accent1"/>
+          </a:effectRef>
+          <a:fontRef idx="minor">
+            <a:schemeClr val="tx1"/>
+          </a:fontRef>
+        </p:style>
+      </p:cxnSp>
+      <p:cxnSp>
+        <p:nvCxnSpPr>
+          <p:cNvPr id="29" name="도형 6">
+            <a:extLst>
+              <a:ext uri="{FF2B5EF4-FFF2-40B4-BE49-F238E27FC236}">
+                <a16:creationId xmlns:a16="http://schemas.microsoft.com/office/drawing/2014/main" id="{52CB6D51-B197-4555-B30E-72A42755FC69}"/>
+              </a:ext>
+            </a:extLst>
+          </p:cNvPr>
+          <p:cNvCxnSpPr/>
+          <p:nvPr/>
+        </p:nvCxnSpPr>
+        <p:spPr>
+          <a:xfrm>
+            <a:off x="7889369" y="4459287"/>
+            <a:ext cx="635" cy="398780"/>
+          </a:xfrm>
+          <a:prstGeom prst="line">
+            <a:avLst/>
+          </a:prstGeom>
+          <a:ln w="28575" cap="flat" cmpd="sng">
+            <a:solidFill>
+              <a:schemeClr val="tx1">
+                <a:alpha val="100000"/>
+              </a:schemeClr>
+            </a:solidFill>
+            <a:prstDash val="solid"/>
+            <a:round/>
+          </a:ln>
+        </p:spPr>
+        <p:style>
+          <a:lnRef idx="1">
+            <a:schemeClr val="accent1"/>
+          </a:lnRef>
+          <a:fillRef idx="0">
+            <a:schemeClr val="accent1"/>
+          </a:fillRef>
+          <a:effectRef idx="0">
+            <a:schemeClr val="accent1"/>
+          </a:effectRef>
+          <a:fontRef idx="minor">
+            <a:schemeClr val="tx1"/>
+          </a:fontRef>
+        </p:style>
+      </p:cxnSp>
+      <p:cxnSp>
+        <p:nvCxnSpPr>
+          <p:cNvPr id="30" name="도형 7">
+            <a:extLst>
+              <a:ext uri="{FF2B5EF4-FFF2-40B4-BE49-F238E27FC236}">
+                <a16:creationId xmlns:a16="http://schemas.microsoft.com/office/drawing/2014/main" id="{7AA5D454-E138-4DA4-8310-6B5AD42533E6}"/>
+              </a:ext>
+            </a:extLst>
+          </p:cNvPr>
+          <p:cNvCxnSpPr/>
+          <p:nvPr/>
+        </p:nvCxnSpPr>
+        <p:spPr>
+          <a:xfrm>
+            <a:off x="7199759" y="4452937"/>
+            <a:ext cx="635" cy="398780"/>
+          </a:xfrm>
+          <a:prstGeom prst="line">
+            <a:avLst/>
+          </a:prstGeom>
+          <a:ln w="28575" cap="flat" cmpd="sng">
+            <a:solidFill>
+              <a:schemeClr val="tx1">
+                <a:alpha val="100000"/>
+              </a:schemeClr>
+            </a:solidFill>
+            <a:prstDash val="solid"/>
+            <a:round/>
+          </a:ln>
+        </p:spPr>
+        <p:style>
+          <a:lnRef idx="1">
+            <a:schemeClr val="accent1"/>
+          </a:lnRef>
+          <a:fillRef idx="0">
+            <a:schemeClr val="accent1"/>
+          </a:fillRef>
+          <a:effectRef idx="0">
+            <a:schemeClr val="accent1"/>
+          </a:effectRef>
+          <a:fontRef idx="minor">
+            <a:schemeClr val="tx1"/>
+          </a:fontRef>
+        </p:style>
+      </p:cxnSp>
+      <p:sp>
+        <p:nvSpPr>
+          <p:cNvPr id="31" name="도형 8">
+            <a:extLst>
+              <a:ext uri="{FF2B5EF4-FFF2-40B4-BE49-F238E27FC236}">
+                <a16:creationId xmlns:a16="http://schemas.microsoft.com/office/drawing/2014/main" id="{343EB731-BD82-4168-AD2C-64581DF968DB}"/>
+              </a:ext>
+            </a:extLst>
+          </p:cNvPr>
+          <p:cNvSpPr>
+            <a:spLocks/>
+          </p:cNvSpPr>
+          <p:nvPr/>
+        </p:nvSpPr>
+        <p:spPr>
+          <a:xfrm>
+            <a:off x="6044694" y="4508817"/>
+            <a:ext cx="389890" cy="139065"/>
+          </a:xfrm>
+          <a:prstGeom prst="triangle">
+            <a:avLst/>
+          </a:prstGeom>
+          <a:solidFill>
+            <a:schemeClr val="bg1"/>
+          </a:solidFill>
+          <a:ln w="28575" cap="flat" cmpd="sng">
+            <a:solidFill>
+              <a:schemeClr val="tx1">
+                <a:alpha val="100000"/>
+              </a:schemeClr>
+            </a:solidFill>
+            <a:prstDash val="solid"/>
+            <a:round/>
+          </a:ln>
+        </p:spPr>
+        <p:style>
+          <a:lnRef idx="2">
+            <a:schemeClr val="accent1">
+              <a:shade val="50000"/>
+            </a:schemeClr>
+          </a:lnRef>
+          <a:fillRef idx="1">
+            <a:schemeClr val="accent1"/>
+          </a:fillRef>
+          <a:effectRef idx="0">
+            <a:schemeClr val="accent1"/>
+          </a:effectRef>
+          <a:fontRef idx="minor">
+            <a:schemeClr val="lt1"/>
+          </a:fontRef>
+        </p:style>
+        <p:txBody>
+          <a:bodyPr vert="horz" wrap="square" lIns="91440" tIns="45720" rIns="91440" bIns="45720" anchor="ctr">
+            <a:noAutofit/>
+          </a:bodyPr>
+          <a:lstStyle/>
+          <a:p>
+            <a:pPr marL="0" indent="0" algn="ctr" defTabSz="508000" hangingPunct="1"/>
+            <a:endParaRPr lang="ko-KR" altLang="en-US" sz="1800">
+              <a:latin typeface="맑은 고딕" charset="0"/>
+              <a:ea typeface="맑은 고딕" charset="0"/>
+            </a:endParaRPr>
+          </a:p>
+        </p:txBody>
+      </p:sp>
+      <p:sp>
+        <p:nvSpPr>
+          <p:cNvPr id="32" name="도형 9">
+            <a:extLst>
+              <a:ext uri="{FF2B5EF4-FFF2-40B4-BE49-F238E27FC236}">
+                <a16:creationId xmlns:a16="http://schemas.microsoft.com/office/drawing/2014/main" id="{374A67BF-D0D2-4280-8EB9-948A83E510BE}"/>
+              </a:ext>
+            </a:extLst>
+          </p:cNvPr>
+          <p:cNvSpPr>
+            <a:spLocks/>
+          </p:cNvSpPr>
+          <p:nvPr/>
+        </p:nvSpPr>
+        <p:spPr>
+          <a:xfrm>
+            <a:off x="6148199" y="4647882"/>
+            <a:ext cx="190500" cy="190500"/>
+          </a:xfrm>
+          <a:prstGeom prst="rect">
+            <a:avLst/>
+          </a:prstGeom>
+          <a:solidFill>
+            <a:schemeClr val="bg1"/>
+          </a:solidFill>
+          <a:ln w="28575" cap="flat" cmpd="sng">
+            <a:solidFill>
+              <a:schemeClr val="tx1">
+                <a:alpha val="100000"/>
+              </a:schemeClr>
+            </a:solidFill>
+            <a:prstDash val="solid"/>
+            <a:round/>
+          </a:ln>
+        </p:spPr>
+        <p:style>
+          <a:lnRef idx="2">
+            <a:schemeClr val="accent1">
+              <a:shade val="50000"/>
+            </a:schemeClr>
+          </a:lnRef>
+          <a:fillRef idx="1">
+            <a:schemeClr val="accent1"/>
+          </a:fillRef>
+          <a:effectRef idx="0">
+            <a:schemeClr val="accent1"/>
+          </a:effectRef>
+          <a:fontRef idx="minor">
+            <a:schemeClr val="lt1"/>
+          </a:fontRef>
+        </p:style>
+        <p:txBody>
+          <a:bodyPr vert="horz" wrap="square" lIns="91440" tIns="45720" rIns="91440" bIns="45720" anchor="ctr">
+            <a:noAutofit/>
+          </a:bodyPr>
+          <a:lstStyle/>
+          <a:p>
+            <a:pPr marL="0" indent="0" algn="ctr" defTabSz="508000" hangingPunct="1"/>
+            <a:endParaRPr lang="ko-KR" altLang="en-US" sz="1800">
+              <a:latin typeface="맑은 고딕" charset="0"/>
+              <a:ea typeface="맑은 고딕" charset="0"/>
+            </a:endParaRPr>
+          </a:p>
+        </p:txBody>
+      </p:sp>
+      <p:cxnSp>
+        <p:nvCxnSpPr>
+          <p:cNvPr id="33" name="도형 10">
+            <a:extLst>
+              <a:ext uri="{FF2B5EF4-FFF2-40B4-BE49-F238E27FC236}">
+                <a16:creationId xmlns:a16="http://schemas.microsoft.com/office/drawing/2014/main" id="{401F980E-68D1-4176-8725-B603292AE296}"/>
+              </a:ext>
+            </a:extLst>
+          </p:cNvPr>
+          <p:cNvCxnSpPr/>
+          <p:nvPr/>
+        </p:nvCxnSpPr>
+        <p:spPr>
+          <a:xfrm>
+            <a:off x="6727954" y="4551997"/>
+            <a:ext cx="303530" cy="635"/>
+          </a:xfrm>
+          <a:prstGeom prst="line">
+            <a:avLst/>
+          </a:prstGeom>
+          <a:ln w="28575" cap="flat" cmpd="sng">
+            <a:solidFill>
+              <a:schemeClr val="tx1">
+                <a:alpha val="100000"/>
+              </a:schemeClr>
+            </a:solidFill>
+            <a:prstDash val="solid"/>
+            <a:round/>
+          </a:ln>
+        </p:spPr>
+        <p:style>
+          <a:lnRef idx="1">
+            <a:schemeClr val="accent1"/>
+          </a:lnRef>
+          <a:fillRef idx="0">
+            <a:schemeClr val="accent1"/>
+          </a:fillRef>
+          <a:effectRef idx="0">
+            <a:schemeClr val="accent1"/>
+          </a:effectRef>
+          <a:fontRef idx="minor">
+            <a:schemeClr val="tx1"/>
+          </a:fontRef>
+        </p:style>
+      </p:cxnSp>
+      <p:cxnSp>
+        <p:nvCxnSpPr>
+          <p:cNvPr id="34" name="도형 11">
+            <a:extLst>
+              <a:ext uri="{FF2B5EF4-FFF2-40B4-BE49-F238E27FC236}">
+                <a16:creationId xmlns:a16="http://schemas.microsoft.com/office/drawing/2014/main" id="{28490207-713F-4149-8777-771908DB3AC7}"/>
+              </a:ext>
+            </a:extLst>
+          </p:cNvPr>
+          <p:cNvCxnSpPr/>
+          <p:nvPr/>
+        </p:nvCxnSpPr>
+        <p:spPr>
+          <a:xfrm>
+            <a:off x="6731129" y="4623752"/>
+            <a:ext cx="303530" cy="635"/>
+          </a:xfrm>
+          <a:prstGeom prst="line">
+            <a:avLst/>
+          </a:prstGeom>
+          <a:ln w="28575" cap="flat" cmpd="sng">
+            <a:solidFill>
+              <a:schemeClr val="tx1">
+                <a:alpha val="100000"/>
+              </a:schemeClr>
+            </a:solidFill>
+            <a:prstDash val="solid"/>
+            <a:round/>
+          </a:ln>
+        </p:spPr>
+        <p:style>
+          <a:lnRef idx="1">
+            <a:schemeClr val="accent1"/>
+          </a:lnRef>
+          <a:fillRef idx="0">
+            <a:schemeClr val="accent1"/>
+          </a:fillRef>
+          <a:effectRef idx="0">
+            <a:schemeClr val="accent1"/>
+          </a:effectRef>
+          <a:fontRef idx="minor">
+            <a:schemeClr val="tx1"/>
+          </a:fontRef>
+        </p:style>
+      </p:cxnSp>
+      <p:cxnSp>
+        <p:nvCxnSpPr>
+          <p:cNvPr id="35" name="도형 12">
+            <a:extLst>
+              <a:ext uri="{FF2B5EF4-FFF2-40B4-BE49-F238E27FC236}">
+                <a16:creationId xmlns:a16="http://schemas.microsoft.com/office/drawing/2014/main" id="{382211BC-A170-4CDA-97EE-278D975A836C}"/>
+              </a:ext>
+            </a:extLst>
+          </p:cNvPr>
+          <p:cNvCxnSpPr/>
+          <p:nvPr/>
+        </p:nvCxnSpPr>
+        <p:spPr>
+          <a:xfrm>
+            <a:off x="6734304" y="4678362"/>
+            <a:ext cx="303530" cy="635"/>
+          </a:xfrm>
+          <a:prstGeom prst="line">
+            <a:avLst/>
+          </a:prstGeom>
+          <a:ln w="28575" cap="flat" cmpd="sng">
+            <a:solidFill>
+              <a:schemeClr val="tx1">
+                <a:alpha val="100000"/>
+              </a:schemeClr>
+            </a:solidFill>
+            <a:prstDash val="solid"/>
+            <a:round/>
+          </a:ln>
+        </p:spPr>
+        <p:style>
+          <a:lnRef idx="1">
+            <a:schemeClr val="accent1"/>
+          </a:lnRef>
+          <a:fillRef idx="0">
+            <a:schemeClr val="accent1"/>
+          </a:fillRef>
+          <a:effectRef idx="0">
+            <a:schemeClr val="accent1"/>
+          </a:effectRef>
+          <a:fontRef idx="minor">
+            <a:schemeClr val="tx1"/>
+          </a:fontRef>
+        </p:style>
+      </p:cxnSp>
+      <p:cxnSp>
+        <p:nvCxnSpPr>
+          <p:cNvPr id="36" name="도형 13">
+            <a:extLst>
+              <a:ext uri="{FF2B5EF4-FFF2-40B4-BE49-F238E27FC236}">
+                <a16:creationId xmlns:a16="http://schemas.microsoft.com/office/drawing/2014/main" id="{F694CDC2-BA57-44E2-8EB7-D3690B0405C5}"/>
+              </a:ext>
+            </a:extLst>
+          </p:cNvPr>
+          <p:cNvCxnSpPr/>
+          <p:nvPr/>
+        </p:nvCxnSpPr>
+        <p:spPr>
+          <a:xfrm>
+            <a:off x="6737479" y="4750117"/>
+            <a:ext cx="303530" cy="635"/>
+          </a:xfrm>
+          <a:prstGeom prst="line">
+            <a:avLst/>
+          </a:prstGeom>
+          <a:ln w="28575" cap="flat" cmpd="sng">
+            <a:solidFill>
+              <a:schemeClr val="tx1">
+                <a:alpha val="100000"/>
+              </a:schemeClr>
+            </a:solidFill>
+            <a:prstDash val="solid"/>
+            <a:round/>
+          </a:ln>
+        </p:spPr>
+        <p:style>
+          <a:lnRef idx="1">
+            <a:schemeClr val="accent1"/>
+          </a:lnRef>
+          <a:fillRef idx="0">
+            <a:schemeClr val="accent1"/>
+          </a:fillRef>
+          <a:effectRef idx="0">
+            <a:schemeClr val="accent1"/>
+          </a:effectRef>
+          <a:fontRef idx="minor">
+            <a:schemeClr val="tx1"/>
+          </a:fontRef>
+        </p:style>
+      </p:cxnSp>
+      <p:sp>
+        <p:nvSpPr>
+          <p:cNvPr id="37" name="도형 14">
+            <a:extLst>
+              <a:ext uri="{FF2B5EF4-FFF2-40B4-BE49-F238E27FC236}">
+                <a16:creationId xmlns:a16="http://schemas.microsoft.com/office/drawing/2014/main" id="{CE30CC4B-CA09-40F6-AF4A-D923F600857B}"/>
+              </a:ext>
+            </a:extLst>
+          </p:cNvPr>
+          <p:cNvSpPr>
+            <a:spLocks/>
+          </p:cNvSpPr>
+          <p:nvPr/>
+        </p:nvSpPr>
+        <p:spPr>
+          <a:xfrm>
+            <a:off x="7394069" y="4517707"/>
+            <a:ext cx="199390" cy="182245"/>
+          </a:xfrm>
+          <a:prstGeom prst="ellipse">
+            <a:avLst/>
+          </a:prstGeom>
+          <a:solidFill>
+            <a:schemeClr val="bg1"/>
+          </a:solidFill>
+          <a:ln w="28575" cap="flat" cmpd="sng">
+            <a:solidFill>
+              <a:schemeClr val="tx1">
+                <a:alpha val="100000"/>
+              </a:schemeClr>
+            </a:solidFill>
+            <a:prstDash val="solid"/>
+            <a:miter lim="800000"/>
+          </a:ln>
+        </p:spPr>
+        <p:style>
+          <a:lnRef idx="2">
+            <a:schemeClr val="accent1">
+              <a:shade val="50000"/>
+            </a:schemeClr>
+          </a:lnRef>
+          <a:fillRef idx="1">
+            <a:schemeClr val="accent1"/>
+          </a:fillRef>
+          <a:effectRef idx="0">
+            <a:schemeClr val="accent1"/>
+          </a:effectRef>
+          <a:fontRef idx="minor">
+            <a:schemeClr val="lt1"/>
+          </a:fontRef>
+        </p:style>
+        <p:txBody>
+          <a:bodyPr vert="horz" wrap="square" lIns="91440" tIns="45720" rIns="91440" bIns="45720" anchor="ctr">
+            <a:noAutofit/>
+          </a:bodyPr>
+          <a:lstStyle/>
+          <a:p>
+            <a:pPr marL="0" indent="0" algn="ctr" defTabSz="508000" hangingPunct="1"/>
+            <a:endParaRPr lang="ko-KR" altLang="en-US" sz="1800">
+              <a:latin typeface="맑은 고딕" charset="0"/>
+              <a:ea typeface="맑은 고딕" charset="0"/>
+            </a:endParaRPr>
+          </a:p>
+        </p:txBody>
+      </p:sp>
+      <p:cxnSp>
+        <p:nvCxnSpPr>
+          <p:cNvPr id="38" name="도형 15">
+            <a:extLst>
+              <a:ext uri="{FF2B5EF4-FFF2-40B4-BE49-F238E27FC236}">
+                <a16:creationId xmlns:a16="http://schemas.microsoft.com/office/drawing/2014/main" id="{275617D6-5E8C-4B41-86B0-FCFE331DB4CB}"/>
+              </a:ext>
+            </a:extLst>
+          </p:cNvPr>
+          <p:cNvCxnSpPr/>
+          <p:nvPr/>
+        </p:nvCxnSpPr>
+        <p:spPr>
+          <a:xfrm>
+            <a:off x="7563614" y="4672647"/>
+            <a:ext cx="151130" cy="122555"/>
+          </a:xfrm>
+          <a:prstGeom prst="line">
+            <a:avLst/>
+          </a:prstGeom>
+          <a:ln w="28575" cap="flat" cmpd="sng">
+            <a:solidFill>
+              <a:schemeClr val="tx1">
+                <a:alpha val="100000"/>
+              </a:schemeClr>
+            </a:solidFill>
+            <a:prstDash val="solid"/>
+            <a:miter lim="800000"/>
+          </a:ln>
+        </p:spPr>
+        <p:style>
+          <a:lnRef idx="1">
+            <a:schemeClr val="accent1"/>
+          </a:lnRef>
+          <a:fillRef idx="0">
+            <a:schemeClr val="accent1"/>
+          </a:fillRef>
+          <a:effectRef idx="0">
+            <a:schemeClr val="accent1"/>
+          </a:effectRef>
+          <a:fontRef idx="minor">
+            <a:schemeClr val="tx1"/>
+          </a:fontRef>
+        </p:style>
+      </p:cxnSp>
+      <p:sp>
+        <p:nvSpPr>
+          <p:cNvPr id="39" name="도형 16">
+            <a:extLst>
+              <a:ext uri="{FF2B5EF4-FFF2-40B4-BE49-F238E27FC236}">
+                <a16:creationId xmlns:a16="http://schemas.microsoft.com/office/drawing/2014/main" id="{51689095-54E2-4035-B609-66D7DACE86A4}"/>
+              </a:ext>
+            </a:extLst>
+          </p:cNvPr>
+          <p:cNvSpPr>
+            <a:spLocks/>
+          </p:cNvSpPr>
+          <p:nvPr/>
+        </p:nvSpPr>
+        <p:spPr>
+          <a:xfrm>
+            <a:off x="8189724" y="4482782"/>
+            <a:ext cx="182880" cy="182245"/>
+          </a:xfrm>
+          <a:prstGeom prst="ellipse">
+            <a:avLst/>
+          </a:prstGeom>
+          <a:solidFill>
+            <a:schemeClr val="bg1"/>
+          </a:solidFill>
+          <a:ln w="28575" cap="flat" cmpd="sng">
+            <a:solidFill>
+              <a:srgbClr val="000000">
+                <a:alpha val="100000"/>
+              </a:srgbClr>
+            </a:solidFill>
+            <a:prstDash val="solid"/>
+            <a:miter lim="800000"/>
+          </a:ln>
+        </p:spPr>
+        <p:style>
+          <a:lnRef idx="2">
+            <a:schemeClr val="accent1">
+              <a:shade val="50000"/>
+            </a:schemeClr>
+          </a:lnRef>
+          <a:fillRef idx="1">
+            <a:schemeClr val="accent1"/>
+          </a:fillRef>
+          <a:effectRef idx="0">
+            <a:schemeClr val="accent1"/>
+          </a:effectRef>
+          <a:fontRef idx="minor">
+            <a:schemeClr val="lt1"/>
+          </a:fontRef>
+        </p:style>
+        <p:txBody>
+          <a:bodyPr vert="horz" wrap="square" lIns="91440" tIns="45720" rIns="91440" bIns="45720" anchor="ctr">
+            <a:noAutofit/>
+          </a:bodyPr>
+          <a:lstStyle/>
+          <a:p>
+            <a:pPr marL="0" indent="0" algn="ctr" defTabSz="508000" hangingPunct="1"/>
+            <a:endParaRPr lang="ko-KR" altLang="en-US" sz="1800">
+              <a:latin typeface="맑은 고딕" charset="0"/>
+              <a:ea typeface="맑은 고딕" charset="0"/>
+            </a:endParaRPr>
+          </a:p>
+        </p:txBody>
+      </p:sp>
+      <p:sp>
+        <p:nvSpPr>
+          <p:cNvPr id="40" name="도형 17">
+            <a:extLst>
+              <a:ext uri="{FF2B5EF4-FFF2-40B4-BE49-F238E27FC236}">
+                <a16:creationId xmlns:a16="http://schemas.microsoft.com/office/drawing/2014/main" id="{B0835189-30A5-44E1-9842-432951FC53DF}"/>
+              </a:ext>
+            </a:extLst>
+          </p:cNvPr>
+          <p:cNvSpPr>
+            <a:spLocks/>
+          </p:cNvSpPr>
+          <p:nvPr/>
+        </p:nvSpPr>
+        <p:spPr>
+          <a:xfrm>
+            <a:off x="8138289" y="4664392"/>
+            <a:ext cx="276860" cy="173990"/>
+          </a:xfrm>
+          <a:prstGeom prst="round2SameRect">
+            <a:avLst/>
+          </a:prstGeom>
+          <a:solidFill>
+            <a:schemeClr val="bg1"/>
+          </a:solidFill>
+          <a:ln w="28575" cap="flat" cmpd="sng">
+            <a:solidFill>
+              <a:srgbClr val="000000">
+                <a:alpha val="100000"/>
+              </a:srgbClr>
+            </a:solidFill>
+            <a:prstDash val="solid"/>
+            <a:miter lim="800000"/>
+          </a:ln>
+        </p:spPr>
+        <p:style>
+          <a:lnRef idx="2">
+            <a:schemeClr val="accent1">
+              <a:shade val="50000"/>
+            </a:schemeClr>
+          </a:lnRef>
+          <a:fillRef idx="1">
+            <a:schemeClr val="accent1"/>
+          </a:fillRef>
+          <a:effectRef idx="0">
+            <a:schemeClr val="accent1"/>
+          </a:effectRef>
+          <a:fontRef idx="minor">
+            <a:schemeClr val="lt1"/>
+          </a:fontRef>
+        </p:style>
+        <p:txBody>
+          <a:bodyPr vert="horz" wrap="square" lIns="91440" tIns="45720" rIns="91440" bIns="45720" anchor="ctr">
+            <a:noAutofit/>
+          </a:bodyPr>
+          <a:lstStyle/>
+          <a:p>
+            <a:pPr marL="0" indent="0" algn="ctr" defTabSz="508000" hangingPunct="1"/>
+            <a:endParaRPr lang="ko-KR" altLang="en-US" sz="1800">
+              <a:latin typeface="맑은 고딕" charset="0"/>
+              <a:ea typeface="맑은 고딕" charset="0"/>
+            </a:endParaRPr>
+          </a:p>
+        </p:txBody>
+      </p:sp>
+      <p:sp>
+        <p:nvSpPr>
+          <p:cNvPr id="41" name="도형 50">
+            <a:extLst>
+              <a:ext uri="{FF2B5EF4-FFF2-40B4-BE49-F238E27FC236}">
+                <a16:creationId xmlns:a16="http://schemas.microsoft.com/office/drawing/2014/main" id="{92663AB1-7E6A-4FB9-BB34-461203D0F0F8}"/>
+              </a:ext>
+            </a:extLst>
+          </p:cNvPr>
+          <p:cNvSpPr>
+            <a:spLocks/>
+          </p:cNvSpPr>
+          <p:nvPr/>
+        </p:nvSpPr>
+        <p:spPr>
+          <a:xfrm>
+            <a:off x="6226304" y="1654492"/>
+            <a:ext cx="2110740" cy="433070"/>
+          </a:xfrm>
+          <a:prstGeom prst="roundRect">
+            <a:avLst/>
+          </a:prstGeom>
+          <a:solidFill>
+            <a:schemeClr val="bg1"/>
+          </a:solidFill>
+          <a:ln w="28575" cap="flat" cmpd="sng">
+            <a:solidFill>
+              <a:srgbClr val="000000">
+                <a:alpha val="100000"/>
+              </a:srgbClr>
+            </a:solidFill>
+            <a:prstDash val="solid"/>
+            <a:miter lim="800000"/>
+          </a:ln>
+        </p:spPr>
+        <p:style>
+          <a:lnRef idx="2">
+            <a:schemeClr val="accent1">
+              <a:shade val="50000"/>
+            </a:schemeClr>
+          </a:lnRef>
+          <a:fillRef idx="1">
+            <a:schemeClr val="accent1"/>
+          </a:fillRef>
+          <a:effectRef idx="0">
+            <a:schemeClr val="accent1"/>
+          </a:effectRef>
+          <a:fontRef idx="minor">
+            <a:schemeClr val="lt1"/>
+          </a:fontRef>
+        </p:style>
+        <p:txBody>
+          <a:bodyPr vert="horz" wrap="square" lIns="91440" tIns="45720" rIns="91440" bIns="45720" anchor="ctr">
+            <a:noAutofit/>
+          </a:bodyPr>
+          <a:lstStyle/>
+          <a:p>
+            <a:pPr marL="0" indent="0" algn="ctr" defTabSz="508000" hangingPunct="1"/>
+            <a:endParaRPr lang="ko-KR" altLang="en-US" sz="1800">
+              <a:latin typeface="맑은 고딕" charset="0"/>
+              <a:ea typeface="맑은 고딕" charset="0"/>
+            </a:endParaRPr>
+          </a:p>
+        </p:txBody>
+      </p:sp>
+      <p:sp>
+        <p:nvSpPr>
+          <p:cNvPr id="42" name="텍스트 상자 51">
+            <a:extLst>
+              <a:ext uri="{FF2B5EF4-FFF2-40B4-BE49-F238E27FC236}">
+                <a16:creationId xmlns:a16="http://schemas.microsoft.com/office/drawing/2014/main" id="{DCBE8412-B1A0-41CC-8688-357CDAA1BAA0}"/>
+              </a:ext>
+            </a:extLst>
+          </p:cNvPr>
+          <p:cNvSpPr txBox="1">
+            <a:spLocks/>
+          </p:cNvSpPr>
+          <p:nvPr/>
+        </p:nvSpPr>
+        <p:spPr>
+          <a:xfrm>
+            <a:off x="6338699" y="1758632"/>
+            <a:ext cx="415925" cy="231775"/>
+          </a:xfrm>
+          <a:prstGeom prst="rect">
+            <a:avLst/>
+          </a:prstGeom>
+          <a:noFill/>
+          <a:ln w="0" cap="flat" cmpd="sng">
+            <a:solidFill>
+              <a:schemeClr val="tx1">
+                <a:alpha val="100000"/>
+              </a:schemeClr>
+            </a:solidFill>
+            <a:prstDash val="solid"/>
+          </a:ln>
+        </p:spPr>
+        <p:txBody>
+          <a:bodyPr vert="horz" wrap="square" lIns="89535" tIns="46355" rIns="89535" bIns="46355" anchor="t">
+            <a:spAutoFit/>
+          </a:bodyPr>
+          <a:lstStyle/>
+          <a:p>
+            <a:pPr marL="0" indent="0" algn="l" defTabSz="508000" hangingPunct="1"/>
+            <a:r>
+              <a:rPr lang="ko-KR" sz="900" dirty="0">
+                <a:latin typeface="맑은 고딕" charset="0"/>
+                <a:ea typeface="맑은 고딕" charset="0"/>
+              </a:rPr>
+              <a:t>사진</a:t>
+            </a:r>
+            <a:endParaRPr lang="ko-KR" altLang="en-US" sz="900" dirty="0">
+              <a:latin typeface="맑은 고딕" charset="0"/>
+              <a:ea typeface="맑은 고딕" charset="0"/>
+            </a:endParaRPr>
+          </a:p>
+        </p:txBody>
+      </p:sp>
+      <p:sp>
+        <p:nvSpPr>
+          <p:cNvPr id="43" name="도형 52">
+            <a:extLst>
+              <a:ext uri="{FF2B5EF4-FFF2-40B4-BE49-F238E27FC236}">
+                <a16:creationId xmlns:a16="http://schemas.microsoft.com/office/drawing/2014/main" id="{D5BCBCB9-062C-4427-9174-42A0440CF1DF}"/>
+              </a:ext>
+            </a:extLst>
+          </p:cNvPr>
+          <p:cNvSpPr>
+            <a:spLocks/>
+          </p:cNvSpPr>
+          <p:nvPr/>
+        </p:nvSpPr>
+        <p:spPr>
+          <a:xfrm>
+            <a:off x="7402959" y="1844992"/>
+            <a:ext cx="381000" cy="200025"/>
+          </a:xfrm>
+          <a:prstGeom prst="flowChartTerminator">
+            <a:avLst/>
+          </a:prstGeom>
+          <a:solidFill>
+            <a:schemeClr val="bg1"/>
+          </a:solidFill>
+          <a:ln w="12700" cap="flat" cmpd="sng">
+            <a:solidFill>
+              <a:schemeClr val="tx1">
+                <a:alpha val="100000"/>
+              </a:schemeClr>
+            </a:solidFill>
+            <a:prstDash val="solid"/>
+          </a:ln>
+        </p:spPr>
+        <p:style>
+          <a:lnRef idx="2">
+            <a:schemeClr val="accent1">
+              <a:shade val="50000"/>
+            </a:schemeClr>
+          </a:lnRef>
+          <a:fillRef idx="1">
+            <a:schemeClr val="accent1"/>
+          </a:fillRef>
+          <a:effectRef idx="0">
+            <a:schemeClr val="accent1"/>
+          </a:effectRef>
+          <a:fontRef idx="minor">
+            <a:schemeClr val="lt1"/>
+          </a:fontRef>
+        </p:style>
+        <p:txBody>
+          <a:bodyPr vert="horz" wrap="square" lIns="91440" tIns="45720" rIns="91440" bIns="45720" anchor="ctr">
+            <a:noAutofit/>
+          </a:bodyPr>
+          <a:lstStyle/>
+          <a:p>
+            <a:pPr marL="0" indent="0" algn="ctr" defTabSz="508000" hangingPunct="1"/>
+            <a:r>
+              <a:rPr lang="ko-KR" sz="600">
+                <a:solidFill>
+                  <a:schemeClr val="tx1"/>
+                </a:solidFill>
+                <a:latin typeface="맑은 고딕" charset="0"/>
+                <a:ea typeface="맑은 고딕" charset="0"/>
+              </a:rPr>
+              <a:t>수정</a:t>
+            </a:r>
+            <a:endParaRPr lang="ko-KR" altLang="en-US" sz="600">
+              <a:solidFill>
+                <a:schemeClr val="tx1"/>
+              </a:solidFill>
+              <a:latin typeface="맑은 고딕" charset="0"/>
+              <a:ea typeface="맑은 고딕" charset="0"/>
+            </a:endParaRPr>
+          </a:p>
+        </p:txBody>
+      </p:sp>
+      <p:sp>
+        <p:nvSpPr>
+          <p:cNvPr id="44" name="도형 53">
+            <a:extLst>
+              <a:ext uri="{FF2B5EF4-FFF2-40B4-BE49-F238E27FC236}">
+                <a16:creationId xmlns:a16="http://schemas.microsoft.com/office/drawing/2014/main" id="{84164CE1-3086-4B16-8D89-31672E957BD0}"/>
+              </a:ext>
+            </a:extLst>
+          </p:cNvPr>
+          <p:cNvSpPr>
+            <a:spLocks/>
+          </p:cNvSpPr>
+          <p:nvPr/>
+        </p:nvSpPr>
+        <p:spPr>
+          <a:xfrm>
+            <a:off x="7811899" y="1838642"/>
+            <a:ext cx="381000" cy="200025"/>
+          </a:xfrm>
+          <a:prstGeom prst="flowChartTerminator">
+            <a:avLst/>
+          </a:prstGeom>
+          <a:solidFill>
+            <a:schemeClr val="bg1"/>
+          </a:solidFill>
+          <a:ln w="12700" cap="flat" cmpd="sng">
+            <a:solidFill>
+              <a:schemeClr val="tx1">
+                <a:alpha val="100000"/>
+              </a:schemeClr>
+            </a:solidFill>
+            <a:prstDash val="solid"/>
+          </a:ln>
+        </p:spPr>
+        <p:style>
+          <a:lnRef idx="2">
+            <a:schemeClr val="accent1">
+              <a:shade val="50000"/>
+            </a:schemeClr>
+          </a:lnRef>
+          <a:fillRef idx="1">
+            <a:schemeClr val="accent1"/>
+          </a:fillRef>
+          <a:effectRef idx="0">
+            <a:schemeClr val="accent1"/>
+          </a:effectRef>
+          <a:fontRef idx="minor">
+            <a:schemeClr val="lt1"/>
+          </a:fontRef>
+        </p:style>
+        <p:txBody>
+          <a:bodyPr vert="horz" wrap="square" lIns="91440" tIns="45720" rIns="91440" bIns="45720" anchor="ctr">
+            <a:noAutofit/>
+          </a:bodyPr>
+          <a:lstStyle/>
+          <a:p>
+            <a:pPr marL="0" indent="0" algn="ctr" defTabSz="508000" hangingPunct="1"/>
+            <a:r>
+              <a:rPr lang="ko-KR" sz="600">
+                <a:solidFill>
+                  <a:schemeClr val="tx1"/>
+                </a:solidFill>
+                <a:latin typeface="맑은 고딕" charset="0"/>
+                <a:ea typeface="맑은 고딕" charset="0"/>
+              </a:rPr>
+              <a:t>삭제</a:t>
+            </a:r>
+            <a:endParaRPr lang="ko-KR" altLang="en-US" sz="600">
+              <a:solidFill>
+                <a:schemeClr val="tx1"/>
+              </a:solidFill>
+              <a:latin typeface="맑은 고딕" charset="0"/>
+              <a:ea typeface="맑은 고딕" charset="0"/>
+            </a:endParaRPr>
+          </a:p>
+        </p:txBody>
+      </p:sp>
+      <p:sp>
+        <p:nvSpPr>
+          <p:cNvPr id="45" name="도형 54">
+            <a:extLst>
+              <a:ext uri="{FF2B5EF4-FFF2-40B4-BE49-F238E27FC236}">
+                <a16:creationId xmlns:a16="http://schemas.microsoft.com/office/drawing/2014/main" id="{518541F7-91CD-471A-91AE-C1568A66A260}"/>
+              </a:ext>
+            </a:extLst>
+          </p:cNvPr>
+          <p:cNvSpPr>
+            <a:spLocks/>
+          </p:cNvSpPr>
+          <p:nvPr/>
+        </p:nvSpPr>
+        <p:spPr>
+          <a:xfrm>
+            <a:off x="6229479" y="2219007"/>
+            <a:ext cx="2110740" cy="433070"/>
+          </a:xfrm>
+          <a:prstGeom prst="roundRect">
+            <a:avLst/>
+          </a:prstGeom>
+          <a:solidFill>
+            <a:schemeClr val="bg1"/>
+          </a:solidFill>
+          <a:ln w="28575" cap="flat" cmpd="sng">
+            <a:solidFill>
+              <a:srgbClr val="000000">
+                <a:alpha val="100000"/>
+              </a:srgbClr>
+            </a:solidFill>
+            <a:prstDash val="solid"/>
+            <a:miter lim="800000"/>
+          </a:ln>
+        </p:spPr>
+        <p:style>
+          <a:lnRef idx="2">
+            <a:schemeClr val="accent1">
+              <a:shade val="50000"/>
+            </a:schemeClr>
+          </a:lnRef>
+          <a:fillRef idx="1">
+            <a:schemeClr val="accent1"/>
+          </a:fillRef>
+          <a:effectRef idx="0">
+            <a:schemeClr val="accent1"/>
+          </a:effectRef>
+          <a:fontRef idx="minor">
+            <a:schemeClr val="lt1"/>
+          </a:fontRef>
+        </p:style>
+        <p:txBody>
+          <a:bodyPr vert="horz" wrap="square" lIns="91440" tIns="45720" rIns="91440" bIns="45720" anchor="ctr">
+            <a:noAutofit/>
+          </a:bodyPr>
+          <a:lstStyle/>
+          <a:p>
+            <a:pPr marL="0" indent="0" algn="ctr" defTabSz="508000" hangingPunct="1"/>
+            <a:endParaRPr lang="ko-KR" altLang="en-US" sz="1800">
+              <a:latin typeface="맑은 고딕" charset="0"/>
+              <a:ea typeface="맑은 고딕" charset="0"/>
+            </a:endParaRPr>
+          </a:p>
+        </p:txBody>
+      </p:sp>
+      <p:sp>
+        <p:nvSpPr>
+          <p:cNvPr id="46" name="텍스트 상자 55">
+            <a:extLst>
+              <a:ext uri="{FF2B5EF4-FFF2-40B4-BE49-F238E27FC236}">
+                <a16:creationId xmlns:a16="http://schemas.microsoft.com/office/drawing/2014/main" id="{93E08C90-0A3D-4536-B3BC-2638150B746E}"/>
+              </a:ext>
+            </a:extLst>
+          </p:cNvPr>
+          <p:cNvSpPr txBox="1">
+            <a:spLocks/>
+          </p:cNvSpPr>
+          <p:nvPr/>
+        </p:nvSpPr>
+        <p:spPr>
+          <a:xfrm>
+            <a:off x="6332984" y="2323147"/>
+            <a:ext cx="415925" cy="231775"/>
+          </a:xfrm>
+          <a:prstGeom prst="rect">
+            <a:avLst/>
+          </a:prstGeom>
+          <a:noFill/>
+          <a:ln w="0" cap="flat" cmpd="sng">
+            <a:solidFill>
+              <a:schemeClr val="tx1">
+                <a:alpha val="100000"/>
+              </a:schemeClr>
+            </a:solidFill>
+            <a:prstDash val="solid"/>
+          </a:ln>
+        </p:spPr>
+        <p:txBody>
+          <a:bodyPr vert="horz" wrap="square" lIns="89535" tIns="46355" rIns="89535" bIns="46355" anchor="t">
+            <a:spAutoFit/>
+          </a:bodyPr>
+          <a:lstStyle/>
+          <a:p>
+            <a:pPr marL="0" indent="0" algn="l" defTabSz="508000" hangingPunct="1"/>
+            <a:r>
+              <a:rPr lang="ko-KR" sz="900">
+                <a:latin typeface="맑은 고딕" charset="0"/>
+                <a:ea typeface="맑은 고딕" charset="0"/>
+              </a:rPr>
+              <a:t>사진</a:t>
+            </a:r>
+            <a:endParaRPr lang="ko-KR" altLang="en-US" sz="900">
+              <a:latin typeface="맑은 고딕" charset="0"/>
+              <a:ea typeface="맑은 고딕" charset="0"/>
+            </a:endParaRPr>
+          </a:p>
+        </p:txBody>
+      </p:sp>
+      <p:sp>
+        <p:nvSpPr>
+          <p:cNvPr id="47" name="도형 56">
+            <a:extLst>
+              <a:ext uri="{FF2B5EF4-FFF2-40B4-BE49-F238E27FC236}">
+                <a16:creationId xmlns:a16="http://schemas.microsoft.com/office/drawing/2014/main" id="{BDF6DC04-6285-42F9-8E6E-5C45EF088748}"/>
+              </a:ext>
+            </a:extLst>
+          </p:cNvPr>
+          <p:cNvSpPr>
+            <a:spLocks/>
+          </p:cNvSpPr>
+          <p:nvPr/>
+        </p:nvSpPr>
+        <p:spPr>
+          <a:xfrm>
+            <a:off x="7431534" y="2400617"/>
+            <a:ext cx="381000" cy="200025"/>
+          </a:xfrm>
+          <a:prstGeom prst="flowChartTerminator">
+            <a:avLst/>
+          </a:prstGeom>
+          <a:solidFill>
+            <a:schemeClr val="bg1"/>
+          </a:solidFill>
+          <a:ln w="12700" cap="flat" cmpd="sng">
+            <a:solidFill>
+              <a:schemeClr val="tx1">
+                <a:alpha val="100000"/>
+              </a:schemeClr>
+            </a:solidFill>
+            <a:prstDash val="solid"/>
+          </a:ln>
+        </p:spPr>
+        <p:style>
+          <a:lnRef idx="2">
+            <a:schemeClr val="accent1">
+              <a:shade val="50000"/>
+            </a:schemeClr>
+          </a:lnRef>
+          <a:fillRef idx="1">
+            <a:schemeClr val="accent1"/>
+          </a:fillRef>
+          <a:effectRef idx="0">
+            <a:schemeClr val="accent1"/>
+          </a:effectRef>
+          <a:fontRef idx="minor">
+            <a:schemeClr val="lt1"/>
+          </a:fontRef>
+        </p:style>
+        <p:txBody>
+          <a:bodyPr vert="horz" wrap="square" lIns="91440" tIns="45720" rIns="91440" bIns="45720" anchor="ctr">
+            <a:noAutofit/>
+          </a:bodyPr>
+          <a:lstStyle/>
+          <a:p>
+            <a:pPr marL="0" indent="0" algn="ctr" defTabSz="508000" hangingPunct="1"/>
+            <a:r>
+              <a:rPr lang="ko-KR" sz="600">
+                <a:solidFill>
+                  <a:schemeClr val="tx1"/>
+                </a:solidFill>
+                <a:latin typeface="맑은 고딕" charset="0"/>
+                <a:ea typeface="맑은 고딕" charset="0"/>
+              </a:rPr>
+              <a:t>수정</a:t>
+            </a:r>
+            <a:endParaRPr lang="ko-KR" altLang="en-US" sz="600">
+              <a:solidFill>
+                <a:schemeClr val="tx1"/>
+              </a:solidFill>
+              <a:latin typeface="맑은 고딕" charset="0"/>
+              <a:ea typeface="맑은 고딕" charset="0"/>
+            </a:endParaRPr>
+          </a:p>
+        </p:txBody>
+      </p:sp>
+      <p:sp>
+        <p:nvSpPr>
+          <p:cNvPr id="48" name="도형 57">
+            <a:extLst>
+              <a:ext uri="{FF2B5EF4-FFF2-40B4-BE49-F238E27FC236}">
+                <a16:creationId xmlns:a16="http://schemas.microsoft.com/office/drawing/2014/main" id="{AB04F9BC-C8FD-4E8D-A6C3-3C674C445FF9}"/>
+              </a:ext>
+            </a:extLst>
+          </p:cNvPr>
+          <p:cNvSpPr>
+            <a:spLocks/>
+          </p:cNvSpPr>
+          <p:nvPr/>
+        </p:nvSpPr>
+        <p:spPr>
+          <a:xfrm>
+            <a:off x="7849364" y="2403157"/>
+            <a:ext cx="381000" cy="200025"/>
+          </a:xfrm>
+          <a:prstGeom prst="flowChartTerminator">
+            <a:avLst/>
+          </a:prstGeom>
+          <a:solidFill>
+            <a:schemeClr val="bg1"/>
+          </a:solidFill>
+          <a:ln w="12700" cap="flat" cmpd="sng">
+            <a:solidFill>
+              <a:schemeClr val="tx1">
+                <a:alpha val="100000"/>
+              </a:schemeClr>
+            </a:solidFill>
+            <a:prstDash val="solid"/>
+          </a:ln>
+        </p:spPr>
+        <p:style>
+          <a:lnRef idx="2">
+            <a:schemeClr val="accent1">
+              <a:shade val="50000"/>
+            </a:schemeClr>
+          </a:lnRef>
+          <a:fillRef idx="1">
+            <a:schemeClr val="accent1"/>
+          </a:fillRef>
+          <a:effectRef idx="0">
+            <a:schemeClr val="accent1"/>
+          </a:effectRef>
+          <a:fontRef idx="minor">
+            <a:schemeClr val="lt1"/>
+          </a:fontRef>
+        </p:style>
+        <p:txBody>
+          <a:bodyPr vert="horz" wrap="square" lIns="91440" tIns="45720" rIns="91440" bIns="45720" anchor="ctr">
+            <a:noAutofit/>
+          </a:bodyPr>
+          <a:lstStyle/>
+          <a:p>
+            <a:pPr marL="0" indent="0" algn="ctr" defTabSz="508000" hangingPunct="1"/>
+            <a:r>
+              <a:rPr lang="ko-KR" sz="600">
+                <a:solidFill>
+                  <a:schemeClr val="tx1"/>
+                </a:solidFill>
+                <a:latin typeface="맑은 고딕" charset="0"/>
+                <a:ea typeface="맑은 고딕" charset="0"/>
+              </a:rPr>
+              <a:t>삭제</a:t>
+            </a:r>
+            <a:endParaRPr lang="ko-KR" altLang="en-US" sz="600">
+              <a:solidFill>
+                <a:schemeClr val="tx1"/>
+              </a:solidFill>
+              <a:latin typeface="맑은 고딕" charset="0"/>
+              <a:ea typeface="맑은 고딕" charset="0"/>
+            </a:endParaRPr>
+          </a:p>
+        </p:txBody>
+      </p:sp>
+      <p:sp>
+        <p:nvSpPr>
+          <p:cNvPr id="49" name="도형 58">
+            <a:extLst>
+              <a:ext uri="{FF2B5EF4-FFF2-40B4-BE49-F238E27FC236}">
+                <a16:creationId xmlns:a16="http://schemas.microsoft.com/office/drawing/2014/main" id="{7F472B82-C016-4CD3-BCA4-00EF026830FF}"/>
+              </a:ext>
+            </a:extLst>
+          </p:cNvPr>
+          <p:cNvSpPr>
+            <a:spLocks/>
+          </p:cNvSpPr>
+          <p:nvPr/>
+        </p:nvSpPr>
+        <p:spPr>
+          <a:xfrm>
+            <a:off x="6223129" y="2792412"/>
+            <a:ext cx="2110740" cy="433070"/>
+          </a:xfrm>
+          <a:prstGeom prst="roundRect">
+            <a:avLst/>
+          </a:prstGeom>
+          <a:solidFill>
+            <a:schemeClr val="bg1"/>
+          </a:solidFill>
+          <a:ln w="28575" cap="flat" cmpd="sng">
+            <a:solidFill>
+              <a:srgbClr val="000000">
+                <a:alpha val="100000"/>
+              </a:srgbClr>
+            </a:solidFill>
+            <a:prstDash val="solid"/>
+            <a:miter lim="800000"/>
+          </a:ln>
+        </p:spPr>
+        <p:style>
+          <a:lnRef idx="2">
+            <a:schemeClr val="accent1">
+              <a:shade val="50000"/>
+            </a:schemeClr>
+          </a:lnRef>
+          <a:fillRef idx="1">
+            <a:schemeClr val="accent1"/>
+          </a:fillRef>
+          <a:effectRef idx="0">
+            <a:schemeClr val="accent1"/>
+          </a:effectRef>
+          <a:fontRef idx="minor">
+            <a:schemeClr val="lt1"/>
+          </a:fontRef>
+        </p:style>
+        <p:txBody>
+          <a:bodyPr vert="horz" wrap="square" lIns="91440" tIns="45720" rIns="91440" bIns="45720" anchor="ctr">
+            <a:noAutofit/>
+          </a:bodyPr>
+          <a:lstStyle/>
+          <a:p>
+            <a:pPr marL="0" indent="0" algn="ctr" defTabSz="508000" hangingPunct="1"/>
+            <a:endParaRPr lang="ko-KR" altLang="en-US" sz="1800">
+              <a:latin typeface="맑은 고딕" charset="0"/>
+              <a:ea typeface="맑은 고딕" charset="0"/>
+            </a:endParaRPr>
+          </a:p>
+        </p:txBody>
+      </p:sp>
+      <p:sp>
+        <p:nvSpPr>
+          <p:cNvPr id="50" name="텍스트 상자 59">
+            <a:extLst>
+              <a:ext uri="{FF2B5EF4-FFF2-40B4-BE49-F238E27FC236}">
+                <a16:creationId xmlns:a16="http://schemas.microsoft.com/office/drawing/2014/main" id="{02318A57-99F3-46AF-AAA5-8AF75EBAF855}"/>
+              </a:ext>
+            </a:extLst>
+          </p:cNvPr>
+          <p:cNvSpPr txBox="1">
+            <a:spLocks/>
+          </p:cNvSpPr>
+          <p:nvPr/>
+        </p:nvSpPr>
+        <p:spPr>
+          <a:xfrm>
+            <a:off x="6326634" y="2896552"/>
+            <a:ext cx="415925" cy="231775"/>
+          </a:xfrm>
+          <a:prstGeom prst="rect">
+            <a:avLst/>
+          </a:prstGeom>
+          <a:noFill/>
+          <a:ln w="0" cap="flat" cmpd="sng">
+            <a:solidFill>
+              <a:schemeClr val="tx1">
+                <a:alpha val="100000"/>
+              </a:schemeClr>
+            </a:solidFill>
+            <a:prstDash val="solid"/>
+          </a:ln>
+        </p:spPr>
+        <p:txBody>
+          <a:bodyPr vert="horz" wrap="square" lIns="89535" tIns="46355" rIns="89535" bIns="46355" anchor="t">
+            <a:spAutoFit/>
+          </a:bodyPr>
+          <a:lstStyle/>
+          <a:p>
+            <a:pPr marL="0" indent="0" algn="l" defTabSz="508000" hangingPunct="1"/>
+            <a:r>
+              <a:rPr lang="ko-KR" sz="900">
+                <a:latin typeface="맑은 고딕" charset="0"/>
+                <a:ea typeface="맑은 고딕" charset="0"/>
+              </a:rPr>
+              <a:t>사진</a:t>
+            </a:r>
+            <a:endParaRPr lang="ko-KR" altLang="en-US" sz="900">
+              <a:latin typeface="맑은 고딕" charset="0"/>
+              <a:ea typeface="맑은 고딕" charset="0"/>
+            </a:endParaRPr>
+          </a:p>
+        </p:txBody>
+      </p:sp>
+      <p:sp>
+        <p:nvSpPr>
+          <p:cNvPr id="51" name="도형 60">
+            <a:extLst>
+              <a:ext uri="{FF2B5EF4-FFF2-40B4-BE49-F238E27FC236}">
+                <a16:creationId xmlns:a16="http://schemas.microsoft.com/office/drawing/2014/main" id="{76E72F56-1234-42DF-AF71-8F38B6485F3F}"/>
+              </a:ext>
+            </a:extLst>
+          </p:cNvPr>
+          <p:cNvSpPr>
+            <a:spLocks/>
+          </p:cNvSpPr>
+          <p:nvPr/>
+        </p:nvSpPr>
+        <p:spPr>
+          <a:xfrm>
+            <a:off x="7425184" y="2974022"/>
+            <a:ext cx="381000" cy="200025"/>
+          </a:xfrm>
+          <a:prstGeom prst="flowChartTerminator">
+            <a:avLst/>
+          </a:prstGeom>
+          <a:solidFill>
+            <a:schemeClr val="bg1"/>
+          </a:solidFill>
+          <a:ln w="12700" cap="flat" cmpd="sng">
+            <a:solidFill>
+              <a:schemeClr val="tx1">
+                <a:alpha val="100000"/>
+              </a:schemeClr>
+            </a:solidFill>
+            <a:prstDash val="solid"/>
+          </a:ln>
+        </p:spPr>
+        <p:style>
+          <a:lnRef idx="2">
+            <a:schemeClr val="accent1">
+              <a:shade val="50000"/>
+            </a:schemeClr>
+          </a:lnRef>
+          <a:fillRef idx="1">
+            <a:schemeClr val="accent1"/>
+          </a:fillRef>
+          <a:effectRef idx="0">
+            <a:schemeClr val="accent1"/>
+          </a:effectRef>
+          <a:fontRef idx="minor">
+            <a:schemeClr val="lt1"/>
+          </a:fontRef>
+        </p:style>
+        <p:txBody>
+          <a:bodyPr vert="horz" wrap="square" lIns="91440" tIns="45720" rIns="91440" bIns="45720" anchor="ctr">
+            <a:noAutofit/>
+          </a:bodyPr>
+          <a:lstStyle/>
+          <a:p>
+            <a:pPr marL="0" indent="0" algn="ctr" defTabSz="508000" hangingPunct="1"/>
+            <a:r>
+              <a:rPr lang="ko-KR" sz="600">
+                <a:solidFill>
+                  <a:schemeClr val="tx1"/>
+                </a:solidFill>
+                <a:latin typeface="맑은 고딕" charset="0"/>
+                <a:ea typeface="맑은 고딕" charset="0"/>
+              </a:rPr>
+              <a:t>수정</a:t>
+            </a:r>
+            <a:endParaRPr lang="ko-KR" altLang="en-US" sz="600">
+              <a:solidFill>
+                <a:schemeClr val="tx1"/>
+              </a:solidFill>
+              <a:latin typeface="맑은 고딕" charset="0"/>
+              <a:ea typeface="맑은 고딕" charset="0"/>
+            </a:endParaRPr>
+          </a:p>
+        </p:txBody>
+      </p:sp>
+      <p:sp>
+        <p:nvSpPr>
+          <p:cNvPr id="52" name="도형 61">
+            <a:extLst>
+              <a:ext uri="{FF2B5EF4-FFF2-40B4-BE49-F238E27FC236}">
+                <a16:creationId xmlns:a16="http://schemas.microsoft.com/office/drawing/2014/main" id="{F3E6F947-3164-49F4-8D32-7756BCA7FB6B}"/>
+              </a:ext>
+            </a:extLst>
+          </p:cNvPr>
+          <p:cNvSpPr>
+            <a:spLocks/>
+          </p:cNvSpPr>
+          <p:nvPr/>
+        </p:nvSpPr>
+        <p:spPr>
+          <a:xfrm>
+            <a:off x="7843014" y="2976562"/>
+            <a:ext cx="381000" cy="200025"/>
+          </a:xfrm>
+          <a:prstGeom prst="flowChartTerminator">
+            <a:avLst/>
+          </a:prstGeom>
+          <a:solidFill>
+            <a:schemeClr val="bg1"/>
+          </a:solidFill>
+          <a:ln w="12700" cap="flat" cmpd="sng">
+            <a:solidFill>
+              <a:schemeClr val="tx1">
+                <a:alpha val="100000"/>
+              </a:schemeClr>
+            </a:solidFill>
+            <a:prstDash val="solid"/>
+          </a:ln>
+        </p:spPr>
+        <p:style>
+          <a:lnRef idx="2">
+            <a:schemeClr val="accent1">
+              <a:shade val="50000"/>
+            </a:schemeClr>
+          </a:lnRef>
+          <a:fillRef idx="1">
+            <a:schemeClr val="accent1"/>
+          </a:fillRef>
+          <a:effectRef idx="0">
+            <a:schemeClr val="accent1"/>
+          </a:effectRef>
+          <a:fontRef idx="minor">
+            <a:schemeClr val="lt1"/>
+          </a:fontRef>
+        </p:style>
+        <p:txBody>
+          <a:bodyPr vert="horz" wrap="square" lIns="91440" tIns="45720" rIns="91440" bIns="45720" anchor="ctr">
+            <a:noAutofit/>
+          </a:bodyPr>
+          <a:lstStyle/>
+          <a:p>
+            <a:pPr marL="0" indent="0" algn="ctr" defTabSz="508000" hangingPunct="1"/>
+            <a:r>
+              <a:rPr lang="ko-KR" sz="600">
+                <a:solidFill>
+                  <a:schemeClr val="tx1"/>
+                </a:solidFill>
+                <a:latin typeface="맑은 고딕" charset="0"/>
+                <a:ea typeface="맑은 고딕" charset="0"/>
+              </a:rPr>
+              <a:t>삭제</a:t>
+            </a:r>
+            <a:endParaRPr lang="ko-KR" altLang="en-US" sz="600">
+              <a:solidFill>
+                <a:schemeClr val="tx1"/>
+              </a:solidFill>
+              <a:latin typeface="맑은 고딕" charset="0"/>
+              <a:ea typeface="맑은 고딕" charset="0"/>
+            </a:endParaRPr>
+          </a:p>
+        </p:txBody>
+      </p:sp>
+      <p:sp>
+        <p:nvSpPr>
+          <p:cNvPr id="53" name="도형 62">
+            <a:extLst>
+              <a:ext uri="{FF2B5EF4-FFF2-40B4-BE49-F238E27FC236}">
+                <a16:creationId xmlns:a16="http://schemas.microsoft.com/office/drawing/2014/main" id="{E15B1790-D865-4B19-92BE-1EFA712846BE}"/>
+              </a:ext>
+            </a:extLst>
+          </p:cNvPr>
+          <p:cNvSpPr>
+            <a:spLocks/>
+          </p:cNvSpPr>
+          <p:nvPr/>
+        </p:nvSpPr>
+        <p:spPr>
+          <a:xfrm>
+            <a:off x="7990969" y="4007167"/>
+            <a:ext cx="381000" cy="320040"/>
+          </a:xfrm>
+          <a:prstGeom prst="ellipse">
+            <a:avLst/>
+          </a:prstGeom>
+          <a:solidFill>
+            <a:schemeClr val="bg1"/>
+          </a:solidFill>
+          <a:ln w="28575" cap="flat" cmpd="sng">
+            <a:solidFill>
+              <a:schemeClr val="tx1">
+                <a:alpha val="100000"/>
+              </a:schemeClr>
+            </a:solidFill>
+            <a:prstDash val="solid"/>
+            <a:miter lim="800000"/>
+          </a:ln>
+        </p:spPr>
+        <p:style>
+          <a:lnRef idx="2">
+            <a:schemeClr val="accent1">
+              <a:shade val="50000"/>
+            </a:schemeClr>
+          </a:lnRef>
+          <a:fillRef idx="1">
+            <a:schemeClr val="accent1"/>
+          </a:fillRef>
+          <a:effectRef idx="0">
+            <a:schemeClr val="accent1"/>
+          </a:effectRef>
+          <a:fontRef idx="minor">
+            <a:schemeClr val="lt1"/>
+          </a:fontRef>
+        </p:style>
+        <p:txBody>
+          <a:bodyPr vert="horz" wrap="square" lIns="91440" tIns="45720" rIns="91440" bIns="45720" anchor="ctr">
+            <a:noAutofit/>
+          </a:bodyPr>
+          <a:lstStyle/>
+          <a:p>
+            <a:pPr marL="0" indent="0" algn="ctr" defTabSz="508000" hangingPunct="1"/>
+            <a:r>
+              <a:rPr lang="ko-KR" sz="2600">
+                <a:solidFill>
+                  <a:schemeClr val="tx1"/>
+                </a:solidFill>
+                <a:latin typeface="맑은 고딕" charset="0"/>
+                <a:ea typeface="맑은 고딕" charset="0"/>
+              </a:rPr>
+              <a:t>+</a:t>
+            </a:r>
+            <a:endParaRPr lang="ko-KR" altLang="en-US" sz="2600">
+              <a:solidFill>
+                <a:schemeClr val="tx1"/>
+              </a:solidFill>
+              <a:latin typeface="맑은 고딕" charset="0"/>
+              <a:ea typeface="맑은 고딕" charset="0"/>
+            </a:endParaRPr>
+          </a:p>
+        </p:txBody>
+      </p:sp>
+      <p:sp>
+        <p:nvSpPr>
+          <p:cNvPr id="54" name="직사각형 53">
+            <a:extLst>
+              <a:ext uri="{FF2B5EF4-FFF2-40B4-BE49-F238E27FC236}">
+                <a16:creationId xmlns:a16="http://schemas.microsoft.com/office/drawing/2014/main" id="{6E850AFB-D170-47DA-A334-09A44E454074}"/>
+              </a:ext>
+            </a:extLst>
+          </p:cNvPr>
+          <p:cNvSpPr/>
+          <p:nvPr/>
+        </p:nvSpPr>
+        <p:spPr>
+          <a:xfrm>
+            <a:off x="7819519" y="3950652"/>
+            <a:ext cx="676275" cy="416560"/>
+          </a:xfrm>
+          <a:prstGeom prst="rect">
+            <a:avLst/>
+          </a:prstGeom>
+          <a:noFill/>
+          <a:ln>
+            <a:solidFill>
+              <a:srgbClr val="FF0000"/>
+            </a:solidFill>
+          </a:ln>
+        </p:spPr>
+        <p:style>
+          <a:lnRef idx="2">
+            <a:schemeClr val="accent1">
+              <a:shade val="50000"/>
+            </a:schemeClr>
+          </a:lnRef>
+          <a:fillRef idx="1">
+            <a:schemeClr val="accent1"/>
+          </a:fillRef>
+          <a:effectRef idx="0">
+            <a:schemeClr val="accent1"/>
+          </a:effectRef>
+          <a:fontRef idx="minor">
+            <a:schemeClr val="lt1"/>
+          </a:fontRef>
+        </p:style>
+        <p:txBody>
+          <a:bodyPr rtlCol="0" anchor="ctr"/>
+          <a:lstStyle/>
+          <a:p>
+            <a:pPr algn="ctr"/>
+            <a:endParaRPr lang="ko-KR" altLang="en-US"/>
+          </a:p>
+        </p:txBody>
+      </p:sp>
+      <p:sp>
+        <p:nvSpPr>
+          <p:cNvPr id="55" name="직사각형 54">
+            <a:extLst>
+              <a:ext uri="{FF2B5EF4-FFF2-40B4-BE49-F238E27FC236}">
+                <a16:creationId xmlns:a16="http://schemas.microsoft.com/office/drawing/2014/main" id="{2BD30B95-B7A9-47A6-8223-B5A3A582FF1D}"/>
+              </a:ext>
+            </a:extLst>
+          </p:cNvPr>
+          <p:cNvSpPr/>
+          <p:nvPr/>
+        </p:nvSpPr>
+        <p:spPr>
+          <a:xfrm>
+            <a:off x="5831969" y="4453572"/>
+            <a:ext cx="856615" cy="416560"/>
+          </a:xfrm>
+          <a:prstGeom prst="rect">
+            <a:avLst/>
+          </a:prstGeom>
+          <a:noFill/>
+          <a:ln>
+            <a:solidFill>
+              <a:srgbClr val="FF0000"/>
+            </a:solidFill>
+          </a:ln>
+        </p:spPr>
+        <p:style>
+          <a:lnRef idx="2">
+            <a:schemeClr val="accent1">
+              <a:shade val="50000"/>
+            </a:schemeClr>
+          </a:lnRef>
+          <a:fillRef idx="1">
+            <a:schemeClr val="accent1"/>
+          </a:fillRef>
+          <a:effectRef idx="0">
+            <a:schemeClr val="accent1"/>
+          </a:effectRef>
+          <a:fontRef idx="minor">
+            <a:schemeClr val="lt1"/>
+          </a:fontRef>
+        </p:style>
+        <p:txBody>
+          <a:bodyPr rtlCol="0" anchor="ctr"/>
+          <a:lstStyle/>
+          <a:p>
+            <a:pPr algn="ctr"/>
+            <a:endParaRPr lang="ko-KR" altLang="en-US"/>
+          </a:p>
+        </p:txBody>
+      </p:sp>
+    </p:spTree>
+    <p:extLst>
+      <p:ext uri="{BB962C8B-B14F-4D97-AF65-F5344CB8AC3E}">
+        <p14:creationId xmlns:p14="http://schemas.microsoft.com/office/powerpoint/2010/main" val="4276765908"/>
+      </p:ext>
+    </p:extLst>
+  </p:cSld>
+  <p:clrMapOvr>
+    <a:masterClrMapping/>
+  </p:clrMapOvr>
+</p:sld>
+</file>
+
+<file path=ppt/slides/slide4.xml><?xml version="1.0" encoding="utf-8"?>
+<p:sld xmlns:a="http://schemas.openxmlformats.org/drawingml/2006/main" xmlns:r="http://schemas.openxmlformats.org/officeDocument/2006/relationships" xmlns:p="http://schemas.openxmlformats.org/presentationml/2006/main">
+  <p:cSld>
+    <p:spTree>
+      <p:nvGrpSpPr>
+        <p:cNvPr id="1" name=""/>
+        <p:cNvGrpSpPr/>
+        <p:nvPr/>
+      </p:nvGrpSpPr>
+      <p:grpSpPr>
+        <a:xfrm>
+          <a:off x="0" y="0"/>
+          <a:ext cx="0" cy="0"/>
+          <a:chOff x="0" y="0"/>
+          <a:chExt cx="0" cy="0"/>
+        </a:xfrm>
+      </p:grpSpPr>
+      <p:sp>
+        <p:nvSpPr>
           <p:cNvPr id="2" name="텍스트 상자 1"/>
           <p:cNvSpPr txBox="1">
             <a:spLocks/>
@@ -19290,7 +22503,7 @@
 </p:sld>
 </file>
 
-<file path=ppt/slides/slide4.xml><?xml version="1.0" encoding="utf-8"?>
+<file path=ppt/slides/slide5.xml><?xml version="1.0" encoding="utf-8"?>
 <p:sld xmlns:a="http://schemas.openxmlformats.org/drawingml/2006/main" xmlns:r="http://schemas.openxmlformats.org/officeDocument/2006/relationships" xmlns:p="http://schemas.openxmlformats.org/presentationml/2006/main">
   <p:cSld>
     <p:spTree>
@@ -23836,7 +27049,7 @@
 </p:sld>
 </file>
 
-<file path=ppt/slides/slide5.xml><?xml version="1.0" encoding="utf-8"?>
+<file path=ppt/slides/slide6.xml><?xml version="1.0" encoding="utf-8"?>
 <p:sld xmlns:a="http://schemas.openxmlformats.org/drawingml/2006/main" xmlns:r="http://schemas.openxmlformats.org/officeDocument/2006/relationships" xmlns:p="http://schemas.openxmlformats.org/presentationml/2006/main">
   <p:cSld>
     <p:spTree>

--- a/Documents/공모전 ver.1.pptx
+++ b/Documents/공모전 ver.1.pptx
@@ -7,10 +7,9 @@
   <p:sldIdLst>
     <p:sldId id="258" r:id="rId2"/>
     <p:sldId id="260" r:id="rId3"/>
-    <p:sldId id="261" r:id="rId4"/>
-    <p:sldId id="259" r:id="rId5"/>
-    <p:sldId id="256" r:id="rId6"/>
-    <p:sldId id="257" r:id="rId7"/>
+    <p:sldId id="259" r:id="rId4"/>
+    <p:sldId id="256" r:id="rId5"/>
+    <p:sldId id="257" r:id="rId6"/>
   </p:sldIdLst>
   <p:sldSz cx="12192000" cy="6858000"/>
   <p:notesSz cx="6858000" cy="9144000"/>
@@ -13494,3218 +13493,6 @@
       </p:grpSpPr>
       <p:sp>
         <p:nvSpPr>
-          <p:cNvPr id="2" name="도형 55">
-            <a:extLst>
-              <a:ext uri="{FF2B5EF4-FFF2-40B4-BE49-F238E27FC236}">
-                <a16:creationId xmlns:a16="http://schemas.microsoft.com/office/drawing/2014/main" id="{61FC5E09-6D19-46BF-89FF-2C47D48B83B5}"/>
-              </a:ext>
-            </a:extLst>
-          </p:cNvPr>
-          <p:cNvSpPr>
-            <a:spLocks/>
-          </p:cNvSpPr>
-          <p:nvPr/>
-        </p:nvSpPr>
-        <p:spPr>
-          <a:xfrm>
-            <a:off x="393700" y="822325"/>
-            <a:ext cx="2665095" cy="3823970"/>
-          </a:xfrm>
-          <a:prstGeom prst="rect">
-            <a:avLst/>
-          </a:prstGeom>
-          <a:solidFill>
-            <a:schemeClr val="bg1"/>
-          </a:solidFill>
-          <a:ln w="28575" cap="flat" cmpd="sng">
-            <a:solidFill>
-              <a:schemeClr val="tx1">
-                <a:alpha val="100000"/>
-              </a:schemeClr>
-            </a:solidFill>
-            <a:prstDash val="solid"/>
-            <a:round/>
-          </a:ln>
-        </p:spPr>
-        <p:style>
-          <a:lnRef idx="2">
-            <a:schemeClr val="accent1">
-              <a:shade val="50000"/>
-            </a:schemeClr>
-          </a:lnRef>
-          <a:fillRef idx="1">
-            <a:schemeClr val="accent1"/>
-          </a:fillRef>
-          <a:effectRef idx="0">
-            <a:schemeClr val="accent1"/>
-          </a:effectRef>
-          <a:fontRef idx="minor">
-            <a:schemeClr val="lt1"/>
-          </a:fontRef>
-        </p:style>
-        <p:txBody>
-          <a:bodyPr vert="horz" wrap="square" lIns="91440" tIns="45720" rIns="91440" bIns="45720" numCol="1" anchor="ctr">
-            <a:noAutofit/>
-          </a:bodyPr>
-          <a:lstStyle/>
-          <a:p>
-            <a:pPr marL="0" indent="0" algn="l" defTabSz="508000" hangingPunct="1">
-              <a:buFontTx/>
-              <a:buNone/>
-            </a:pPr>
-            <a:endParaRPr lang="ko-KR" altLang="en-US" sz="1800">
-              <a:latin typeface="맑은 고딕" charset="0"/>
-              <a:ea typeface="맑은 고딕" charset="0"/>
-            </a:endParaRPr>
-          </a:p>
-        </p:txBody>
-      </p:sp>
-      <p:sp>
-        <p:nvSpPr>
-          <p:cNvPr id="3" name="텍스트 상자 56">
-            <a:extLst>
-              <a:ext uri="{FF2B5EF4-FFF2-40B4-BE49-F238E27FC236}">
-                <a16:creationId xmlns:a16="http://schemas.microsoft.com/office/drawing/2014/main" id="{54121005-66B8-499E-9895-6FDF5BDAB3BB}"/>
-              </a:ext>
-            </a:extLst>
-          </p:cNvPr>
-          <p:cNvSpPr txBox="1">
-            <a:spLocks/>
-          </p:cNvSpPr>
-          <p:nvPr/>
-        </p:nvSpPr>
-        <p:spPr>
-          <a:xfrm>
-            <a:off x="391160" y="803910"/>
-            <a:ext cx="2665095" cy="370840"/>
-          </a:xfrm>
-          <a:prstGeom prst="rect">
-            <a:avLst/>
-          </a:prstGeom>
-          <a:noFill/>
-          <a:ln w="28575" cap="flat" cmpd="sng">
-            <a:solidFill>
-              <a:srgbClr val="000000">
-                <a:alpha val="100000"/>
-              </a:srgbClr>
-            </a:solidFill>
-            <a:prstDash val="solid"/>
-            <a:round/>
-          </a:ln>
-        </p:spPr>
-        <p:txBody>
-          <a:bodyPr vert="horz" wrap="square" lIns="89535" tIns="46355" rIns="89535" bIns="46355" numCol="1" anchor="t">
-            <a:spAutoFit/>
-          </a:bodyPr>
-          <a:lstStyle/>
-          <a:p>
-            <a:pPr marL="0" indent="0" algn="ctr" defTabSz="508000" hangingPunct="1">
-              <a:buFontTx/>
-              <a:buNone/>
-            </a:pPr>
-            <a:r>
-              <a:rPr lang="ko-KR" sz="1800">
-                <a:latin typeface="맑은 고딕" charset="0"/>
-                <a:ea typeface="맑은 고딕" charset="0"/>
-              </a:rPr>
-              <a:t>T - XX : XX : XX</a:t>
-            </a:r>
-            <a:endParaRPr lang="ko-KR" altLang="en-US" sz="1800">
-              <a:latin typeface="맑은 고딕" charset="0"/>
-              <a:ea typeface="맑은 고딕" charset="0"/>
-            </a:endParaRPr>
-          </a:p>
-        </p:txBody>
-      </p:sp>
-      <p:sp>
-        <p:nvSpPr>
-          <p:cNvPr id="4" name="도형 57">
-            <a:extLst>
-              <a:ext uri="{FF2B5EF4-FFF2-40B4-BE49-F238E27FC236}">
-                <a16:creationId xmlns:a16="http://schemas.microsoft.com/office/drawing/2014/main" id="{974446E0-C90D-43C9-8281-51F34B99821C}"/>
-              </a:ext>
-            </a:extLst>
-          </p:cNvPr>
-          <p:cNvSpPr>
-            <a:spLocks/>
-          </p:cNvSpPr>
-          <p:nvPr/>
-        </p:nvSpPr>
-        <p:spPr>
-          <a:xfrm>
-            <a:off x="380365" y="4260850"/>
-            <a:ext cx="2665095" cy="373380"/>
-          </a:xfrm>
-          <a:prstGeom prst="rect">
-            <a:avLst/>
-          </a:prstGeom>
-          <a:solidFill>
-            <a:schemeClr val="bg1"/>
-          </a:solidFill>
-          <a:ln w="28575" cap="flat" cmpd="sng">
-            <a:solidFill>
-              <a:schemeClr val="tx1">
-                <a:alpha val="100000"/>
-              </a:schemeClr>
-            </a:solidFill>
-            <a:prstDash val="solid"/>
-            <a:round/>
-          </a:ln>
-        </p:spPr>
-        <p:style>
-          <a:lnRef idx="2">
-            <a:schemeClr val="accent1">
-              <a:shade val="50000"/>
-            </a:schemeClr>
-          </a:lnRef>
-          <a:fillRef idx="1">
-            <a:schemeClr val="accent1"/>
-          </a:fillRef>
-          <a:effectRef idx="0">
-            <a:schemeClr val="accent1"/>
-          </a:effectRef>
-          <a:fontRef idx="minor">
-            <a:schemeClr val="lt1"/>
-          </a:fontRef>
-        </p:style>
-        <p:txBody>
-          <a:bodyPr vert="horz" wrap="square" lIns="91440" tIns="45720" rIns="91440" bIns="45720" numCol="1" anchor="ctr">
-            <a:noAutofit/>
-          </a:bodyPr>
-          <a:lstStyle/>
-          <a:p>
-            <a:pPr marL="0" indent="0" algn="ctr" defTabSz="508000" hangingPunct="1">
-              <a:buFontTx/>
-              <a:buNone/>
-            </a:pPr>
-            <a:endParaRPr lang="ko-KR" altLang="en-US" sz="1800">
-              <a:latin typeface="맑은 고딕" charset="0"/>
-              <a:ea typeface="맑은 고딕" charset="0"/>
-            </a:endParaRPr>
-          </a:p>
-        </p:txBody>
-      </p:sp>
-      <p:cxnSp>
-        <p:nvCxnSpPr>
-          <p:cNvPr id="5" name="도형 58">
-            <a:extLst>
-              <a:ext uri="{FF2B5EF4-FFF2-40B4-BE49-F238E27FC236}">
-                <a16:creationId xmlns:a16="http://schemas.microsoft.com/office/drawing/2014/main" id="{02F2DAD7-1055-405E-BE37-289105F62494}"/>
-              </a:ext>
-            </a:extLst>
-          </p:cNvPr>
-          <p:cNvCxnSpPr/>
-          <p:nvPr/>
-        </p:nvCxnSpPr>
-        <p:spPr>
-          <a:xfrm>
-            <a:off x="1012190" y="4243705"/>
-            <a:ext cx="1270" cy="399415"/>
-          </a:xfrm>
-          <a:prstGeom prst="line">
-            <a:avLst/>
-          </a:prstGeom>
-          <a:ln w="28575" cap="flat" cmpd="sng">
-            <a:solidFill>
-              <a:schemeClr val="tx1">
-                <a:alpha val="100000"/>
-              </a:schemeClr>
-            </a:solidFill>
-            <a:prstDash val="solid"/>
-            <a:round/>
-          </a:ln>
-        </p:spPr>
-        <p:style>
-          <a:lnRef idx="1">
-            <a:schemeClr val="accent1"/>
-          </a:lnRef>
-          <a:fillRef idx="0">
-            <a:schemeClr val="accent1"/>
-          </a:fillRef>
-          <a:effectRef idx="0">
-            <a:schemeClr val="accent1"/>
-          </a:effectRef>
-          <a:fontRef idx="minor">
-            <a:schemeClr val="tx1"/>
-          </a:fontRef>
-        </p:style>
-      </p:cxnSp>
-      <p:cxnSp>
-        <p:nvCxnSpPr>
-          <p:cNvPr id="6" name="도형 59">
-            <a:extLst>
-              <a:ext uri="{FF2B5EF4-FFF2-40B4-BE49-F238E27FC236}">
-                <a16:creationId xmlns:a16="http://schemas.microsoft.com/office/drawing/2014/main" id="{5844B17E-5627-4FCD-A0DE-A5FF5CDD3A99}"/>
-              </a:ext>
-            </a:extLst>
-          </p:cNvPr>
-          <p:cNvCxnSpPr/>
-          <p:nvPr/>
-        </p:nvCxnSpPr>
-        <p:spPr>
-          <a:xfrm>
-            <a:off x="2328545" y="4246245"/>
-            <a:ext cx="1270" cy="399415"/>
-          </a:xfrm>
-          <a:prstGeom prst="line">
-            <a:avLst/>
-          </a:prstGeom>
-          <a:ln w="28575" cap="flat" cmpd="sng">
-            <a:solidFill>
-              <a:schemeClr val="tx1">
-                <a:alpha val="100000"/>
-              </a:schemeClr>
-            </a:solidFill>
-            <a:prstDash val="solid"/>
-            <a:round/>
-          </a:ln>
-        </p:spPr>
-        <p:style>
-          <a:lnRef idx="1">
-            <a:schemeClr val="accent1"/>
-          </a:lnRef>
-          <a:fillRef idx="0">
-            <a:schemeClr val="accent1"/>
-          </a:fillRef>
-          <a:effectRef idx="0">
-            <a:schemeClr val="accent1"/>
-          </a:effectRef>
-          <a:fontRef idx="minor">
-            <a:schemeClr val="tx1"/>
-          </a:fontRef>
-        </p:style>
-      </p:cxnSp>
-      <p:cxnSp>
-        <p:nvCxnSpPr>
-          <p:cNvPr id="7" name="도형 60">
-            <a:extLst>
-              <a:ext uri="{FF2B5EF4-FFF2-40B4-BE49-F238E27FC236}">
-                <a16:creationId xmlns:a16="http://schemas.microsoft.com/office/drawing/2014/main" id="{A5E751D6-4F38-4838-8E63-F58548965CA2}"/>
-              </a:ext>
-            </a:extLst>
-          </p:cNvPr>
-          <p:cNvCxnSpPr/>
-          <p:nvPr/>
-        </p:nvCxnSpPr>
-        <p:spPr>
-          <a:xfrm>
-            <a:off x="1638935" y="4239895"/>
-            <a:ext cx="1270" cy="399415"/>
-          </a:xfrm>
-          <a:prstGeom prst="line">
-            <a:avLst/>
-          </a:prstGeom>
-          <a:ln w="28575" cap="flat" cmpd="sng">
-            <a:solidFill>
-              <a:schemeClr val="tx1">
-                <a:alpha val="100000"/>
-              </a:schemeClr>
-            </a:solidFill>
-            <a:prstDash val="solid"/>
-            <a:round/>
-          </a:ln>
-        </p:spPr>
-        <p:style>
-          <a:lnRef idx="1">
-            <a:schemeClr val="accent1"/>
-          </a:lnRef>
-          <a:fillRef idx="0">
-            <a:schemeClr val="accent1"/>
-          </a:fillRef>
-          <a:effectRef idx="0">
-            <a:schemeClr val="accent1"/>
-          </a:effectRef>
-          <a:fontRef idx="minor">
-            <a:schemeClr val="tx1"/>
-          </a:fontRef>
-        </p:style>
-      </p:cxnSp>
-      <p:sp>
-        <p:nvSpPr>
-          <p:cNvPr id="8" name="도형 61">
-            <a:extLst>
-              <a:ext uri="{FF2B5EF4-FFF2-40B4-BE49-F238E27FC236}">
-                <a16:creationId xmlns:a16="http://schemas.microsoft.com/office/drawing/2014/main" id="{759BD9EE-916D-47AD-A286-7D9B0F6D13A6}"/>
-              </a:ext>
-            </a:extLst>
-          </p:cNvPr>
-          <p:cNvSpPr>
-            <a:spLocks/>
-          </p:cNvSpPr>
-          <p:nvPr/>
-        </p:nvSpPr>
-        <p:spPr>
-          <a:xfrm>
-            <a:off x="483870" y="4295775"/>
-            <a:ext cx="390525" cy="139700"/>
-          </a:xfrm>
-          <a:prstGeom prst="triangle">
-            <a:avLst/>
-          </a:prstGeom>
-          <a:solidFill>
-            <a:schemeClr val="bg1"/>
-          </a:solidFill>
-          <a:ln w="28575" cap="flat" cmpd="sng">
-            <a:solidFill>
-              <a:schemeClr val="tx1">
-                <a:alpha val="100000"/>
-              </a:schemeClr>
-            </a:solidFill>
-            <a:prstDash val="solid"/>
-            <a:round/>
-          </a:ln>
-        </p:spPr>
-        <p:style>
-          <a:lnRef idx="2">
-            <a:schemeClr val="accent1">
-              <a:shade val="50000"/>
-            </a:schemeClr>
-          </a:lnRef>
-          <a:fillRef idx="1">
-            <a:schemeClr val="accent1"/>
-          </a:fillRef>
-          <a:effectRef idx="0">
-            <a:schemeClr val="accent1"/>
-          </a:effectRef>
-          <a:fontRef idx="minor">
-            <a:schemeClr val="lt1"/>
-          </a:fontRef>
-        </p:style>
-        <p:txBody>
-          <a:bodyPr vert="horz" wrap="square" lIns="91440" tIns="45720" rIns="91440" bIns="45720" numCol="1" anchor="ctr">
-            <a:noAutofit/>
-          </a:bodyPr>
-          <a:lstStyle/>
-          <a:p>
-            <a:pPr marL="0" indent="0" algn="ctr" defTabSz="508000" hangingPunct="1">
-              <a:buFontTx/>
-              <a:buNone/>
-            </a:pPr>
-            <a:endParaRPr lang="ko-KR" altLang="en-US" sz="1800">
-              <a:latin typeface="맑은 고딕" charset="0"/>
-              <a:ea typeface="맑은 고딕" charset="0"/>
-            </a:endParaRPr>
-          </a:p>
-        </p:txBody>
-      </p:sp>
-      <p:sp>
-        <p:nvSpPr>
-          <p:cNvPr id="9" name="도형 62">
-            <a:extLst>
-              <a:ext uri="{FF2B5EF4-FFF2-40B4-BE49-F238E27FC236}">
-                <a16:creationId xmlns:a16="http://schemas.microsoft.com/office/drawing/2014/main" id="{9D33D92C-06C7-41C1-B2B9-9E88F34317F1}"/>
-              </a:ext>
-            </a:extLst>
-          </p:cNvPr>
-          <p:cNvSpPr>
-            <a:spLocks/>
-          </p:cNvSpPr>
-          <p:nvPr/>
-        </p:nvSpPr>
-        <p:spPr>
-          <a:xfrm>
-            <a:off x="587375" y="4434840"/>
-            <a:ext cx="191135" cy="191135"/>
-          </a:xfrm>
-          <a:prstGeom prst="rect">
-            <a:avLst/>
-          </a:prstGeom>
-          <a:solidFill>
-            <a:schemeClr val="bg1"/>
-          </a:solidFill>
-          <a:ln w="28575" cap="flat" cmpd="sng">
-            <a:solidFill>
-              <a:schemeClr val="tx1">
-                <a:alpha val="100000"/>
-              </a:schemeClr>
-            </a:solidFill>
-            <a:prstDash val="solid"/>
-            <a:round/>
-          </a:ln>
-        </p:spPr>
-        <p:style>
-          <a:lnRef idx="2">
-            <a:schemeClr val="accent1">
-              <a:shade val="50000"/>
-            </a:schemeClr>
-          </a:lnRef>
-          <a:fillRef idx="1">
-            <a:schemeClr val="accent1"/>
-          </a:fillRef>
-          <a:effectRef idx="0">
-            <a:schemeClr val="accent1"/>
-          </a:effectRef>
-          <a:fontRef idx="minor">
-            <a:schemeClr val="lt1"/>
-          </a:fontRef>
-        </p:style>
-        <p:txBody>
-          <a:bodyPr vert="horz" wrap="square" lIns="91440" tIns="45720" rIns="91440" bIns="45720" numCol="1" anchor="ctr">
-            <a:noAutofit/>
-          </a:bodyPr>
-          <a:lstStyle/>
-          <a:p>
-            <a:pPr marL="0" indent="0" algn="ctr" defTabSz="508000" hangingPunct="1">
-              <a:buFontTx/>
-              <a:buNone/>
-            </a:pPr>
-            <a:endParaRPr lang="ko-KR" altLang="en-US" sz="1800">
-              <a:latin typeface="맑은 고딕" charset="0"/>
-              <a:ea typeface="맑은 고딕" charset="0"/>
-            </a:endParaRPr>
-          </a:p>
-        </p:txBody>
-      </p:sp>
-      <p:cxnSp>
-        <p:nvCxnSpPr>
-          <p:cNvPr id="10" name="도형 63">
-            <a:extLst>
-              <a:ext uri="{FF2B5EF4-FFF2-40B4-BE49-F238E27FC236}">
-                <a16:creationId xmlns:a16="http://schemas.microsoft.com/office/drawing/2014/main" id="{429E751D-6443-458A-8009-8A0E9F1DFF10}"/>
-              </a:ext>
-            </a:extLst>
-          </p:cNvPr>
-          <p:cNvCxnSpPr/>
-          <p:nvPr/>
-        </p:nvCxnSpPr>
-        <p:spPr>
-          <a:xfrm>
-            <a:off x="1167130" y="4338955"/>
-            <a:ext cx="304165" cy="1270"/>
-          </a:xfrm>
-          <a:prstGeom prst="line">
-            <a:avLst/>
-          </a:prstGeom>
-          <a:ln w="28575" cap="flat" cmpd="sng">
-            <a:solidFill>
-              <a:schemeClr val="tx1">
-                <a:alpha val="100000"/>
-              </a:schemeClr>
-            </a:solidFill>
-            <a:prstDash val="solid"/>
-            <a:round/>
-          </a:ln>
-        </p:spPr>
-        <p:style>
-          <a:lnRef idx="1">
-            <a:schemeClr val="accent1"/>
-          </a:lnRef>
-          <a:fillRef idx="0">
-            <a:schemeClr val="accent1"/>
-          </a:fillRef>
-          <a:effectRef idx="0">
-            <a:schemeClr val="accent1"/>
-          </a:effectRef>
-          <a:fontRef idx="minor">
-            <a:schemeClr val="tx1"/>
-          </a:fontRef>
-        </p:style>
-      </p:cxnSp>
-      <p:cxnSp>
-        <p:nvCxnSpPr>
-          <p:cNvPr id="11" name="도형 64">
-            <a:extLst>
-              <a:ext uri="{FF2B5EF4-FFF2-40B4-BE49-F238E27FC236}">
-                <a16:creationId xmlns:a16="http://schemas.microsoft.com/office/drawing/2014/main" id="{12E0478D-A60D-4F17-9E69-A984DC7E7FD7}"/>
-              </a:ext>
-            </a:extLst>
-          </p:cNvPr>
-          <p:cNvCxnSpPr/>
-          <p:nvPr/>
-        </p:nvCxnSpPr>
-        <p:spPr>
-          <a:xfrm>
-            <a:off x="1170305" y="4410710"/>
-            <a:ext cx="304165" cy="1270"/>
-          </a:xfrm>
-          <a:prstGeom prst="line">
-            <a:avLst/>
-          </a:prstGeom>
-          <a:ln w="28575" cap="flat" cmpd="sng">
-            <a:solidFill>
-              <a:schemeClr val="tx1">
-                <a:alpha val="100000"/>
-              </a:schemeClr>
-            </a:solidFill>
-            <a:prstDash val="solid"/>
-            <a:round/>
-          </a:ln>
-        </p:spPr>
-        <p:style>
-          <a:lnRef idx="1">
-            <a:schemeClr val="accent1"/>
-          </a:lnRef>
-          <a:fillRef idx="0">
-            <a:schemeClr val="accent1"/>
-          </a:fillRef>
-          <a:effectRef idx="0">
-            <a:schemeClr val="accent1"/>
-          </a:effectRef>
-          <a:fontRef idx="minor">
-            <a:schemeClr val="tx1"/>
-          </a:fontRef>
-        </p:style>
-      </p:cxnSp>
-      <p:cxnSp>
-        <p:nvCxnSpPr>
-          <p:cNvPr id="12" name="도형 65">
-            <a:extLst>
-              <a:ext uri="{FF2B5EF4-FFF2-40B4-BE49-F238E27FC236}">
-                <a16:creationId xmlns:a16="http://schemas.microsoft.com/office/drawing/2014/main" id="{569C5F72-DF42-4DDF-8901-358ACD64ECC5}"/>
-              </a:ext>
-            </a:extLst>
-          </p:cNvPr>
-          <p:cNvCxnSpPr/>
-          <p:nvPr/>
-        </p:nvCxnSpPr>
-        <p:spPr>
-          <a:xfrm>
-            <a:off x="1173480" y="4465320"/>
-            <a:ext cx="304165" cy="1270"/>
-          </a:xfrm>
-          <a:prstGeom prst="line">
-            <a:avLst/>
-          </a:prstGeom>
-          <a:ln w="28575" cap="flat" cmpd="sng">
-            <a:solidFill>
-              <a:schemeClr val="tx1">
-                <a:alpha val="100000"/>
-              </a:schemeClr>
-            </a:solidFill>
-            <a:prstDash val="solid"/>
-            <a:round/>
-          </a:ln>
-        </p:spPr>
-        <p:style>
-          <a:lnRef idx="1">
-            <a:schemeClr val="accent1"/>
-          </a:lnRef>
-          <a:fillRef idx="0">
-            <a:schemeClr val="accent1"/>
-          </a:fillRef>
-          <a:effectRef idx="0">
-            <a:schemeClr val="accent1"/>
-          </a:effectRef>
-          <a:fontRef idx="minor">
-            <a:schemeClr val="tx1"/>
-          </a:fontRef>
-        </p:style>
-      </p:cxnSp>
-      <p:cxnSp>
-        <p:nvCxnSpPr>
-          <p:cNvPr id="13" name="도형 66">
-            <a:extLst>
-              <a:ext uri="{FF2B5EF4-FFF2-40B4-BE49-F238E27FC236}">
-                <a16:creationId xmlns:a16="http://schemas.microsoft.com/office/drawing/2014/main" id="{C4F2868F-4161-424A-983D-6D45CAF39DCF}"/>
-              </a:ext>
-            </a:extLst>
-          </p:cNvPr>
-          <p:cNvCxnSpPr/>
-          <p:nvPr/>
-        </p:nvCxnSpPr>
-        <p:spPr>
-          <a:xfrm>
-            <a:off x="1176655" y="4537075"/>
-            <a:ext cx="304165" cy="1270"/>
-          </a:xfrm>
-          <a:prstGeom prst="line">
-            <a:avLst/>
-          </a:prstGeom>
-          <a:ln w="28575" cap="flat" cmpd="sng">
-            <a:solidFill>
-              <a:schemeClr val="tx1">
-                <a:alpha val="100000"/>
-              </a:schemeClr>
-            </a:solidFill>
-            <a:prstDash val="solid"/>
-            <a:round/>
-          </a:ln>
-        </p:spPr>
-        <p:style>
-          <a:lnRef idx="1">
-            <a:schemeClr val="accent1"/>
-          </a:lnRef>
-          <a:fillRef idx="0">
-            <a:schemeClr val="accent1"/>
-          </a:fillRef>
-          <a:effectRef idx="0">
-            <a:schemeClr val="accent1"/>
-          </a:effectRef>
-          <a:fontRef idx="minor">
-            <a:schemeClr val="tx1"/>
-          </a:fontRef>
-        </p:style>
-      </p:cxnSp>
-      <p:sp>
-        <p:nvSpPr>
-          <p:cNvPr id="14" name="도형 67">
-            <a:extLst>
-              <a:ext uri="{FF2B5EF4-FFF2-40B4-BE49-F238E27FC236}">
-                <a16:creationId xmlns:a16="http://schemas.microsoft.com/office/drawing/2014/main" id="{22E01914-0EC8-4A1B-A142-FA635E924D34}"/>
-              </a:ext>
-            </a:extLst>
-          </p:cNvPr>
-          <p:cNvSpPr>
-            <a:spLocks/>
-          </p:cNvSpPr>
-          <p:nvPr/>
-        </p:nvSpPr>
-        <p:spPr>
-          <a:xfrm>
-            <a:off x="1833245" y="4304665"/>
-            <a:ext cx="200025" cy="182880"/>
-          </a:xfrm>
-          <a:prstGeom prst="ellipse">
-            <a:avLst/>
-          </a:prstGeom>
-          <a:solidFill>
-            <a:schemeClr val="bg1"/>
-          </a:solidFill>
-          <a:ln w="28575" cap="flat" cmpd="sng">
-            <a:solidFill>
-              <a:schemeClr val="tx1">
-                <a:alpha val="100000"/>
-              </a:schemeClr>
-            </a:solidFill>
-            <a:prstDash val="solid"/>
-            <a:miter lim="800000"/>
-          </a:ln>
-        </p:spPr>
-        <p:style>
-          <a:lnRef idx="2">
-            <a:schemeClr val="accent1">
-              <a:shade val="50000"/>
-            </a:schemeClr>
-          </a:lnRef>
-          <a:fillRef idx="1">
-            <a:schemeClr val="accent1"/>
-          </a:fillRef>
-          <a:effectRef idx="0">
-            <a:schemeClr val="accent1"/>
-          </a:effectRef>
-          <a:fontRef idx="minor">
-            <a:schemeClr val="lt1"/>
-          </a:fontRef>
-        </p:style>
-        <p:txBody>
-          <a:bodyPr vert="horz" wrap="square" lIns="91440" tIns="45720" rIns="91440" bIns="45720" numCol="1" anchor="ctr">
-            <a:noAutofit/>
-          </a:bodyPr>
-          <a:lstStyle/>
-          <a:p>
-            <a:pPr marL="0" indent="0" algn="ctr" defTabSz="508000" hangingPunct="1">
-              <a:buFontTx/>
-              <a:buNone/>
-            </a:pPr>
-            <a:endParaRPr lang="ko-KR" altLang="en-US" sz="1800">
-              <a:latin typeface="맑은 고딕" charset="0"/>
-              <a:ea typeface="맑은 고딕" charset="0"/>
-            </a:endParaRPr>
-          </a:p>
-        </p:txBody>
-      </p:sp>
-      <p:cxnSp>
-        <p:nvCxnSpPr>
-          <p:cNvPr id="15" name="도형 68">
-            <a:extLst>
-              <a:ext uri="{FF2B5EF4-FFF2-40B4-BE49-F238E27FC236}">
-                <a16:creationId xmlns:a16="http://schemas.microsoft.com/office/drawing/2014/main" id="{69446231-0675-4F4D-BDED-0FE05297CCEB}"/>
-              </a:ext>
-            </a:extLst>
-          </p:cNvPr>
-          <p:cNvCxnSpPr/>
-          <p:nvPr/>
-        </p:nvCxnSpPr>
-        <p:spPr>
-          <a:xfrm>
-            <a:off x="2002790" y="4459605"/>
-            <a:ext cx="151765" cy="123190"/>
-          </a:xfrm>
-          <a:prstGeom prst="line">
-            <a:avLst/>
-          </a:prstGeom>
-          <a:ln w="28575" cap="flat" cmpd="sng">
-            <a:solidFill>
-              <a:schemeClr val="tx1">
-                <a:alpha val="100000"/>
-              </a:schemeClr>
-            </a:solidFill>
-            <a:prstDash val="solid"/>
-            <a:miter lim="800000"/>
-          </a:ln>
-        </p:spPr>
-        <p:style>
-          <a:lnRef idx="1">
-            <a:schemeClr val="accent1"/>
-          </a:lnRef>
-          <a:fillRef idx="0">
-            <a:schemeClr val="accent1"/>
-          </a:fillRef>
-          <a:effectRef idx="0">
-            <a:schemeClr val="accent1"/>
-          </a:effectRef>
-          <a:fontRef idx="minor">
-            <a:schemeClr val="tx1"/>
-          </a:fontRef>
-        </p:style>
-      </p:cxnSp>
-      <p:sp>
-        <p:nvSpPr>
-          <p:cNvPr id="16" name="도형 69">
-            <a:extLst>
-              <a:ext uri="{FF2B5EF4-FFF2-40B4-BE49-F238E27FC236}">
-                <a16:creationId xmlns:a16="http://schemas.microsoft.com/office/drawing/2014/main" id="{F91CD7AE-605E-42A2-98B3-3D0842116678}"/>
-              </a:ext>
-            </a:extLst>
-          </p:cNvPr>
-          <p:cNvSpPr>
-            <a:spLocks/>
-          </p:cNvSpPr>
-          <p:nvPr/>
-        </p:nvSpPr>
-        <p:spPr>
-          <a:xfrm>
-            <a:off x="2628900" y="4269740"/>
-            <a:ext cx="183515" cy="182880"/>
-          </a:xfrm>
-          <a:prstGeom prst="ellipse">
-            <a:avLst/>
-          </a:prstGeom>
-          <a:solidFill>
-            <a:schemeClr val="bg1"/>
-          </a:solidFill>
-          <a:ln w="28575" cap="flat" cmpd="sng">
-            <a:solidFill>
-              <a:srgbClr val="000000">
-                <a:alpha val="100000"/>
-              </a:srgbClr>
-            </a:solidFill>
-            <a:prstDash val="solid"/>
-            <a:miter lim="800000"/>
-          </a:ln>
-        </p:spPr>
-        <p:style>
-          <a:lnRef idx="2">
-            <a:schemeClr val="accent1">
-              <a:shade val="50000"/>
-            </a:schemeClr>
-          </a:lnRef>
-          <a:fillRef idx="1">
-            <a:schemeClr val="accent1"/>
-          </a:fillRef>
-          <a:effectRef idx="0">
-            <a:schemeClr val="accent1"/>
-          </a:effectRef>
-          <a:fontRef idx="minor">
-            <a:schemeClr val="lt1"/>
-          </a:fontRef>
-        </p:style>
-        <p:txBody>
-          <a:bodyPr vert="horz" wrap="square" lIns="91440" tIns="45720" rIns="91440" bIns="45720" numCol="1" anchor="ctr">
-            <a:noAutofit/>
-          </a:bodyPr>
-          <a:lstStyle/>
-          <a:p>
-            <a:pPr marL="0" indent="0" algn="ctr" defTabSz="508000" hangingPunct="1">
-              <a:buFontTx/>
-              <a:buNone/>
-            </a:pPr>
-            <a:endParaRPr lang="ko-KR" altLang="en-US" sz="1800">
-              <a:latin typeface="맑은 고딕" charset="0"/>
-              <a:ea typeface="맑은 고딕" charset="0"/>
-            </a:endParaRPr>
-          </a:p>
-        </p:txBody>
-      </p:sp>
-      <p:sp>
-        <p:nvSpPr>
-          <p:cNvPr id="17" name="도형 70">
-            <a:extLst>
-              <a:ext uri="{FF2B5EF4-FFF2-40B4-BE49-F238E27FC236}">
-                <a16:creationId xmlns:a16="http://schemas.microsoft.com/office/drawing/2014/main" id="{EF80078F-4491-42D3-9612-48BF5438A93F}"/>
-              </a:ext>
-            </a:extLst>
-          </p:cNvPr>
-          <p:cNvSpPr>
-            <a:spLocks/>
-          </p:cNvSpPr>
-          <p:nvPr/>
-        </p:nvSpPr>
-        <p:spPr>
-          <a:xfrm>
-            <a:off x="2577465" y="4451350"/>
-            <a:ext cx="277495" cy="174625"/>
-          </a:xfrm>
-          <a:prstGeom prst="round2SameRect">
-            <a:avLst/>
-          </a:prstGeom>
-          <a:solidFill>
-            <a:schemeClr val="bg1"/>
-          </a:solidFill>
-          <a:ln w="28575" cap="flat" cmpd="sng">
-            <a:solidFill>
-              <a:srgbClr val="000000">
-                <a:alpha val="100000"/>
-              </a:srgbClr>
-            </a:solidFill>
-            <a:prstDash val="solid"/>
-            <a:miter lim="800000"/>
-          </a:ln>
-        </p:spPr>
-        <p:style>
-          <a:lnRef idx="2">
-            <a:schemeClr val="accent1">
-              <a:shade val="50000"/>
-            </a:schemeClr>
-          </a:lnRef>
-          <a:fillRef idx="1">
-            <a:schemeClr val="accent1"/>
-          </a:fillRef>
-          <a:effectRef idx="0">
-            <a:schemeClr val="accent1"/>
-          </a:effectRef>
-          <a:fontRef idx="minor">
-            <a:schemeClr val="lt1"/>
-          </a:fontRef>
-        </p:style>
-        <p:txBody>
-          <a:bodyPr vert="horz" wrap="square" lIns="91440" tIns="45720" rIns="91440" bIns="45720" numCol="1" anchor="ctr">
-            <a:noAutofit/>
-          </a:bodyPr>
-          <a:lstStyle/>
-          <a:p>
-            <a:pPr marL="0" indent="0" algn="ctr" defTabSz="508000" hangingPunct="1">
-              <a:buFontTx/>
-              <a:buNone/>
-            </a:pPr>
-            <a:endParaRPr lang="ko-KR" altLang="en-US" sz="1800">
-              <a:latin typeface="맑은 고딕" charset="0"/>
-              <a:ea typeface="맑은 고딕" charset="0"/>
-            </a:endParaRPr>
-          </a:p>
-        </p:txBody>
-      </p:sp>
-      <p:sp>
-        <p:nvSpPr>
-          <p:cNvPr id="18" name="도형 71">
-            <a:extLst>
-              <a:ext uri="{FF2B5EF4-FFF2-40B4-BE49-F238E27FC236}">
-                <a16:creationId xmlns:a16="http://schemas.microsoft.com/office/drawing/2014/main" id="{2A54544A-744D-4EA8-8ED1-910534BE123D}"/>
-              </a:ext>
-            </a:extLst>
-          </p:cNvPr>
-          <p:cNvSpPr>
-            <a:spLocks/>
-          </p:cNvSpPr>
-          <p:nvPr/>
-        </p:nvSpPr>
-        <p:spPr>
-          <a:xfrm>
-            <a:off x="2358390" y="3180715"/>
-            <a:ext cx="581025" cy="657225"/>
-          </a:xfrm>
-          <a:prstGeom prst="rect">
-            <a:avLst/>
-          </a:prstGeom>
-          <a:solidFill>
-            <a:schemeClr val="bg1"/>
-          </a:solidFill>
-          <a:ln w="28575" cap="flat" cmpd="sng">
-            <a:solidFill>
-              <a:schemeClr val="tx1">
-                <a:alpha val="100000"/>
-              </a:schemeClr>
-            </a:solidFill>
-            <a:prstDash val="solid"/>
-            <a:miter lim="800000"/>
-          </a:ln>
-        </p:spPr>
-        <p:style>
-          <a:lnRef idx="2">
-            <a:schemeClr val="accent1">
-              <a:shade val="50000"/>
-            </a:schemeClr>
-          </a:lnRef>
-          <a:fillRef idx="1">
-            <a:schemeClr val="accent1"/>
-          </a:fillRef>
-          <a:effectRef idx="0">
-            <a:schemeClr val="accent1"/>
-          </a:effectRef>
-          <a:fontRef idx="minor">
-            <a:schemeClr val="lt1"/>
-          </a:fontRef>
-        </p:style>
-        <p:txBody>
-          <a:bodyPr vert="horz" wrap="square" lIns="91440" tIns="45720" rIns="91440" bIns="45720" numCol="1" anchor="ctr">
-            <a:noAutofit/>
-          </a:bodyPr>
-          <a:lstStyle/>
-          <a:p>
-            <a:pPr marL="0" indent="0" algn="ctr" defTabSz="508000" hangingPunct="1">
-              <a:buFontTx/>
-              <a:buNone/>
-            </a:pPr>
-            <a:r>
-              <a:rPr lang="ko-KR" sz="1800">
-                <a:solidFill>
-                  <a:schemeClr val="tx1"/>
-                </a:solidFill>
-                <a:latin typeface="맑은 고딕" charset="0"/>
-                <a:ea typeface="맑은 고딕" charset="0"/>
-              </a:rPr>
-              <a:t>사진</a:t>
-            </a:r>
-            <a:endParaRPr lang="ko-KR" altLang="en-US" sz="1800">
-              <a:solidFill>
-                <a:schemeClr val="tx1"/>
-              </a:solidFill>
-              <a:latin typeface="맑은 고딕" charset="0"/>
-              <a:ea typeface="맑은 고딕" charset="0"/>
-            </a:endParaRPr>
-          </a:p>
-        </p:txBody>
-      </p:sp>
-      <p:sp>
-        <p:nvSpPr>
-          <p:cNvPr id="19" name="텍스트 상자 78">
-            <a:extLst>
-              <a:ext uri="{FF2B5EF4-FFF2-40B4-BE49-F238E27FC236}">
-                <a16:creationId xmlns:a16="http://schemas.microsoft.com/office/drawing/2014/main" id="{B385C2B3-D0E4-4628-8F0E-B20EF94217A0}"/>
-              </a:ext>
-            </a:extLst>
-          </p:cNvPr>
-          <p:cNvSpPr txBox="1">
-            <a:spLocks/>
-          </p:cNvSpPr>
-          <p:nvPr/>
-        </p:nvSpPr>
-        <p:spPr>
-          <a:xfrm>
-            <a:off x="655320" y="3912235"/>
-            <a:ext cx="832485" cy="262890"/>
-          </a:xfrm>
-          <a:prstGeom prst="rect">
-            <a:avLst/>
-          </a:prstGeom>
-          <a:noFill/>
-          <a:ln w="0">
-            <a:noFill/>
-            <a:prstDash/>
-          </a:ln>
-        </p:spPr>
-        <p:txBody>
-          <a:bodyPr vert="horz" wrap="square" lIns="89535" tIns="46355" rIns="89535" bIns="46355" numCol="1" anchor="t">
-            <a:spAutoFit/>
-          </a:bodyPr>
-          <a:lstStyle/>
-          <a:p>
-            <a:pPr marL="0" indent="0" algn="l" defTabSz="508000" hangingPunct="1">
-              <a:buFontTx/>
-              <a:buNone/>
-            </a:pPr>
-            <a:r>
-              <a:rPr lang="ko-KR" sz="1100">
-                <a:latin typeface="맑은 고딕" charset="0"/>
-                <a:ea typeface="맑은 고딕" charset="0"/>
-              </a:rPr>
-              <a:t>가격 : </a:t>
-            </a:r>
-            <a:endParaRPr lang="ko-KR" altLang="en-US" sz="1100">
-              <a:latin typeface="맑은 고딕" charset="0"/>
-              <a:ea typeface="맑은 고딕" charset="0"/>
-            </a:endParaRPr>
-          </a:p>
-        </p:txBody>
-      </p:sp>
-      <p:sp>
-        <p:nvSpPr>
-          <p:cNvPr id="20" name="텍스트 상자 79">
-            <a:extLst>
-              <a:ext uri="{FF2B5EF4-FFF2-40B4-BE49-F238E27FC236}">
-                <a16:creationId xmlns:a16="http://schemas.microsoft.com/office/drawing/2014/main" id="{39AC9D86-0BB6-4605-943B-2F1C4C19D62D}"/>
-              </a:ext>
-            </a:extLst>
-          </p:cNvPr>
-          <p:cNvSpPr txBox="1">
-            <a:spLocks/>
-          </p:cNvSpPr>
-          <p:nvPr/>
-        </p:nvSpPr>
-        <p:spPr>
-          <a:xfrm>
-            <a:off x="1419860" y="3914775"/>
-            <a:ext cx="832485" cy="262890"/>
-          </a:xfrm>
-          <a:prstGeom prst="rect">
-            <a:avLst/>
-          </a:prstGeom>
-          <a:noFill/>
-          <a:ln w="0">
-            <a:noFill/>
-            <a:prstDash/>
-          </a:ln>
-        </p:spPr>
-        <p:txBody>
-          <a:bodyPr vert="horz" wrap="square" lIns="89535" tIns="46355" rIns="89535" bIns="46355" numCol="1" anchor="t">
-            <a:spAutoFit/>
-          </a:bodyPr>
-          <a:lstStyle/>
-          <a:p>
-            <a:pPr marL="0" indent="0" algn="l" defTabSz="508000" hangingPunct="1">
-              <a:buFontTx/>
-              <a:buNone/>
-            </a:pPr>
-            <a:r>
-              <a:rPr lang="ko-KR" sz="1100">
-                <a:latin typeface="맑은 고딕" charset="0"/>
-                <a:ea typeface="맑은 고딕" charset="0"/>
-              </a:rPr>
-              <a:t>시간 : </a:t>
-            </a:r>
-            <a:endParaRPr lang="ko-KR" altLang="en-US" sz="1100">
-              <a:latin typeface="맑은 고딕" charset="0"/>
-              <a:ea typeface="맑은 고딕" charset="0"/>
-            </a:endParaRPr>
-          </a:p>
-        </p:txBody>
-      </p:sp>
-      <p:sp>
-        <p:nvSpPr>
-          <p:cNvPr id="21" name="도형 80">
-            <a:extLst>
-              <a:ext uri="{FF2B5EF4-FFF2-40B4-BE49-F238E27FC236}">
-                <a16:creationId xmlns:a16="http://schemas.microsoft.com/office/drawing/2014/main" id="{56332EF7-7F85-4875-B2A5-534F94792024}"/>
-              </a:ext>
-            </a:extLst>
-          </p:cNvPr>
-          <p:cNvSpPr>
-            <a:spLocks/>
-          </p:cNvSpPr>
-          <p:nvPr/>
-        </p:nvSpPr>
-        <p:spPr>
-          <a:xfrm>
-            <a:off x="2317115" y="3959225"/>
-            <a:ext cx="633730" cy="208915"/>
-          </a:xfrm>
-          <a:prstGeom prst="rect">
-            <a:avLst/>
-          </a:prstGeom>
-          <a:solidFill>
-            <a:schemeClr val="bg1"/>
-          </a:solidFill>
-          <a:ln w="12700" cap="flat" cmpd="sng">
-            <a:solidFill>
-              <a:schemeClr val="tx1">
-                <a:alpha val="100000"/>
-              </a:schemeClr>
-            </a:solidFill>
-            <a:prstDash val="solid"/>
-          </a:ln>
-        </p:spPr>
-        <p:style>
-          <a:lnRef idx="2">
-            <a:schemeClr val="accent1">
-              <a:shade val="50000"/>
-            </a:schemeClr>
-          </a:lnRef>
-          <a:fillRef idx="1">
-            <a:schemeClr val="accent1"/>
-          </a:fillRef>
-          <a:effectRef idx="0">
-            <a:schemeClr val="accent1"/>
-          </a:effectRef>
-          <a:fontRef idx="minor">
-            <a:schemeClr val="lt1"/>
-          </a:fontRef>
-        </p:style>
-        <p:txBody>
-          <a:bodyPr vert="horz" wrap="square" lIns="91440" tIns="45720" rIns="91440" bIns="45720" numCol="1" anchor="ctr">
-            <a:noAutofit/>
-          </a:bodyPr>
-          <a:lstStyle/>
-          <a:p>
-            <a:pPr marL="0" indent="0" algn="ctr" defTabSz="508000" hangingPunct="1">
-              <a:buFontTx/>
-              <a:buNone/>
-            </a:pPr>
-            <a:r>
-              <a:rPr lang="ko-KR" sz="800" dirty="0">
-                <a:solidFill>
-                  <a:schemeClr val="tx1"/>
-                </a:solidFill>
-                <a:latin typeface="맑은 고딕" charset="0"/>
-                <a:ea typeface="맑은 고딕" charset="0"/>
-              </a:rPr>
-              <a:t>추가하기</a:t>
-            </a:r>
-            <a:endParaRPr lang="ko-KR" altLang="en-US" sz="800" dirty="0">
-              <a:solidFill>
-                <a:schemeClr val="tx1"/>
-              </a:solidFill>
-              <a:latin typeface="맑은 고딕" charset="0"/>
-              <a:ea typeface="맑은 고딕" charset="0"/>
-            </a:endParaRPr>
-          </a:p>
-        </p:txBody>
-      </p:sp>
-      <p:cxnSp>
-        <p:nvCxnSpPr>
-          <p:cNvPr id="22" name="도형 83">
-            <a:extLst>
-              <a:ext uri="{FF2B5EF4-FFF2-40B4-BE49-F238E27FC236}">
-                <a16:creationId xmlns:a16="http://schemas.microsoft.com/office/drawing/2014/main" id="{43D029C1-6ACE-4403-84A7-A3E5F5004B88}"/>
-              </a:ext>
-            </a:extLst>
-          </p:cNvPr>
-          <p:cNvCxnSpPr/>
-          <p:nvPr/>
-        </p:nvCxnSpPr>
-        <p:spPr>
-          <a:xfrm>
-            <a:off x="384810" y="1972310"/>
-            <a:ext cx="2669540" cy="17145"/>
-          </a:xfrm>
-          <a:prstGeom prst="line">
-            <a:avLst/>
-          </a:prstGeom>
-          <a:ln w="6350" cap="flat" cmpd="sng">
-            <a:solidFill>
-              <a:srgbClr val="000000">
-                <a:alpha val="100000"/>
-              </a:srgbClr>
-            </a:solidFill>
-            <a:prstDash val="solid"/>
-            <a:headEnd type="none" w="med" len="med"/>
-            <a:tailEnd type="none" w="med" len="med"/>
-          </a:ln>
-        </p:spPr>
-        <p:style>
-          <a:lnRef idx="1">
-            <a:schemeClr val="accent1"/>
-          </a:lnRef>
-          <a:fillRef idx="0">
-            <a:schemeClr val="accent1"/>
-          </a:fillRef>
-          <a:effectRef idx="0">
-            <a:schemeClr val="accent1"/>
-          </a:effectRef>
-          <a:fontRef idx="minor">
-            <a:schemeClr val="tx1"/>
-          </a:fontRef>
-        </p:style>
-      </p:cxnSp>
-      <p:sp>
-        <p:nvSpPr>
-          <p:cNvPr id="23" name="텍스트 상자 84">
-            <a:extLst>
-              <a:ext uri="{FF2B5EF4-FFF2-40B4-BE49-F238E27FC236}">
-                <a16:creationId xmlns:a16="http://schemas.microsoft.com/office/drawing/2014/main" id="{FA5EEBD5-46D1-46F4-BC93-5474D6E76FE6}"/>
-              </a:ext>
-            </a:extLst>
-          </p:cNvPr>
-          <p:cNvSpPr txBox="1">
-            <a:spLocks/>
-          </p:cNvSpPr>
-          <p:nvPr/>
-        </p:nvSpPr>
-        <p:spPr>
-          <a:xfrm>
-            <a:off x="520065" y="2195195"/>
-            <a:ext cx="1279525" cy="339725"/>
-          </a:xfrm>
-          <a:prstGeom prst="rect">
-            <a:avLst/>
-          </a:prstGeom>
-          <a:noFill/>
-          <a:ln w="0">
-            <a:noFill/>
-            <a:prstDash/>
-          </a:ln>
-        </p:spPr>
-        <p:txBody>
-          <a:bodyPr vert="horz" wrap="square" lIns="89535" tIns="46355" rIns="89535" bIns="46355" numCol="1" anchor="t">
-            <a:spAutoFit/>
-          </a:bodyPr>
-          <a:lstStyle/>
-          <a:p>
-            <a:pPr marL="0" indent="0" algn="l" defTabSz="508000" hangingPunct="1">
-              <a:buFontTx/>
-              <a:buNone/>
-            </a:pPr>
-            <a:r>
-              <a:rPr lang="ko-KR" sz="800">
-                <a:latin typeface="맑은 고딕" charset="0"/>
-                <a:ea typeface="맑은 고딕" charset="0"/>
-              </a:rPr>
-              <a:t>용도 카테고리(국, 찌개, 무침,</a:t>
-            </a:r>
-            <a:endParaRPr lang="ko-KR" altLang="en-US" sz="800">
-              <a:latin typeface="맑은 고딕" charset="0"/>
-              <a:ea typeface="맑은 고딕" charset="0"/>
-            </a:endParaRPr>
-          </a:p>
-        </p:txBody>
-      </p:sp>
-      <p:sp>
-        <p:nvSpPr>
-          <p:cNvPr id="24" name="텍스트 상자 85">
-            <a:extLst>
-              <a:ext uri="{FF2B5EF4-FFF2-40B4-BE49-F238E27FC236}">
-                <a16:creationId xmlns:a16="http://schemas.microsoft.com/office/drawing/2014/main" id="{AE546F63-27B1-4441-B84C-02D392B6D45B}"/>
-              </a:ext>
-            </a:extLst>
-          </p:cNvPr>
-          <p:cNvSpPr txBox="1">
-            <a:spLocks/>
-          </p:cNvSpPr>
-          <p:nvPr/>
-        </p:nvSpPr>
-        <p:spPr>
-          <a:xfrm>
-            <a:off x="519430" y="1280795"/>
-            <a:ext cx="1279525" cy="216535"/>
-          </a:xfrm>
-          <a:prstGeom prst="rect">
-            <a:avLst/>
-          </a:prstGeom>
-          <a:noFill/>
-          <a:ln w="0">
-            <a:noFill/>
-            <a:prstDash/>
-          </a:ln>
-        </p:spPr>
-        <p:txBody>
-          <a:bodyPr vert="horz" wrap="square" lIns="89535" tIns="46355" rIns="89535" bIns="46355" numCol="1" anchor="t">
-            <a:spAutoFit/>
-          </a:bodyPr>
-          <a:lstStyle/>
-          <a:p>
-            <a:pPr marL="0" indent="0" algn="l" defTabSz="508000" hangingPunct="1">
-              <a:buFontTx/>
-              <a:buNone/>
-            </a:pPr>
-            <a:r>
-              <a:rPr lang="ko-KR" sz="800" dirty="0">
-                <a:latin typeface="맑은 고딕" charset="0"/>
-                <a:ea typeface="맑은 고딕" charset="0"/>
-              </a:rPr>
-              <a:t>종류 , 이름</a:t>
-            </a:r>
-            <a:endParaRPr lang="ko-KR" altLang="en-US" sz="800" dirty="0">
-              <a:latin typeface="맑은 고딕" charset="0"/>
-              <a:ea typeface="맑은 고딕" charset="0"/>
-            </a:endParaRPr>
-          </a:p>
-        </p:txBody>
-      </p:sp>
-      <p:sp>
-        <p:nvSpPr>
-          <p:cNvPr id="25" name="도형 2">
-            <a:extLst>
-              <a:ext uri="{FF2B5EF4-FFF2-40B4-BE49-F238E27FC236}">
-                <a16:creationId xmlns:a16="http://schemas.microsoft.com/office/drawing/2014/main" id="{5DC88484-14D1-4A4D-8204-18AC6E681727}"/>
-              </a:ext>
-            </a:extLst>
-          </p:cNvPr>
-          <p:cNvSpPr>
-            <a:spLocks/>
-          </p:cNvSpPr>
-          <p:nvPr/>
-        </p:nvSpPr>
-        <p:spPr>
-          <a:xfrm>
-            <a:off x="5946269" y="1010602"/>
-            <a:ext cx="2664460" cy="3823335"/>
-          </a:xfrm>
-          <a:prstGeom prst="rect">
-            <a:avLst/>
-          </a:prstGeom>
-          <a:solidFill>
-            <a:schemeClr val="bg1"/>
-          </a:solidFill>
-          <a:ln w="28575" cap="flat" cmpd="sng">
-            <a:solidFill>
-              <a:schemeClr val="tx1">
-                <a:alpha val="100000"/>
-              </a:schemeClr>
-            </a:solidFill>
-            <a:prstDash val="solid"/>
-            <a:round/>
-          </a:ln>
-        </p:spPr>
-        <p:style>
-          <a:lnRef idx="2">
-            <a:schemeClr val="accent1">
-              <a:shade val="50000"/>
-            </a:schemeClr>
-          </a:lnRef>
-          <a:fillRef idx="1">
-            <a:schemeClr val="accent1"/>
-          </a:fillRef>
-          <a:effectRef idx="0">
-            <a:schemeClr val="accent1"/>
-          </a:effectRef>
-          <a:fontRef idx="minor">
-            <a:schemeClr val="lt1"/>
-          </a:fontRef>
-        </p:style>
-        <p:txBody>
-          <a:bodyPr vert="horz" wrap="square" lIns="91440" tIns="45720" rIns="91440" bIns="45720" anchor="ctr">
-            <a:noAutofit/>
-          </a:bodyPr>
-          <a:lstStyle/>
-          <a:p>
-            <a:pPr marL="0" indent="0" algn="l" defTabSz="508000" hangingPunct="1"/>
-            <a:endParaRPr lang="ko-KR" altLang="en-US" sz="1800">
-              <a:latin typeface="맑은 고딕" charset="0"/>
-              <a:ea typeface="맑은 고딕" charset="0"/>
-            </a:endParaRPr>
-          </a:p>
-        </p:txBody>
-      </p:sp>
-      <p:sp>
-        <p:nvSpPr>
-          <p:cNvPr id="26" name="텍스트 상자 3">
-            <a:extLst>
-              <a:ext uri="{FF2B5EF4-FFF2-40B4-BE49-F238E27FC236}">
-                <a16:creationId xmlns:a16="http://schemas.microsoft.com/office/drawing/2014/main" id="{C7FE2DB2-4925-48EA-A8E0-BA6A4EB80887}"/>
-              </a:ext>
-            </a:extLst>
-          </p:cNvPr>
-          <p:cNvSpPr txBox="1">
-            <a:spLocks/>
-          </p:cNvSpPr>
-          <p:nvPr/>
-        </p:nvSpPr>
-        <p:spPr>
-          <a:xfrm>
-            <a:off x="5951984" y="1016952"/>
-            <a:ext cx="2664460" cy="370205"/>
-          </a:xfrm>
-          <a:prstGeom prst="rect">
-            <a:avLst/>
-          </a:prstGeom>
-          <a:noFill/>
-          <a:ln w="28575" cap="flat" cmpd="sng">
-            <a:solidFill>
-              <a:srgbClr val="000000">
-                <a:alpha val="100000"/>
-              </a:srgbClr>
-            </a:solidFill>
-            <a:prstDash val="solid"/>
-            <a:round/>
-          </a:ln>
-        </p:spPr>
-        <p:txBody>
-          <a:bodyPr vert="horz" wrap="square" lIns="89535" tIns="46355" rIns="89535" bIns="46355" anchor="t">
-            <a:spAutoFit/>
-          </a:bodyPr>
-          <a:lstStyle/>
-          <a:p>
-            <a:pPr marL="0" indent="0" algn="ctr" defTabSz="508000" hangingPunct="1"/>
-            <a:r>
-              <a:rPr lang="ko-KR" sz="1800" dirty="0" err="1">
-                <a:latin typeface="맑은 고딕" charset="0"/>
-                <a:ea typeface="맑은 고딕" charset="0"/>
-              </a:rPr>
-              <a:t>T</a:t>
-            </a:r>
-            <a:r>
-              <a:rPr lang="ko-KR" sz="1800" dirty="0">
-                <a:latin typeface="맑은 고딕" charset="0"/>
-                <a:ea typeface="맑은 고딕" charset="0"/>
-              </a:rPr>
-              <a:t> - XX : XX : XX</a:t>
-            </a:r>
-            <a:endParaRPr lang="ko-KR" altLang="en-US" sz="1800" dirty="0">
-              <a:latin typeface="맑은 고딕" charset="0"/>
-              <a:ea typeface="맑은 고딕" charset="0"/>
-            </a:endParaRPr>
-          </a:p>
-        </p:txBody>
-      </p:sp>
-      <p:sp>
-        <p:nvSpPr>
-          <p:cNvPr id="27" name="도형 4">
-            <a:extLst>
-              <a:ext uri="{FF2B5EF4-FFF2-40B4-BE49-F238E27FC236}">
-                <a16:creationId xmlns:a16="http://schemas.microsoft.com/office/drawing/2014/main" id="{0D2E24EF-FBA6-48B2-9B84-0C1FBF218331}"/>
-              </a:ext>
-            </a:extLst>
-          </p:cNvPr>
-          <p:cNvSpPr>
-            <a:spLocks/>
-          </p:cNvSpPr>
-          <p:nvPr/>
-        </p:nvSpPr>
-        <p:spPr>
-          <a:xfrm>
-            <a:off x="5941189" y="4473892"/>
-            <a:ext cx="2664460" cy="372745"/>
-          </a:xfrm>
-          <a:prstGeom prst="rect">
-            <a:avLst/>
-          </a:prstGeom>
-          <a:solidFill>
-            <a:schemeClr val="bg1"/>
-          </a:solidFill>
-          <a:ln w="28575" cap="flat" cmpd="sng">
-            <a:solidFill>
-              <a:schemeClr val="tx1">
-                <a:alpha val="100000"/>
-              </a:schemeClr>
-            </a:solidFill>
-            <a:prstDash val="solid"/>
-            <a:round/>
-          </a:ln>
-        </p:spPr>
-        <p:style>
-          <a:lnRef idx="2">
-            <a:schemeClr val="accent1">
-              <a:shade val="50000"/>
-            </a:schemeClr>
-          </a:lnRef>
-          <a:fillRef idx="1">
-            <a:schemeClr val="accent1"/>
-          </a:fillRef>
-          <a:effectRef idx="0">
-            <a:schemeClr val="accent1"/>
-          </a:effectRef>
-          <a:fontRef idx="minor">
-            <a:schemeClr val="lt1"/>
-          </a:fontRef>
-        </p:style>
-        <p:txBody>
-          <a:bodyPr vert="horz" wrap="square" lIns="91440" tIns="45720" rIns="91440" bIns="45720" anchor="ctr">
-            <a:noAutofit/>
-          </a:bodyPr>
-          <a:lstStyle/>
-          <a:p>
-            <a:pPr marL="0" indent="0" algn="ctr" defTabSz="508000" hangingPunct="1"/>
-            <a:endParaRPr lang="ko-KR" altLang="en-US" sz="1800">
-              <a:latin typeface="맑은 고딕" charset="0"/>
-              <a:ea typeface="맑은 고딕" charset="0"/>
-            </a:endParaRPr>
-          </a:p>
-        </p:txBody>
-      </p:sp>
-      <p:cxnSp>
-        <p:nvCxnSpPr>
-          <p:cNvPr id="28" name="도형 5">
-            <a:extLst>
-              <a:ext uri="{FF2B5EF4-FFF2-40B4-BE49-F238E27FC236}">
-                <a16:creationId xmlns:a16="http://schemas.microsoft.com/office/drawing/2014/main" id="{173547BF-EF5D-47A7-AC22-310FA156C9CC}"/>
-              </a:ext>
-            </a:extLst>
-          </p:cNvPr>
-          <p:cNvCxnSpPr/>
-          <p:nvPr/>
-        </p:nvCxnSpPr>
-        <p:spPr>
-          <a:xfrm>
-            <a:off x="6573014" y="4456747"/>
-            <a:ext cx="635" cy="398780"/>
-          </a:xfrm>
-          <a:prstGeom prst="line">
-            <a:avLst/>
-          </a:prstGeom>
-          <a:ln w="28575" cap="flat" cmpd="sng">
-            <a:solidFill>
-              <a:schemeClr val="tx1">
-                <a:alpha val="100000"/>
-              </a:schemeClr>
-            </a:solidFill>
-            <a:prstDash val="solid"/>
-            <a:round/>
-          </a:ln>
-        </p:spPr>
-        <p:style>
-          <a:lnRef idx="1">
-            <a:schemeClr val="accent1"/>
-          </a:lnRef>
-          <a:fillRef idx="0">
-            <a:schemeClr val="accent1"/>
-          </a:fillRef>
-          <a:effectRef idx="0">
-            <a:schemeClr val="accent1"/>
-          </a:effectRef>
-          <a:fontRef idx="minor">
-            <a:schemeClr val="tx1"/>
-          </a:fontRef>
-        </p:style>
-      </p:cxnSp>
-      <p:cxnSp>
-        <p:nvCxnSpPr>
-          <p:cNvPr id="29" name="도형 6">
-            <a:extLst>
-              <a:ext uri="{FF2B5EF4-FFF2-40B4-BE49-F238E27FC236}">
-                <a16:creationId xmlns:a16="http://schemas.microsoft.com/office/drawing/2014/main" id="{52CB6D51-B197-4555-B30E-72A42755FC69}"/>
-              </a:ext>
-            </a:extLst>
-          </p:cNvPr>
-          <p:cNvCxnSpPr/>
-          <p:nvPr/>
-        </p:nvCxnSpPr>
-        <p:spPr>
-          <a:xfrm>
-            <a:off x="7889369" y="4459287"/>
-            <a:ext cx="635" cy="398780"/>
-          </a:xfrm>
-          <a:prstGeom prst="line">
-            <a:avLst/>
-          </a:prstGeom>
-          <a:ln w="28575" cap="flat" cmpd="sng">
-            <a:solidFill>
-              <a:schemeClr val="tx1">
-                <a:alpha val="100000"/>
-              </a:schemeClr>
-            </a:solidFill>
-            <a:prstDash val="solid"/>
-            <a:round/>
-          </a:ln>
-        </p:spPr>
-        <p:style>
-          <a:lnRef idx="1">
-            <a:schemeClr val="accent1"/>
-          </a:lnRef>
-          <a:fillRef idx="0">
-            <a:schemeClr val="accent1"/>
-          </a:fillRef>
-          <a:effectRef idx="0">
-            <a:schemeClr val="accent1"/>
-          </a:effectRef>
-          <a:fontRef idx="minor">
-            <a:schemeClr val="tx1"/>
-          </a:fontRef>
-        </p:style>
-      </p:cxnSp>
-      <p:cxnSp>
-        <p:nvCxnSpPr>
-          <p:cNvPr id="30" name="도형 7">
-            <a:extLst>
-              <a:ext uri="{FF2B5EF4-FFF2-40B4-BE49-F238E27FC236}">
-                <a16:creationId xmlns:a16="http://schemas.microsoft.com/office/drawing/2014/main" id="{7AA5D454-E138-4DA4-8310-6B5AD42533E6}"/>
-              </a:ext>
-            </a:extLst>
-          </p:cNvPr>
-          <p:cNvCxnSpPr/>
-          <p:nvPr/>
-        </p:nvCxnSpPr>
-        <p:spPr>
-          <a:xfrm>
-            <a:off x="7199759" y="4452937"/>
-            <a:ext cx="635" cy="398780"/>
-          </a:xfrm>
-          <a:prstGeom prst="line">
-            <a:avLst/>
-          </a:prstGeom>
-          <a:ln w="28575" cap="flat" cmpd="sng">
-            <a:solidFill>
-              <a:schemeClr val="tx1">
-                <a:alpha val="100000"/>
-              </a:schemeClr>
-            </a:solidFill>
-            <a:prstDash val="solid"/>
-            <a:round/>
-          </a:ln>
-        </p:spPr>
-        <p:style>
-          <a:lnRef idx="1">
-            <a:schemeClr val="accent1"/>
-          </a:lnRef>
-          <a:fillRef idx="0">
-            <a:schemeClr val="accent1"/>
-          </a:fillRef>
-          <a:effectRef idx="0">
-            <a:schemeClr val="accent1"/>
-          </a:effectRef>
-          <a:fontRef idx="minor">
-            <a:schemeClr val="tx1"/>
-          </a:fontRef>
-        </p:style>
-      </p:cxnSp>
-      <p:sp>
-        <p:nvSpPr>
-          <p:cNvPr id="31" name="도형 8">
-            <a:extLst>
-              <a:ext uri="{FF2B5EF4-FFF2-40B4-BE49-F238E27FC236}">
-                <a16:creationId xmlns:a16="http://schemas.microsoft.com/office/drawing/2014/main" id="{343EB731-BD82-4168-AD2C-64581DF968DB}"/>
-              </a:ext>
-            </a:extLst>
-          </p:cNvPr>
-          <p:cNvSpPr>
-            <a:spLocks/>
-          </p:cNvSpPr>
-          <p:nvPr/>
-        </p:nvSpPr>
-        <p:spPr>
-          <a:xfrm>
-            <a:off x="6044694" y="4508817"/>
-            <a:ext cx="389890" cy="139065"/>
-          </a:xfrm>
-          <a:prstGeom prst="triangle">
-            <a:avLst/>
-          </a:prstGeom>
-          <a:solidFill>
-            <a:schemeClr val="bg1"/>
-          </a:solidFill>
-          <a:ln w="28575" cap="flat" cmpd="sng">
-            <a:solidFill>
-              <a:schemeClr val="tx1">
-                <a:alpha val="100000"/>
-              </a:schemeClr>
-            </a:solidFill>
-            <a:prstDash val="solid"/>
-            <a:round/>
-          </a:ln>
-        </p:spPr>
-        <p:style>
-          <a:lnRef idx="2">
-            <a:schemeClr val="accent1">
-              <a:shade val="50000"/>
-            </a:schemeClr>
-          </a:lnRef>
-          <a:fillRef idx="1">
-            <a:schemeClr val="accent1"/>
-          </a:fillRef>
-          <a:effectRef idx="0">
-            <a:schemeClr val="accent1"/>
-          </a:effectRef>
-          <a:fontRef idx="minor">
-            <a:schemeClr val="lt1"/>
-          </a:fontRef>
-        </p:style>
-        <p:txBody>
-          <a:bodyPr vert="horz" wrap="square" lIns="91440" tIns="45720" rIns="91440" bIns="45720" anchor="ctr">
-            <a:noAutofit/>
-          </a:bodyPr>
-          <a:lstStyle/>
-          <a:p>
-            <a:pPr marL="0" indent="0" algn="ctr" defTabSz="508000" hangingPunct="1"/>
-            <a:endParaRPr lang="ko-KR" altLang="en-US" sz="1800">
-              <a:latin typeface="맑은 고딕" charset="0"/>
-              <a:ea typeface="맑은 고딕" charset="0"/>
-            </a:endParaRPr>
-          </a:p>
-        </p:txBody>
-      </p:sp>
-      <p:sp>
-        <p:nvSpPr>
-          <p:cNvPr id="32" name="도형 9">
-            <a:extLst>
-              <a:ext uri="{FF2B5EF4-FFF2-40B4-BE49-F238E27FC236}">
-                <a16:creationId xmlns:a16="http://schemas.microsoft.com/office/drawing/2014/main" id="{374A67BF-D0D2-4280-8EB9-948A83E510BE}"/>
-              </a:ext>
-            </a:extLst>
-          </p:cNvPr>
-          <p:cNvSpPr>
-            <a:spLocks/>
-          </p:cNvSpPr>
-          <p:nvPr/>
-        </p:nvSpPr>
-        <p:spPr>
-          <a:xfrm>
-            <a:off x="6148199" y="4647882"/>
-            <a:ext cx="190500" cy="190500"/>
-          </a:xfrm>
-          <a:prstGeom prst="rect">
-            <a:avLst/>
-          </a:prstGeom>
-          <a:solidFill>
-            <a:schemeClr val="bg1"/>
-          </a:solidFill>
-          <a:ln w="28575" cap="flat" cmpd="sng">
-            <a:solidFill>
-              <a:schemeClr val="tx1">
-                <a:alpha val="100000"/>
-              </a:schemeClr>
-            </a:solidFill>
-            <a:prstDash val="solid"/>
-            <a:round/>
-          </a:ln>
-        </p:spPr>
-        <p:style>
-          <a:lnRef idx="2">
-            <a:schemeClr val="accent1">
-              <a:shade val="50000"/>
-            </a:schemeClr>
-          </a:lnRef>
-          <a:fillRef idx="1">
-            <a:schemeClr val="accent1"/>
-          </a:fillRef>
-          <a:effectRef idx="0">
-            <a:schemeClr val="accent1"/>
-          </a:effectRef>
-          <a:fontRef idx="minor">
-            <a:schemeClr val="lt1"/>
-          </a:fontRef>
-        </p:style>
-        <p:txBody>
-          <a:bodyPr vert="horz" wrap="square" lIns="91440" tIns="45720" rIns="91440" bIns="45720" anchor="ctr">
-            <a:noAutofit/>
-          </a:bodyPr>
-          <a:lstStyle/>
-          <a:p>
-            <a:pPr marL="0" indent="0" algn="ctr" defTabSz="508000" hangingPunct="1"/>
-            <a:endParaRPr lang="ko-KR" altLang="en-US" sz="1800">
-              <a:latin typeface="맑은 고딕" charset="0"/>
-              <a:ea typeface="맑은 고딕" charset="0"/>
-            </a:endParaRPr>
-          </a:p>
-        </p:txBody>
-      </p:sp>
-      <p:cxnSp>
-        <p:nvCxnSpPr>
-          <p:cNvPr id="33" name="도형 10">
-            <a:extLst>
-              <a:ext uri="{FF2B5EF4-FFF2-40B4-BE49-F238E27FC236}">
-                <a16:creationId xmlns:a16="http://schemas.microsoft.com/office/drawing/2014/main" id="{401F980E-68D1-4176-8725-B603292AE296}"/>
-              </a:ext>
-            </a:extLst>
-          </p:cNvPr>
-          <p:cNvCxnSpPr/>
-          <p:nvPr/>
-        </p:nvCxnSpPr>
-        <p:spPr>
-          <a:xfrm>
-            <a:off x="6727954" y="4551997"/>
-            <a:ext cx="303530" cy="635"/>
-          </a:xfrm>
-          <a:prstGeom prst="line">
-            <a:avLst/>
-          </a:prstGeom>
-          <a:ln w="28575" cap="flat" cmpd="sng">
-            <a:solidFill>
-              <a:schemeClr val="tx1">
-                <a:alpha val="100000"/>
-              </a:schemeClr>
-            </a:solidFill>
-            <a:prstDash val="solid"/>
-            <a:round/>
-          </a:ln>
-        </p:spPr>
-        <p:style>
-          <a:lnRef idx="1">
-            <a:schemeClr val="accent1"/>
-          </a:lnRef>
-          <a:fillRef idx="0">
-            <a:schemeClr val="accent1"/>
-          </a:fillRef>
-          <a:effectRef idx="0">
-            <a:schemeClr val="accent1"/>
-          </a:effectRef>
-          <a:fontRef idx="minor">
-            <a:schemeClr val="tx1"/>
-          </a:fontRef>
-        </p:style>
-      </p:cxnSp>
-      <p:cxnSp>
-        <p:nvCxnSpPr>
-          <p:cNvPr id="34" name="도형 11">
-            <a:extLst>
-              <a:ext uri="{FF2B5EF4-FFF2-40B4-BE49-F238E27FC236}">
-                <a16:creationId xmlns:a16="http://schemas.microsoft.com/office/drawing/2014/main" id="{28490207-713F-4149-8777-771908DB3AC7}"/>
-              </a:ext>
-            </a:extLst>
-          </p:cNvPr>
-          <p:cNvCxnSpPr/>
-          <p:nvPr/>
-        </p:nvCxnSpPr>
-        <p:spPr>
-          <a:xfrm>
-            <a:off x="6731129" y="4623752"/>
-            <a:ext cx="303530" cy="635"/>
-          </a:xfrm>
-          <a:prstGeom prst="line">
-            <a:avLst/>
-          </a:prstGeom>
-          <a:ln w="28575" cap="flat" cmpd="sng">
-            <a:solidFill>
-              <a:schemeClr val="tx1">
-                <a:alpha val="100000"/>
-              </a:schemeClr>
-            </a:solidFill>
-            <a:prstDash val="solid"/>
-            <a:round/>
-          </a:ln>
-        </p:spPr>
-        <p:style>
-          <a:lnRef idx="1">
-            <a:schemeClr val="accent1"/>
-          </a:lnRef>
-          <a:fillRef idx="0">
-            <a:schemeClr val="accent1"/>
-          </a:fillRef>
-          <a:effectRef idx="0">
-            <a:schemeClr val="accent1"/>
-          </a:effectRef>
-          <a:fontRef idx="minor">
-            <a:schemeClr val="tx1"/>
-          </a:fontRef>
-        </p:style>
-      </p:cxnSp>
-      <p:cxnSp>
-        <p:nvCxnSpPr>
-          <p:cNvPr id="35" name="도형 12">
-            <a:extLst>
-              <a:ext uri="{FF2B5EF4-FFF2-40B4-BE49-F238E27FC236}">
-                <a16:creationId xmlns:a16="http://schemas.microsoft.com/office/drawing/2014/main" id="{382211BC-A170-4CDA-97EE-278D975A836C}"/>
-              </a:ext>
-            </a:extLst>
-          </p:cNvPr>
-          <p:cNvCxnSpPr/>
-          <p:nvPr/>
-        </p:nvCxnSpPr>
-        <p:spPr>
-          <a:xfrm>
-            <a:off x="6734304" y="4678362"/>
-            <a:ext cx="303530" cy="635"/>
-          </a:xfrm>
-          <a:prstGeom prst="line">
-            <a:avLst/>
-          </a:prstGeom>
-          <a:ln w="28575" cap="flat" cmpd="sng">
-            <a:solidFill>
-              <a:schemeClr val="tx1">
-                <a:alpha val="100000"/>
-              </a:schemeClr>
-            </a:solidFill>
-            <a:prstDash val="solid"/>
-            <a:round/>
-          </a:ln>
-        </p:spPr>
-        <p:style>
-          <a:lnRef idx="1">
-            <a:schemeClr val="accent1"/>
-          </a:lnRef>
-          <a:fillRef idx="0">
-            <a:schemeClr val="accent1"/>
-          </a:fillRef>
-          <a:effectRef idx="0">
-            <a:schemeClr val="accent1"/>
-          </a:effectRef>
-          <a:fontRef idx="minor">
-            <a:schemeClr val="tx1"/>
-          </a:fontRef>
-        </p:style>
-      </p:cxnSp>
-      <p:cxnSp>
-        <p:nvCxnSpPr>
-          <p:cNvPr id="36" name="도형 13">
-            <a:extLst>
-              <a:ext uri="{FF2B5EF4-FFF2-40B4-BE49-F238E27FC236}">
-                <a16:creationId xmlns:a16="http://schemas.microsoft.com/office/drawing/2014/main" id="{F694CDC2-BA57-44E2-8EB7-D3690B0405C5}"/>
-              </a:ext>
-            </a:extLst>
-          </p:cNvPr>
-          <p:cNvCxnSpPr/>
-          <p:nvPr/>
-        </p:nvCxnSpPr>
-        <p:spPr>
-          <a:xfrm>
-            <a:off x="6737479" y="4750117"/>
-            <a:ext cx="303530" cy="635"/>
-          </a:xfrm>
-          <a:prstGeom prst="line">
-            <a:avLst/>
-          </a:prstGeom>
-          <a:ln w="28575" cap="flat" cmpd="sng">
-            <a:solidFill>
-              <a:schemeClr val="tx1">
-                <a:alpha val="100000"/>
-              </a:schemeClr>
-            </a:solidFill>
-            <a:prstDash val="solid"/>
-            <a:round/>
-          </a:ln>
-        </p:spPr>
-        <p:style>
-          <a:lnRef idx="1">
-            <a:schemeClr val="accent1"/>
-          </a:lnRef>
-          <a:fillRef idx="0">
-            <a:schemeClr val="accent1"/>
-          </a:fillRef>
-          <a:effectRef idx="0">
-            <a:schemeClr val="accent1"/>
-          </a:effectRef>
-          <a:fontRef idx="minor">
-            <a:schemeClr val="tx1"/>
-          </a:fontRef>
-        </p:style>
-      </p:cxnSp>
-      <p:sp>
-        <p:nvSpPr>
-          <p:cNvPr id="37" name="도형 14">
-            <a:extLst>
-              <a:ext uri="{FF2B5EF4-FFF2-40B4-BE49-F238E27FC236}">
-                <a16:creationId xmlns:a16="http://schemas.microsoft.com/office/drawing/2014/main" id="{CE30CC4B-CA09-40F6-AF4A-D923F600857B}"/>
-              </a:ext>
-            </a:extLst>
-          </p:cNvPr>
-          <p:cNvSpPr>
-            <a:spLocks/>
-          </p:cNvSpPr>
-          <p:nvPr/>
-        </p:nvSpPr>
-        <p:spPr>
-          <a:xfrm>
-            <a:off x="7394069" y="4517707"/>
-            <a:ext cx="199390" cy="182245"/>
-          </a:xfrm>
-          <a:prstGeom prst="ellipse">
-            <a:avLst/>
-          </a:prstGeom>
-          <a:solidFill>
-            <a:schemeClr val="bg1"/>
-          </a:solidFill>
-          <a:ln w="28575" cap="flat" cmpd="sng">
-            <a:solidFill>
-              <a:schemeClr val="tx1">
-                <a:alpha val="100000"/>
-              </a:schemeClr>
-            </a:solidFill>
-            <a:prstDash val="solid"/>
-            <a:miter lim="800000"/>
-          </a:ln>
-        </p:spPr>
-        <p:style>
-          <a:lnRef idx="2">
-            <a:schemeClr val="accent1">
-              <a:shade val="50000"/>
-            </a:schemeClr>
-          </a:lnRef>
-          <a:fillRef idx="1">
-            <a:schemeClr val="accent1"/>
-          </a:fillRef>
-          <a:effectRef idx="0">
-            <a:schemeClr val="accent1"/>
-          </a:effectRef>
-          <a:fontRef idx="minor">
-            <a:schemeClr val="lt1"/>
-          </a:fontRef>
-        </p:style>
-        <p:txBody>
-          <a:bodyPr vert="horz" wrap="square" lIns="91440" tIns="45720" rIns="91440" bIns="45720" anchor="ctr">
-            <a:noAutofit/>
-          </a:bodyPr>
-          <a:lstStyle/>
-          <a:p>
-            <a:pPr marL="0" indent="0" algn="ctr" defTabSz="508000" hangingPunct="1"/>
-            <a:endParaRPr lang="ko-KR" altLang="en-US" sz="1800">
-              <a:latin typeface="맑은 고딕" charset="0"/>
-              <a:ea typeface="맑은 고딕" charset="0"/>
-            </a:endParaRPr>
-          </a:p>
-        </p:txBody>
-      </p:sp>
-      <p:cxnSp>
-        <p:nvCxnSpPr>
-          <p:cNvPr id="38" name="도형 15">
-            <a:extLst>
-              <a:ext uri="{FF2B5EF4-FFF2-40B4-BE49-F238E27FC236}">
-                <a16:creationId xmlns:a16="http://schemas.microsoft.com/office/drawing/2014/main" id="{275617D6-5E8C-4B41-86B0-FCFE331DB4CB}"/>
-              </a:ext>
-            </a:extLst>
-          </p:cNvPr>
-          <p:cNvCxnSpPr/>
-          <p:nvPr/>
-        </p:nvCxnSpPr>
-        <p:spPr>
-          <a:xfrm>
-            <a:off x="7563614" y="4672647"/>
-            <a:ext cx="151130" cy="122555"/>
-          </a:xfrm>
-          <a:prstGeom prst="line">
-            <a:avLst/>
-          </a:prstGeom>
-          <a:ln w="28575" cap="flat" cmpd="sng">
-            <a:solidFill>
-              <a:schemeClr val="tx1">
-                <a:alpha val="100000"/>
-              </a:schemeClr>
-            </a:solidFill>
-            <a:prstDash val="solid"/>
-            <a:miter lim="800000"/>
-          </a:ln>
-        </p:spPr>
-        <p:style>
-          <a:lnRef idx="1">
-            <a:schemeClr val="accent1"/>
-          </a:lnRef>
-          <a:fillRef idx="0">
-            <a:schemeClr val="accent1"/>
-          </a:fillRef>
-          <a:effectRef idx="0">
-            <a:schemeClr val="accent1"/>
-          </a:effectRef>
-          <a:fontRef idx="minor">
-            <a:schemeClr val="tx1"/>
-          </a:fontRef>
-        </p:style>
-      </p:cxnSp>
-      <p:sp>
-        <p:nvSpPr>
-          <p:cNvPr id="39" name="도형 16">
-            <a:extLst>
-              <a:ext uri="{FF2B5EF4-FFF2-40B4-BE49-F238E27FC236}">
-                <a16:creationId xmlns:a16="http://schemas.microsoft.com/office/drawing/2014/main" id="{51689095-54E2-4035-B609-66D7DACE86A4}"/>
-              </a:ext>
-            </a:extLst>
-          </p:cNvPr>
-          <p:cNvSpPr>
-            <a:spLocks/>
-          </p:cNvSpPr>
-          <p:nvPr/>
-        </p:nvSpPr>
-        <p:spPr>
-          <a:xfrm>
-            <a:off x="8189724" y="4482782"/>
-            <a:ext cx="182880" cy="182245"/>
-          </a:xfrm>
-          <a:prstGeom prst="ellipse">
-            <a:avLst/>
-          </a:prstGeom>
-          <a:solidFill>
-            <a:schemeClr val="bg1"/>
-          </a:solidFill>
-          <a:ln w="28575" cap="flat" cmpd="sng">
-            <a:solidFill>
-              <a:srgbClr val="000000">
-                <a:alpha val="100000"/>
-              </a:srgbClr>
-            </a:solidFill>
-            <a:prstDash val="solid"/>
-            <a:miter lim="800000"/>
-          </a:ln>
-        </p:spPr>
-        <p:style>
-          <a:lnRef idx="2">
-            <a:schemeClr val="accent1">
-              <a:shade val="50000"/>
-            </a:schemeClr>
-          </a:lnRef>
-          <a:fillRef idx="1">
-            <a:schemeClr val="accent1"/>
-          </a:fillRef>
-          <a:effectRef idx="0">
-            <a:schemeClr val="accent1"/>
-          </a:effectRef>
-          <a:fontRef idx="minor">
-            <a:schemeClr val="lt1"/>
-          </a:fontRef>
-        </p:style>
-        <p:txBody>
-          <a:bodyPr vert="horz" wrap="square" lIns="91440" tIns="45720" rIns="91440" bIns="45720" anchor="ctr">
-            <a:noAutofit/>
-          </a:bodyPr>
-          <a:lstStyle/>
-          <a:p>
-            <a:pPr marL="0" indent="0" algn="ctr" defTabSz="508000" hangingPunct="1"/>
-            <a:endParaRPr lang="ko-KR" altLang="en-US" sz="1800">
-              <a:latin typeface="맑은 고딕" charset="0"/>
-              <a:ea typeface="맑은 고딕" charset="0"/>
-            </a:endParaRPr>
-          </a:p>
-        </p:txBody>
-      </p:sp>
-      <p:sp>
-        <p:nvSpPr>
-          <p:cNvPr id="40" name="도형 17">
-            <a:extLst>
-              <a:ext uri="{FF2B5EF4-FFF2-40B4-BE49-F238E27FC236}">
-                <a16:creationId xmlns:a16="http://schemas.microsoft.com/office/drawing/2014/main" id="{B0835189-30A5-44E1-9842-432951FC53DF}"/>
-              </a:ext>
-            </a:extLst>
-          </p:cNvPr>
-          <p:cNvSpPr>
-            <a:spLocks/>
-          </p:cNvSpPr>
-          <p:nvPr/>
-        </p:nvSpPr>
-        <p:spPr>
-          <a:xfrm>
-            <a:off x="8138289" y="4664392"/>
-            <a:ext cx="276860" cy="173990"/>
-          </a:xfrm>
-          <a:prstGeom prst="round2SameRect">
-            <a:avLst/>
-          </a:prstGeom>
-          <a:solidFill>
-            <a:schemeClr val="bg1"/>
-          </a:solidFill>
-          <a:ln w="28575" cap="flat" cmpd="sng">
-            <a:solidFill>
-              <a:srgbClr val="000000">
-                <a:alpha val="100000"/>
-              </a:srgbClr>
-            </a:solidFill>
-            <a:prstDash val="solid"/>
-            <a:miter lim="800000"/>
-          </a:ln>
-        </p:spPr>
-        <p:style>
-          <a:lnRef idx="2">
-            <a:schemeClr val="accent1">
-              <a:shade val="50000"/>
-            </a:schemeClr>
-          </a:lnRef>
-          <a:fillRef idx="1">
-            <a:schemeClr val="accent1"/>
-          </a:fillRef>
-          <a:effectRef idx="0">
-            <a:schemeClr val="accent1"/>
-          </a:effectRef>
-          <a:fontRef idx="minor">
-            <a:schemeClr val="lt1"/>
-          </a:fontRef>
-        </p:style>
-        <p:txBody>
-          <a:bodyPr vert="horz" wrap="square" lIns="91440" tIns="45720" rIns="91440" bIns="45720" anchor="ctr">
-            <a:noAutofit/>
-          </a:bodyPr>
-          <a:lstStyle/>
-          <a:p>
-            <a:pPr marL="0" indent="0" algn="ctr" defTabSz="508000" hangingPunct="1"/>
-            <a:endParaRPr lang="ko-KR" altLang="en-US" sz="1800">
-              <a:latin typeface="맑은 고딕" charset="0"/>
-              <a:ea typeface="맑은 고딕" charset="0"/>
-            </a:endParaRPr>
-          </a:p>
-        </p:txBody>
-      </p:sp>
-      <p:sp>
-        <p:nvSpPr>
-          <p:cNvPr id="41" name="도형 50">
-            <a:extLst>
-              <a:ext uri="{FF2B5EF4-FFF2-40B4-BE49-F238E27FC236}">
-                <a16:creationId xmlns:a16="http://schemas.microsoft.com/office/drawing/2014/main" id="{92663AB1-7E6A-4FB9-BB34-461203D0F0F8}"/>
-              </a:ext>
-            </a:extLst>
-          </p:cNvPr>
-          <p:cNvSpPr>
-            <a:spLocks/>
-          </p:cNvSpPr>
-          <p:nvPr/>
-        </p:nvSpPr>
-        <p:spPr>
-          <a:xfrm>
-            <a:off x="6226304" y="1654492"/>
-            <a:ext cx="2110740" cy="433070"/>
-          </a:xfrm>
-          <a:prstGeom prst="roundRect">
-            <a:avLst/>
-          </a:prstGeom>
-          <a:solidFill>
-            <a:schemeClr val="bg1"/>
-          </a:solidFill>
-          <a:ln w="28575" cap="flat" cmpd="sng">
-            <a:solidFill>
-              <a:srgbClr val="000000">
-                <a:alpha val="100000"/>
-              </a:srgbClr>
-            </a:solidFill>
-            <a:prstDash val="solid"/>
-            <a:miter lim="800000"/>
-          </a:ln>
-        </p:spPr>
-        <p:style>
-          <a:lnRef idx="2">
-            <a:schemeClr val="accent1">
-              <a:shade val="50000"/>
-            </a:schemeClr>
-          </a:lnRef>
-          <a:fillRef idx="1">
-            <a:schemeClr val="accent1"/>
-          </a:fillRef>
-          <a:effectRef idx="0">
-            <a:schemeClr val="accent1"/>
-          </a:effectRef>
-          <a:fontRef idx="minor">
-            <a:schemeClr val="lt1"/>
-          </a:fontRef>
-        </p:style>
-        <p:txBody>
-          <a:bodyPr vert="horz" wrap="square" lIns="91440" tIns="45720" rIns="91440" bIns="45720" anchor="ctr">
-            <a:noAutofit/>
-          </a:bodyPr>
-          <a:lstStyle/>
-          <a:p>
-            <a:pPr marL="0" indent="0" algn="ctr" defTabSz="508000" hangingPunct="1"/>
-            <a:endParaRPr lang="ko-KR" altLang="en-US" sz="1800">
-              <a:latin typeface="맑은 고딕" charset="0"/>
-              <a:ea typeface="맑은 고딕" charset="0"/>
-            </a:endParaRPr>
-          </a:p>
-        </p:txBody>
-      </p:sp>
-      <p:sp>
-        <p:nvSpPr>
-          <p:cNvPr id="42" name="텍스트 상자 51">
-            <a:extLst>
-              <a:ext uri="{FF2B5EF4-FFF2-40B4-BE49-F238E27FC236}">
-                <a16:creationId xmlns:a16="http://schemas.microsoft.com/office/drawing/2014/main" id="{DCBE8412-B1A0-41CC-8688-357CDAA1BAA0}"/>
-              </a:ext>
-            </a:extLst>
-          </p:cNvPr>
-          <p:cNvSpPr txBox="1">
-            <a:spLocks/>
-          </p:cNvSpPr>
-          <p:nvPr/>
-        </p:nvSpPr>
-        <p:spPr>
-          <a:xfrm>
-            <a:off x="6338699" y="1758632"/>
-            <a:ext cx="415925" cy="231775"/>
-          </a:xfrm>
-          <a:prstGeom prst="rect">
-            <a:avLst/>
-          </a:prstGeom>
-          <a:noFill/>
-          <a:ln w="0" cap="flat" cmpd="sng">
-            <a:solidFill>
-              <a:schemeClr val="tx1">
-                <a:alpha val="100000"/>
-              </a:schemeClr>
-            </a:solidFill>
-            <a:prstDash val="solid"/>
-          </a:ln>
-        </p:spPr>
-        <p:txBody>
-          <a:bodyPr vert="horz" wrap="square" lIns="89535" tIns="46355" rIns="89535" bIns="46355" anchor="t">
-            <a:spAutoFit/>
-          </a:bodyPr>
-          <a:lstStyle/>
-          <a:p>
-            <a:pPr marL="0" indent="0" algn="l" defTabSz="508000" hangingPunct="1"/>
-            <a:r>
-              <a:rPr lang="ko-KR" sz="900" dirty="0">
-                <a:latin typeface="맑은 고딕" charset="0"/>
-                <a:ea typeface="맑은 고딕" charset="0"/>
-              </a:rPr>
-              <a:t>사진</a:t>
-            </a:r>
-            <a:endParaRPr lang="ko-KR" altLang="en-US" sz="900" dirty="0">
-              <a:latin typeface="맑은 고딕" charset="0"/>
-              <a:ea typeface="맑은 고딕" charset="0"/>
-            </a:endParaRPr>
-          </a:p>
-        </p:txBody>
-      </p:sp>
-      <p:sp>
-        <p:nvSpPr>
-          <p:cNvPr id="43" name="도형 52">
-            <a:extLst>
-              <a:ext uri="{FF2B5EF4-FFF2-40B4-BE49-F238E27FC236}">
-                <a16:creationId xmlns:a16="http://schemas.microsoft.com/office/drawing/2014/main" id="{D5BCBCB9-062C-4427-9174-42A0440CF1DF}"/>
-              </a:ext>
-            </a:extLst>
-          </p:cNvPr>
-          <p:cNvSpPr>
-            <a:spLocks/>
-          </p:cNvSpPr>
-          <p:nvPr/>
-        </p:nvSpPr>
-        <p:spPr>
-          <a:xfrm>
-            <a:off x="7402959" y="1844992"/>
-            <a:ext cx="381000" cy="200025"/>
-          </a:xfrm>
-          <a:prstGeom prst="flowChartTerminator">
-            <a:avLst/>
-          </a:prstGeom>
-          <a:solidFill>
-            <a:schemeClr val="bg1"/>
-          </a:solidFill>
-          <a:ln w="12700" cap="flat" cmpd="sng">
-            <a:solidFill>
-              <a:schemeClr val="tx1">
-                <a:alpha val="100000"/>
-              </a:schemeClr>
-            </a:solidFill>
-            <a:prstDash val="solid"/>
-          </a:ln>
-        </p:spPr>
-        <p:style>
-          <a:lnRef idx="2">
-            <a:schemeClr val="accent1">
-              <a:shade val="50000"/>
-            </a:schemeClr>
-          </a:lnRef>
-          <a:fillRef idx="1">
-            <a:schemeClr val="accent1"/>
-          </a:fillRef>
-          <a:effectRef idx="0">
-            <a:schemeClr val="accent1"/>
-          </a:effectRef>
-          <a:fontRef idx="minor">
-            <a:schemeClr val="lt1"/>
-          </a:fontRef>
-        </p:style>
-        <p:txBody>
-          <a:bodyPr vert="horz" wrap="square" lIns="91440" tIns="45720" rIns="91440" bIns="45720" anchor="ctr">
-            <a:noAutofit/>
-          </a:bodyPr>
-          <a:lstStyle/>
-          <a:p>
-            <a:pPr marL="0" indent="0" algn="ctr" defTabSz="508000" hangingPunct="1"/>
-            <a:r>
-              <a:rPr lang="ko-KR" sz="600">
-                <a:solidFill>
-                  <a:schemeClr val="tx1"/>
-                </a:solidFill>
-                <a:latin typeface="맑은 고딕" charset="0"/>
-                <a:ea typeface="맑은 고딕" charset="0"/>
-              </a:rPr>
-              <a:t>수정</a:t>
-            </a:r>
-            <a:endParaRPr lang="ko-KR" altLang="en-US" sz="600">
-              <a:solidFill>
-                <a:schemeClr val="tx1"/>
-              </a:solidFill>
-              <a:latin typeface="맑은 고딕" charset="0"/>
-              <a:ea typeface="맑은 고딕" charset="0"/>
-            </a:endParaRPr>
-          </a:p>
-        </p:txBody>
-      </p:sp>
-      <p:sp>
-        <p:nvSpPr>
-          <p:cNvPr id="44" name="도형 53">
-            <a:extLst>
-              <a:ext uri="{FF2B5EF4-FFF2-40B4-BE49-F238E27FC236}">
-                <a16:creationId xmlns:a16="http://schemas.microsoft.com/office/drawing/2014/main" id="{84164CE1-3086-4B16-8D89-31672E957BD0}"/>
-              </a:ext>
-            </a:extLst>
-          </p:cNvPr>
-          <p:cNvSpPr>
-            <a:spLocks/>
-          </p:cNvSpPr>
-          <p:nvPr/>
-        </p:nvSpPr>
-        <p:spPr>
-          <a:xfrm>
-            <a:off x="7811899" y="1838642"/>
-            <a:ext cx="381000" cy="200025"/>
-          </a:xfrm>
-          <a:prstGeom prst="flowChartTerminator">
-            <a:avLst/>
-          </a:prstGeom>
-          <a:solidFill>
-            <a:schemeClr val="bg1"/>
-          </a:solidFill>
-          <a:ln w="12700" cap="flat" cmpd="sng">
-            <a:solidFill>
-              <a:schemeClr val="tx1">
-                <a:alpha val="100000"/>
-              </a:schemeClr>
-            </a:solidFill>
-            <a:prstDash val="solid"/>
-          </a:ln>
-        </p:spPr>
-        <p:style>
-          <a:lnRef idx="2">
-            <a:schemeClr val="accent1">
-              <a:shade val="50000"/>
-            </a:schemeClr>
-          </a:lnRef>
-          <a:fillRef idx="1">
-            <a:schemeClr val="accent1"/>
-          </a:fillRef>
-          <a:effectRef idx="0">
-            <a:schemeClr val="accent1"/>
-          </a:effectRef>
-          <a:fontRef idx="minor">
-            <a:schemeClr val="lt1"/>
-          </a:fontRef>
-        </p:style>
-        <p:txBody>
-          <a:bodyPr vert="horz" wrap="square" lIns="91440" tIns="45720" rIns="91440" bIns="45720" anchor="ctr">
-            <a:noAutofit/>
-          </a:bodyPr>
-          <a:lstStyle/>
-          <a:p>
-            <a:pPr marL="0" indent="0" algn="ctr" defTabSz="508000" hangingPunct="1"/>
-            <a:r>
-              <a:rPr lang="ko-KR" sz="600">
-                <a:solidFill>
-                  <a:schemeClr val="tx1"/>
-                </a:solidFill>
-                <a:latin typeface="맑은 고딕" charset="0"/>
-                <a:ea typeface="맑은 고딕" charset="0"/>
-              </a:rPr>
-              <a:t>삭제</a:t>
-            </a:r>
-            <a:endParaRPr lang="ko-KR" altLang="en-US" sz="600">
-              <a:solidFill>
-                <a:schemeClr val="tx1"/>
-              </a:solidFill>
-              <a:latin typeface="맑은 고딕" charset="0"/>
-              <a:ea typeface="맑은 고딕" charset="0"/>
-            </a:endParaRPr>
-          </a:p>
-        </p:txBody>
-      </p:sp>
-      <p:sp>
-        <p:nvSpPr>
-          <p:cNvPr id="45" name="도형 54">
-            <a:extLst>
-              <a:ext uri="{FF2B5EF4-FFF2-40B4-BE49-F238E27FC236}">
-                <a16:creationId xmlns:a16="http://schemas.microsoft.com/office/drawing/2014/main" id="{518541F7-91CD-471A-91AE-C1568A66A260}"/>
-              </a:ext>
-            </a:extLst>
-          </p:cNvPr>
-          <p:cNvSpPr>
-            <a:spLocks/>
-          </p:cNvSpPr>
-          <p:nvPr/>
-        </p:nvSpPr>
-        <p:spPr>
-          <a:xfrm>
-            <a:off x="6229479" y="2219007"/>
-            <a:ext cx="2110740" cy="433070"/>
-          </a:xfrm>
-          <a:prstGeom prst="roundRect">
-            <a:avLst/>
-          </a:prstGeom>
-          <a:solidFill>
-            <a:schemeClr val="bg1"/>
-          </a:solidFill>
-          <a:ln w="28575" cap="flat" cmpd="sng">
-            <a:solidFill>
-              <a:srgbClr val="000000">
-                <a:alpha val="100000"/>
-              </a:srgbClr>
-            </a:solidFill>
-            <a:prstDash val="solid"/>
-            <a:miter lim="800000"/>
-          </a:ln>
-        </p:spPr>
-        <p:style>
-          <a:lnRef idx="2">
-            <a:schemeClr val="accent1">
-              <a:shade val="50000"/>
-            </a:schemeClr>
-          </a:lnRef>
-          <a:fillRef idx="1">
-            <a:schemeClr val="accent1"/>
-          </a:fillRef>
-          <a:effectRef idx="0">
-            <a:schemeClr val="accent1"/>
-          </a:effectRef>
-          <a:fontRef idx="minor">
-            <a:schemeClr val="lt1"/>
-          </a:fontRef>
-        </p:style>
-        <p:txBody>
-          <a:bodyPr vert="horz" wrap="square" lIns="91440" tIns="45720" rIns="91440" bIns="45720" anchor="ctr">
-            <a:noAutofit/>
-          </a:bodyPr>
-          <a:lstStyle/>
-          <a:p>
-            <a:pPr marL="0" indent="0" algn="ctr" defTabSz="508000" hangingPunct="1"/>
-            <a:endParaRPr lang="ko-KR" altLang="en-US" sz="1800">
-              <a:latin typeface="맑은 고딕" charset="0"/>
-              <a:ea typeface="맑은 고딕" charset="0"/>
-            </a:endParaRPr>
-          </a:p>
-        </p:txBody>
-      </p:sp>
-      <p:sp>
-        <p:nvSpPr>
-          <p:cNvPr id="46" name="텍스트 상자 55">
-            <a:extLst>
-              <a:ext uri="{FF2B5EF4-FFF2-40B4-BE49-F238E27FC236}">
-                <a16:creationId xmlns:a16="http://schemas.microsoft.com/office/drawing/2014/main" id="{93E08C90-0A3D-4536-B3BC-2638150B746E}"/>
-              </a:ext>
-            </a:extLst>
-          </p:cNvPr>
-          <p:cNvSpPr txBox="1">
-            <a:spLocks/>
-          </p:cNvSpPr>
-          <p:nvPr/>
-        </p:nvSpPr>
-        <p:spPr>
-          <a:xfrm>
-            <a:off x="6332984" y="2323147"/>
-            <a:ext cx="415925" cy="231775"/>
-          </a:xfrm>
-          <a:prstGeom prst="rect">
-            <a:avLst/>
-          </a:prstGeom>
-          <a:noFill/>
-          <a:ln w="0" cap="flat" cmpd="sng">
-            <a:solidFill>
-              <a:schemeClr val="tx1">
-                <a:alpha val="100000"/>
-              </a:schemeClr>
-            </a:solidFill>
-            <a:prstDash val="solid"/>
-          </a:ln>
-        </p:spPr>
-        <p:txBody>
-          <a:bodyPr vert="horz" wrap="square" lIns="89535" tIns="46355" rIns="89535" bIns="46355" anchor="t">
-            <a:spAutoFit/>
-          </a:bodyPr>
-          <a:lstStyle/>
-          <a:p>
-            <a:pPr marL="0" indent="0" algn="l" defTabSz="508000" hangingPunct="1"/>
-            <a:r>
-              <a:rPr lang="ko-KR" sz="900">
-                <a:latin typeface="맑은 고딕" charset="0"/>
-                <a:ea typeface="맑은 고딕" charset="0"/>
-              </a:rPr>
-              <a:t>사진</a:t>
-            </a:r>
-            <a:endParaRPr lang="ko-KR" altLang="en-US" sz="900">
-              <a:latin typeface="맑은 고딕" charset="0"/>
-              <a:ea typeface="맑은 고딕" charset="0"/>
-            </a:endParaRPr>
-          </a:p>
-        </p:txBody>
-      </p:sp>
-      <p:sp>
-        <p:nvSpPr>
-          <p:cNvPr id="47" name="도형 56">
-            <a:extLst>
-              <a:ext uri="{FF2B5EF4-FFF2-40B4-BE49-F238E27FC236}">
-                <a16:creationId xmlns:a16="http://schemas.microsoft.com/office/drawing/2014/main" id="{BDF6DC04-6285-42F9-8E6E-5C45EF088748}"/>
-              </a:ext>
-            </a:extLst>
-          </p:cNvPr>
-          <p:cNvSpPr>
-            <a:spLocks/>
-          </p:cNvSpPr>
-          <p:nvPr/>
-        </p:nvSpPr>
-        <p:spPr>
-          <a:xfrm>
-            <a:off x="7431534" y="2400617"/>
-            <a:ext cx="381000" cy="200025"/>
-          </a:xfrm>
-          <a:prstGeom prst="flowChartTerminator">
-            <a:avLst/>
-          </a:prstGeom>
-          <a:solidFill>
-            <a:schemeClr val="bg1"/>
-          </a:solidFill>
-          <a:ln w="12700" cap="flat" cmpd="sng">
-            <a:solidFill>
-              <a:schemeClr val="tx1">
-                <a:alpha val="100000"/>
-              </a:schemeClr>
-            </a:solidFill>
-            <a:prstDash val="solid"/>
-          </a:ln>
-        </p:spPr>
-        <p:style>
-          <a:lnRef idx="2">
-            <a:schemeClr val="accent1">
-              <a:shade val="50000"/>
-            </a:schemeClr>
-          </a:lnRef>
-          <a:fillRef idx="1">
-            <a:schemeClr val="accent1"/>
-          </a:fillRef>
-          <a:effectRef idx="0">
-            <a:schemeClr val="accent1"/>
-          </a:effectRef>
-          <a:fontRef idx="minor">
-            <a:schemeClr val="lt1"/>
-          </a:fontRef>
-        </p:style>
-        <p:txBody>
-          <a:bodyPr vert="horz" wrap="square" lIns="91440" tIns="45720" rIns="91440" bIns="45720" anchor="ctr">
-            <a:noAutofit/>
-          </a:bodyPr>
-          <a:lstStyle/>
-          <a:p>
-            <a:pPr marL="0" indent="0" algn="ctr" defTabSz="508000" hangingPunct="1"/>
-            <a:r>
-              <a:rPr lang="ko-KR" sz="600">
-                <a:solidFill>
-                  <a:schemeClr val="tx1"/>
-                </a:solidFill>
-                <a:latin typeface="맑은 고딕" charset="0"/>
-                <a:ea typeface="맑은 고딕" charset="0"/>
-              </a:rPr>
-              <a:t>수정</a:t>
-            </a:r>
-            <a:endParaRPr lang="ko-KR" altLang="en-US" sz="600">
-              <a:solidFill>
-                <a:schemeClr val="tx1"/>
-              </a:solidFill>
-              <a:latin typeface="맑은 고딕" charset="0"/>
-              <a:ea typeface="맑은 고딕" charset="0"/>
-            </a:endParaRPr>
-          </a:p>
-        </p:txBody>
-      </p:sp>
-      <p:sp>
-        <p:nvSpPr>
-          <p:cNvPr id="48" name="도형 57">
-            <a:extLst>
-              <a:ext uri="{FF2B5EF4-FFF2-40B4-BE49-F238E27FC236}">
-                <a16:creationId xmlns:a16="http://schemas.microsoft.com/office/drawing/2014/main" id="{AB04F9BC-C8FD-4E8D-A6C3-3C674C445FF9}"/>
-              </a:ext>
-            </a:extLst>
-          </p:cNvPr>
-          <p:cNvSpPr>
-            <a:spLocks/>
-          </p:cNvSpPr>
-          <p:nvPr/>
-        </p:nvSpPr>
-        <p:spPr>
-          <a:xfrm>
-            <a:off x="7849364" y="2403157"/>
-            <a:ext cx="381000" cy="200025"/>
-          </a:xfrm>
-          <a:prstGeom prst="flowChartTerminator">
-            <a:avLst/>
-          </a:prstGeom>
-          <a:solidFill>
-            <a:schemeClr val="bg1"/>
-          </a:solidFill>
-          <a:ln w="12700" cap="flat" cmpd="sng">
-            <a:solidFill>
-              <a:schemeClr val="tx1">
-                <a:alpha val="100000"/>
-              </a:schemeClr>
-            </a:solidFill>
-            <a:prstDash val="solid"/>
-          </a:ln>
-        </p:spPr>
-        <p:style>
-          <a:lnRef idx="2">
-            <a:schemeClr val="accent1">
-              <a:shade val="50000"/>
-            </a:schemeClr>
-          </a:lnRef>
-          <a:fillRef idx="1">
-            <a:schemeClr val="accent1"/>
-          </a:fillRef>
-          <a:effectRef idx="0">
-            <a:schemeClr val="accent1"/>
-          </a:effectRef>
-          <a:fontRef idx="minor">
-            <a:schemeClr val="lt1"/>
-          </a:fontRef>
-        </p:style>
-        <p:txBody>
-          <a:bodyPr vert="horz" wrap="square" lIns="91440" tIns="45720" rIns="91440" bIns="45720" anchor="ctr">
-            <a:noAutofit/>
-          </a:bodyPr>
-          <a:lstStyle/>
-          <a:p>
-            <a:pPr marL="0" indent="0" algn="ctr" defTabSz="508000" hangingPunct="1"/>
-            <a:r>
-              <a:rPr lang="ko-KR" sz="600">
-                <a:solidFill>
-                  <a:schemeClr val="tx1"/>
-                </a:solidFill>
-                <a:latin typeface="맑은 고딕" charset="0"/>
-                <a:ea typeface="맑은 고딕" charset="0"/>
-              </a:rPr>
-              <a:t>삭제</a:t>
-            </a:r>
-            <a:endParaRPr lang="ko-KR" altLang="en-US" sz="600">
-              <a:solidFill>
-                <a:schemeClr val="tx1"/>
-              </a:solidFill>
-              <a:latin typeface="맑은 고딕" charset="0"/>
-              <a:ea typeface="맑은 고딕" charset="0"/>
-            </a:endParaRPr>
-          </a:p>
-        </p:txBody>
-      </p:sp>
-      <p:sp>
-        <p:nvSpPr>
-          <p:cNvPr id="49" name="도형 58">
-            <a:extLst>
-              <a:ext uri="{FF2B5EF4-FFF2-40B4-BE49-F238E27FC236}">
-                <a16:creationId xmlns:a16="http://schemas.microsoft.com/office/drawing/2014/main" id="{7F472B82-C016-4CD3-BCA4-00EF026830FF}"/>
-              </a:ext>
-            </a:extLst>
-          </p:cNvPr>
-          <p:cNvSpPr>
-            <a:spLocks/>
-          </p:cNvSpPr>
-          <p:nvPr/>
-        </p:nvSpPr>
-        <p:spPr>
-          <a:xfrm>
-            <a:off x="6223129" y="2792412"/>
-            <a:ext cx="2110740" cy="433070"/>
-          </a:xfrm>
-          <a:prstGeom prst="roundRect">
-            <a:avLst/>
-          </a:prstGeom>
-          <a:solidFill>
-            <a:schemeClr val="bg1"/>
-          </a:solidFill>
-          <a:ln w="28575" cap="flat" cmpd="sng">
-            <a:solidFill>
-              <a:srgbClr val="000000">
-                <a:alpha val="100000"/>
-              </a:srgbClr>
-            </a:solidFill>
-            <a:prstDash val="solid"/>
-            <a:miter lim="800000"/>
-          </a:ln>
-        </p:spPr>
-        <p:style>
-          <a:lnRef idx="2">
-            <a:schemeClr val="accent1">
-              <a:shade val="50000"/>
-            </a:schemeClr>
-          </a:lnRef>
-          <a:fillRef idx="1">
-            <a:schemeClr val="accent1"/>
-          </a:fillRef>
-          <a:effectRef idx="0">
-            <a:schemeClr val="accent1"/>
-          </a:effectRef>
-          <a:fontRef idx="minor">
-            <a:schemeClr val="lt1"/>
-          </a:fontRef>
-        </p:style>
-        <p:txBody>
-          <a:bodyPr vert="horz" wrap="square" lIns="91440" tIns="45720" rIns="91440" bIns="45720" anchor="ctr">
-            <a:noAutofit/>
-          </a:bodyPr>
-          <a:lstStyle/>
-          <a:p>
-            <a:pPr marL="0" indent="0" algn="ctr" defTabSz="508000" hangingPunct="1"/>
-            <a:endParaRPr lang="ko-KR" altLang="en-US" sz="1800">
-              <a:latin typeface="맑은 고딕" charset="0"/>
-              <a:ea typeface="맑은 고딕" charset="0"/>
-            </a:endParaRPr>
-          </a:p>
-        </p:txBody>
-      </p:sp>
-      <p:sp>
-        <p:nvSpPr>
-          <p:cNvPr id="50" name="텍스트 상자 59">
-            <a:extLst>
-              <a:ext uri="{FF2B5EF4-FFF2-40B4-BE49-F238E27FC236}">
-                <a16:creationId xmlns:a16="http://schemas.microsoft.com/office/drawing/2014/main" id="{02318A57-99F3-46AF-AAA5-8AF75EBAF855}"/>
-              </a:ext>
-            </a:extLst>
-          </p:cNvPr>
-          <p:cNvSpPr txBox="1">
-            <a:spLocks/>
-          </p:cNvSpPr>
-          <p:nvPr/>
-        </p:nvSpPr>
-        <p:spPr>
-          <a:xfrm>
-            <a:off x="6326634" y="2896552"/>
-            <a:ext cx="415925" cy="231775"/>
-          </a:xfrm>
-          <a:prstGeom prst="rect">
-            <a:avLst/>
-          </a:prstGeom>
-          <a:noFill/>
-          <a:ln w="0" cap="flat" cmpd="sng">
-            <a:solidFill>
-              <a:schemeClr val="tx1">
-                <a:alpha val="100000"/>
-              </a:schemeClr>
-            </a:solidFill>
-            <a:prstDash val="solid"/>
-          </a:ln>
-        </p:spPr>
-        <p:txBody>
-          <a:bodyPr vert="horz" wrap="square" lIns="89535" tIns="46355" rIns="89535" bIns="46355" anchor="t">
-            <a:spAutoFit/>
-          </a:bodyPr>
-          <a:lstStyle/>
-          <a:p>
-            <a:pPr marL="0" indent="0" algn="l" defTabSz="508000" hangingPunct="1"/>
-            <a:r>
-              <a:rPr lang="ko-KR" sz="900">
-                <a:latin typeface="맑은 고딕" charset="0"/>
-                <a:ea typeface="맑은 고딕" charset="0"/>
-              </a:rPr>
-              <a:t>사진</a:t>
-            </a:r>
-            <a:endParaRPr lang="ko-KR" altLang="en-US" sz="900">
-              <a:latin typeface="맑은 고딕" charset="0"/>
-              <a:ea typeface="맑은 고딕" charset="0"/>
-            </a:endParaRPr>
-          </a:p>
-        </p:txBody>
-      </p:sp>
-      <p:sp>
-        <p:nvSpPr>
-          <p:cNvPr id="51" name="도형 60">
-            <a:extLst>
-              <a:ext uri="{FF2B5EF4-FFF2-40B4-BE49-F238E27FC236}">
-                <a16:creationId xmlns:a16="http://schemas.microsoft.com/office/drawing/2014/main" id="{76E72F56-1234-42DF-AF71-8F38B6485F3F}"/>
-              </a:ext>
-            </a:extLst>
-          </p:cNvPr>
-          <p:cNvSpPr>
-            <a:spLocks/>
-          </p:cNvSpPr>
-          <p:nvPr/>
-        </p:nvSpPr>
-        <p:spPr>
-          <a:xfrm>
-            <a:off x="7425184" y="2974022"/>
-            <a:ext cx="381000" cy="200025"/>
-          </a:xfrm>
-          <a:prstGeom prst="flowChartTerminator">
-            <a:avLst/>
-          </a:prstGeom>
-          <a:solidFill>
-            <a:schemeClr val="bg1"/>
-          </a:solidFill>
-          <a:ln w="12700" cap="flat" cmpd="sng">
-            <a:solidFill>
-              <a:schemeClr val="tx1">
-                <a:alpha val="100000"/>
-              </a:schemeClr>
-            </a:solidFill>
-            <a:prstDash val="solid"/>
-          </a:ln>
-        </p:spPr>
-        <p:style>
-          <a:lnRef idx="2">
-            <a:schemeClr val="accent1">
-              <a:shade val="50000"/>
-            </a:schemeClr>
-          </a:lnRef>
-          <a:fillRef idx="1">
-            <a:schemeClr val="accent1"/>
-          </a:fillRef>
-          <a:effectRef idx="0">
-            <a:schemeClr val="accent1"/>
-          </a:effectRef>
-          <a:fontRef idx="minor">
-            <a:schemeClr val="lt1"/>
-          </a:fontRef>
-        </p:style>
-        <p:txBody>
-          <a:bodyPr vert="horz" wrap="square" lIns="91440" tIns="45720" rIns="91440" bIns="45720" anchor="ctr">
-            <a:noAutofit/>
-          </a:bodyPr>
-          <a:lstStyle/>
-          <a:p>
-            <a:pPr marL="0" indent="0" algn="ctr" defTabSz="508000" hangingPunct="1"/>
-            <a:r>
-              <a:rPr lang="ko-KR" sz="600">
-                <a:solidFill>
-                  <a:schemeClr val="tx1"/>
-                </a:solidFill>
-                <a:latin typeface="맑은 고딕" charset="0"/>
-                <a:ea typeface="맑은 고딕" charset="0"/>
-              </a:rPr>
-              <a:t>수정</a:t>
-            </a:r>
-            <a:endParaRPr lang="ko-KR" altLang="en-US" sz="600">
-              <a:solidFill>
-                <a:schemeClr val="tx1"/>
-              </a:solidFill>
-              <a:latin typeface="맑은 고딕" charset="0"/>
-              <a:ea typeface="맑은 고딕" charset="0"/>
-            </a:endParaRPr>
-          </a:p>
-        </p:txBody>
-      </p:sp>
-      <p:sp>
-        <p:nvSpPr>
-          <p:cNvPr id="52" name="도형 61">
-            <a:extLst>
-              <a:ext uri="{FF2B5EF4-FFF2-40B4-BE49-F238E27FC236}">
-                <a16:creationId xmlns:a16="http://schemas.microsoft.com/office/drawing/2014/main" id="{F3E6F947-3164-49F4-8D32-7756BCA7FB6B}"/>
-              </a:ext>
-            </a:extLst>
-          </p:cNvPr>
-          <p:cNvSpPr>
-            <a:spLocks/>
-          </p:cNvSpPr>
-          <p:nvPr/>
-        </p:nvSpPr>
-        <p:spPr>
-          <a:xfrm>
-            <a:off x="7843014" y="2976562"/>
-            <a:ext cx="381000" cy="200025"/>
-          </a:xfrm>
-          <a:prstGeom prst="flowChartTerminator">
-            <a:avLst/>
-          </a:prstGeom>
-          <a:solidFill>
-            <a:schemeClr val="bg1"/>
-          </a:solidFill>
-          <a:ln w="12700" cap="flat" cmpd="sng">
-            <a:solidFill>
-              <a:schemeClr val="tx1">
-                <a:alpha val="100000"/>
-              </a:schemeClr>
-            </a:solidFill>
-            <a:prstDash val="solid"/>
-          </a:ln>
-        </p:spPr>
-        <p:style>
-          <a:lnRef idx="2">
-            <a:schemeClr val="accent1">
-              <a:shade val="50000"/>
-            </a:schemeClr>
-          </a:lnRef>
-          <a:fillRef idx="1">
-            <a:schemeClr val="accent1"/>
-          </a:fillRef>
-          <a:effectRef idx="0">
-            <a:schemeClr val="accent1"/>
-          </a:effectRef>
-          <a:fontRef idx="minor">
-            <a:schemeClr val="lt1"/>
-          </a:fontRef>
-        </p:style>
-        <p:txBody>
-          <a:bodyPr vert="horz" wrap="square" lIns="91440" tIns="45720" rIns="91440" bIns="45720" anchor="ctr">
-            <a:noAutofit/>
-          </a:bodyPr>
-          <a:lstStyle/>
-          <a:p>
-            <a:pPr marL="0" indent="0" algn="ctr" defTabSz="508000" hangingPunct="1"/>
-            <a:r>
-              <a:rPr lang="ko-KR" sz="600">
-                <a:solidFill>
-                  <a:schemeClr val="tx1"/>
-                </a:solidFill>
-                <a:latin typeface="맑은 고딕" charset="0"/>
-                <a:ea typeface="맑은 고딕" charset="0"/>
-              </a:rPr>
-              <a:t>삭제</a:t>
-            </a:r>
-            <a:endParaRPr lang="ko-KR" altLang="en-US" sz="600">
-              <a:solidFill>
-                <a:schemeClr val="tx1"/>
-              </a:solidFill>
-              <a:latin typeface="맑은 고딕" charset="0"/>
-              <a:ea typeface="맑은 고딕" charset="0"/>
-            </a:endParaRPr>
-          </a:p>
-        </p:txBody>
-      </p:sp>
-      <p:sp>
-        <p:nvSpPr>
-          <p:cNvPr id="53" name="도형 62">
-            <a:extLst>
-              <a:ext uri="{FF2B5EF4-FFF2-40B4-BE49-F238E27FC236}">
-                <a16:creationId xmlns:a16="http://schemas.microsoft.com/office/drawing/2014/main" id="{E15B1790-D865-4B19-92BE-1EFA712846BE}"/>
-              </a:ext>
-            </a:extLst>
-          </p:cNvPr>
-          <p:cNvSpPr>
-            <a:spLocks/>
-          </p:cNvSpPr>
-          <p:nvPr/>
-        </p:nvSpPr>
-        <p:spPr>
-          <a:xfrm>
-            <a:off x="7990969" y="4007167"/>
-            <a:ext cx="381000" cy="320040"/>
-          </a:xfrm>
-          <a:prstGeom prst="ellipse">
-            <a:avLst/>
-          </a:prstGeom>
-          <a:solidFill>
-            <a:schemeClr val="bg1"/>
-          </a:solidFill>
-          <a:ln w="28575" cap="flat" cmpd="sng">
-            <a:solidFill>
-              <a:schemeClr val="tx1">
-                <a:alpha val="100000"/>
-              </a:schemeClr>
-            </a:solidFill>
-            <a:prstDash val="solid"/>
-            <a:miter lim="800000"/>
-          </a:ln>
-        </p:spPr>
-        <p:style>
-          <a:lnRef idx="2">
-            <a:schemeClr val="accent1">
-              <a:shade val="50000"/>
-            </a:schemeClr>
-          </a:lnRef>
-          <a:fillRef idx="1">
-            <a:schemeClr val="accent1"/>
-          </a:fillRef>
-          <a:effectRef idx="0">
-            <a:schemeClr val="accent1"/>
-          </a:effectRef>
-          <a:fontRef idx="minor">
-            <a:schemeClr val="lt1"/>
-          </a:fontRef>
-        </p:style>
-        <p:txBody>
-          <a:bodyPr vert="horz" wrap="square" lIns="91440" tIns="45720" rIns="91440" bIns="45720" anchor="ctr">
-            <a:noAutofit/>
-          </a:bodyPr>
-          <a:lstStyle/>
-          <a:p>
-            <a:pPr marL="0" indent="0" algn="ctr" defTabSz="508000" hangingPunct="1"/>
-            <a:r>
-              <a:rPr lang="ko-KR" sz="2600">
-                <a:solidFill>
-                  <a:schemeClr val="tx1"/>
-                </a:solidFill>
-                <a:latin typeface="맑은 고딕" charset="0"/>
-                <a:ea typeface="맑은 고딕" charset="0"/>
-              </a:rPr>
-              <a:t>+</a:t>
-            </a:r>
-            <a:endParaRPr lang="ko-KR" altLang="en-US" sz="2600">
-              <a:solidFill>
-                <a:schemeClr val="tx1"/>
-              </a:solidFill>
-              <a:latin typeface="맑은 고딕" charset="0"/>
-              <a:ea typeface="맑은 고딕" charset="0"/>
-            </a:endParaRPr>
-          </a:p>
-        </p:txBody>
-      </p:sp>
-      <p:sp>
-        <p:nvSpPr>
-          <p:cNvPr id="54" name="직사각형 53">
-            <a:extLst>
-              <a:ext uri="{FF2B5EF4-FFF2-40B4-BE49-F238E27FC236}">
-                <a16:creationId xmlns:a16="http://schemas.microsoft.com/office/drawing/2014/main" id="{6E850AFB-D170-47DA-A334-09A44E454074}"/>
-              </a:ext>
-            </a:extLst>
-          </p:cNvPr>
-          <p:cNvSpPr/>
-          <p:nvPr/>
-        </p:nvSpPr>
-        <p:spPr>
-          <a:xfrm>
-            <a:off x="7819519" y="3950652"/>
-            <a:ext cx="676275" cy="416560"/>
-          </a:xfrm>
-          <a:prstGeom prst="rect">
-            <a:avLst/>
-          </a:prstGeom>
-          <a:noFill/>
-          <a:ln>
-            <a:solidFill>
-              <a:srgbClr val="FF0000"/>
-            </a:solidFill>
-          </a:ln>
-        </p:spPr>
-        <p:style>
-          <a:lnRef idx="2">
-            <a:schemeClr val="accent1">
-              <a:shade val="50000"/>
-            </a:schemeClr>
-          </a:lnRef>
-          <a:fillRef idx="1">
-            <a:schemeClr val="accent1"/>
-          </a:fillRef>
-          <a:effectRef idx="0">
-            <a:schemeClr val="accent1"/>
-          </a:effectRef>
-          <a:fontRef idx="minor">
-            <a:schemeClr val="lt1"/>
-          </a:fontRef>
-        </p:style>
-        <p:txBody>
-          <a:bodyPr rtlCol="0" anchor="ctr"/>
-          <a:lstStyle/>
-          <a:p>
-            <a:pPr algn="ctr"/>
-            <a:endParaRPr lang="ko-KR" altLang="en-US"/>
-          </a:p>
-        </p:txBody>
-      </p:sp>
-      <p:sp>
-        <p:nvSpPr>
-          <p:cNvPr id="55" name="직사각형 54">
-            <a:extLst>
-              <a:ext uri="{FF2B5EF4-FFF2-40B4-BE49-F238E27FC236}">
-                <a16:creationId xmlns:a16="http://schemas.microsoft.com/office/drawing/2014/main" id="{2BD30B95-B7A9-47A6-8223-B5A3A582FF1D}"/>
-              </a:ext>
-            </a:extLst>
-          </p:cNvPr>
-          <p:cNvSpPr/>
-          <p:nvPr/>
-        </p:nvSpPr>
-        <p:spPr>
-          <a:xfrm>
-            <a:off x="5831969" y="4453572"/>
-            <a:ext cx="856615" cy="416560"/>
-          </a:xfrm>
-          <a:prstGeom prst="rect">
-            <a:avLst/>
-          </a:prstGeom>
-          <a:noFill/>
-          <a:ln>
-            <a:solidFill>
-              <a:srgbClr val="FF0000"/>
-            </a:solidFill>
-          </a:ln>
-        </p:spPr>
-        <p:style>
-          <a:lnRef idx="2">
-            <a:schemeClr val="accent1">
-              <a:shade val="50000"/>
-            </a:schemeClr>
-          </a:lnRef>
-          <a:fillRef idx="1">
-            <a:schemeClr val="accent1"/>
-          </a:fillRef>
-          <a:effectRef idx="0">
-            <a:schemeClr val="accent1"/>
-          </a:effectRef>
-          <a:fontRef idx="minor">
-            <a:schemeClr val="lt1"/>
-          </a:fontRef>
-        </p:style>
-        <p:txBody>
-          <a:bodyPr rtlCol="0" anchor="ctr"/>
-          <a:lstStyle/>
-          <a:p>
-            <a:pPr algn="ctr"/>
-            <a:endParaRPr lang="ko-KR" altLang="en-US"/>
-          </a:p>
-        </p:txBody>
-      </p:sp>
-    </p:spTree>
-    <p:extLst>
-      <p:ext uri="{BB962C8B-B14F-4D97-AF65-F5344CB8AC3E}">
-        <p14:creationId xmlns:p14="http://schemas.microsoft.com/office/powerpoint/2010/main" val="4276765908"/>
-      </p:ext>
-    </p:extLst>
-  </p:cSld>
-  <p:clrMapOvr>
-    <a:masterClrMapping/>
-  </p:clrMapOvr>
-</p:sld>
-</file>
-
-<file path=ppt/slides/slide4.xml><?xml version="1.0" encoding="utf-8"?>
-<p:sld xmlns:a="http://schemas.openxmlformats.org/drawingml/2006/main" xmlns:r="http://schemas.openxmlformats.org/officeDocument/2006/relationships" xmlns:p="http://schemas.openxmlformats.org/presentationml/2006/main">
-  <p:cSld>
-    <p:spTree>
-      <p:nvGrpSpPr>
-        <p:cNvPr id="1" name=""/>
-        <p:cNvGrpSpPr/>
-        <p:nvPr/>
-      </p:nvGrpSpPr>
-      <p:grpSpPr>
-        <a:xfrm>
-          <a:off x="0" y="0"/>
-          <a:ext cx="0" cy="0"/>
-          <a:chOff x="0" y="0"/>
-          <a:chExt cx="0" cy="0"/>
-        </a:xfrm>
-      </p:grpSpPr>
-      <p:sp>
-        <p:nvSpPr>
           <p:cNvPr id="2" name="텍스트 상자 1"/>
           <p:cNvSpPr txBox="1">
             <a:spLocks/>
@@ -22503,7 +19290,7 @@
 </p:sld>
 </file>
 
-<file path=ppt/slides/slide5.xml><?xml version="1.0" encoding="utf-8"?>
+<file path=ppt/slides/slide4.xml><?xml version="1.0" encoding="utf-8"?>
 <p:sld xmlns:a="http://schemas.openxmlformats.org/drawingml/2006/main" xmlns:r="http://schemas.openxmlformats.org/officeDocument/2006/relationships" xmlns:p="http://schemas.openxmlformats.org/presentationml/2006/main">
   <p:cSld>
     <p:spTree>
@@ -27049,7 +23836,7 @@
 </p:sld>
 </file>
 
-<file path=ppt/slides/slide6.xml><?xml version="1.0" encoding="utf-8"?>
+<file path=ppt/slides/slide5.xml><?xml version="1.0" encoding="utf-8"?>
 <p:sld xmlns:a="http://schemas.openxmlformats.org/drawingml/2006/main" xmlns:r="http://schemas.openxmlformats.org/officeDocument/2006/relationships" xmlns:p="http://schemas.openxmlformats.org/presentationml/2006/main">
   <p:cSld>
     <p:spTree>

--- a/Documents/공모전 ver.1.pptx
+++ b/Documents/공모전 ver.1.pptx
@@ -285,7 +285,7 @@
                 <a:latin typeface="맑은 고딕" charset="0"/>
                 <a:ea typeface="맑은 고딕" charset="0"/>
               </a:rPr>
-              <a:t>2020-07-13</a:t>
+              <a:t>2020-07-17</a:t>
             </a:fld>
             <a:endParaRPr lang="ko-KR" altLang="en-US" sz="1200" b="0" cap="none" dirty="0">
               <a:solidFill>
@@ -718,7 +718,7 @@
                 <a:latin typeface="맑은 고딕" charset="0"/>
                 <a:ea typeface="맑은 고딕" charset="0"/>
               </a:rPr>
-              <a:t>2020-07-13</a:t>
+              <a:t>2020-07-17</a:t>
             </a:fld>
             <a:endParaRPr lang="ko-KR" altLang="en-US" sz="1200" b="0" cap="none" dirty="0">
               <a:solidFill>
@@ -1151,7 +1151,7 @@
                 <a:latin typeface="맑은 고딕" charset="0"/>
                 <a:ea typeface="맑은 고딕" charset="0"/>
               </a:rPr>
-              <a:t>2020-07-13</a:t>
+              <a:t>2020-07-17</a:t>
             </a:fld>
             <a:endParaRPr lang="ko-KR" altLang="en-US" sz="1200" b="0" cap="none" dirty="0">
               <a:solidFill>
@@ -1584,7 +1584,7 @@
                 <a:latin typeface="맑은 고딕" charset="0"/>
                 <a:ea typeface="맑은 고딕" charset="0"/>
               </a:rPr>
-              <a:t>2020-07-13</a:t>
+              <a:t>2020-07-17</a:t>
             </a:fld>
             <a:endParaRPr lang="ko-KR" altLang="en-US" sz="1200" b="0" cap="none" dirty="0">
               <a:solidFill>
@@ -1889,7 +1889,7 @@
                 <a:latin typeface="맑은 고딕" charset="0"/>
                 <a:ea typeface="맑은 고딕" charset="0"/>
               </a:rPr>
-              <a:t>2020-07-13</a:t>
+              <a:t>2020-07-17</a:t>
             </a:fld>
             <a:endParaRPr lang="ko-KR" altLang="en-US" sz="1200" b="0" cap="none" dirty="0">
               <a:solidFill>
@@ -2508,7 +2508,7 @@
                 <a:latin typeface="맑은 고딕" charset="0"/>
                 <a:ea typeface="맑은 고딕" charset="0"/>
               </a:rPr>
-              <a:t>2020-07-13</a:t>
+              <a:t>2020-07-17</a:t>
             </a:fld>
             <a:endParaRPr lang="ko-KR" altLang="en-US" sz="1200" b="0" cap="none" dirty="0">
               <a:solidFill>
@@ -3243,7 +3243,7 @@
                 <a:latin typeface="맑은 고딕" charset="0"/>
                 <a:ea typeface="맑은 고딕" charset="0"/>
               </a:rPr>
-              <a:t>2020-07-13</a:t>
+              <a:t>2020-07-17</a:t>
             </a:fld>
             <a:endParaRPr lang="ko-KR" altLang="en-US" sz="1200" b="0" cap="none" dirty="0">
               <a:solidFill>
@@ -3490,7 +3490,7 @@
                 <a:latin typeface="맑은 고딕" charset="0"/>
                 <a:ea typeface="맑은 고딕" charset="0"/>
               </a:rPr>
-              <a:t>2020-07-13</a:t>
+              <a:t>2020-07-17</a:t>
             </a:fld>
             <a:endParaRPr lang="ko-KR" altLang="en-US" sz="1200" b="0" cap="none" dirty="0">
               <a:solidFill>
@@ -3679,7 +3679,7 @@
                 <a:latin typeface="맑은 고딕" charset="0"/>
                 <a:ea typeface="맑은 고딕" charset="0"/>
               </a:rPr>
-              <a:t>2020-07-13</a:t>
+              <a:t>2020-07-17</a:t>
             </a:fld>
             <a:endParaRPr lang="ko-KR" altLang="en-US" sz="1200" b="0" cap="none" dirty="0">
               <a:solidFill>
@@ -4170,7 +4170,7 @@
                 <a:latin typeface="맑은 고딕" charset="0"/>
                 <a:ea typeface="맑은 고딕" charset="0"/>
               </a:rPr>
-              <a:t>2020-07-13</a:t>
+              <a:t>2020-07-17</a:t>
             </a:fld>
             <a:endParaRPr lang="ko-KR" altLang="en-US" sz="1200" b="0" cap="none" dirty="0">
               <a:solidFill>
@@ -4533,7 +4533,7 @@
                 <a:latin typeface="맑은 고딕" charset="0"/>
                 <a:ea typeface="맑은 고딕" charset="0"/>
               </a:rPr>
-              <a:t>2020-07-13</a:t>
+              <a:t>2020-07-17</a:t>
             </a:fld>
             <a:endParaRPr lang="ko-KR" altLang="en-US" sz="1200" b="0" cap="none" dirty="0">
               <a:solidFill>
@@ -4974,7 +4974,7 @@
                 <a:latin typeface="맑은 고딕" charset="0"/>
                 <a:ea typeface="맑은 고딕" charset="0"/>
               </a:rPr>
-              <a:t>2020-07-13</a:t>
+              <a:t>2020-07-17</a:t>
             </a:fld>
             <a:endParaRPr lang="ko-KR" altLang="en-US" sz="1800" b="0" cap="none" dirty="0">
               <a:solidFill>
@@ -11892,13 +11892,20 @@
               <a:buNone/>
             </a:pPr>
             <a:r>
-              <a:rPr lang="ko-KR" sz="800">
+              <a:rPr lang="ko-KR" sz="800" dirty="0">
                 <a:latin typeface="맑은 고딕" charset="0"/>
                 <a:ea typeface="맑은 고딕" charset="0"/>
               </a:rPr>
-              <a:t>정렬 : 마감순</a:t>
+              <a:t>정렬 : </a:t>
             </a:r>
-            <a:endParaRPr lang="ko-KR" altLang="en-US" sz="800">
+            <a:r>
+              <a:rPr lang="ko-KR" sz="800" dirty="0" err="1">
+                <a:latin typeface="맑은 고딕" charset="0"/>
+                <a:ea typeface="맑은 고딕" charset="0"/>
+              </a:rPr>
+              <a:t>마감순</a:t>
+            </a:r>
+            <a:endParaRPr lang="ko-KR" altLang="en-US" sz="800" dirty="0">
               <a:latin typeface="맑은 고딕" charset="0"/>
               <a:ea typeface="맑은 고딕" charset="0"/>
             </a:endParaRPr>
@@ -11909,13 +11916,13 @@
               <a:buNone/>
             </a:pPr>
             <a:r>
-              <a:rPr lang="ko-KR" sz="800">
+              <a:rPr lang="ko-KR" sz="800" dirty="0">
                 <a:latin typeface="맑은 고딕" charset="0"/>
                 <a:ea typeface="맑은 고딕" charset="0"/>
               </a:rPr>
               <a:t>        조회순</a:t>
             </a:r>
-            <a:endParaRPr lang="ko-KR" altLang="en-US" sz="800">
+            <a:endParaRPr lang="ko-KR" altLang="en-US" sz="800" dirty="0">
               <a:latin typeface="맑은 고딕" charset="0"/>
               <a:ea typeface="맑은 고딕" charset="0"/>
             </a:endParaRPr>
@@ -19253,7 +19260,7 @@
                   <a:schemeClr val="tx1"/>
                 </a:solidFill>
               </a:rPr>
-              <a:t>구매내역 </a:t>
+              <a:t>구매내역</a:t>
             </a:r>
             <a:r>
               <a:rPr lang="en-US" altLang="ko-KR" dirty="0">
@@ -19261,7 +19268,23 @@
                   <a:schemeClr val="tx1"/>
                 </a:solidFill>
               </a:rPr>
-              <a:t>5; </a:t>
+              <a:t>;</a:t>
+            </a:r>
+            <a:r>
+              <a:rPr lang="ko-KR" altLang="en-US" dirty="0">
+                <a:solidFill>
+                  <a:schemeClr val="tx1"/>
+                </a:solidFill>
+              </a:rPr>
+              <a:t> </a:t>
+            </a:r>
+            <a:r>
+              <a:rPr lang="en-US" altLang="ko-KR" dirty="0">
+                <a:solidFill>
+                  <a:schemeClr val="tx1"/>
+                </a:solidFill>
+              </a:rPr>
+              <a:t>5. </a:t>
             </a:r>
             <a:r>
               <a:rPr lang="ko-KR" altLang="en-US" dirty="0">
